--- a/LCC/Python/02_程式語言基本法.pptx
+++ b/LCC/Python/02_程式語言基本法.pptx
@@ -12,8 +12,9 @@
     <p:sldId id="260" r:id="rId6"/>
     <p:sldId id="263" r:id="rId7"/>
     <p:sldId id="264" r:id="rId8"/>
-    <p:sldId id="265" r:id="rId9"/>
-    <p:sldId id="266" r:id="rId10"/>
+    <p:sldId id="267" r:id="rId9"/>
+    <p:sldId id="265" r:id="rId10"/>
+    <p:sldId id="266" r:id="rId11"/>
   </p:sldIdLst>
   <p:sldSz cx="12192000" cy="6858000"/>
   <p:notesSz cx="6858000" cy="9144000"/>
@@ -5954,6 +5955,133 @@
 </p:sld>
 </file>
 
+<file path=ppt/slides/slide10.xml><?xml version="1.0" encoding="utf-8"?>
+<p:sld xmlns:a="http://schemas.openxmlformats.org/drawingml/2006/main" xmlns:r="http://schemas.openxmlformats.org/officeDocument/2006/relationships" xmlns:p="http://schemas.openxmlformats.org/presentationml/2006/main">
+  <p:cSld>
+    <p:spTree>
+      <p:nvGrpSpPr>
+        <p:cNvPr id="1" name=""/>
+        <p:cNvGrpSpPr/>
+        <p:nvPr/>
+      </p:nvGrpSpPr>
+      <p:grpSpPr>
+        <a:xfrm>
+          <a:off x="0" y="0"/>
+          <a:ext cx="0" cy="0"/>
+          <a:chOff x="0" y="0"/>
+          <a:chExt cx="0" cy="0"/>
+        </a:xfrm>
+      </p:grpSpPr>
+      <p:sp>
+        <p:nvSpPr>
+          <p:cNvPr id="2" name="標題 1"/>
+          <p:cNvSpPr>
+            <a:spLocks noGrp="1"/>
+          </p:cNvSpPr>
+          <p:nvPr>
+            <p:ph type="title"/>
+          </p:nvPr>
+        </p:nvSpPr>
+        <p:spPr/>
+        <p:txBody>
+          <a:bodyPr/>
+          <a:lstStyle/>
+          <a:p>
+            <a:r>
+              <a:rPr lang="zh-TW" altLang="en-US" dirty="0" smtClean="0"/>
+              <a:t>練習二參考解答</a:t>
+            </a:r>
+            <a:endParaRPr lang="zh-TW" altLang="en-US" dirty="0"/>
+          </a:p>
+        </p:txBody>
+      </p:sp>
+      <p:sp>
+        <p:nvSpPr>
+          <p:cNvPr id="3" name="內容版面配置區 2"/>
+          <p:cNvSpPr>
+            <a:spLocks noGrp="1"/>
+          </p:cNvSpPr>
+          <p:nvPr>
+            <p:ph idx="1"/>
+          </p:nvPr>
+        </p:nvSpPr>
+        <p:spPr/>
+        <p:txBody>
+          <a:bodyPr/>
+          <a:lstStyle/>
+          <a:p>
+            <a:endParaRPr lang="zh-TW" altLang="en-US" dirty="0"/>
+          </a:p>
+        </p:txBody>
+      </p:sp>
+      <p:pic>
+        <p:nvPicPr>
+          <p:cNvPr id="6" name="圖片 5"/>
+          <p:cNvPicPr>
+            <a:picLocks noChangeAspect="1"/>
+          </p:cNvPicPr>
+          <p:nvPr/>
+        </p:nvPicPr>
+        <p:blipFill>
+          <a:blip r:embed="rId2"/>
+          <a:stretch>
+            <a:fillRect/>
+          </a:stretch>
+        </p:blipFill>
+        <p:spPr>
+          <a:xfrm>
+            <a:off x="677334" y="1930400"/>
+            <a:ext cx="5838825" cy="4467225"/>
+          </a:xfrm>
+          <a:prstGeom prst="rect">
+            <a:avLst/>
+          </a:prstGeom>
+        </p:spPr>
+      </p:pic>
+      <p:pic>
+        <p:nvPicPr>
+          <p:cNvPr id="7" name="圖片 6"/>
+          <p:cNvPicPr>
+            <a:picLocks noChangeAspect="1"/>
+          </p:cNvPicPr>
+          <p:nvPr/>
+        </p:nvPicPr>
+        <p:blipFill>
+          <a:blip r:embed="rId3"/>
+          <a:stretch>
+            <a:fillRect/>
+          </a:stretch>
+        </p:blipFill>
+        <p:spPr>
+          <a:xfrm>
+            <a:off x="6867144" y="1930400"/>
+            <a:ext cx="2590800" cy="1647825"/>
+          </a:xfrm>
+          <a:prstGeom prst="rect">
+            <a:avLst/>
+          </a:prstGeom>
+        </p:spPr>
+      </p:pic>
+    </p:spTree>
+    <p:extLst>
+      <p:ext uri="{BB962C8B-B14F-4D97-AF65-F5344CB8AC3E}">
+        <p14:creationId xmlns:p14="http://schemas.microsoft.com/office/powerpoint/2010/main" val="2938798235"/>
+      </p:ext>
+    </p:extLst>
+  </p:cSld>
+  <p:clrMapOvr>
+    <a:masterClrMapping/>
+  </p:clrMapOvr>
+  <p:timing>
+    <p:tnLst>
+      <p:par>
+        <p:cTn id="1" dur="indefinite" restart="never" nodeType="tmRoot"/>
+      </p:par>
+    </p:tnLst>
+  </p:timing>
+</p:sld>
+</file>
+
 <file path=ppt/slides/slide2.xml><?xml version="1.0" encoding="utf-8"?>
 <p:sld xmlns:a="http://schemas.openxmlformats.org/drawingml/2006/main" xmlns:r="http://schemas.openxmlformats.org/officeDocument/2006/relationships" xmlns:p="http://schemas.openxmlformats.org/presentationml/2006/main">
   <p:cSld>
@@ -6015,7 +6143,23 @@
                   <a:srgbClr val="C00000"/>
                 </a:solidFill>
               </a:rPr>
-              <a:t>程式一堆是依特定順序執行的指令</a:t>
+              <a:t>程式一堆是</a:t>
+            </a:r>
+            <a:r>
+              <a:rPr lang="zh-TW" altLang="en-US" sz="2800" b="1" u="sng" dirty="0" smtClean="0">
+                <a:solidFill>
+                  <a:srgbClr val="C00000"/>
+                </a:solidFill>
+              </a:rPr>
+              <a:t>依特定順序執行</a:t>
+            </a:r>
+            <a:r>
+              <a:rPr lang="zh-TW" altLang="en-US" sz="2800" b="1" dirty="0" smtClean="0">
+                <a:solidFill>
+                  <a:srgbClr val="C00000"/>
+                </a:solidFill>
+              </a:rPr>
+              <a:t>的指令</a:t>
             </a:r>
             <a:endParaRPr lang="en-US" altLang="zh-TW" sz="2800" b="1" dirty="0" smtClean="0">
               <a:solidFill>
@@ -10193,20 +10337,14 @@
           <a:lstStyle/>
           <a:p>
             <a:r>
+              <a:rPr lang="en-US" altLang="zh-TW" dirty="0" smtClean="0"/>
+              <a:t>Console</a:t>
+            </a:r>
+            <a:r>
               <a:rPr lang="zh-TW" altLang="en-US" dirty="0" smtClean="0"/>
-              <a:t>練習二</a:t>
-            </a:r>
-            <a:r>
-              <a:rPr lang="en-US" altLang="zh-TW" dirty="0" smtClean="0"/>
-              <a:t/>
-            </a:r>
-            <a:br>
-              <a:rPr lang="en-US" altLang="zh-TW" dirty="0" smtClean="0"/>
-            </a:br>
-            <a:r>
-              <a:rPr lang="zh-TW" altLang="en-US" dirty="0"/>
-              <a:t>輸入三科成績算總和</a:t>
-            </a:r>
+              <a:t>螢幕輸出</a:t>
+            </a:r>
+            <a:endParaRPr lang="zh-TW" altLang="en-US" dirty="0"/>
           </a:p>
         </p:txBody>
       </p:sp>
@@ -10220,87 +10358,544 @@
             <p:ph idx="1"/>
           </p:nvPr>
         </p:nvSpPr>
-        <p:spPr/>
+        <p:spPr>
+          <a:xfrm>
+            <a:off x="677334" y="2160589"/>
+            <a:ext cx="6244674" cy="3880773"/>
+          </a:xfrm>
+        </p:spPr>
         <p:txBody>
           <a:bodyPr/>
           <a:lstStyle/>
           <a:p>
             <a:r>
+              <a:rPr lang="zh-TW" altLang="en-US" b="1" dirty="0" smtClean="0">
+                <a:solidFill>
+                  <a:srgbClr val="C00000"/>
+                </a:solidFill>
+              </a:rPr>
+              <a:t>游標</a:t>
+            </a:r>
+            <a:r>
               <a:rPr lang="zh-TW" altLang="en-US" dirty="0" smtClean="0"/>
-              <a:t>請設計一個程式，讓我可以輸入三科成績，然後顯示這三科成績的</a:t>
+              <a:t>：用來提醒或是顯示下一個文字輸出的位置。通常是一個小直線或是小方塊。</a:t>
+            </a:r>
+            <a:endParaRPr lang="en-US" altLang="zh-TW" dirty="0" smtClean="0"/>
+          </a:p>
+          <a:p>
+            <a:r>
+              <a:rPr lang="zh-TW" altLang="en-US" b="1" dirty="0">
+                <a:solidFill>
+                  <a:srgbClr val="C00000"/>
+                </a:solidFill>
+              </a:rPr>
+              <a:t>定位點</a:t>
             </a:r>
             <a:r>
               <a:rPr lang="zh-TW" altLang="en-US" dirty="0" smtClean="0"/>
-              <a:t>總和與平均。</a:t>
+              <a:t>：螢幕橫向每個</a:t>
+            </a:r>
+            <a:r>
+              <a:rPr lang="en-US" altLang="zh-TW" dirty="0" smtClean="0"/>
+              <a:t>8</a:t>
+            </a:r>
+            <a:r>
+              <a:rPr lang="zh-TW" altLang="en-US" dirty="0" smtClean="0"/>
+              <a:t>個字元位置會有一個定位點。方便輸出時</a:t>
+            </a:r>
+            <a:r>
+              <a:rPr lang="zh-TW" altLang="en-US" b="1" dirty="0" smtClean="0"/>
+              <a:t>對齊文字</a:t>
+            </a:r>
+            <a:r>
+              <a:rPr lang="zh-TW" altLang="en-US" dirty="0" smtClean="0"/>
+              <a:t>使用</a:t>
+            </a:r>
+            <a:r>
+              <a:rPr lang="en-US" altLang="zh-TW" dirty="0" smtClean="0"/>
+              <a:t>(</a:t>
+            </a:r>
+            <a:r>
+              <a:rPr lang="en-US" altLang="zh-TW" b="1" dirty="0" smtClean="0">
+                <a:solidFill>
+                  <a:srgbClr val="FF0000"/>
+                </a:solidFill>
+              </a:rPr>
+              <a:t>\t</a:t>
+            </a:r>
+            <a:r>
+              <a:rPr lang="en-US" altLang="zh-TW" dirty="0" smtClean="0"/>
+              <a:t>)</a:t>
+            </a:r>
+            <a:r>
+              <a:rPr lang="zh-TW" altLang="en-US" dirty="0" smtClean="0"/>
+              <a:t>。</a:t>
             </a:r>
             <a:endParaRPr lang="en-US" altLang="zh-TW" dirty="0" smtClean="0"/>
           </a:p>
           <a:p>
             <a:r>
               <a:rPr lang="zh-TW" altLang="en-US" dirty="0" smtClean="0"/>
-              <a:t>考慮重點：</a:t>
+              <a:t>輸出超過最右邊會捲到下一行的最左邊繼續顯示。</a:t>
             </a:r>
             <a:endParaRPr lang="en-US" altLang="zh-TW" dirty="0" smtClean="0"/>
           </a:p>
           <a:p>
             <a:pPr lvl="1"/>
             <a:r>
+              <a:rPr lang="zh-TW" altLang="en-US" dirty="0"/>
+              <a:t>古早的螢幕只有</a:t>
+            </a:r>
+            <a:r>
+              <a:rPr lang="en-US" altLang="zh-TW" dirty="0" smtClean="0"/>
+              <a:t>80x40</a:t>
+            </a:r>
+            <a:r>
               <a:rPr lang="zh-TW" altLang="en-US" dirty="0" smtClean="0"/>
-              <a:t>輸入：三科成績</a:t>
+              <a:t>，現在沒上限</a:t>
+            </a:r>
+            <a:r>
+              <a:rPr lang="en-US" altLang="zh-TW" dirty="0" smtClean="0"/>
+              <a:t>(?)</a:t>
+            </a:r>
+            <a:r>
+              <a:rPr lang="zh-TW" altLang="en-US" dirty="0" smtClean="0"/>
+              <a:t>。</a:t>
             </a:r>
             <a:endParaRPr lang="en-US" altLang="zh-TW" dirty="0" smtClean="0"/>
           </a:p>
           <a:p>
+            <a:r>
+              <a:rPr lang="en-US" altLang="zh-TW" dirty="0" smtClean="0"/>
+              <a:t>Python</a:t>
+            </a:r>
+            <a:r>
+              <a:rPr lang="zh-TW" altLang="en-US" dirty="0" smtClean="0"/>
+              <a:t>的</a:t>
+            </a:r>
+            <a:r>
+              <a:rPr lang="en-US" altLang="zh-TW" dirty="0" smtClean="0"/>
+              <a:t>print</a:t>
+            </a:r>
+            <a:r>
+              <a:rPr lang="zh-TW" altLang="en-US" dirty="0" smtClean="0"/>
+              <a:t>預設輸出後會換行，</a:t>
+            </a:r>
+            <a:endParaRPr lang="en-US" altLang="zh-TW" dirty="0" smtClean="0"/>
+          </a:p>
+          <a:p>
+            <a:r>
+              <a:rPr lang="zh-TW" altLang="en-US" dirty="0"/>
+              <a:t>中間一半想</a:t>
+            </a:r>
+            <a:r>
+              <a:rPr lang="zh-TW" altLang="en-US" dirty="0" smtClean="0"/>
+              <a:t>要換行要輸出</a:t>
+            </a:r>
+            <a:r>
+              <a:rPr lang="en-US" altLang="zh-TW" dirty="0" smtClean="0"/>
+              <a:t>“</a:t>
+            </a:r>
+            <a:r>
+              <a:rPr lang="en-US" altLang="zh-TW" b="1" dirty="0" smtClean="0">
+                <a:solidFill>
+                  <a:srgbClr val="FF0000"/>
+                </a:solidFill>
+              </a:rPr>
+              <a:t>\n</a:t>
+            </a:r>
+            <a:r>
+              <a:rPr lang="en-US" altLang="zh-TW" dirty="0" smtClean="0"/>
+              <a:t>”</a:t>
+            </a:r>
+            <a:r>
+              <a:rPr lang="zh-TW" altLang="en-US" dirty="0" smtClean="0"/>
+              <a:t> 。</a:t>
+            </a:r>
+            <a:endParaRPr lang="en-US" altLang="zh-TW" dirty="0" smtClean="0"/>
+          </a:p>
+          <a:p>
+            <a:r>
+              <a:rPr lang="zh-TW" altLang="en-US" dirty="0"/>
+              <a:t>若是最後面不想換行</a:t>
+            </a:r>
+            <a:r>
+              <a:rPr lang="zh-TW" altLang="en-US" dirty="0" smtClean="0"/>
+              <a:t>，請在</a:t>
+            </a:r>
+            <a:r>
+              <a:rPr lang="en-US" altLang="zh-TW" dirty="0" smtClean="0"/>
+              <a:t>print</a:t>
+            </a:r>
+            <a:r>
+              <a:rPr lang="zh-TW" altLang="en-US" dirty="0" smtClean="0"/>
+              <a:t>指令中加入</a:t>
+            </a:r>
+            <a:r>
+              <a:rPr lang="en-US" altLang="zh-TW" b="1" dirty="0" smtClean="0">
+                <a:solidFill>
+                  <a:srgbClr val="FF0000"/>
+                </a:solidFill>
+              </a:rPr>
+              <a:t>end=“”</a:t>
+            </a:r>
+          </a:p>
+          <a:p>
             <a:pPr lvl="1"/>
             <a:r>
               <a:rPr lang="zh-TW" altLang="en-US" dirty="0"/>
-              <a:t>運算：三</a:t>
+              <a:t>例如：</a:t>
+            </a:r>
+            <a:r>
+              <a:rPr lang="en-US" altLang="zh-TW" dirty="0" err="1" smtClean="0"/>
+              <a:t>printf</a:t>
+            </a:r>
+            <a:r>
+              <a:rPr lang="en-US" altLang="zh-TW" dirty="0" smtClean="0"/>
+              <a:t>(“Python is best!”</a:t>
             </a:r>
             <a:r>
               <a:rPr lang="zh-TW" altLang="en-US" dirty="0" smtClean="0"/>
-              <a:t>科</a:t>
-            </a:r>
-            <a:r>
-              <a:rPr lang="zh-TW" altLang="en-US" dirty="0"/>
-              <a:t>成績加總</a:t>
-            </a:r>
-            <a:endParaRPr lang="en-US" altLang="zh-TW" dirty="0" smtClean="0"/>
-          </a:p>
-          <a:p>
-            <a:pPr lvl="1"/>
-            <a:r>
-              <a:rPr lang="zh-TW" altLang="en-US" dirty="0" smtClean="0"/>
-              <a:t>輸出：</a:t>
-            </a:r>
-            <a:r>
-              <a:rPr lang="zh-TW" altLang="en-US" dirty="0"/>
-              <a:t>三科</a:t>
-            </a:r>
-            <a:r>
-              <a:rPr lang="zh-TW" altLang="en-US" dirty="0" smtClean="0"/>
-              <a:t>總合與平均</a:t>
-            </a:r>
-            <a:endParaRPr lang="en-US" altLang="zh-TW" dirty="0" smtClean="0"/>
-          </a:p>
-          <a:p>
-            <a:pPr lvl="1"/>
-            <a:r>
-              <a:rPr lang="zh-TW" altLang="en-US" dirty="0"/>
-              <a:t>變數宣告：需要幾個？叫甚麼名字？</a:t>
-            </a:r>
-          </a:p>
-        </p:txBody>
-      </p:sp>
-      <p:sp>
-        <p:nvSpPr>
-          <p:cNvPr id="4" name="文字方塊 3"/>
+              <a:t>，</a:t>
+            </a:r>
+            <a:r>
+              <a:rPr lang="en-US" altLang="zh-TW" b="1" dirty="0" smtClean="0">
+                <a:solidFill>
+                  <a:srgbClr val="FF0000"/>
+                </a:solidFill>
+              </a:rPr>
+              <a:t>end=“”</a:t>
+            </a:r>
+            <a:r>
+              <a:rPr lang="en-US" altLang="zh-TW" dirty="0" smtClean="0"/>
+              <a:t>)</a:t>
+            </a:r>
+            <a:endParaRPr lang="zh-TW" altLang="en-US" dirty="0"/>
+          </a:p>
+        </p:txBody>
+      </p:sp>
+      <p:grpSp>
+        <p:nvGrpSpPr>
+          <p:cNvPr id="4" name="群組 3"/>
+          <p:cNvGrpSpPr/>
+          <p:nvPr/>
+        </p:nvGrpSpPr>
+        <p:grpSpPr>
+          <a:xfrm>
+            <a:off x="7283387" y="2160589"/>
+            <a:ext cx="4908613" cy="3758184"/>
+            <a:chOff x="8833104" y="502920"/>
+            <a:chExt cx="2587752" cy="1427480"/>
+          </a:xfrm>
+        </p:grpSpPr>
+        <p:sp>
+          <p:nvSpPr>
+            <p:cNvPr id="5" name="圓角矩形 4"/>
+            <p:cNvSpPr/>
+            <p:nvPr/>
+          </p:nvSpPr>
+          <p:spPr>
+            <a:xfrm>
+              <a:off x="8833104" y="502920"/>
+              <a:ext cx="2587752" cy="1197864"/>
+            </a:xfrm>
+            <a:prstGeom prst="roundRect">
+              <a:avLst/>
+            </a:prstGeom>
+            <a:solidFill>
+              <a:schemeClr val="tx1"/>
+            </a:solidFill>
+            <a:ln>
+              <a:solidFill>
+                <a:schemeClr val="tx1"/>
+              </a:solidFill>
+            </a:ln>
+          </p:spPr>
+          <p:style>
+            <a:lnRef idx="2">
+              <a:schemeClr val="accent1">
+                <a:shade val="50000"/>
+              </a:schemeClr>
+            </a:lnRef>
+            <a:fillRef idx="1">
+              <a:schemeClr val="accent1"/>
+            </a:fillRef>
+            <a:effectRef idx="0">
+              <a:schemeClr val="accent1"/>
+            </a:effectRef>
+            <a:fontRef idx="minor">
+              <a:schemeClr val="lt1"/>
+            </a:fontRef>
+          </p:style>
+          <p:txBody>
+            <a:bodyPr rtlCol="0" anchor="ctr"/>
+            <a:lstStyle/>
+            <a:p>
+              <a:pPr algn="ctr"/>
+              <a:endParaRPr lang="zh-TW" altLang="en-US"/>
+            </a:p>
+          </p:txBody>
+        </p:sp>
+        <p:sp>
+          <p:nvSpPr>
+            <p:cNvPr id="6" name="矩形 5"/>
+            <p:cNvSpPr/>
+            <p:nvPr/>
+          </p:nvSpPr>
+          <p:spPr>
+            <a:xfrm>
+              <a:off x="8942832" y="609600"/>
+              <a:ext cx="2386584" cy="999744"/>
+            </a:xfrm>
+            <a:prstGeom prst="rect">
+              <a:avLst/>
+            </a:prstGeom>
+            <a:solidFill>
+              <a:schemeClr val="bg2">
+                <a:lumMod val="90000"/>
+              </a:schemeClr>
+            </a:solidFill>
+            <a:ln>
+              <a:solidFill>
+                <a:schemeClr val="tx1"/>
+              </a:solidFill>
+            </a:ln>
+          </p:spPr>
+          <p:style>
+            <a:lnRef idx="2">
+              <a:schemeClr val="accent1">
+                <a:shade val="50000"/>
+              </a:schemeClr>
+            </a:lnRef>
+            <a:fillRef idx="1">
+              <a:schemeClr val="accent1"/>
+            </a:fillRef>
+            <a:effectRef idx="0">
+              <a:schemeClr val="accent1"/>
+            </a:effectRef>
+            <a:fontRef idx="minor">
+              <a:schemeClr val="lt1"/>
+            </a:fontRef>
+          </p:style>
+          <p:txBody>
+            <a:bodyPr rtlCol="0" anchor="t"/>
+            <a:lstStyle/>
+            <a:p>
+              <a:r>
+                <a:rPr lang="en-US" altLang="zh-TW" dirty="0" smtClean="0">
+                  <a:solidFill>
+                    <a:schemeClr val="tx1"/>
+                  </a:solidFill>
+                </a:rPr>
+                <a:t>A=13</a:t>
+              </a:r>
+            </a:p>
+            <a:p>
+              <a:r>
+                <a:rPr lang="en-US" altLang="zh-TW" dirty="0" smtClean="0">
+                  <a:solidFill>
+                    <a:schemeClr val="tx1"/>
+                  </a:solidFill>
+                </a:rPr>
+                <a:t>B=77</a:t>
+              </a:r>
+            </a:p>
+            <a:p>
+              <a:r>
+                <a:rPr lang="en-US" altLang="zh-TW" dirty="0" smtClean="0">
+                  <a:solidFill>
+                    <a:schemeClr val="tx1"/>
+                  </a:solidFill>
+                </a:rPr>
+                <a:t>C=34</a:t>
+              </a:r>
+            </a:p>
+            <a:p>
+              <a:r>
+                <a:rPr lang="en-US" altLang="zh-TW" dirty="0" smtClean="0">
+                  <a:solidFill>
+                    <a:srgbClr val="C00000"/>
+                  </a:solidFill>
+                </a:rPr>
+                <a:t>The Max = 77</a:t>
+              </a:r>
+            </a:p>
+            <a:p>
+              <a:r>
+                <a:rPr lang="zh-TW" altLang="en-US" dirty="0" smtClean="0">
+                  <a:solidFill>
+                    <a:srgbClr val="C00000"/>
+                  </a:solidFill>
+                  <a:latin typeface="新細明體" panose="02020500000000000000" pitchFamily="18" charset="-120"/>
+                  <a:ea typeface="新細明體" panose="02020500000000000000" pitchFamily="18" charset="-120"/>
+                </a:rPr>
+                <a:t>▎　　　　</a:t>
+              </a:r>
+              <a:r>
+                <a:rPr lang="zh-TW" altLang="en-US" dirty="0">
+                  <a:solidFill>
+                    <a:srgbClr val="C00000"/>
+                  </a:solidFill>
+                  <a:latin typeface="新細明體" panose="02020500000000000000" pitchFamily="18" charset="-120"/>
+                  <a:ea typeface="新細明體" panose="02020500000000000000" pitchFamily="18" charset="-120"/>
+                </a:rPr>
+                <a:t> </a:t>
+              </a:r>
+              <a:r>
+                <a:rPr lang="zh-TW" altLang="en-US" dirty="0" smtClean="0">
+                  <a:solidFill>
+                    <a:srgbClr val="C00000"/>
+                  </a:solidFill>
+                  <a:latin typeface="新細明體" panose="02020500000000000000" pitchFamily="18" charset="-120"/>
+                  <a:ea typeface="新細明體" panose="02020500000000000000" pitchFamily="18" charset="-120"/>
+                </a:rPr>
+                <a:t>▎　　　　</a:t>
+              </a:r>
+              <a:r>
+                <a:rPr lang="zh-TW" altLang="en-US" dirty="0">
+                  <a:solidFill>
+                    <a:srgbClr val="C00000"/>
+                  </a:solidFill>
+                  <a:latin typeface="新細明體" panose="02020500000000000000" pitchFamily="18" charset="-120"/>
+                  <a:ea typeface="新細明體" panose="02020500000000000000" pitchFamily="18" charset="-120"/>
+                </a:rPr>
+                <a:t> </a:t>
+              </a:r>
+              <a:r>
+                <a:rPr lang="zh-TW" altLang="en-US" dirty="0" smtClean="0">
+                  <a:solidFill>
+                    <a:srgbClr val="C00000"/>
+                  </a:solidFill>
+                  <a:latin typeface="新細明體" panose="02020500000000000000" pitchFamily="18" charset="-120"/>
+                  <a:ea typeface="新細明體" panose="02020500000000000000" pitchFamily="18" charset="-120"/>
+                </a:rPr>
+                <a:t>▎　　　　</a:t>
+              </a:r>
+              <a:r>
+                <a:rPr lang="zh-TW" altLang="en-US" dirty="0">
+                  <a:solidFill>
+                    <a:srgbClr val="C00000"/>
+                  </a:solidFill>
+                  <a:latin typeface="新細明體" panose="02020500000000000000" pitchFamily="18" charset="-120"/>
+                  <a:ea typeface="新細明體" panose="02020500000000000000" pitchFamily="18" charset="-120"/>
+                </a:rPr>
+                <a:t> ▎</a:t>
+              </a:r>
+              <a:endParaRPr lang="zh-TW" altLang="en-US" dirty="0">
+                <a:solidFill>
+                  <a:srgbClr val="C00000"/>
+                </a:solidFill>
+              </a:endParaRPr>
+            </a:p>
+          </p:txBody>
+        </p:sp>
+        <p:sp>
+          <p:nvSpPr>
+            <p:cNvPr id="7" name="梯形 6"/>
+            <p:cNvSpPr/>
+            <p:nvPr/>
+          </p:nvSpPr>
+          <p:spPr>
+            <a:xfrm>
+              <a:off x="9811512" y="1700784"/>
+              <a:ext cx="713232" cy="229616"/>
+            </a:xfrm>
+            <a:prstGeom prst="trapezoid">
+              <a:avLst/>
+            </a:prstGeom>
+            <a:solidFill>
+              <a:schemeClr val="tx1"/>
+            </a:solidFill>
+            <a:ln>
+              <a:solidFill>
+                <a:schemeClr val="tx1"/>
+              </a:solidFill>
+            </a:ln>
+          </p:spPr>
+          <p:style>
+            <a:lnRef idx="2">
+              <a:schemeClr val="accent1">
+                <a:shade val="50000"/>
+              </a:schemeClr>
+            </a:lnRef>
+            <a:fillRef idx="1">
+              <a:schemeClr val="accent1"/>
+            </a:fillRef>
+            <a:effectRef idx="0">
+              <a:schemeClr val="accent1"/>
+            </a:effectRef>
+            <a:fontRef idx="minor">
+              <a:schemeClr val="lt1"/>
+            </a:fontRef>
+          </p:style>
+          <p:txBody>
+            <a:bodyPr rtlCol="0" anchor="ctr"/>
+            <a:lstStyle/>
+            <a:p>
+              <a:pPr algn="ctr"/>
+              <a:endParaRPr lang="zh-TW" altLang="en-US"/>
+            </a:p>
+          </p:txBody>
+        </p:sp>
+      </p:grpSp>
+      <p:sp>
+        <p:nvSpPr>
+          <p:cNvPr id="8" name="弧形 7"/>
+          <p:cNvSpPr/>
+          <p:nvPr/>
+        </p:nvSpPr>
+        <p:spPr>
+          <a:xfrm>
+            <a:off x="-402336" y="2578607"/>
+            <a:ext cx="8055864" cy="2775770"/>
+          </a:xfrm>
+          <a:prstGeom prst="arc">
+            <a:avLst>
+              <a:gd name="adj1" fmla="val 16200000"/>
+              <a:gd name="adj2" fmla="val 21317875"/>
+            </a:avLst>
+          </a:prstGeom>
+          <a:ln w="28575">
+            <a:solidFill>
+              <a:srgbClr val="00B0F0"/>
+            </a:solidFill>
+            <a:headEnd type="none" w="med" len="med"/>
+            <a:tailEnd type="triangle" w="med" len="med"/>
+          </a:ln>
+        </p:spPr>
+        <p:style>
+          <a:lnRef idx="1">
+            <a:schemeClr val="accent1"/>
+          </a:lnRef>
+          <a:fillRef idx="0">
+            <a:schemeClr val="accent1"/>
+          </a:fillRef>
+          <a:effectRef idx="0">
+            <a:schemeClr val="accent1"/>
+          </a:effectRef>
+          <a:fontRef idx="minor">
+            <a:schemeClr val="tx1"/>
+          </a:fontRef>
+        </p:style>
+        <p:txBody>
+          <a:bodyPr rtlCol="0" anchor="ctr"/>
+          <a:lstStyle/>
+          <a:p>
+            <a:pPr algn="ctr"/>
+            <a:endParaRPr lang="zh-TW" altLang="en-US"/>
+          </a:p>
+        </p:txBody>
+      </p:sp>
+      <p:sp>
+        <p:nvSpPr>
+          <p:cNvPr id="9" name="文字方塊 8"/>
           <p:cNvSpPr txBox="1"/>
           <p:nvPr/>
         </p:nvSpPr>
         <p:spPr>
           <a:xfrm>
-            <a:off x="677334" y="5672030"/>
-            <a:ext cx="1669047" cy="369332"/>
+            <a:off x="9404723" y="3781826"/>
+            <a:ext cx="1338828" cy="369332"/>
           </a:xfrm>
           <a:prstGeom prst="rect">
             <a:avLst/>
@@ -10314,25 +10909,17 @@
           <a:lstStyle/>
           <a:p>
             <a:r>
-              <a:rPr lang="en-US" altLang="zh-TW" dirty="0" smtClean="0">
-                <a:solidFill>
-                  <a:srgbClr val="C00000"/>
-                </a:solidFill>
-              </a:rPr>
-              <a:t>Example02_02</a:t>
-            </a:r>
-            <a:endParaRPr lang="zh-TW" altLang="en-US" dirty="0">
-              <a:solidFill>
-                <a:srgbClr val="C00000"/>
-              </a:solidFill>
-            </a:endParaRPr>
+              <a:rPr lang="zh-TW" altLang="en-US" dirty="0" smtClean="0"/>
+              <a:t>定位點示意</a:t>
+            </a:r>
+            <a:endParaRPr lang="zh-TW" altLang="en-US" dirty="0"/>
           </a:p>
         </p:txBody>
       </p:sp>
     </p:spTree>
     <p:extLst>
       <p:ext uri="{BB962C8B-B14F-4D97-AF65-F5344CB8AC3E}">
-        <p14:creationId xmlns:p14="http://schemas.microsoft.com/office/powerpoint/2010/main" val="3394004265"/>
+        <p14:creationId xmlns:p14="http://schemas.microsoft.com/office/powerpoint/2010/main" val="137829214"/>
       </p:ext>
     </p:extLst>
   </p:cSld>
@@ -10342,7 +10929,75 @@
   <p:timing>
     <p:tnLst>
       <p:par>
-        <p:cTn id="1" dur="indefinite" restart="never" nodeType="tmRoot"/>
+        <p:cTn id="1" dur="indefinite" restart="never" nodeType="tmRoot">
+          <p:childTnLst>
+            <p:seq concurrent="1" nextAc="seek">
+              <p:cTn id="2" dur="indefinite" nodeType="mainSeq">
+                <p:childTnLst>
+                  <p:par>
+                    <p:cTn id="3" fill="hold">
+                      <p:stCondLst>
+                        <p:cond delay="indefinite"/>
+                      </p:stCondLst>
+                      <p:childTnLst>
+                        <p:par>
+                          <p:cTn id="4" fill="hold">
+                            <p:stCondLst>
+                              <p:cond delay="0"/>
+                            </p:stCondLst>
+                            <p:childTnLst>
+                              <p:par>
+                                <p:cTn id="5" presetID="1" presetClass="entr" presetSubtype="0" fill="hold" nodeType="clickEffect">
+                                  <p:stCondLst>
+                                    <p:cond delay="0"/>
+                                  </p:stCondLst>
+                                  <p:childTnLst>
+                                    <p:set>
+                                      <p:cBhvr>
+                                        <p:cTn id="6" dur="1" fill="hold">
+                                          <p:stCondLst>
+                                            <p:cond delay="0"/>
+                                          </p:stCondLst>
+                                        </p:cTn>
+                                        <p:tgtEl>
+                                          <p:spTgt spid="4"/>
+                                        </p:tgtEl>
+                                        <p:attrNameLst>
+                                          <p:attrName>style.visibility</p:attrName>
+                                        </p:attrNameLst>
+                                      </p:cBhvr>
+                                      <p:to>
+                                        <p:strVal val="visible"/>
+                                      </p:to>
+                                    </p:set>
+                                  </p:childTnLst>
+                                </p:cTn>
+                              </p:par>
+                            </p:childTnLst>
+                          </p:cTn>
+                        </p:par>
+                      </p:childTnLst>
+                    </p:cTn>
+                  </p:par>
+                </p:childTnLst>
+              </p:cTn>
+              <p:prevCondLst>
+                <p:cond evt="onPrev" delay="0">
+                  <p:tgtEl>
+                    <p:sldTgt/>
+                  </p:tgtEl>
+                </p:cond>
+              </p:prevCondLst>
+              <p:nextCondLst>
+                <p:cond evt="onNext" delay="0">
+                  <p:tgtEl>
+                    <p:sldTgt/>
+                  </p:tgtEl>
+                </p:cond>
+              </p:nextCondLst>
+            </p:seq>
+          </p:childTnLst>
+        </p:cTn>
       </p:par>
     </p:tnLst>
   </p:timing>
@@ -10383,9 +11038,19 @@
           <a:p>
             <a:r>
               <a:rPr lang="zh-TW" altLang="en-US" dirty="0" smtClean="0"/>
-              <a:t>練習二參考解答</a:t>
-            </a:r>
-            <a:endParaRPr lang="zh-TW" altLang="en-US" dirty="0"/>
+              <a:t>練習二</a:t>
+            </a:r>
+            <a:r>
+              <a:rPr lang="en-US" altLang="zh-TW" dirty="0" smtClean="0"/>
+              <a:t/>
+            </a:r>
+            <a:br>
+              <a:rPr lang="en-US" altLang="zh-TW" dirty="0" smtClean="0"/>
+            </a:br>
+            <a:r>
+              <a:rPr lang="zh-TW" altLang="en-US" dirty="0"/>
+              <a:t>輸入三科成績算總和</a:t>
+            </a:r>
           </a:p>
         </p:txBody>
       </p:sp>
@@ -10404,62 +11069,110 @@
           <a:bodyPr/>
           <a:lstStyle/>
           <a:p>
-            <a:endParaRPr lang="zh-TW" altLang="en-US" dirty="0"/>
-          </a:p>
-        </p:txBody>
-      </p:sp>
-      <p:pic>
-        <p:nvPicPr>
-          <p:cNvPr id="6" name="圖片 5"/>
-          <p:cNvPicPr>
-            <a:picLocks noChangeAspect="1"/>
-          </p:cNvPicPr>
+            <a:r>
+              <a:rPr lang="zh-TW" altLang="en-US" dirty="0" smtClean="0"/>
+              <a:t>請設計一個程式，讓我可以輸入三科成績，然後顯示這三科成績的總和與平均。</a:t>
+            </a:r>
+            <a:endParaRPr lang="en-US" altLang="zh-TW" dirty="0" smtClean="0"/>
+          </a:p>
+          <a:p>
+            <a:r>
+              <a:rPr lang="zh-TW" altLang="en-US" dirty="0" smtClean="0"/>
+              <a:t>考慮重點：</a:t>
+            </a:r>
+            <a:endParaRPr lang="en-US" altLang="zh-TW" dirty="0" smtClean="0"/>
+          </a:p>
+          <a:p>
+            <a:pPr lvl="1"/>
+            <a:r>
+              <a:rPr lang="zh-TW" altLang="en-US" dirty="0" smtClean="0"/>
+              <a:t>輸入：三科成績</a:t>
+            </a:r>
+            <a:endParaRPr lang="en-US" altLang="zh-TW" dirty="0" smtClean="0"/>
+          </a:p>
+          <a:p>
+            <a:pPr lvl="1"/>
+            <a:r>
+              <a:rPr lang="zh-TW" altLang="en-US" dirty="0"/>
+              <a:t>運算：三</a:t>
+            </a:r>
+            <a:r>
+              <a:rPr lang="zh-TW" altLang="en-US" dirty="0" smtClean="0"/>
+              <a:t>科</a:t>
+            </a:r>
+            <a:r>
+              <a:rPr lang="zh-TW" altLang="en-US" dirty="0"/>
+              <a:t>成績加總</a:t>
+            </a:r>
+            <a:endParaRPr lang="en-US" altLang="zh-TW" dirty="0" smtClean="0"/>
+          </a:p>
+          <a:p>
+            <a:pPr lvl="1"/>
+            <a:r>
+              <a:rPr lang="zh-TW" altLang="en-US" dirty="0" smtClean="0"/>
+              <a:t>輸出：</a:t>
+            </a:r>
+            <a:r>
+              <a:rPr lang="zh-TW" altLang="en-US" dirty="0"/>
+              <a:t>三科</a:t>
+            </a:r>
+            <a:r>
+              <a:rPr lang="zh-TW" altLang="en-US" dirty="0" smtClean="0"/>
+              <a:t>總合與平均</a:t>
+            </a:r>
+            <a:endParaRPr lang="en-US" altLang="zh-TW" dirty="0" smtClean="0"/>
+          </a:p>
+          <a:p>
+            <a:pPr lvl="1"/>
+            <a:r>
+              <a:rPr lang="zh-TW" altLang="en-US" dirty="0"/>
+              <a:t>變數宣告：需要幾個？叫甚麼名字？</a:t>
+            </a:r>
+          </a:p>
+        </p:txBody>
+      </p:sp>
+      <p:sp>
+        <p:nvSpPr>
+          <p:cNvPr id="4" name="文字方塊 3"/>
+          <p:cNvSpPr txBox="1"/>
           <p:nvPr/>
-        </p:nvPicPr>
-        <p:blipFill>
-          <a:blip r:embed="rId2"/>
-          <a:stretch>
-            <a:fillRect/>
-          </a:stretch>
-        </p:blipFill>
+        </p:nvSpPr>
         <p:spPr>
           <a:xfrm>
-            <a:off x="677334" y="1930400"/>
-            <a:ext cx="5838825" cy="4467225"/>
+            <a:off x="677334" y="5856696"/>
+            <a:ext cx="1669047" cy="369332"/>
           </a:xfrm>
           <a:prstGeom prst="rect">
             <a:avLst/>
           </a:prstGeom>
+          <a:noFill/>
         </p:spPr>
-      </p:pic>
-      <p:pic>
-        <p:nvPicPr>
-          <p:cNvPr id="7" name="圖片 6"/>
-          <p:cNvPicPr>
-            <a:picLocks noChangeAspect="1"/>
-          </p:cNvPicPr>
-          <p:nvPr/>
-        </p:nvPicPr>
-        <p:blipFill>
-          <a:blip r:embed="rId3"/>
-          <a:stretch>
-            <a:fillRect/>
-          </a:stretch>
-        </p:blipFill>
-        <p:spPr>
-          <a:xfrm>
-            <a:off x="6867144" y="1930400"/>
-            <a:ext cx="2590800" cy="1647825"/>
-          </a:xfrm>
-          <a:prstGeom prst="rect">
-            <a:avLst/>
-          </a:prstGeom>
-        </p:spPr>
-      </p:pic>
+        <p:txBody>
+          <a:bodyPr wrap="none" rtlCol="0">
+            <a:spAutoFit/>
+          </a:bodyPr>
+          <a:lstStyle/>
+          <a:p>
+            <a:r>
+              <a:rPr lang="en-US" altLang="zh-TW" dirty="0" smtClean="0">
+                <a:solidFill>
+                  <a:srgbClr val="C00000"/>
+                </a:solidFill>
+              </a:rPr>
+              <a:t>Example02_02</a:t>
+            </a:r>
+            <a:endParaRPr lang="zh-TW" altLang="en-US" dirty="0">
+              <a:solidFill>
+                <a:srgbClr val="C00000"/>
+              </a:solidFill>
+            </a:endParaRPr>
+          </a:p>
+        </p:txBody>
+      </p:sp>
     </p:spTree>
     <p:extLst>
       <p:ext uri="{BB962C8B-B14F-4D97-AF65-F5344CB8AC3E}">
-        <p14:creationId xmlns:p14="http://schemas.microsoft.com/office/powerpoint/2010/main" val="2938798235"/>
+        <p14:creationId xmlns:p14="http://schemas.microsoft.com/office/powerpoint/2010/main" val="3394004265"/>
       </p:ext>
     </p:extLst>
   </p:cSld>

--- a/LCC/Python/02_程式語言基本法.pptx
+++ b/LCC/Python/02_程式語言基本法.pptx
@@ -3024,6 +3024,35 @@
           </a:p>
         </p:txBody>
       </p:sp>
+      <p:sp>
+        <p:nvSpPr>
+          <p:cNvPr id="7" name="矩形 6"/>
+          <p:cNvSpPr/>
+          <p:nvPr userDrawn="1"/>
+        </p:nvSpPr>
+        <p:spPr>
+          <a:xfrm>
+            <a:off x="583155" y="6375118"/>
+            <a:ext cx="6890473" cy="338554"/>
+          </a:xfrm>
+          <a:prstGeom prst="rect">
+            <a:avLst/>
+          </a:prstGeom>
+        </p:spPr>
+        <p:txBody>
+          <a:bodyPr wrap="square">
+            <a:spAutoFit/>
+          </a:bodyPr>
+          <a:lstStyle/>
+          <a:p>
+            <a:r>
+              <a:rPr lang="zh-TW" altLang="en-US" sz="1600" dirty="0" smtClean="0"/>
+              <a:t>https://github.com/liulawsi/LLC_Python/tree/main/Section02</a:t>
+            </a:r>
+            <a:endParaRPr lang="zh-TW" altLang="en-US" sz="1600" dirty="0"/>
+          </a:p>
+        </p:txBody>
+      </p:sp>
     </p:spTree>
   </p:cSld>
   <p:clrMapOvr>
@@ -3509,6 +3538,35 @@
           </a:p>
         </p:txBody>
       </p:sp>
+      <p:sp>
+        <p:nvSpPr>
+          <p:cNvPr id="8" name="矩形 7"/>
+          <p:cNvSpPr/>
+          <p:nvPr userDrawn="1"/>
+        </p:nvSpPr>
+        <p:spPr>
+          <a:xfrm>
+            <a:off x="583155" y="6375118"/>
+            <a:ext cx="6890473" cy="338554"/>
+          </a:xfrm>
+          <a:prstGeom prst="rect">
+            <a:avLst/>
+          </a:prstGeom>
+        </p:spPr>
+        <p:txBody>
+          <a:bodyPr wrap="square">
+            <a:spAutoFit/>
+          </a:bodyPr>
+          <a:lstStyle/>
+          <a:p>
+            <a:r>
+              <a:rPr lang="zh-TW" altLang="en-US" sz="1600" dirty="0" smtClean="0"/>
+              <a:t>https://github.com/liulawsi/LLC_Python/tree/main/Section02</a:t>
+            </a:r>
+            <a:endParaRPr lang="zh-TW" altLang="en-US" sz="1600" dirty="0"/>
+          </a:p>
+        </p:txBody>
+      </p:sp>
     </p:spTree>
   </p:cSld>
   <p:clrMapOvr>
@@ -3887,6 +3945,35 @@
           </a:p>
         </p:txBody>
       </p:sp>
+      <p:sp>
+        <p:nvSpPr>
+          <p:cNvPr id="10" name="矩形 9"/>
+          <p:cNvSpPr/>
+          <p:nvPr userDrawn="1"/>
+        </p:nvSpPr>
+        <p:spPr>
+          <a:xfrm>
+            <a:off x="583155" y="6375118"/>
+            <a:ext cx="6890473" cy="338554"/>
+          </a:xfrm>
+          <a:prstGeom prst="rect">
+            <a:avLst/>
+          </a:prstGeom>
+        </p:spPr>
+        <p:txBody>
+          <a:bodyPr wrap="square">
+            <a:spAutoFit/>
+          </a:bodyPr>
+          <a:lstStyle/>
+          <a:p>
+            <a:r>
+              <a:rPr lang="zh-TW" altLang="en-US" sz="1600" dirty="0" smtClean="0"/>
+              <a:t>https://github.com/liulawsi/LLC_Python/tree/main/Section02</a:t>
+            </a:r>
+            <a:endParaRPr lang="zh-TW" altLang="en-US" sz="1600" dirty="0"/>
+          </a:p>
+        </p:txBody>
+      </p:sp>
     </p:spTree>
   </p:cSld>
   <p:clrMapOvr>
@@ -4004,6 +4091,35 @@
               <a:t>‹#›</a:t>
             </a:fld>
             <a:endParaRPr lang="en-US" dirty="0"/>
+          </a:p>
+        </p:txBody>
+      </p:sp>
+      <p:sp>
+        <p:nvSpPr>
+          <p:cNvPr id="6" name="矩形 5"/>
+          <p:cNvSpPr/>
+          <p:nvPr userDrawn="1"/>
+        </p:nvSpPr>
+        <p:spPr>
+          <a:xfrm>
+            <a:off x="583155" y="6375118"/>
+            <a:ext cx="6890473" cy="338554"/>
+          </a:xfrm>
+          <a:prstGeom prst="rect">
+            <a:avLst/>
+          </a:prstGeom>
+        </p:spPr>
+        <p:txBody>
+          <a:bodyPr wrap="square">
+            <a:spAutoFit/>
+          </a:bodyPr>
+          <a:lstStyle/>
+          <a:p>
+            <a:r>
+              <a:rPr lang="zh-TW" altLang="en-US" sz="1600" dirty="0" smtClean="0"/>
+              <a:t>https://github.com/liulawsi/LLC_Python/tree/main/Section02</a:t>
+            </a:r>
+            <a:endParaRPr lang="zh-TW" altLang="en-US" sz="1600" dirty="0"/>
           </a:p>
         </p:txBody>
       </p:sp>
@@ -6016,7 +6132,7 @@
       </p:sp>
       <p:pic>
         <p:nvPicPr>
-          <p:cNvPr id="6" name="圖片 5"/>
+          <p:cNvPr id="7" name="圖片 6"/>
           <p:cNvPicPr>
             <a:picLocks noChangeAspect="1"/>
           </p:cNvPicPr>
@@ -6030,8 +6146,8 @@
         </p:blipFill>
         <p:spPr>
           <a:xfrm>
-            <a:off x="677334" y="1930400"/>
-            <a:ext cx="5838825" cy="4467225"/>
+            <a:off x="6821424" y="1906270"/>
+            <a:ext cx="2590800" cy="1647825"/>
           </a:xfrm>
           <a:prstGeom prst="rect">
             <a:avLst/>
@@ -6040,7 +6156,7 @@
       </p:pic>
       <p:pic>
         <p:nvPicPr>
-          <p:cNvPr id="7" name="圖片 6"/>
+          <p:cNvPr id="4" name="圖片 3"/>
           <p:cNvPicPr>
             <a:picLocks noChangeAspect="1"/>
           </p:cNvPicPr>
@@ -6054,8 +6170,8 @@
         </p:blipFill>
         <p:spPr>
           <a:xfrm>
-            <a:off x="6867144" y="1930400"/>
-            <a:ext cx="2590800" cy="1647825"/>
+            <a:off x="653877" y="1906270"/>
+            <a:ext cx="5865795" cy="4336796"/>
           </a:xfrm>
           <a:prstGeom prst="rect">
             <a:avLst/>
@@ -6805,7 +6921,7 @@
       </p:grpSpPr>
       <p:pic>
         <p:nvPicPr>
-          <p:cNvPr id="19" name="圖片 18"/>
+          <p:cNvPr id="6" name="圖片 5"/>
           <p:cNvPicPr>
             <a:picLocks noChangeAspect="1"/>
           </p:cNvPicPr>
@@ -6819,8 +6935,8 @@
         </p:blipFill>
         <p:spPr>
           <a:xfrm>
-            <a:off x="878076" y="1836539"/>
-            <a:ext cx="6610350" cy="3867150"/>
+            <a:off x="677334" y="1755267"/>
+            <a:ext cx="6667500" cy="4133850"/>
           </a:xfrm>
           <a:prstGeom prst="rect">
             <a:avLst/>
@@ -6866,7 +6982,7 @@
         </p:nvSpPr>
         <p:spPr>
           <a:xfrm>
-            <a:off x="3880922" y="3355349"/>
+            <a:off x="3958437" y="3536121"/>
             <a:ext cx="1208985" cy="369332"/>
           </a:xfrm>
           <a:prstGeom prst="rect">
@@ -6922,7 +7038,7 @@
         </p:nvSpPr>
         <p:spPr>
           <a:xfrm>
-            <a:off x="5688556" y="3940236"/>
+            <a:off x="5414898" y="4048256"/>
             <a:ext cx="1208985" cy="369332"/>
           </a:xfrm>
           <a:prstGeom prst="rect">
@@ -6979,7 +7095,7 @@
         </p:nvSpPr>
         <p:spPr>
           <a:xfrm>
-            <a:off x="4562930" y="4527953"/>
+            <a:off x="5167422" y="4681788"/>
             <a:ext cx="1208985" cy="369332"/>
           </a:xfrm>
           <a:prstGeom prst="rect">
@@ -7036,7 +7152,7 @@
         </p:nvSpPr>
         <p:spPr>
           <a:xfrm>
-            <a:off x="4753229" y="5118015"/>
+            <a:off x="4975668" y="5220773"/>
             <a:ext cx="1140056" cy="369332"/>
           </a:xfrm>
           <a:prstGeom prst="rect">
@@ -7104,7 +7220,7 @@
         </p:nvSpPr>
         <p:spPr>
           <a:xfrm>
-            <a:off x="5084064" y="2528631"/>
+            <a:off x="5414898" y="2506407"/>
             <a:ext cx="1208985" cy="369332"/>
           </a:xfrm>
           <a:prstGeom prst="rect">
@@ -7161,7 +7277,7 @@
         </p:nvSpPr>
         <p:spPr>
           <a:xfrm>
-            <a:off x="4422395" y="2295144"/>
+            <a:off x="4753229" y="2272920"/>
             <a:ext cx="661669" cy="836307"/>
           </a:xfrm>
           <a:prstGeom prst="rightBrace">
@@ -8585,19 +8701,39 @@
           </a:p>
           <a:p>
             <a:r>
+              <a:rPr lang="en-US" altLang="zh-TW" dirty="0" err="1" smtClean="0"/>
+              <a:t>eval</a:t>
+            </a:r>
+            <a:r>
               <a:rPr lang="en-US" altLang="zh-TW" dirty="0" smtClean="0"/>
-              <a:t>Float()</a:t>
+              <a:t>()</a:t>
             </a:r>
             <a:r>
               <a:rPr lang="zh-TW" altLang="en-US" dirty="0" smtClean="0"/>
-              <a:t>把這一串資料轉換成浮點數。</a:t>
+              <a:t>把這一串資料轉換</a:t>
+            </a:r>
+            <a:r>
+              <a:rPr lang="zh-TW" altLang="en-US" dirty="0" smtClean="0"/>
+              <a:t>成數</a:t>
+            </a:r>
+            <a:r>
+              <a:rPr lang="zh-TW" altLang="en-US" dirty="0"/>
+              <a:t>字</a:t>
+            </a:r>
+            <a:r>
+              <a:rPr lang="zh-TW" altLang="en-US" dirty="0" smtClean="0"/>
+              <a:t>。</a:t>
             </a:r>
             <a:endParaRPr lang="en-US" altLang="zh-TW" dirty="0" smtClean="0"/>
           </a:p>
           <a:p>
             <a:r>
+              <a:rPr lang="zh-TW" altLang="en-US" dirty="0" smtClean="0"/>
+              <a:t>把數字存</a:t>
+            </a:r>
+            <a:r>
               <a:rPr lang="zh-TW" altLang="en-US" dirty="0"/>
-              <a:t>把浮點數存到變數</a:t>
+              <a:t>到變數</a:t>
             </a:r>
             <a:r>
               <a:rPr lang="en-US" altLang="zh-TW" dirty="0"/>
@@ -8654,30 +8790,6 @@
           </a:p>
         </p:txBody>
       </p:sp>
-      <p:pic>
-        <p:nvPicPr>
-          <p:cNvPr id="4" name="圖片 3"/>
-          <p:cNvPicPr>
-            <a:picLocks noChangeAspect="1"/>
-          </p:cNvPicPr>
-          <p:nvPr/>
-        </p:nvPicPr>
-        <p:blipFill>
-          <a:blip r:embed="rId2"/>
-          <a:stretch>
-            <a:fillRect/>
-          </a:stretch>
-        </p:blipFill>
-        <p:spPr>
-          <a:xfrm>
-            <a:off x="1140141" y="2147118"/>
-            <a:ext cx="4171950" cy="381000"/>
-          </a:xfrm>
-          <a:prstGeom prst="rect">
-            <a:avLst/>
-          </a:prstGeom>
-        </p:spPr>
-      </p:pic>
       <p:pic>
         <p:nvPicPr>
           <p:cNvPr id="6" name="圖片 5"/>
@@ -8687,7 +8799,7 @@
           <p:nvPr/>
         </p:nvPicPr>
         <p:blipFill>
-          <a:blip r:embed="rId3"/>
+          <a:blip r:embed="rId2"/>
           <a:stretch>
             <a:fillRect/>
           </a:stretch>
@@ -8711,7 +8823,7 @@
           <p:nvPr/>
         </p:nvPicPr>
         <p:blipFill>
-          <a:blip r:embed="rId4"/>
+          <a:blip r:embed="rId3"/>
           <a:stretch>
             <a:fillRect/>
           </a:stretch>
@@ -9355,7 +9467,7 @@
             <p:nvPr/>
           </p:nvPicPr>
           <p:blipFill>
-            <a:blip r:embed="rId5">
+            <a:blip r:embed="rId4">
               <a:extLst>
                 <a:ext uri="{28A0092B-C50C-407E-A947-70E740481C1C}">
                   <a14:useLocalDpi xmlns:a14="http://schemas.microsoft.com/office/drawing/2010/main" val="0"/>
@@ -9631,6 +9743,30 @@
           </a:p>
         </p:txBody>
       </p:sp>
+      <p:pic>
+        <p:nvPicPr>
+          <p:cNvPr id="5" name="圖片 4"/>
+          <p:cNvPicPr>
+            <a:picLocks noChangeAspect="1"/>
+          </p:cNvPicPr>
+          <p:nvPr/>
+        </p:nvPicPr>
+        <p:blipFill>
+          <a:blip r:embed="rId5"/>
+          <a:stretch>
+            <a:fillRect/>
+          </a:stretch>
+        </p:blipFill>
+        <p:spPr>
+          <a:xfrm>
+            <a:off x="1106614" y="2145982"/>
+            <a:ext cx="4181475" cy="371475"/>
+          </a:xfrm>
+          <a:prstGeom prst="rect">
+            <a:avLst/>
+          </a:prstGeom>
+        </p:spPr>
+      </p:pic>
     </p:spTree>
     <p:extLst>
       <p:ext uri="{BB962C8B-B14F-4D97-AF65-F5344CB8AC3E}">
@@ -10252,7 +10388,7 @@
         </p:blipFill>
         <p:spPr>
           <a:xfrm>
-            <a:off x="6418324" y="2055114"/>
+            <a:off x="6096000" y="2055114"/>
             <a:ext cx="1926549" cy="1268411"/>
           </a:xfrm>
           <a:prstGeom prst="rect">
@@ -10262,7 +10398,7 @@
       </p:pic>
       <p:pic>
         <p:nvPicPr>
-          <p:cNvPr id="8" name="圖片 7"/>
+          <p:cNvPr id="4" name="圖片 3"/>
           <p:cNvPicPr>
             <a:picLocks noChangeAspect="1"/>
           </p:cNvPicPr>
@@ -10276,8 +10412,8 @@
         </p:blipFill>
         <p:spPr>
           <a:xfrm>
-            <a:off x="742950" y="2055114"/>
-            <a:ext cx="5353050" cy="3895725"/>
+            <a:off x="688595" y="2035875"/>
+            <a:ext cx="4800600" cy="3886200"/>
           </a:xfrm>
           <a:prstGeom prst="rect">
             <a:avLst/>

--- a/LCC/Python/02_程式語言基本法.pptx
+++ b/LCC/Python/02_程式語言基本法.pptx
@@ -12,9 +12,8 @@
     <p:sldId id="260" r:id="rId6"/>
     <p:sldId id="263" r:id="rId7"/>
     <p:sldId id="264" r:id="rId8"/>
-    <p:sldId id="267" r:id="rId9"/>
-    <p:sldId id="265" r:id="rId10"/>
-    <p:sldId id="266" r:id="rId11"/>
+    <p:sldId id="265" r:id="rId9"/>
+    <p:sldId id="266" r:id="rId10"/>
   </p:sldIdLst>
   <p:sldSz cx="12192000" cy="6858000"/>
   <p:notesSz cx="6858000" cy="9144000"/>
@@ -855,7 +854,7 @@
             <a:fld id="{B61BEF0D-F0BB-DE4B-95CE-6DB70DBA9567}" type="datetimeFigureOut">
               <a:rPr lang="en-US" dirty="0"/>
               <a:pPr/>
-              <a:t>12/27/2020</a:t>
+              <a:t>12/28/2020</a:t>
             </a:fld>
             <a:endParaRPr lang="en-US" dirty="0"/>
           </a:p>
@@ -1110,7 +1109,7 @@
             <a:fld id="{B61BEF0D-F0BB-DE4B-95CE-6DB70DBA9567}" type="datetimeFigureOut">
               <a:rPr lang="en-US" dirty="0"/>
               <a:pPr/>
-              <a:t>12/27/2020</a:t>
+              <a:t>12/28/2020</a:t>
             </a:fld>
             <a:endParaRPr lang="en-US" dirty="0"/>
           </a:p>
@@ -1421,7 +1420,7 @@
             <a:fld id="{B61BEF0D-F0BB-DE4B-95CE-6DB70DBA9567}" type="datetimeFigureOut">
               <a:rPr lang="en-US" dirty="0"/>
               <a:pPr/>
-              <a:t>12/27/2020</a:t>
+              <a:t>12/28/2020</a:t>
             </a:fld>
             <a:endParaRPr lang="en-US" dirty="0"/>
           </a:p>
@@ -1759,7 +1758,7 @@
             <a:fld id="{B61BEF0D-F0BB-DE4B-95CE-6DB70DBA9567}" type="datetimeFigureOut">
               <a:rPr lang="en-US" dirty="0"/>
               <a:pPr/>
-              <a:t>12/27/2020</a:t>
+              <a:t>12/28/2020</a:t>
             </a:fld>
             <a:endParaRPr lang="en-US" dirty="0"/>
           </a:p>
@@ -2070,7 +2069,7 @@
             <a:fld id="{B61BEF0D-F0BB-DE4B-95CE-6DB70DBA9567}" type="datetimeFigureOut">
               <a:rPr lang="en-US" dirty="0"/>
               <a:pPr/>
-              <a:t>12/27/2020</a:t>
+              <a:t>12/28/2020</a:t>
             </a:fld>
             <a:endParaRPr lang="en-US" dirty="0"/>
           </a:p>
@@ -2460,7 +2459,7 @@
             <a:fld id="{B61BEF0D-F0BB-DE4B-95CE-6DB70DBA9567}" type="datetimeFigureOut">
               <a:rPr lang="en-US" dirty="0"/>
               <a:pPr/>
-              <a:t>12/27/2020</a:t>
+              <a:t>12/28/2020</a:t>
             </a:fld>
             <a:endParaRPr lang="en-US" dirty="0"/>
           </a:p>
@@ -2626,7 +2625,7 @@
           <a:p>
             <a:fld id="{55C6B4A9-1611-4792-9094-5F34BCA07E0B}" type="datetimeFigureOut">
               <a:rPr lang="en-US" dirty="0"/>
-              <a:t>12/27/2020</a:t>
+              <a:t>12/28/2020</a:t>
             </a:fld>
             <a:endParaRPr lang="en-US" dirty="0"/>
           </a:p>
@@ -2802,7 +2801,7 @@
             <a:fld id="{B61BEF0D-F0BB-DE4B-95CE-6DB70DBA9567}" type="datetimeFigureOut">
               <a:rPr lang="en-US" dirty="0"/>
               <a:pPr/>
-              <a:t>12/27/2020</a:t>
+              <a:t>12/28/2020</a:t>
             </a:fld>
             <a:endParaRPr lang="en-US" dirty="0"/>
           </a:p>
@@ -2975,7 +2974,7 @@
             <a:fld id="{B61BEF0D-F0BB-DE4B-95CE-6DB70DBA9567}" type="datetimeFigureOut">
               <a:rPr lang="en-US" dirty="0"/>
               <a:pPr/>
-              <a:t>12/27/2020</a:t>
+              <a:t>12/28/2020</a:t>
             </a:fld>
             <a:endParaRPr lang="en-US" dirty="0"/>
           </a:p>
@@ -3255,7 +3254,7 @@
             <a:fld id="{B61BEF0D-F0BB-DE4B-95CE-6DB70DBA9567}" type="datetimeFigureOut">
               <a:rPr lang="en-US" dirty="0"/>
               <a:pPr/>
-              <a:t>12/27/2020</a:t>
+              <a:t>12/28/2020</a:t>
             </a:fld>
             <a:endParaRPr lang="en-US" dirty="0"/>
           </a:p>
@@ -3490,7 +3489,7 @@
           <a:p>
             <a:fld id="{EB712588-04B1-427B-82EE-E8DB90309F08}" type="datetimeFigureOut">
               <a:rPr lang="en-US" dirty="0"/>
-              <a:t>12/27/2020</a:t>
+              <a:t>12/28/2020</a:t>
             </a:fld>
             <a:endParaRPr lang="en-US" dirty="0"/>
           </a:p>
@@ -3896,7 +3895,7 @@
             <a:fld id="{B61BEF0D-F0BB-DE4B-95CE-6DB70DBA9567}" type="datetimeFigureOut">
               <a:rPr lang="en-US" dirty="0"/>
               <a:pPr/>
-              <a:t>12/27/2020</a:t>
+              <a:t>12/28/2020</a:t>
             </a:fld>
             <a:endParaRPr lang="en-US" dirty="0"/>
           </a:p>
@@ -4045,7 +4044,7 @@
             <a:fld id="{B61BEF0D-F0BB-DE4B-95CE-6DB70DBA9567}" type="datetimeFigureOut">
               <a:rPr lang="en-US" dirty="0"/>
               <a:pPr/>
-              <a:t>12/27/2020</a:t>
+              <a:t>12/28/2020</a:t>
             </a:fld>
             <a:endParaRPr lang="en-US" dirty="0"/>
           </a:p>
@@ -4166,7 +4165,7 @@
             <a:fld id="{B61BEF0D-F0BB-DE4B-95CE-6DB70DBA9567}" type="datetimeFigureOut">
               <a:rPr lang="en-US" dirty="0"/>
               <a:pPr/>
-              <a:t>12/27/2020</a:t>
+              <a:t>12/28/2020</a:t>
             </a:fld>
             <a:endParaRPr lang="en-US" dirty="0"/>
           </a:p>
@@ -4417,7 +4416,7 @@
           <a:p>
             <a:fld id="{42A54C80-263E-416B-A8E0-580EDEADCBDC}" type="datetimeFigureOut">
               <a:rPr lang="en-US" dirty="0"/>
-              <a:t>12/27/2020</a:t>
+              <a:t>12/28/2020</a:t>
             </a:fld>
             <a:endParaRPr lang="en-US" dirty="0"/>
           </a:p>
@@ -4676,7 +4675,7 @@
             <a:fld id="{B61BEF0D-F0BB-DE4B-95CE-6DB70DBA9567}" type="datetimeFigureOut">
               <a:rPr lang="en-US" dirty="0"/>
               <a:pPr/>
-              <a:t>12/27/2020</a:t>
+              <a:t>12/28/2020</a:t>
             </a:fld>
             <a:endParaRPr lang="en-US" dirty="0"/>
           </a:p>
@@ -5416,7 +5415,7 @@
             <a:fld id="{B61BEF0D-F0BB-DE4B-95CE-6DB70DBA9567}" type="datetimeFigureOut">
               <a:rPr lang="en-US" dirty="0"/>
               <a:pPr/>
-              <a:t>12/27/2020</a:t>
+              <a:t>12/28/2020</a:t>
             </a:fld>
             <a:endParaRPr lang="en-US" dirty="0"/>
           </a:p>
@@ -6055,133 +6054,6 @@
     <p:extLst>
       <p:ext uri="{BB962C8B-B14F-4D97-AF65-F5344CB8AC3E}">
         <p14:creationId xmlns:p14="http://schemas.microsoft.com/office/powerpoint/2010/main" val="4215694430"/>
-      </p:ext>
-    </p:extLst>
-  </p:cSld>
-  <p:clrMapOvr>
-    <a:masterClrMapping/>
-  </p:clrMapOvr>
-  <p:timing>
-    <p:tnLst>
-      <p:par>
-        <p:cTn id="1" dur="indefinite" restart="never" nodeType="tmRoot"/>
-      </p:par>
-    </p:tnLst>
-  </p:timing>
-</p:sld>
-</file>
-
-<file path=ppt/slides/slide10.xml><?xml version="1.0" encoding="utf-8"?>
-<p:sld xmlns:a="http://schemas.openxmlformats.org/drawingml/2006/main" xmlns:r="http://schemas.openxmlformats.org/officeDocument/2006/relationships" xmlns:p="http://schemas.openxmlformats.org/presentationml/2006/main">
-  <p:cSld>
-    <p:spTree>
-      <p:nvGrpSpPr>
-        <p:cNvPr id="1" name=""/>
-        <p:cNvGrpSpPr/>
-        <p:nvPr/>
-      </p:nvGrpSpPr>
-      <p:grpSpPr>
-        <a:xfrm>
-          <a:off x="0" y="0"/>
-          <a:ext cx="0" cy="0"/>
-          <a:chOff x="0" y="0"/>
-          <a:chExt cx="0" cy="0"/>
-        </a:xfrm>
-      </p:grpSpPr>
-      <p:sp>
-        <p:nvSpPr>
-          <p:cNvPr id="2" name="標題 1"/>
-          <p:cNvSpPr>
-            <a:spLocks noGrp="1"/>
-          </p:cNvSpPr>
-          <p:nvPr>
-            <p:ph type="title"/>
-          </p:nvPr>
-        </p:nvSpPr>
-        <p:spPr/>
-        <p:txBody>
-          <a:bodyPr/>
-          <a:lstStyle/>
-          <a:p>
-            <a:r>
-              <a:rPr lang="zh-TW" altLang="en-US" dirty="0" smtClean="0"/>
-              <a:t>練習二參考解答</a:t>
-            </a:r>
-            <a:endParaRPr lang="zh-TW" altLang="en-US" dirty="0"/>
-          </a:p>
-        </p:txBody>
-      </p:sp>
-      <p:sp>
-        <p:nvSpPr>
-          <p:cNvPr id="3" name="內容版面配置區 2"/>
-          <p:cNvSpPr>
-            <a:spLocks noGrp="1"/>
-          </p:cNvSpPr>
-          <p:nvPr>
-            <p:ph idx="1"/>
-          </p:nvPr>
-        </p:nvSpPr>
-        <p:spPr/>
-        <p:txBody>
-          <a:bodyPr/>
-          <a:lstStyle/>
-          <a:p>
-            <a:endParaRPr lang="zh-TW" altLang="en-US" dirty="0"/>
-          </a:p>
-        </p:txBody>
-      </p:sp>
-      <p:pic>
-        <p:nvPicPr>
-          <p:cNvPr id="7" name="圖片 6"/>
-          <p:cNvPicPr>
-            <a:picLocks noChangeAspect="1"/>
-          </p:cNvPicPr>
-          <p:nvPr/>
-        </p:nvPicPr>
-        <p:blipFill>
-          <a:blip r:embed="rId2"/>
-          <a:stretch>
-            <a:fillRect/>
-          </a:stretch>
-        </p:blipFill>
-        <p:spPr>
-          <a:xfrm>
-            <a:off x="6821424" y="1906270"/>
-            <a:ext cx="2590800" cy="1647825"/>
-          </a:xfrm>
-          <a:prstGeom prst="rect">
-            <a:avLst/>
-          </a:prstGeom>
-        </p:spPr>
-      </p:pic>
-      <p:pic>
-        <p:nvPicPr>
-          <p:cNvPr id="4" name="圖片 3"/>
-          <p:cNvPicPr>
-            <a:picLocks noChangeAspect="1"/>
-          </p:cNvPicPr>
-          <p:nvPr/>
-        </p:nvPicPr>
-        <p:blipFill>
-          <a:blip r:embed="rId3"/>
-          <a:stretch>
-            <a:fillRect/>
-          </a:stretch>
-        </p:blipFill>
-        <p:spPr>
-          <a:xfrm>
-            <a:off x="653877" y="1906270"/>
-            <a:ext cx="5865795" cy="4336796"/>
-          </a:xfrm>
-          <a:prstGeom prst="rect">
-            <a:avLst/>
-          </a:prstGeom>
-        </p:spPr>
-      </p:pic>
-    </p:spTree>
-    <p:extLst>
-      <p:ext uri="{BB962C8B-B14F-4D97-AF65-F5344CB8AC3E}">
-        <p14:creationId xmlns:p14="http://schemas.microsoft.com/office/powerpoint/2010/main" val="2938798235"/>
       </p:ext>
     </p:extLst>
   </p:cSld>
@@ -8710,11 +8582,7 @@
             </a:r>
             <a:r>
               <a:rPr lang="zh-TW" altLang="en-US" dirty="0" smtClean="0"/>
-              <a:t>把這一串資料轉換</a:t>
-            </a:r>
-            <a:r>
-              <a:rPr lang="zh-TW" altLang="en-US" dirty="0" smtClean="0"/>
-              <a:t>成數</a:t>
+              <a:t>把這一串資料轉換成數</a:t>
             </a:r>
             <a:r>
               <a:rPr lang="zh-TW" altLang="en-US" dirty="0"/>
@@ -10473,14 +10341,20 @@
           <a:lstStyle/>
           <a:p>
             <a:r>
+              <a:rPr lang="zh-TW" altLang="en-US" dirty="0" smtClean="0"/>
+              <a:t>練習二</a:t>
+            </a:r>
+            <a:r>
               <a:rPr lang="en-US" altLang="zh-TW" dirty="0" smtClean="0"/>
-              <a:t>Console</a:t>
-            </a:r>
-            <a:r>
-              <a:rPr lang="zh-TW" altLang="en-US" dirty="0" smtClean="0"/>
-              <a:t>螢幕輸出</a:t>
-            </a:r>
-            <a:endParaRPr lang="zh-TW" altLang="en-US" dirty="0"/>
+              <a:t/>
+            </a:r>
+            <a:br>
+              <a:rPr lang="en-US" altLang="zh-TW" dirty="0" smtClean="0"/>
+            </a:br>
+            <a:r>
+              <a:rPr lang="zh-TW" altLang="en-US" dirty="0"/>
+              <a:t>輸入三科成績算總和</a:t>
+            </a:r>
           </a:p>
         </p:txBody>
       </p:sp>
@@ -10494,544 +10368,83 @@
             <p:ph idx="1"/>
           </p:nvPr>
         </p:nvSpPr>
+        <p:spPr/>
+        <p:txBody>
+          <a:bodyPr/>
+          <a:lstStyle/>
+          <a:p>
+            <a:r>
+              <a:rPr lang="zh-TW" altLang="en-US" dirty="0" smtClean="0"/>
+              <a:t>請設計一個程式，讓我可以輸入三科成績，然後顯示這三科成績的總和與平均。</a:t>
+            </a:r>
+            <a:endParaRPr lang="en-US" altLang="zh-TW" dirty="0" smtClean="0"/>
+          </a:p>
+          <a:p>
+            <a:r>
+              <a:rPr lang="zh-TW" altLang="en-US" dirty="0" smtClean="0"/>
+              <a:t>考慮重點：</a:t>
+            </a:r>
+            <a:endParaRPr lang="en-US" altLang="zh-TW" dirty="0" smtClean="0"/>
+          </a:p>
+          <a:p>
+            <a:pPr lvl="1"/>
+            <a:r>
+              <a:rPr lang="zh-TW" altLang="en-US" dirty="0" smtClean="0"/>
+              <a:t>輸入：三科成績</a:t>
+            </a:r>
+            <a:endParaRPr lang="en-US" altLang="zh-TW" dirty="0" smtClean="0"/>
+          </a:p>
+          <a:p>
+            <a:pPr lvl="1"/>
+            <a:r>
+              <a:rPr lang="zh-TW" altLang="en-US" dirty="0"/>
+              <a:t>運算：三</a:t>
+            </a:r>
+            <a:r>
+              <a:rPr lang="zh-TW" altLang="en-US" dirty="0" smtClean="0"/>
+              <a:t>科</a:t>
+            </a:r>
+            <a:r>
+              <a:rPr lang="zh-TW" altLang="en-US" dirty="0"/>
+              <a:t>成績加總</a:t>
+            </a:r>
+            <a:endParaRPr lang="en-US" altLang="zh-TW" dirty="0" smtClean="0"/>
+          </a:p>
+          <a:p>
+            <a:pPr lvl="1"/>
+            <a:r>
+              <a:rPr lang="zh-TW" altLang="en-US" dirty="0" smtClean="0"/>
+              <a:t>輸出：</a:t>
+            </a:r>
+            <a:r>
+              <a:rPr lang="zh-TW" altLang="en-US" dirty="0"/>
+              <a:t>三科</a:t>
+            </a:r>
+            <a:r>
+              <a:rPr lang="zh-TW" altLang="en-US" dirty="0" smtClean="0"/>
+              <a:t>總合與平均</a:t>
+            </a:r>
+            <a:endParaRPr lang="en-US" altLang="zh-TW" dirty="0" smtClean="0"/>
+          </a:p>
+          <a:p>
+            <a:pPr lvl="1"/>
+            <a:r>
+              <a:rPr lang="zh-TW" altLang="en-US" dirty="0"/>
+              <a:t>變數宣告：需要幾個？叫甚麼名字？</a:t>
+            </a:r>
+          </a:p>
+        </p:txBody>
+      </p:sp>
+      <p:sp>
+        <p:nvSpPr>
+          <p:cNvPr id="4" name="文字方塊 3"/>
+          <p:cNvSpPr txBox="1"/>
+          <p:nvPr/>
+        </p:nvSpPr>
         <p:spPr>
           <a:xfrm>
-            <a:off x="677334" y="2160589"/>
-            <a:ext cx="6244674" cy="3880773"/>
-          </a:xfrm>
-        </p:spPr>
-        <p:txBody>
-          <a:bodyPr/>
-          <a:lstStyle/>
-          <a:p>
-            <a:r>
-              <a:rPr lang="zh-TW" altLang="en-US" b="1" dirty="0" smtClean="0">
-                <a:solidFill>
-                  <a:srgbClr val="C00000"/>
-                </a:solidFill>
-              </a:rPr>
-              <a:t>游標</a:t>
-            </a:r>
-            <a:r>
-              <a:rPr lang="zh-TW" altLang="en-US" dirty="0" smtClean="0"/>
-              <a:t>：用來提醒或是顯示下一個文字輸出的位置。通常是一個小直線或是小方塊。</a:t>
-            </a:r>
-            <a:endParaRPr lang="en-US" altLang="zh-TW" dirty="0" smtClean="0"/>
-          </a:p>
-          <a:p>
-            <a:r>
-              <a:rPr lang="zh-TW" altLang="en-US" b="1" dirty="0">
-                <a:solidFill>
-                  <a:srgbClr val="C00000"/>
-                </a:solidFill>
-              </a:rPr>
-              <a:t>定位點</a:t>
-            </a:r>
-            <a:r>
-              <a:rPr lang="zh-TW" altLang="en-US" dirty="0" smtClean="0"/>
-              <a:t>：螢幕橫向每個</a:t>
-            </a:r>
-            <a:r>
-              <a:rPr lang="en-US" altLang="zh-TW" dirty="0" smtClean="0"/>
-              <a:t>8</a:t>
-            </a:r>
-            <a:r>
-              <a:rPr lang="zh-TW" altLang="en-US" dirty="0" smtClean="0"/>
-              <a:t>個字元位置會有一個定位點。方便輸出時</a:t>
-            </a:r>
-            <a:r>
-              <a:rPr lang="zh-TW" altLang="en-US" b="1" dirty="0" smtClean="0"/>
-              <a:t>對齊文字</a:t>
-            </a:r>
-            <a:r>
-              <a:rPr lang="zh-TW" altLang="en-US" dirty="0" smtClean="0"/>
-              <a:t>使用</a:t>
-            </a:r>
-            <a:r>
-              <a:rPr lang="en-US" altLang="zh-TW" dirty="0" smtClean="0"/>
-              <a:t>(</a:t>
-            </a:r>
-            <a:r>
-              <a:rPr lang="en-US" altLang="zh-TW" b="1" dirty="0" smtClean="0">
-                <a:solidFill>
-                  <a:srgbClr val="FF0000"/>
-                </a:solidFill>
-              </a:rPr>
-              <a:t>\t</a:t>
-            </a:r>
-            <a:r>
-              <a:rPr lang="en-US" altLang="zh-TW" dirty="0" smtClean="0"/>
-              <a:t>)</a:t>
-            </a:r>
-            <a:r>
-              <a:rPr lang="zh-TW" altLang="en-US" dirty="0" smtClean="0"/>
-              <a:t>。</a:t>
-            </a:r>
-            <a:endParaRPr lang="en-US" altLang="zh-TW" dirty="0" smtClean="0"/>
-          </a:p>
-          <a:p>
-            <a:r>
-              <a:rPr lang="zh-TW" altLang="en-US" dirty="0" smtClean="0"/>
-              <a:t>輸出超過最右邊會捲到下一行的最左邊繼續顯示。</a:t>
-            </a:r>
-            <a:endParaRPr lang="en-US" altLang="zh-TW" dirty="0" smtClean="0"/>
-          </a:p>
-          <a:p>
-            <a:pPr lvl="1"/>
-            <a:r>
-              <a:rPr lang="zh-TW" altLang="en-US" dirty="0"/>
-              <a:t>古早的螢幕只有</a:t>
-            </a:r>
-            <a:r>
-              <a:rPr lang="en-US" altLang="zh-TW" dirty="0" smtClean="0"/>
-              <a:t>80x40</a:t>
-            </a:r>
-            <a:r>
-              <a:rPr lang="zh-TW" altLang="en-US" dirty="0" smtClean="0"/>
-              <a:t>，現在沒上限</a:t>
-            </a:r>
-            <a:r>
-              <a:rPr lang="en-US" altLang="zh-TW" dirty="0" smtClean="0"/>
-              <a:t>(?)</a:t>
-            </a:r>
-            <a:r>
-              <a:rPr lang="zh-TW" altLang="en-US" dirty="0" smtClean="0"/>
-              <a:t>。</a:t>
-            </a:r>
-            <a:endParaRPr lang="en-US" altLang="zh-TW" dirty="0" smtClean="0"/>
-          </a:p>
-          <a:p>
-            <a:r>
-              <a:rPr lang="en-US" altLang="zh-TW" dirty="0" smtClean="0"/>
-              <a:t>Python</a:t>
-            </a:r>
-            <a:r>
-              <a:rPr lang="zh-TW" altLang="en-US" dirty="0" smtClean="0"/>
-              <a:t>的</a:t>
-            </a:r>
-            <a:r>
-              <a:rPr lang="en-US" altLang="zh-TW" dirty="0" smtClean="0"/>
-              <a:t>print</a:t>
-            </a:r>
-            <a:r>
-              <a:rPr lang="zh-TW" altLang="en-US" dirty="0" smtClean="0"/>
-              <a:t>預設輸出後會換行，</a:t>
-            </a:r>
-            <a:endParaRPr lang="en-US" altLang="zh-TW" dirty="0" smtClean="0"/>
-          </a:p>
-          <a:p>
-            <a:r>
-              <a:rPr lang="zh-TW" altLang="en-US" dirty="0"/>
-              <a:t>中間一半想</a:t>
-            </a:r>
-            <a:r>
-              <a:rPr lang="zh-TW" altLang="en-US" dirty="0" smtClean="0"/>
-              <a:t>要換行要輸出</a:t>
-            </a:r>
-            <a:r>
-              <a:rPr lang="en-US" altLang="zh-TW" dirty="0" smtClean="0"/>
-              <a:t>“</a:t>
-            </a:r>
-            <a:r>
-              <a:rPr lang="en-US" altLang="zh-TW" b="1" dirty="0" smtClean="0">
-                <a:solidFill>
-                  <a:srgbClr val="FF0000"/>
-                </a:solidFill>
-              </a:rPr>
-              <a:t>\n</a:t>
-            </a:r>
-            <a:r>
-              <a:rPr lang="en-US" altLang="zh-TW" dirty="0" smtClean="0"/>
-              <a:t>”</a:t>
-            </a:r>
-            <a:r>
-              <a:rPr lang="zh-TW" altLang="en-US" dirty="0" smtClean="0"/>
-              <a:t> 。</a:t>
-            </a:r>
-            <a:endParaRPr lang="en-US" altLang="zh-TW" dirty="0" smtClean="0"/>
-          </a:p>
-          <a:p>
-            <a:r>
-              <a:rPr lang="zh-TW" altLang="en-US" dirty="0"/>
-              <a:t>若是最後面不想換行</a:t>
-            </a:r>
-            <a:r>
-              <a:rPr lang="zh-TW" altLang="en-US" dirty="0" smtClean="0"/>
-              <a:t>，請在</a:t>
-            </a:r>
-            <a:r>
-              <a:rPr lang="en-US" altLang="zh-TW" dirty="0" smtClean="0"/>
-              <a:t>print</a:t>
-            </a:r>
-            <a:r>
-              <a:rPr lang="zh-TW" altLang="en-US" dirty="0" smtClean="0"/>
-              <a:t>指令中加入</a:t>
-            </a:r>
-            <a:r>
-              <a:rPr lang="en-US" altLang="zh-TW" b="1" dirty="0" smtClean="0">
-                <a:solidFill>
-                  <a:srgbClr val="FF0000"/>
-                </a:solidFill>
-              </a:rPr>
-              <a:t>end=“”</a:t>
-            </a:r>
-          </a:p>
-          <a:p>
-            <a:pPr lvl="1"/>
-            <a:r>
-              <a:rPr lang="zh-TW" altLang="en-US" dirty="0"/>
-              <a:t>例如：</a:t>
-            </a:r>
-            <a:r>
-              <a:rPr lang="en-US" altLang="zh-TW" dirty="0" err="1" smtClean="0"/>
-              <a:t>printf</a:t>
-            </a:r>
-            <a:r>
-              <a:rPr lang="en-US" altLang="zh-TW" dirty="0" smtClean="0"/>
-              <a:t>(“Python is best!”</a:t>
-            </a:r>
-            <a:r>
-              <a:rPr lang="zh-TW" altLang="en-US" dirty="0" smtClean="0"/>
-              <a:t>，</a:t>
-            </a:r>
-            <a:r>
-              <a:rPr lang="en-US" altLang="zh-TW" b="1" dirty="0" smtClean="0">
-                <a:solidFill>
-                  <a:srgbClr val="FF0000"/>
-                </a:solidFill>
-              </a:rPr>
-              <a:t>end=“”</a:t>
-            </a:r>
-            <a:r>
-              <a:rPr lang="en-US" altLang="zh-TW" dirty="0" smtClean="0"/>
-              <a:t>)</a:t>
-            </a:r>
-            <a:endParaRPr lang="zh-TW" altLang="en-US" dirty="0"/>
-          </a:p>
-        </p:txBody>
-      </p:sp>
-      <p:grpSp>
-        <p:nvGrpSpPr>
-          <p:cNvPr id="4" name="群組 3"/>
-          <p:cNvGrpSpPr/>
-          <p:nvPr/>
-        </p:nvGrpSpPr>
-        <p:grpSpPr>
-          <a:xfrm>
-            <a:off x="7283387" y="2160589"/>
-            <a:ext cx="4908613" cy="3758184"/>
-            <a:chOff x="8833104" y="502920"/>
-            <a:chExt cx="2587752" cy="1427480"/>
-          </a:xfrm>
-        </p:grpSpPr>
-        <p:sp>
-          <p:nvSpPr>
-            <p:cNvPr id="5" name="圓角矩形 4"/>
-            <p:cNvSpPr/>
-            <p:nvPr/>
-          </p:nvSpPr>
-          <p:spPr>
-            <a:xfrm>
-              <a:off x="8833104" y="502920"/>
-              <a:ext cx="2587752" cy="1197864"/>
-            </a:xfrm>
-            <a:prstGeom prst="roundRect">
-              <a:avLst/>
-            </a:prstGeom>
-            <a:solidFill>
-              <a:schemeClr val="tx1"/>
-            </a:solidFill>
-            <a:ln>
-              <a:solidFill>
-                <a:schemeClr val="tx1"/>
-              </a:solidFill>
-            </a:ln>
-          </p:spPr>
-          <p:style>
-            <a:lnRef idx="2">
-              <a:schemeClr val="accent1">
-                <a:shade val="50000"/>
-              </a:schemeClr>
-            </a:lnRef>
-            <a:fillRef idx="1">
-              <a:schemeClr val="accent1"/>
-            </a:fillRef>
-            <a:effectRef idx="0">
-              <a:schemeClr val="accent1"/>
-            </a:effectRef>
-            <a:fontRef idx="minor">
-              <a:schemeClr val="lt1"/>
-            </a:fontRef>
-          </p:style>
-          <p:txBody>
-            <a:bodyPr rtlCol="0" anchor="ctr"/>
-            <a:lstStyle/>
-            <a:p>
-              <a:pPr algn="ctr"/>
-              <a:endParaRPr lang="zh-TW" altLang="en-US"/>
-            </a:p>
-          </p:txBody>
-        </p:sp>
-        <p:sp>
-          <p:nvSpPr>
-            <p:cNvPr id="6" name="矩形 5"/>
-            <p:cNvSpPr/>
-            <p:nvPr/>
-          </p:nvSpPr>
-          <p:spPr>
-            <a:xfrm>
-              <a:off x="8942832" y="609600"/>
-              <a:ext cx="2386584" cy="999744"/>
-            </a:xfrm>
-            <a:prstGeom prst="rect">
-              <a:avLst/>
-            </a:prstGeom>
-            <a:solidFill>
-              <a:schemeClr val="bg2">
-                <a:lumMod val="90000"/>
-              </a:schemeClr>
-            </a:solidFill>
-            <a:ln>
-              <a:solidFill>
-                <a:schemeClr val="tx1"/>
-              </a:solidFill>
-            </a:ln>
-          </p:spPr>
-          <p:style>
-            <a:lnRef idx="2">
-              <a:schemeClr val="accent1">
-                <a:shade val="50000"/>
-              </a:schemeClr>
-            </a:lnRef>
-            <a:fillRef idx="1">
-              <a:schemeClr val="accent1"/>
-            </a:fillRef>
-            <a:effectRef idx="0">
-              <a:schemeClr val="accent1"/>
-            </a:effectRef>
-            <a:fontRef idx="minor">
-              <a:schemeClr val="lt1"/>
-            </a:fontRef>
-          </p:style>
-          <p:txBody>
-            <a:bodyPr rtlCol="0" anchor="t"/>
-            <a:lstStyle/>
-            <a:p>
-              <a:r>
-                <a:rPr lang="en-US" altLang="zh-TW" dirty="0" smtClean="0">
-                  <a:solidFill>
-                    <a:schemeClr val="tx1"/>
-                  </a:solidFill>
-                </a:rPr>
-                <a:t>A=13</a:t>
-              </a:r>
-            </a:p>
-            <a:p>
-              <a:r>
-                <a:rPr lang="en-US" altLang="zh-TW" dirty="0" smtClean="0">
-                  <a:solidFill>
-                    <a:schemeClr val="tx1"/>
-                  </a:solidFill>
-                </a:rPr>
-                <a:t>B=77</a:t>
-              </a:r>
-            </a:p>
-            <a:p>
-              <a:r>
-                <a:rPr lang="en-US" altLang="zh-TW" dirty="0" smtClean="0">
-                  <a:solidFill>
-                    <a:schemeClr val="tx1"/>
-                  </a:solidFill>
-                </a:rPr>
-                <a:t>C=34</a:t>
-              </a:r>
-            </a:p>
-            <a:p>
-              <a:r>
-                <a:rPr lang="en-US" altLang="zh-TW" dirty="0" smtClean="0">
-                  <a:solidFill>
-                    <a:srgbClr val="C00000"/>
-                  </a:solidFill>
-                </a:rPr>
-                <a:t>The Max = 77</a:t>
-              </a:r>
-            </a:p>
-            <a:p>
-              <a:r>
-                <a:rPr lang="zh-TW" altLang="en-US" dirty="0" smtClean="0">
-                  <a:solidFill>
-                    <a:srgbClr val="C00000"/>
-                  </a:solidFill>
-                  <a:latin typeface="新細明體" panose="02020500000000000000" pitchFamily="18" charset="-120"/>
-                  <a:ea typeface="新細明體" panose="02020500000000000000" pitchFamily="18" charset="-120"/>
-                </a:rPr>
-                <a:t>▎　　　　</a:t>
-              </a:r>
-              <a:r>
-                <a:rPr lang="zh-TW" altLang="en-US" dirty="0">
-                  <a:solidFill>
-                    <a:srgbClr val="C00000"/>
-                  </a:solidFill>
-                  <a:latin typeface="新細明體" panose="02020500000000000000" pitchFamily="18" charset="-120"/>
-                  <a:ea typeface="新細明體" panose="02020500000000000000" pitchFamily="18" charset="-120"/>
-                </a:rPr>
-                <a:t> </a:t>
-              </a:r>
-              <a:r>
-                <a:rPr lang="zh-TW" altLang="en-US" dirty="0" smtClean="0">
-                  <a:solidFill>
-                    <a:srgbClr val="C00000"/>
-                  </a:solidFill>
-                  <a:latin typeface="新細明體" panose="02020500000000000000" pitchFamily="18" charset="-120"/>
-                  <a:ea typeface="新細明體" panose="02020500000000000000" pitchFamily="18" charset="-120"/>
-                </a:rPr>
-                <a:t>▎　　　　</a:t>
-              </a:r>
-              <a:r>
-                <a:rPr lang="zh-TW" altLang="en-US" dirty="0">
-                  <a:solidFill>
-                    <a:srgbClr val="C00000"/>
-                  </a:solidFill>
-                  <a:latin typeface="新細明體" panose="02020500000000000000" pitchFamily="18" charset="-120"/>
-                  <a:ea typeface="新細明體" panose="02020500000000000000" pitchFamily="18" charset="-120"/>
-                </a:rPr>
-                <a:t> </a:t>
-              </a:r>
-              <a:r>
-                <a:rPr lang="zh-TW" altLang="en-US" dirty="0" smtClean="0">
-                  <a:solidFill>
-                    <a:srgbClr val="C00000"/>
-                  </a:solidFill>
-                  <a:latin typeface="新細明體" panose="02020500000000000000" pitchFamily="18" charset="-120"/>
-                  <a:ea typeface="新細明體" panose="02020500000000000000" pitchFamily="18" charset="-120"/>
-                </a:rPr>
-                <a:t>▎　　　　</a:t>
-              </a:r>
-              <a:r>
-                <a:rPr lang="zh-TW" altLang="en-US" dirty="0">
-                  <a:solidFill>
-                    <a:srgbClr val="C00000"/>
-                  </a:solidFill>
-                  <a:latin typeface="新細明體" panose="02020500000000000000" pitchFamily="18" charset="-120"/>
-                  <a:ea typeface="新細明體" panose="02020500000000000000" pitchFamily="18" charset="-120"/>
-                </a:rPr>
-                <a:t> ▎</a:t>
-              </a:r>
-              <a:endParaRPr lang="zh-TW" altLang="en-US" dirty="0">
-                <a:solidFill>
-                  <a:srgbClr val="C00000"/>
-                </a:solidFill>
-              </a:endParaRPr>
-            </a:p>
-          </p:txBody>
-        </p:sp>
-        <p:sp>
-          <p:nvSpPr>
-            <p:cNvPr id="7" name="梯形 6"/>
-            <p:cNvSpPr/>
-            <p:nvPr/>
-          </p:nvSpPr>
-          <p:spPr>
-            <a:xfrm>
-              <a:off x="9811512" y="1700784"/>
-              <a:ext cx="713232" cy="229616"/>
-            </a:xfrm>
-            <a:prstGeom prst="trapezoid">
-              <a:avLst/>
-            </a:prstGeom>
-            <a:solidFill>
-              <a:schemeClr val="tx1"/>
-            </a:solidFill>
-            <a:ln>
-              <a:solidFill>
-                <a:schemeClr val="tx1"/>
-              </a:solidFill>
-            </a:ln>
-          </p:spPr>
-          <p:style>
-            <a:lnRef idx="2">
-              <a:schemeClr val="accent1">
-                <a:shade val="50000"/>
-              </a:schemeClr>
-            </a:lnRef>
-            <a:fillRef idx="1">
-              <a:schemeClr val="accent1"/>
-            </a:fillRef>
-            <a:effectRef idx="0">
-              <a:schemeClr val="accent1"/>
-            </a:effectRef>
-            <a:fontRef idx="minor">
-              <a:schemeClr val="lt1"/>
-            </a:fontRef>
-          </p:style>
-          <p:txBody>
-            <a:bodyPr rtlCol="0" anchor="ctr"/>
-            <a:lstStyle/>
-            <a:p>
-              <a:pPr algn="ctr"/>
-              <a:endParaRPr lang="zh-TW" altLang="en-US"/>
-            </a:p>
-          </p:txBody>
-        </p:sp>
-      </p:grpSp>
-      <p:sp>
-        <p:nvSpPr>
-          <p:cNvPr id="8" name="弧形 7"/>
-          <p:cNvSpPr/>
-          <p:nvPr/>
-        </p:nvSpPr>
-        <p:spPr>
-          <a:xfrm>
-            <a:off x="-402336" y="2578607"/>
-            <a:ext cx="8055864" cy="2775770"/>
-          </a:xfrm>
-          <a:prstGeom prst="arc">
-            <a:avLst>
-              <a:gd name="adj1" fmla="val 16200000"/>
-              <a:gd name="adj2" fmla="val 21317875"/>
-            </a:avLst>
-          </a:prstGeom>
-          <a:ln w="28575">
-            <a:solidFill>
-              <a:srgbClr val="00B0F0"/>
-            </a:solidFill>
-            <a:headEnd type="none" w="med" len="med"/>
-            <a:tailEnd type="triangle" w="med" len="med"/>
-          </a:ln>
-        </p:spPr>
-        <p:style>
-          <a:lnRef idx="1">
-            <a:schemeClr val="accent1"/>
-          </a:lnRef>
-          <a:fillRef idx="0">
-            <a:schemeClr val="accent1"/>
-          </a:fillRef>
-          <a:effectRef idx="0">
-            <a:schemeClr val="accent1"/>
-          </a:effectRef>
-          <a:fontRef idx="minor">
-            <a:schemeClr val="tx1"/>
-          </a:fontRef>
-        </p:style>
-        <p:txBody>
-          <a:bodyPr rtlCol="0" anchor="ctr"/>
-          <a:lstStyle/>
-          <a:p>
-            <a:pPr algn="ctr"/>
-            <a:endParaRPr lang="zh-TW" altLang="en-US"/>
-          </a:p>
-        </p:txBody>
-      </p:sp>
-      <p:sp>
-        <p:nvSpPr>
-          <p:cNvPr id="9" name="文字方塊 8"/>
-          <p:cNvSpPr txBox="1"/>
-          <p:nvPr/>
-        </p:nvSpPr>
-        <p:spPr>
-          <a:xfrm>
-            <a:off x="9404723" y="3781826"/>
-            <a:ext cx="1338828" cy="369332"/>
+            <a:off x="677334" y="5856696"/>
+            <a:ext cx="1669047" cy="369332"/>
           </a:xfrm>
           <a:prstGeom prst="rect">
             <a:avLst/>
@@ -11045,17 +10458,25 @@
           <a:lstStyle/>
           <a:p>
             <a:r>
-              <a:rPr lang="zh-TW" altLang="en-US" dirty="0" smtClean="0"/>
-              <a:t>定位點示意</a:t>
-            </a:r>
-            <a:endParaRPr lang="zh-TW" altLang="en-US" dirty="0"/>
+              <a:rPr lang="en-US" altLang="zh-TW" dirty="0" smtClean="0">
+                <a:solidFill>
+                  <a:srgbClr val="C00000"/>
+                </a:solidFill>
+              </a:rPr>
+              <a:t>Example02_02</a:t>
+            </a:r>
+            <a:endParaRPr lang="zh-TW" altLang="en-US" dirty="0">
+              <a:solidFill>
+                <a:srgbClr val="C00000"/>
+              </a:solidFill>
+            </a:endParaRPr>
           </a:p>
         </p:txBody>
       </p:sp>
     </p:spTree>
     <p:extLst>
       <p:ext uri="{BB962C8B-B14F-4D97-AF65-F5344CB8AC3E}">
-        <p14:creationId xmlns:p14="http://schemas.microsoft.com/office/powerpoint/2010/main" val="137829214"/>
+        <p14:creationId xmlns:p14="http://schemas.microsoft.com/office/powerpoint/2010/main" val="3394004265"/>
       </p:ext>
     </p:extLst>
   </p:cSld>
@@ -11065,75 +10486,7 @@
   <p:timing>
     <p:tnLst>
       <p:par>
-        <p:cTn id="1" dur="indefinite" restart="never" nodeType="tmRoot">
-          <p:childTnLst>
-            <p:seq concurrent="1" nextAc="seek">
-              <p:cTn id="2" dur="indefinite" nodeType="mainSeq">
-                <p:childTnLst>
-                  <p:par>
-                    <p:cTn id="3" fill="hold">
-                      <p:stCondLst>
-                        <p:cond delay="indefinite"/>
-                      </p:stCondLst>
-                      <p:childTnLst>
-                        <p:par>
-                          <p:cTn id="4" fill="hold">
-                            <p:stCondLst>
-                              <p:cond delay="0"/>
-                            </p:stCondLst>
-                            <p:childTnLst>
-                              <p:par>
-                                <p:cTn id="5" presetID="1" presetClass="entr" presetSubtype="0" fill="hold" nodeType="clickEffect">
-                                  <p:stCondLst>
-                                    <p:cond delay="0"/>
-                                  </p:stCondLst>
-                                  <p:childTnLst>
-                                    <p:set>
-                                      <p:cBhvr>
-                                        <p:cTn id="6" dur="1" fill="hold">
-                                          <p:stCondLst>
-                                            <p:cond delay="0"/>
-                                          </p:stCondLst>
-                                        </p:cTn>
-                                        <p:tgtEl>
-                                          <p:spTgt spid="4"/>
-                                        </p:tgtEl>
-                                        <p:attrNameLst>
-                                          <p:attrName>style.visibility</p:attrName>
-                                        </p:attrNameLst>
-                                      </p:cBhvr>
-                                      <p:to>
-                                        <p:strVal val="visible"/>
-                                      </p:to>
-                                    </p:set>
-                                  </p:childTnLst>
-                                </p:cTn>
-                              </p:par>
-                            </p:childTnLst>
-                          </p:cTn>
-                        </p:par>
-                      </p:childTnLst>
-                    </p:cTn>
-                  </p:par>
-                </p:childTnLst>
-              </p:cTn>
-              <p:prevCondLst>
-                <p:cond evt="onPrev" delay="0">
-                  <p:tgtEl>
-                    <p:sldTgt/>
-                  </p:tgtEl>
-                </p:cond>
-              </p:prevCondLst>
-              <p:nextCondLst>
-                <p:cond evt="onNext" delay="0">
-                  <p:tgtEl>
-                    <p:sldTgt/>
-                  </p:tgtEl>
-                </p:cond>
-              </p:nextCondLst>
-            </p:seq>
-          </p:childTnLst>
-        </p:cTn>
+        <p:cTn id="1" dur="indefinite" restart="never" nodeType="tmRoot"/>
       </p:par>
     </p:tnLst>
   </p:timing>
@@ -11174,19 +10527,9 @@
           <a:p>
             <a:r>
               <a:rPr lang="zh-TW" altLang="en-US" dirty="0" smtClean="0"/>
-              <a:t>練習二</a:t>
-            </a:r>
-            <a:r>
-              <a:rPr lang="en-US" altLang="zh-TW" dirty="0" smtClean="0"/>
-              <a:t/>
-            </a:r>
-            <a:br>
-              <a:rPr lang="en-US" altLang="zh-TW" dirty="0" smtClean="0"/>
-            </a:br>
-            <a:r>
-              <a:rPr lang="zh-TW" altLang="en-US" dirty="0"/>
-              <a:t>輸入三科成績算總和</a:t>
-            </a:r>
+              <a:t>練習二參考解答</a:t>
+            </a:r>
+            <a:endParaRPr lang="zh-TW" altLang="en-US" dirty="0"/>
           </a:p>
         </p:txBody>
       </p:sp>
@@ -11205,110 +10548,62 @@
           <a:bodyPr/>
           <a:lstStyle/>
           <a:p>
-            <a:r>
-              <a:rPr lang="zh-TW" altLang="en-US" dirty="0" smtClean="0"/>
-              <a:t>請設計一個程式，讓我可以輸入三科成績，然後顯示這三科成績的總和與平均。</a:t>
-            </a:r>
-            <a:endParaRPr lang="en-US" altLang="zh-TW" dirty="0" smtClean="0"/>
-          </a:p>
-          <a:p>
-            <a:r>
-              <a:rPr lang="zh-TW" altLang="en-US" dirty="0" smtClean="0"/>
-              <a:t>考慮重點：</a:t>
-            </a:r>
-            <a:endParaRPr lang="en-US" altLang="zh-TW" dirty="0" smtClean="0"/>
-          </a:p>
-          <a:p>
-            <a:pPr lvl="1"/>
-            <a:r>
-              <a:rPr lang="zh-TW" altLang="en-US" dirty="0" smtClean="0"/>
-              <a:t>輸入：三科成績</a:t>
-            </a:r>
-            <a:endParaRPr lang="en-US" altLang="zh-TW" dirty="0" smtClean="0"/>
-          </a:p>
-          <a:p>
-            <a:pPr lvl="1"/>
-            <a:r>
-              <a:rPr lang="zh-TW" altLang="en-US" dirty="0"/>
-              <a:t>運算：三</a:t>
-            </a:r>
-            <a:r>
-              <a:rPr lang="zh-TW" altLang="en-US" dirty="0" smtClean="0"/>
-              <a:t>科</a:t>
-            </a:r>
-            <a:r>
-              <a:rPr lang="zh-TW" altLang="en-US" dirty="0"/>
-              <a:t>成績加總</a:t>
-            </a:r>
-            <a:endParaRPr lang="en-US" altLang="zh-TW" dirty="0" smtClean="0"/>
-          </a:p>
-          <a:p>
-            <a:pPr lvl="1"/>
-            <a:r>
-              <a:rPr lang="zh-TW" altLang="en-US" dirty="0" smtClean="0"/>
-              <a:t>輸出：</a:t>
-            </a:r>
-            <a:r>
-              <a:rPr lang="zh-TW" altLang="en-US" dirty="0"/>
-              <a:t>三科</a:t>
-            </a:r>
-            <a:r>
-              <a:rPr lang="zh-TW" altLang="en-US" dirty="0" smtClean="0"/>
-              <a:t>總合與平均</a:t>
-            </a:r>
-            <a:endParaRPr lang="en-US" altLang="zh-TW" dirty="0" smtClean="0"/>
-          </a:p>
-          <a:p>
-            <a:pPr lvl="1"/>
-            <a:r>
-              <a:rPr lang="zh-TW" altLang="en-US" dirty="0"/>
-              <a:t>變數宣告：需要幾個？叫甚麼名字？</a:t>
-            </a:r>
-          </a:p>
-        </p:txBody>
-      </p:sp>
-      <p:sp>
-        <p:nvSpPr>
-          <p:cNvPr id="4" name="文字方塊 3"/>
-          <p:cNvSpPr txBox="1"/>
+            <a:endParaRPr lang="zh-TW" altLang="en-US" dirty="0"/>
+          </a:p>
+        </p:txBody>
+      </p:sp>
+      <p:pic>
+        <p:nvPicPr>
+          <p:cNvPr id="7" name="圖片 6"/>
+          <p:cNvPicPr>
+            <a:picLocks noChangeAspect="1"/>
+          </p:cNvPicPr>
           <p:nvPr/>
-        </p:nvSpPr>
+        </p:nvPicPr>
+        <p:blipFill>
+          <a:blip r:embed="rId2"/>
+          <a:stretch>
+            <a:fillRect/>
+          </a:stretch>
+        </p:blipFill>
         <p:spPr>
           <a:xfrm>
-            <a:off x="677334" y="5856696"/>
-            <a:ext cx="1669047" cy="369332"/>
+            <a:off x="6821424" y="1906270"/>
+            <a:ext cx="2590800" cy="1647825"/>
           </a:xfrm>
           <a:prstGeom prst="rect">
             <a:avLst/>
           </a:prstGeom>
-          <a:noFill/>
         </p:spPr>
-        <p:txBody>
-          <a:bodyPr wrap="none" rtlCol="0">
-            <a:spAutoFit/>
-          </a:bodyPr>
-          <a:lstStyle/>
-          <a:p>
-            <a:r>
-              <a:rPr lang="en-US" altLang="zh-TW" dirty="0" smtClean="0">
-                <a:solidFill>
-                  <a:srgbClr val="C00000"/>
-                </a:solidFill>
-              </a:rPr>
-              <a:t>Example02_02</a:t>
-            </a:r>
-            <a:endParaRPr lang="zh-TW" altLang="en-US" dirty="0">
-              <a:solidFill>
-                <a:srgbClr val="C00000"/>
-              </a:solidFill>
-            </a:endParaRPr>
-          </a:p>
-        </p:txBody>
-      </p:sp>
+      </p:pic>
+      <p:pic>
+        <p:nvPicPr>
+          <p:cNvPr id="4" name="圖片 3"/>
+          <p:cNvPicPr>
+            <a:picLocks noChangeAspect="1"/>
+          </p:cNvPicPr>
+          <p:nvPr/>
+        </p:nvPicPr>
+        <p:blipFill>
+          <a:blip r:embed="rId3"/>
+          <a:stretch>
+            <a:fillRect/>
+          </a:stretch>
+        </p:blipFill>
+        <p:spPr>
+          <a:xfrm>
+            <a:off x="653877" y="1906270"/>
+            <a:ext cx="5865795" cy="4336796"/>
+          </a:xfrm>
+          <a:prstGeom prst="rect">
+            <a:avLst/>
+          </a:prstGeom>
+        </p:spPr>
+      </p:pic>
     </p:spTree>
     <p:extLst>
       <p:ext uri="{BB962C8B-B14F-4D97-AF65-F5344CB8AC3E}">
-        <p14:creationId xmlns:p14="http://schemas.microsoft.com/office/powerpoint/2010/main" val="3394004265"/>
+        <p14:creationId xmlns:p14="http://schemas.microsoft.com/office/powerpoint/2010/main" val="2938798235"/>
       </p:ext>
     </p:extLst>
   </p:cSld>

--- a/LCC/Python/02_程式語言基本法.pptx
+++ b/LCC/Python/02_程式語言基本法.pptx
@@ -2,7 +2,7 @@
 <file path=ppt/presentation.xml><?xml version="1.0" encoding="utf-8"?>
 <p:presentation xmlns:a="http://schemas.openxmlformats.org/drawingml/2006/main" xmlns:r="http://schemas.openxmlformats.org/officeDocument/2006/relationships" xmlns:p="http://schemas.openxmlformats.org/presentationml/2006/main" autoCompressPictures="0">
   <p:sldMasterIdLst>
-    <p:sldMasterId id="2147483648" r:id="rId1"/>
+    <p:sldMasterId id="2147483668" r:id="rId1"/>
   </p:sldMasterIdLst>
   <p:sldIdLst>
     <p:sldId id="256" r:id="rId2"/>
@@ -150,7 +150,7 @@
       </p:grpSpPr>
       <p:grpSp>
         <p:nvGrpSpPr>
-          <p:cNvPr id="7" name="Group 6"/>
+          <p:cNvPr id="16" name="Group 15"/>
           <p:cNvGrpSpPr/>
           <p:nvPr/>
         </p:nvGrpSpPr>
@@ -162,9 +162,72 @@
             <a:chExt cx="12192000" cy="6866467"/>
           </a:xfrm>
         </p:grpSpPr>
+        <p:sp>
+          <p:nvSpPr>
+            <p:cNvPr id="15" name="Freeform 14"/>
+            <p:cNvSpPr/>
+            <p:nvPr/>
+          </p:nvSpPr>
+          <p:spPr>
+            <a:xfrm>
+              <a:off x="0" y="-7862"/>
+              <a:ext cx="863600" cy="5698067"/>
+            </a:xfrm>
+            <a:custGeom>
+              <a:avLst/>
+              <a:gdLst/>
+              <a:ahLst/>
+              <a:cxnLst/>
+              <a:rect l="l" t="t" r="r" b="b"/>
+              <a:pathLst>
+                <a:path w="863600" h="5698067">
+                  <a:moveTo>
+                    <a:pt x="0" y="8467"/>
+                  </a:moveTo>
+                  <a:lnTo>
+                    <a:pt x="863600" y="0"/>
+                  </a:lnTo>
+                  <a:lnTo>
+                    <a:pt x="863600" y="16934"/>
+                  </a:lnTo>
+                  <a:lnTo>
+                    <a:pt x="0" y="5698067"/>
+                  </a:lnTo>
+                  <a:lnTo>
+                    <a:pt x="0" y="8467"/>
+                  </a:lnTo>
+                  <a:close/>
+                </a:path>
+              </a:pathLst>
+            </a:custGeom>
+            <a:solidFill>
+              <a:schemeClr val="accent1">
+                <a:alpha val="70000"/>
+              </a:schemeClr>
+            </a:solidFill>
+            <a:ln>
+              <a:noFill/>
+            </a:ln>
+            <a:effectLst/>
+          </p:spPr>
+          <p:style>
+            <a:lnRef idx="1">
+              <a:schemeClr val="accent1"/>
+            </a:lnRef>
+            <a:fillRef idx="3">
+              <a:schemeClr val="accent1"/>
+            </a:fillRef>
+            <a:effectRef idx="2">
+              <a:schemeClr val="accent1"/>
+            </a:effectRef>
+            <a:fontRef idx="minor">
+              <a:schemeClr val="lt1"/>
+            </a:fontRef>
+          </p:style>
+        </p:sp>
         <p:cxnSp>
           <p:nvCxnSpPr>
-            <p:cNvPr id="32" name="Straight Connector 31"/>
+            <p:cNvPr id="19" name="Straight Connector 18"/>
             <p:cNvCxnSpPr/>
             <p:nvPr/>
           </p:nvCxnSpPr>
@@ -178,8 +241,8 @@
             </a:prstGeom>
             <a:ln w="9525">
               <a:solidFill>
-                <a:schemeClr val="bg1">
-                  <a:lumMod val="75000"/>
+                <a:schemeClr val="accent1">
+                  <a:alpha val="70000"/>
                 </a:schemeClr>
               </a:solidFill>
             </a:ln>
@@ -201,7 +264,7 @@
         </p:cxnSp>
         <p:cxnSp>
           <p:nvCxnSpPr>
-            <p:cNvPr id="21" name="Straight Connector 20"/>
+            <p:cNvPr id="20" name="Straight Connector 19"/>
             <p:cNvCxnSpPr/>
             <p:nvPr/>
           </p:nvCxnSpPr>
@@ -215,8 +278,8 @@
             </a:prstGeom>
             <a:ln w="9525">
               <a:solidFill>
-                <a:schemeClr val="bg1">
-                  <a:lumMod val="85000"/>
+                <a:schemeClr val="accent1">
+                  <a:alpha val="70000"/>
                 </a:schemeClr>
               </a:solidFill>
             </a:ln>
@@ -238,7 +301,7 @@
         </p:cxnSp>
         <p:sp>
           <p:nvSpPr>
-            <p:cNvPr id="24" name="Rectangle 23"/>
+            <p:cNvPr id="21" name="Rectangle 23"/>
             <p:cNvSpPr/>
             <p:nvPr/>
           </p:nvSpPr>
@@ -276,7 +339,7 @@
             </a:custGeom>
             <a:solidFill>
               <a:schemeClr val="accent1">
-                <a:alpha val="30000"/>
+                <a:alpha val="36000"/>
               </a:schemeClr>
             </a:solidFill>
             <a:ln>
@@ -301,7 +364,7 @@
         </p:sp>
         <p:sp>
           <p:nvSpPr>
-            <p:cNvPr id="26" name="Rectangle 25"/>
+            <p:cNvPr id="22" name="Rectangle 25"/>
             <p:cNvSpPr/>
             <p:nvPr/>
           </p:nvSpPr>
@@ -364,7 +427,7 @@
         </p:sp>
         <p:sp>
           <p:nvSpPr>
-            <p:cNvPr id="27" name="Isosceles Triangle 26"/>
+            <p:cNvPr id="23" name="Isosceles Triangle 22"/>
             <p:cNvSpPr/>
             <p:nvPr/>
           </p:nvSpPr>
@@ -379,8 +442,9 @@
               </a:avLst>
             </a:prstGeom>
             <a:solidFill>
-              <a:schemeClr val="accent2">
-                <a:alpha val="72000"/>
+              <a:schemeClr val="accent1">
+                <a:lumMod val="75000"/>
+                <a:alpha val="66000"/>
               </a:schemeClr>
             </a:solidFill>
             <a:ln>
@@ -405,7 +469,7 @@
         </p:sp>
         <p:sp>
           <p:nvSpPr>
-            <p:cNvPr id="28" name="Rectangle 27"/>
+            <p:cNvPr id="24" name="Rectangle 27"/>
             <p:cNvSpPr/>
             <p:nvPr/>
           </p:nvSpPr>
@@ -442,9 +506,9 @@
               </a:pathLst>
             </a:custGeom>
             <a:solidFill>
-              <a:schemeClr val="accent2">
+              <a:schemeClr val="accent1">
                 <a:lumMod val="75000"/>
-                <a:alpha val="70000"/>
+                <a:alpha val="50000"/>
               </a:schemeClr>
             </a:solidFill>
             <a:ln>
@@ -469,7 +533,7 @@
         </p:sp>
         <p:sp>
           <p:nvSpPr>
-            <p:cNvPr id="29" name="Rectangle 28"/>
+            <p:cNvPr id="25" name="Rectangle 28"/>
             <p:cNvSpPr/>
             <p:nvPr/>
           </p:nvSpPr>
@@ -506,9 +570,7 @@
               </a:pathLst>
             </a:custGeom>
             <a:solidFill>
-              <a:schemeClr val="accent1">
-                <a:lumMod val="60000"/>
-                <a:lumOff val="40000"/>
+              <a:schemeClr val="accent2">
                 <a:alpha val="70000"/>
               </a:schemeClr>
             </a:solidFill>
@@ -534,7 +596,7 @@
         </p:sp>
         <p:sp>
           <p:nvSpPr>
-            <p:cNvPr id="30" name="Rectangle 29"/>
+            <p:cNvPr id="26" name="Rectangle 29"/>
             <p:cNvSpPr/>
             <p:nvPr/>
           </p:nvSpPr>
@@ -571,48 +633,8 @@
               </a:pathLst>
             </a:custGeom>
             <a:solidFill>
-              <a:schemeClr val="accent1">
-                <a:alpha val="65000"/>
-              </a:schemeClr>
-            </a:solidFill>
-            <a:ln>
-              <a:noFill/>
-            </a:ln>
-            <a:effectLst/>
-          </p:spPr>
-          <p:style>
-            <a:lnRef idx="1">
-              <a:schemeClr val="accent1"/>
-            </a:lnRef>
-            <a:fillRef idx="3">
-              <a:schemeClr val="accent1"/>
-            </a:fillRef>
-            <a:effectRef idx="2">
-              <a:schemeClr val="accent1"/>
-            </a:effectRef>
-            <a:fontRef idx="minor">
-              <a:schemeClr val="lt1"/>
-            </a:fontRef>
-          </p:style>
-        </p:sp>
-        <p:sp>
-          <p:nvSpPr>
-            <p:cNvPr id="31" name="Isosceles Triangle 30"/>
-            <p:cNvSpPr/>
-            <p:nvPr/>
-          </p:nvSpPr>
-          <p:spPr>
-            <a:xfrm>
-              <a:off x="10371666" y="3589867"/>
-              <a:ext cx="1817159" cy="3268133"/>
-            </a:xfrm>
-            <a:prstGeom prst="triangle">
-              <a:avLst>
-                <a:gd name="adj" fmla="val 100000"/>
-              </a:avLst>
-            </a:prstGeom>
-            <a:solidFill>
-              <a:schemeClr val="accent1">
+              <a:schemeClr val="accent2">
+                <a:lumMod val="75000"/>
                 <a:alpha val="80000"/>
               </a:schemeClr>
             </a:solidFill>
@@ -638,14 +660,14 @@
         </p:sp>
         <p:sp>
           <p:nvSpPr>
-            <p:cNvPr id="19" name="Isosceles Triangle 18"/>
+            <p:cNvPr id="27" name="Isosceles Triangle 26"/>
             <p:cNvSpPr/>
             <p:nvPr/>
           </p:nvSpPr>
           <p:spPr>
-            <a:xfrm rot="10800000">
-              <a:off x="0" y="0"/>
-              <a:ext cx="842596" cy="5666154"/>
+            <a:xfrm>
+              <a:off x="10371666" y="3589867"/>
+              <a:ext cx="1817159" cy="3268133"/>
             </a:xfrm>
             <a:prstGeom prst="triangle">
               <a:avLst>
@@ -654,7 +676,8 @@
             </a:prstGeom>
             <a:solidFill>
               <a:schemeClr val="accent1">
-                <a:alpha val="85000"/>
+                <a:lumMod val="75000"/>
+                <a:alpha val="66000"/>
               </a:schemeClr>
             </a:solidFill>
             <a:ln>
@@ -700,16 +723,16 @@
           </a:bodyPr>
           <a:lstStyle>
             <a:lvl1pPr algn="r">
-              <a:defRPr sz="5400">
+              <a:defRPr sz="4800">
                 <a:solidFill>
-                  <a:schemeClr val="accent1"/>
+                  <a:srgbClr val="0070C0"/>
                 </a:solidFill>
               </a:defRPr>
             </a:lvl1pPr>
           </a:lstStyle>
           <a:p>
             <a:r>
-              <a:rPr lang="zh-TW" altLang="en-US" smtClean="0"/>
+              <a:rPr lang="zh-TW" altLang="en-US" dirty="0" smtClean="0"/>
               <a:t>按一下以編輯母片標題樣式</a:t>
             </a:r>
             <a:endParaRPr lang="en-US" dirty="0"/>
@@ -852,7 +875,7 @@
           <a:lstStyle/>
           <a:p>
             <a:fld id="{B61BEF0D-F0BB-DE4B-95CE-6DB70DBA9567}" type="datetimeFigureOut">
-              <a:rPr lang="en-US" dirty="0"/>
+              <a:rPr lang="en-US" smtClean="0"/>
               <a:pPr/>
               <a:t>12/28/2020</a:t>
             </a:fld>
@@ -895,7 +918,7 @@
           <a:lstStyle/>
           <a:p>
             <a:fld id="{D57F1E4F-1CFF-5643-939E-217C01CDF565}" type="slidenum">
-              <a:rPr lang="en-US" dirty="0"/>
+              <a:rPr lang="en-US" smtClean="0"/>
               <a:pPr/>
               <a:t>‹#›</a:t>
             </a:fld>
@@ -904,17 +927,15 @@
         </p:txBody>
       </p:sp>
     </p:spTree>
+    <p:extLst>
+      <p:ext uri="{BB962C8B-B14F-4D97-AF65-F5344CB8AC3E}">
+        <p14:creationId xmlns:p14="http://schemas.microsoft.com/office/powerpoint/2010/main" val="3179326033"/>
+      </p:ext>
+    </p:extLst>
   </p:cSld>
   <p:clrMapOvr>
     <a:masterClrMapping/>
   </p:clrMapOvr>
-  <p:timing>
-    <p:tnLst>
-      <p:par>
-        <p:cTn id="1" dur="indefinite" restart="never" nodeType="tmRoot"/>
-      </p:par>
-    </p:tnLst>
-  </p:timing>
 </p:sldLayout>
 </file>
 
@@ -1107,7 +1128,7 @@
           <a:lstStyle/>
           <a:p>
             <a:fld id="{B61BEF0D-F0BB-DE4B-95CE-6DB70DBA9567}" type="datetimeFigureOut">
-              <a:rPr lang="en-US" dirty="0"/>
+              <a:rPr lang="en-US" smtClean="0"/>
               <a:pPr/>
               <a:t>12/28/2020</a:t>
             </a:fld>
@@ -1150,7 +1171,7 @@
           <a:lstStyle/>
           <a:p>
             <a:fld id="{D57F1E4F-1CFF-5643-939E-217C01CDF565}" type="slidenum">
-              <a:rPr lang="en-US" dirty="0"/>
+              <a:rPr lang="en-US" smtClean="0"/>
               <a:pPr/>
               <a:t>‹#›</a:t>
             </a:fld>
@@ -1159,6 +1180,11 @@
         </p:txBody>
       </p:sp>
     </p:spTree>
+    <p:extLst>
+      <p:ext uri="{BB962C8B-B14F-4D97-AF65-F5344CB8AC3E}">
+        <p14:creationId xmlns:p14="http://schemas.microsoft.com/office/powerpoint/2010/main" val="3744579494"/>
+      </p:ext>
+    </p:extLst>
   </p:cSld>
   <p:clrMapOvr>
     <a:masterClrMapping/>
@@ -1418,7 +1444,7 @@
           <a:lstStyle/>
           <a:p>
             <a:fld id="{B61BEF0D-F0BB-DE4B-95CE-6DB70DBA9567}" type="datetimeFigureOut">
-              <a:rPr lang="en-US" dirty="0"/>
+              <a:rPr lang="en-US" smtClean="0"/>
               <a:pPr/>
               <a:t>12/28/2020</a:t>
             </a:fld>
@@ -1461,7 +1487,7 @@
           <a:lstStyle/>
           <a:p>
             <a:fld id="{D57F1E4F-1CFF-5643-939E-217C01CDF565}" type="slidenum">
-              <a:rPr lang="en-US" dirty="0"/>
+              <a:rPr lang="en-US" smtClean="0"/>
               <a:pPr/>
               <a:t>‹#›</a:t>
             </a:fld>
@@ -1471,7 +1497,7 @@
       </p:sp>
       <p:sp>
         <p:nvSpPr>
-          <p:cNvPr id="20" name="TextBox 19"/>
+          <p:cNvPr id="24" name="TextBox 23"/>
           <p:cNvSpPr txBox="1"/>
           <p:nvPr/>
         </p:nvSpPr>
@@ -1512,7 +1538,7 @@
       </p:sp>
       <p:sp>
         <p:nvSpPr>
-          <p:cNvPr id="22" name="TextBox 21"/>
+          <p:cNvPr id="25" name="TextBox 24"/>
           <p:cNvSpPr txBox="1"/>
           <p:nvPr/>
         </p:nvSpPr>
@@ -1543,23 +1569,20 @@
                     <a:lumOff val="40000"/>
                   </a:schemeClr>
                 </a:solidFill>
+                <a:effectLst/>
                 <a:latin typeface="Arial"/>
               </a:rPr>
               <a:t>”</a:t>
             </a:r>
-            <a:endParaRPr lang="en-US" dirty="0">
-              <a:solidFill>
-                <a:schemeClr val="accent1">
-                  <a:lumMod val="60000"/>
-                  <a:lumOff val="40000"/>
-                </a:schemeClr>
-              </a:solidFill>
-              <a:latin typeface="Arial"/>
-            </a:endParaRPr>
           </a:p>
         </p:txBody>
       </p:sp>
     </p:spTree>
+    <p:extLst>
+      <p:ext uri="{BB962C8B-B14F-4D97-AF65-F5344CB8AC3E}">
+        <p14:creationId xmlns:p14="http://schemas.microsoft.com/office/powerpoint/2010/main" val="344966340"/>
+      </p:ext>
+    </p:extLst>
   </p:cSld>
   <p:clrMapOvr>
     <a:masterClrMapping/>
@@ -1756,7 +1779,7 @@
           <a:lstStyle/>
           <a:p>
             <a:fld id="{B61BEF0D-F0BB-DE4B-95CE-6DB70DBA9567}" type="datetimeFigureOut">
-              <a:rPr lang="en-US" dirty="0"/>
+              <a:rPr lang="en-US" smtClean="0"/>
               <a:pPr/>
               <a:t>12/28/2020</a:t>
             </a:fld>
@@ -1799,7 +1822,7 @@
           <a:lstStyle/>
           <a:p>
             <a:fld id="{D57F1E4F-1CFF-5643-939E-217C01CDF565}" type="slidenum">
-              <a:rPr lang="en-US" dirty="0"/>
+              <a:rPr lang="en-US" smtClean="0"/>
               <a:pPr/>
               <a:t>‹#›</a:t>
             </a:fld>
@@ -1808,6 +1831,11 @@
         </p:txBody>
       </p:sp>
     </p:spTree>
+    <p:extLst>
+      <p:ext uri="{BB962C8B-B14F-4D97-AF65-F5344CB8AC3E}">
+        <p14:creationId xmlns:p14="http://schemas.microsoft.com/office/powerpoint/2010/main" val="932513072"/>
+      </p:ext>
+    </p:extLst>
   </p:cSld>
   <p:clrMapOvr>
     <a:masterClrMapping/>
@@ -2067,7 +2095,7 @@
           <a:lstStyle/>
           <a:p>
             <a:fld id="{B61BEF0D-F0BB-DE4B-95CE-6DB70DBA9567}" type="datetimeFigureOut">
-              <a:rPr lang="en-US" dirty="0"/>
+              <a:rPr lang="en-US" smtClean="0"/>
               <a:pPr/>
               <a:t>12/28/2020</a:t>
             </a:fld>
@@ -2110,7 +2138,7 @@
           <a:lstStyle/>
           <a:p>
             <a:fld id="{D57F1E4F-1CFF-5643-939E-217C01CDF565}" type="slidenum">
-              <a:rPr lang="en-US" dirty="0"/>
+              <a:rPr lang="en-US" smtClean="0"/>
               <a:pPr/>
               <a:t>‹#›</a:t>
             </a:fld>
@@ -2201,6 +2229,11 @@
         </p:txBody>
       </p:sp>
     </p:spTree>
+    <p:extLst>
+      <p:ext uri="{BB962C8B-B14F-4D97-AF65-F5344CB8AC3E}">
+        <p14:creationId xmlns:p14="http://schemas.microsoft.com/office/powerpoint/2010/main" val="3507516538"/>
+      </p:ext>
+    </p:extLst>
   </p:cSld>
   <p:clrMapOvr>
     <a:masterClrMapping/>
@@ -2457,7 +2490,7 @@
           <a:lstStyle/>
           <a:p>
             <a:fld id="{B61BEF0D-F0BB-DE4B-95CE-6DB70DBA9567}" type="datetimeFigureOut">
-              <a:rPr lang="en-US" dirty="0"/>
+              <a:rPr lang="en-US" smtClean="0"/>
               <a:pPr/>
               <a:t>12/28/2020</a:t>
             </a:fld>
@@ -2500,7 +2533,7 @@
           <a:lstStyle/>
           <a:p>
             <a:fld id="{D57F1E4F-1CFF-5643-939E-217C01CDF565}" type="slidenum">
-              <a:rPr lang="en-US" dirty="0"/>
+              <a:rPr lang="en-US" smtClean="0"/>
               <a:pPr/>
               <a:t>‹#›</a:t>
             </a:fld>
@@ -2509,6 +2542,11 @@
         </p:txBody>
       </p:sp>
     </p:spTree>
+    <p:extLst>
+      <p:ext uri="{BB962C8B-B14F-4D97-AF65-F5344CB8AC3E}">
+        <p14:creationId xmlns:p14="http://schemas.microsoft.com/office/powerpoint/2010/main" val="4185805448"/>
+      </p:ext>
+    </p:extLst>
   </p:cSld>
   <p:clrMapOvr>
     <a:masterClrMapping/>
@@ -2624,7 +2662,7 @@
           <a:lstStyle/>
           <a:p>
             <a:fld id="{55C6B4A9-1611-4792-9094-5F34BCA07E0B}" type="datetimeFigureOut">
-              <a:rPr lang="en-US" dirty="0"/>
+              <a:rPr lang="en-US" smtClean="0"/>
               <a:t>12/28/2020</a:t>
             </a:fld>
             <a:endParaRPr lang="en-US" dirty="0"/>
@@ -2666,7 +2704,7 @@
           <a:lstStyle/>
           <a:p>
             <a:fld id="{89333C77-0158-454C-844F-B7AB9BD7DAD4}" type="slidenum">
-              <a:rPr lang="en-US" dirty="0"/>
+              <a:rPr lang="en-US" smtClean="0"/>
               <a:t>‹#›</a:t>
             </a:fld>
             <a:endParaRPr lang="en-US" dirty="0"/>
@@ -2674,6 +2712,11 @@
         </p:txBody>
       </p:sp>
     </p:spTree>
+    <p:extLst>
+      <p:ext uri="{BB962C8B-B14F-4D97-AF65-F5344CB8AC3E}">
+        <p14:creationId xmlns:p14="http://schemas.microsoft.com/office/powerpoint/2010/main" val="2771389483"/>
+      </p:ext>
+    </p:extLst>
   </p:cSld>
   <p:clrMapOvr>
     <a:masterClrMapping/>
@@ -2799,7 +2842,7 @@
           <a:lstStyle/>
           <a:p>
             <a:fld id="{B61BEF0D-F0BB-DE4B-95CE-6DB70DBA9567}" type="datetimeFigureOut">
-              <a:rPr lang="en-US" dirty="0"/>
+              <a:rPr lang="en-US" smtClean="0"/>
               <a:pPr/>
               <a:t>12/28/2020</a:t>
             </a:fld>
@@ -2842,7 +2885,7 @@
           <a:lstStyle/>
           <a:p>
             <a:fld id="{D57F1E4F-1CFF-5643-939E-217C01CDF565}" type="slidenum">
-              <a:rPr lang="en-US" dirty="0"/>
+              <a:rPr lang="en-US" smtClean="0"/>
               <a:pPr/>
               <a:t>‹#›</a:t>
             </a:fld>
@@ -2851,6 +2894,11 @@
         </p:txBody>
       </p:sp>
     </p:spTree>
+    <p:extLst>
+      <p:ext uri="{BB962C8B-B14F-4D97-AF65-F5344CB8AC3E}">
+        <p14:creationId xmlns:p14="http://schemas.microsoft.com/office/powerpoint/2010/main" val="1372113667"/>
+      </p:ext>
+    </p:extLst>
   </p:cSld>
   <p:clrMapOvr>
     <a:masterClrMapping/>
@@ -2887,14 +2935,8 @@
         </p:nvSpPr>
         <p:spPr/>
         <p:txBody>
-          <a:bodyPr>
-            <a:normAutofit/>
-          </a:bodyPr>
-          <a:lstStyle>
-            <a:lvl1pPr>
-              <a:defRPr sz="3600"/>
-            </a:lvl1pPr>
-          </a:lstStyle>
+          <a:bodyPr/>
+          <a:lstStyle/>
           <a:p>
             <a:r>
               <a:rPr lang="zh-TW" altLang="en-US" smtClean="0"/>
@@ -2972,7 +3014,7 @@
           <a:lstStyle/>
           <a:p>
             <a:fld id="{B61BEF0D-F0BB-DE4B-95CE-6DB70DBA9567}" type="datetimeFigureOut">
-              <a:rPr lang="en-US" dirty="0"/>
+              <a:rPr lang="en-US" smtClean="0"/>
               <a:pPr/>
               <a:t>12/28/2020</a:t>
             </a:fld>
@@ -3015,7 +3057,7 @@
           <a:lstStyle/>
           <a:p>
             <a:fld id="{D57F1E4F-1CFF-5643-939E-217C01CDF565}" type="slidenum">
-              <a:rPr lang="en-US" dirty="0"/>
+              <a:rPr lang="en-US" smtClean="0"/>
               <a:pPr/>
               <a:t>‹#›</a:t>
             </a:fld>
@@ -3053,17 +3095,15 @@
         </p:txBody>
       </p:sp>
     </p:spTree>
+    <p:extLst>
+      <p:ext uri="{BB962C8B-B14F-4D97-AF65-F5344CB8AC3E}">
+        <p14:creationId xmlns:p14="http://schemas.microsoft.com/office/powerpoint/2010/main" val="105180766"/>
+      </p:ext>
+    </p:extLst>
   </p:cSld>
   <p:clrMapOvr>
     <a:masterClrMapping/>
   </p:clrMapOvr>
-  <p:timing>
-    <p:tnLst>
-      <p:par>
-        <p:cTn id="1" dur="indefinite" restart="never" nodeType="tmRoot"/>
-      </p:par>
-    </p:tnLst>
-  </p:timing>
 </p:sldLayout>
 </file>
 
@@ -3252,7 +3292,7 @@
           <a:lstStyle/>
           <a:p>
             <a:fld id="{B61BEF0D-F0BB-DE4B-95CE-6DB70DBA9567}" type="datetimeFigureOut">
-              <a:rPr lang="en-US" dirty="0"/>
+              <a:rPr lang="en-US" smtClean="0"/>
               <a:pPr/>
               <a:t>12/28/2020</a:t>
             </a:fld>
@@ -3295,7 +3335,7 @@
           <a:lstStyle/>
           <a:p>
             <a:fld id="{D57F1E4F-1CFF-5643-939E-217C01CDF565}" type="slidenum">
-              <a:rPr lang="en-US" dirty="0"/>
+              <a:rPr lang="en-US" smtClean="0"/>
               <a:pPr/>
               <a:t>‹#›</a:t>
             </a:fld>
@@ -3304,17 +3344,15 @@
         </p:txBody>
       </p:sp>
     </p:spTree>
+    <p:extLst>
+      <p:ext uri="{BB962C8B-B14F-4D97-AF65-F5344CB8AC3E}">
+        <p14:creationId xmlns:p14="http://schemas.microsoft.com/office/powerpoint/2010/main" val="1377628041"/>
+      </p:ext>
+    </p:extLst>
   </p:cSld>
   <p:clrMapOvr>
     <a:masterClrMapping/>
   </p:clrMapOvr>
-  <p:timing>
-    <p:tnLst>
-      <p:par>
-        <p:cTn id="1" dur="indefinite" restart="never" nodeType="tmRoot"/>
-      </p:par>
-    </p:tnLst>
-  </p:timing>
 </p:sldLayout>
 </file>
 
@@ -3488,7 +3526,7 @@
           <a:lstStyle/>
           <a:p>
             <a:fld id="{EB712588-04B1-427B-82EE-E8DB90309F08}" type="datetimeFigureOut">
-              <a:rPr lang="en-US" dirty="0"/>
+              <a:rPr lang="en-US" smtClean="0"/>
               <a:t>12/28/2020</a:t>
             </a:fld>
             <a:endParaRPr lang="en-US" dirty="0"/>
@@ -3530,7 +3568,7 @@
           <a:lstStyle/>
           <a:p>
             <a:fld id="{6FF9F0C5-380F-41C2-899A-BAC0F0927E16}" type="slidenum">
-              <a:rPr lang="en-US" dirty="0"/>
+              <a:rPr lang="en-US" smtClean="0"/>
               <a:t>‹#›</a:t>
             </a:fld>
             <a:endParaRPr lang="en-US" dirty="0"/>
@@ -3567,17 +3605,15 @@
         </p:txBody>
       </p:sp>
     </p:spTree>
+    <p:extLst>
+      <p:ext uri="{BB962C8B-B14F-4D97-AF65-F5344CB8AC3E}">
+        <p14:creationId xmlns:p14="http://schemas.microsoft.com/office/powerpoint/2010/main" val="1023930361"/>
+      </p:ext>
+    </p:extLst>
   </p:cSld>
   <p:clrMapOvr>
     <a:masterClrMapping/>
   </p:clrMapOvr>
-  <p:timing>
-    <p:tnLst>
-      <p:par>
-        <p:cTn id="1" dur="indefinite" restart="never" nodeType="tmRoot"/>
-      </p:par>
-    </p:tnLst>
-  </p:timing>
 </p:sldLayout>
 </file>
 
@@ -3893,7 +3929,7 @@
           <a:lstStyle/>
           <a:p>
             <a:fld id="{B61BEF0D-F0BB-DE4B-95CE-6DB70DBA9567}" type="datetimeFigureOut">
-              <a:rPr lang="en-US" dirty="0"/>
+              <a:rPr lang="en-US" smtClean="0"/>
               <a:pPr/>
               <a:t>12/28/2020</a:t>
             </a:fld>
@@ -3936,7 +3972,7 @@
           <a:lstStyle/>
           <a:p>
             <a:fld id="{D57F1E4F-1CFF-5643-939E-217C01CDF565}" type="slidenum">
-              <a:rPr lang="en-US" dirty="0"/>
+              <a:rPr lang="en-US" smtClean="0"/>
               <a:pPr/>
               <a:t>‹#›</a:t>
             </a:fld>
@@ -3974,6 +4010,11 @@
         </p:txBody>
       </p:sp>
     </p:spTree>
+    <p:extLst>
+      <p:ext uri="{BB962C8B-B14F-4D97-AF65-F5344CB8AC3E}">
+        <p14:creationId xmlns:p14="http://schemas.microsoft.com/office/powerpoint/2010/main" val="960900606"/>
+      </p:ext>
+    </p:extLst>
   </p:cSld>
   <p:clrMapOvr>
     <a:masterClrMapping/>
@@ -4042,7 +4083,7 @@
           <a:lstStyle/>
           <a:p>
             <a:fld id="{B61BEF0D-F0BB-DE4B-95CE-6DB70DBA9567}" type="datetimeFigureOut">
-              <a:rPr lang="en-US" dirty="0"/>
+              <a:rPr lang="en-US" smtClean="0"/>
               <a:pPr/>
               <a:t>12/28/2020</a:t>
             </a:fld>
@@ -4085,7 +4126,7 @@
           <a:lstStyle/>
           <a:p>
             <a:fld id="{D57F1E4F-1CFF-5643-939E-217C01CDF565}" type="slidenum">
-              <a:rPr lang="en-US" dirty="0"/>
+              <a:rPr lang="en-US" smtClean="0"/>
               <a:pPr/>
               <a:t>‹#›</a:t>
             </a:fld>
@@ -4123,6 +4164,11 @@
         </p:txBody>
       </p:sp>
     </p:spTree>
+    <p:extLst>
+      <p:ext uri="{BB962C8B-B14F-4D97-AF65-F5344CB8AC3E}">
+        <p14:creationId xmlns:p14="http://schemas.microsoft.com/office/powerpoint/2010/main" val="1844401030"/>
+      </p:ext>
+    </p:extLst>
   </p:cSld>
   <p:clrMapOvr>
     <a:masterClrMapping/>
@@ -4163,7 +4209,7 @@
           <a:lstStyle/>
           <a:p>
             <a:fld id="{B61BEF0D-F0BB-DE4B-95CE-6DB70DBA9567}" type="datetimeFigureOut">
-              <a:rPr lang="en-US" dirty="0"/>
+              <a:rPr lang="en-US" smtClean="0"/>
               <a:pPr/>
               <a:t>12/28/2020</a:t>
             </a:fld>
@@ -4206,7 +4252,7 @@
           <a:lstStyle/>
           <a:p>
             <a:fld id="{D57F1E4F-1CFF-5643-939E-217C01CDF565}" type="slidenum">
-              <a:rPr lang="en-US" dirty="0"/>
+              <a:rPr lang="en-US" smtClean="0"/>
               <a:pPr/>
               <a:t>‹#›</a:t>
             </a:fld>
@@ -4215,6 +4261,11 @@
         </p:txBody>
       </p:sp>
     </p:spTree>
+    <p:extLst>
+      <p:ext uri="{BB962C8B-B14F-4D97-AF65-F5344CB8AC3E}">
+        <p14:creationId xmlns:p14="http://schemas.microsoft.com/office/powerpoint/2010/main" val="2138795947"/>
+      </p:ext>
+    </p:extLst>
   </p:cSld>
   <p:clrMapOvr>
     <a:masterClrMapping/>
@@ -4415,7 +4466,7 @@
           <a:lstStyle/>
           <a:p>
             <a:fld id="{42A54C80-263E-416B-A8E0-580EDEADCBDC}" type="datetimeFigureOut">
-              <a:rPr lang="en-US" dirty="0"/>
+              <a:rPr lang="en-US" smtClean="0"/>
               <a:t>12/28/2020</a:t>
             </a:fld>
             <a:endParaRPr lang="en-US" dirty="0"/>
@@ -4457,7 +4508,7 @@
           <a:lstStyle/>
           <a:p>
             <a:fld id="{519954A3-9DFD-4C44-94BA-B95130A3BA1C}" type="slidenum">
-              <a:rPr lang="en-US" dirty="0"/>
+              <a:rPr lang="en-US" smtClean="0"/>
               <a:t>‹#›</a:t>
             </a:fld>
             <a:endParaRPr lang="en-US" dirty="0"/>
@@ -4465,6 +4516,11 @@
         </p:txBody>
       </p:sp>
     </p:spTree>
+    <p:extLst>
+      <p:ext uri="{BB962C8B-B14F-4D97-AF65-F5344CB8AC3E}">
+        <p14:creationId xmlns:p14="http://schemas.microsoft.com/office/powerpoint/2010/main" val="1821330344"/>
+      </p:ext>
+    </p:extLst>
   </p:cSld>
   <p:clrMapOvr>
     <a:masterClrMapping/>
@@ -4659,6 +4715,49 @@
       </p:sp>
       <p:sp>
         <p:nvSpPr>
+          <p:cNvPr id="6" name="Footer Placeholder 5"/>
+          <p:cNvSpPr>
+            <a:spLocks noGrp="1"/>
+          </p:cNvSpPr>
+          <p:nvPr>
+            <p:ph type="ftr" sz="quarter" idx="11"/>
+          </p:nvPr>
+        </p:nvSpPr>
+        <p:spPr/>
+        <p:txBody>
+          <a:bodyPr/>
+          <a:lstStyle/>
+          <a:p>
+            <a:endParaRPr lang="en-US" dirty="0"/>
+          </a:p>
+        </p:txBody>
+      </p:sp>
+      <p:sp>
+        <p:nvSpPr>
+          <p:cNvPr id="7" name="Slide Number Placeholder 6"/>
+          <p:cNvSpPr>
+            <a:spLocks noGrp="1"/>
+          </p:cNvSpPr>
+          <p:nvPr>
+            <p:ph type="sldNum" sz="quarter" idx="12"/>
+          </p:nvPr>
+        </p:nvSpPr>
+        <p:spPr/>
+        <p:txBody>
+          <a:bodyPr/>
+          <a:lstStyle/>
+          <a:p>
+            <a:fld id="{D57F1E4F-1CFF-5643-939E-217C01CDF565}" type="slidenum">
+              <a:rPr lang="en-US" smtClean="0"/>
+              <a:pPr/>
+              <a:t>‹#›</a:t>
+            </a:fld>
+            <a:endParaRPr lang="en-US" dirty="0"/>
+          </a:p>
+        </p:txBody>
+      </p:sp>
+      <p:sp>
+        <p:nvSpPr>
           <p:cNvPr id="5" name="Date Placeholder 4"/>
           <p:cNvSpPr>
             <a:spLocks noGrp="1"/>
@@ -4673,7 +4772,7 @@
           <a:lstStyle/>
           <a:p>
             <a:fld id="{B61BEF0D-F0BB-DE4B-95CE-6DB70DBA9567}" type="datetimeFigureOut">
-              <a:rPr lang="en-US" dirty="0"/>
+              <a:rPr lang="en-US" smtClean="0"/>
               <a:pPr/>
               <a:t>12/28/2020</a:t>
             </a:fld>
@@ -4681,50 +4780,12 @@
           </a:p>
         </p:txBody>
       </p:sp>
-      <p:sp>
-        <p:nvSpPr>
-          <p:cNvPr id="6" name="Footer Placeholder 5"/>
-          <p:cNvSpPr>
-            <a:spLocks noGrp="1"/>
-          </p:cNvSpPr>
-          <p:nvPr>
-            <p:ph type="ftr" sz="quarter" idx="11"/>
-          </p:nvPr>
-        </p:nvSpPr>
-        <p:spPr/>
-        <p:txBody>
-          <a:bodyPr/>
-          <a:lstStyle/>
-          <a:p>
-            <a:endParaRPr lang="en-US" dirty="0"/>
-          </a:p>
-        </p:txBody>
-      </p:sp>
-      <p:sp>
-        <p:nvSpPr>
-          <p:cNvPr id="7" name="Slide Number Placeholder 6"/>
-          <p:cNvSpPr>
-            <a:spLocks noGrp="1"/>
-          </p:cNvSpPr>
-          <p:nvPr>
-            <p:ph type="sldNum" sz="quarter" idx="12"/>
-          </p:nvPr>
-        </p:nvSpPr>
-        <p:spPr/>
-        <p:txBody>
-          <a:bodyPr/>
-          <a:lstStyle/>
-          <a:p>
-            <a:fld id="{D57F1E4F-1CFF-5643-939E-217C01CDF565}" type="slidenum">
-              <a:rPr lang="en-US" dirty="0"/>
-              <a:pPr/>
-              <a:t>‹#›</a:t>
-            </a:fld>
-            <a:endParaRPr lang="en-US" dirty="0"/>
-          </a:p>
-        </p:txBody>
-      </p:sp>
     </p:spTree>
+    <p:extLst>
+      <p:ext uri="{BB962C8B-B14F-4D97-AF65-F5344CB8AC3E}">
+        <p14:creationId xmlns:p14="http://schemas.microsoft.com/office/powerpoint/2010/main" val="1069692091"/>
+      </p:ext>
+    </p:extLst>
   </p:cSld>
   <p:clrMapOvr>
     <a:masterClrMapping/>
@@ -4756,7 +4817,7 @@
       </p:grpSpPr>
       <p:grpSp>
         <p:nvGrpSpPr>
-          <p:cNvPr id="7" name="Group 6"/>
+          <p:cNvPr id="44" name="Group 43"/>
           <p:cNvGrpSpPr/>
           <p:nvPr/>
         </p:nvGrpSpPr>
@@ -4784,8 +4845,8 @@
             </a:prstGeom>
             <a:ln w="9525">
               <a:solidFill>
-                <a:schemeClr val="bg1">
-                  <a:lumMod val="75000"/>
+                <a:schemeClr val="accent1">
+                  <a:alpha val="70000"/>
                 </a:schemeClr>
               </a:solidFill>
             </a:ln>
@@ -4821,8 +4882,8 @@
             </a:prstGeom>
             <a:ln w="9525">
               <a:solidFill>
-                <a:schemeClr val="bg1">
-                  <a:lumMod val="85000"/>
+                <a:schemeClr val="accent1">
+                  <a:alpha val="70000"/>
                 </a:schemeClr>
               </a:solidFill>
             </a:ln>
@@ -4882,7 +4943,7 @@
             </a:custGeom>
             <a:solidFill>
               <a:schemeClr val="accent1">
-                <a:alpha val="30000"/>
+                <a:alpha val="36000"/>
               </a:schemeClr>
             </a:solidFill>
             <a:ln>
@@ -4985,8 +5046,9 @@
               </a:avLst>
             </a:prstGeom>
             <a:solidFill>
-              <a:schemeClr val="accent2">
-                <a:alpha val="72000"/>
+              <a:schemeClr val="accent1">
+                <a:lumMod val="75000"/>
+                <a:alpha val="66000"/>
               </a:schemeClr>
             </a:solidFill>
             <a:ln>
@@ -5048,9 +5110,9 @@
               </a:pathLst>
             </a:custGeom>
             <a:solidFill>
-              <a:schemeClr val="accent2">
+              <a:schemeClr val="accent1">
                 <a:lumMod val="75000"/>
-                <a:alpha val="70000"/>
+                <a:alpha val="50000"/>
               </a:schemeClr>
             </a:solidFill>
             <a:ln>
@@ -5112,9 +5174,7 @@
               </a:pathLst>
             </a:custGeom>
             <a:solidFill>
-              <a:schemeClr val="accent1">
-                <a:lumMod val="60000"/>
-                <a:lumOff val="40000"/>
+              <a:schemeClr val="accent2">
                 <a:alpha val="70000"/>
               </a:schemeClr>
             </a:solidFill>
@@ -5177,8 +5237,9 @@
               </a:pathLst>
             </a:custGeom>
             <a:solidFill>
-              <a:schemeClr val="accent1">
-                <a:alpha val="65000"/>
+              <a:schemeClr val="accent2">
+                <a:lumMod val="75000"/>
+                <a:alpha val="80000"/>
               </a:schemeClr>
             </a:solidFill>
             <a:ln>
@@ -5219,7 +5280,8 @@
             </a:prstGeom>
             <a:solidFill>
               <a:schemeClr val="accent1">
-                <a:alpha val="80000"/>
+                <a:lumMod val="75000"/>
+                <a:alpha val="66000"/>
               </a:schemeClr>
             </a:solidFill>
             <a:ln>
@@ -5244,7 +5306,7 @@
         </p:sp>
         <p:sp>
           <p:nvSpPr>
-            <p:cNvPr id="29" name="Isosceles Triangle 28"/>
+            <p:cNvPr id="19" name="Isosceles Triangle 18"/>
             <p:cNvSpPr/>
             <p:nvPr/>
           </p:nvSpPr>
@@ -5260,7 +5322,7 @@
             </a:prstGeom>
             <a:solidFill>
               <a:schemeClr val="accent1">
-                <a:alpha val="85000"/>
+                <a:alpha val="70000"/>
               </a:schemeClr>
             </a:solidFill>
             <a:ln>
@@ -5310,7 +5372,7 @@
           <a:lstStyle/>
           <a:p>
             <a:r>
-              <a:rPr lang="zh-TW" altLang="en-US" smtClean="0"/>
+              <a:rPr lang="zh-TW" altLang="en-US" dirty="0" smtClean="0"/>
               <a:t>按一下以編輯母片標題樣式</a:t>
             </a:r>
             <a:endParaRPr lang="en-US" dirty="0"/>
@@ -5413,7 +5475,7 @@
           </a:lstStyle>
           <a:p>
             <a:fld id="{B61BEF0D-F0BB-DE4B-95CE-6DB70DBA9567}" type="datetimeFigureOut">
-              <a:rPr lang="en-US" dirty="0"/>
+              <a:rPr lang="en-US" smtClean="0"/>
               <a:pPr/>
               <a:t>12/28/2020</a:t>
             </a:fld>
@@ -5490,7 +5552,7 @@
           </a:lstStyle>
           <a:p>
             <a:fld id="{D57F1E4F-1CFF-5643-939E-217C01CDF565}" type="slidenum">
-              <a:rPr lang="en-US" dirty="0"/>
+              <a:rPr lang="en-US" smtClean="0"/>
               <a:pPr/>
               <a:t>‹#›</a:t>
             </a:fld>
@@ -5540,33 +5602,31 @@
         </p:spPr>
       </p:pic>
     </p:spTree>
+    <p:extLst>
+      <p:ext uri="{BB962C8B-B14F-4D97-AF65-F5344CB8AC3E}">
+        <p14:creationId xmlns:p14="http://schemas.microsoft.com/office/powerpoint/2010/main" val="2461964329"/>
+      </p:ext>
+    </p:extLst>
   </p:cSld>
   <p:clrMap bg1="lt1" tx1="dk1" bg2="lt2" tx2="dk2" accent1="accent1" accent2="accent2" accent3="accent3" accent4="accent4" accent5="accent5" accent6="accent6" hlink="hlink" folHlink="folHlink"/>
   <p:sldLayoutIdLst>
-    <p:sldLayoutId id="2147483649" r:id="rId1"/>
-    <p:sldLayoutId id="2147483650" r:id="rId2"/>
-    <p:sldLayoutId id="2147483651" r:id="rId3"/>
-    <p:sldLayoutId id="2147483665" r:id="rId4"/>
-    <p:sldLayoutId id="2147483653" r:id="rId5"/>
-    <p:sldLayoutId id="2147483654" r:id="rId6"/>
-    <p:sldLayoutId id="2147483655" r:id="rId7"/>
-    <p:sldLayoutId id="2147483666" r:id="rId8"/>
-    <p:sldLayoutId id="2147483657" r:id="rId9"/>
-    <p:sldLayoutId id="2147483660" r:id="rId10"/>
-    <p:sldLayoutId id="2147483661" r:id="rId11"/>
-    <p:sldLayoutId id="2147483662" r:id="rId12"/>
-    <p:sldLayoutId id="2147483663" r:id="rId13"/>
-    <p:sldLayoutId id="2147483664" r:id="rId14"/>
-    <p:sldLayoutId id="2147483667" r:id="rId15"/>
-    <p:sldLayoutId id="2147483659" r:id="rId16"/>
+    <p:sldLayoutId id="2147483669" r:id="rId1"/>
+    <p:sldLayoutId id="2147483670" r:id="rId2"/>
+    <p:sldLayoutId id="2147483671" r:id="rId3"/>
+    <p:sldLayoutId id="2147483672" r:id="rId4"/>
+    <p:sldLayoutId id="2147483673" r:id="rId5"/>
+    <p:sldLayoutId id="2147483674" r:id="rId6"/>
+    <p:sldLayoutId id="2147483675" r:id="rId7"/>
+    <p:sldLayoutId id="2147483676" r:id="rId8"/>
+    <p:sldLayoutId id="2147483677" r:id="rId9"/>
+    <p:sldLayoutId id="2147483678" r:id="rId10"/>
+    <p:sldLayoutId id="2147483679" r:id="rId11"/>
+    <p:sldLayoutId id="2147483680" r:id="rId12"/>
+    <p:sldLayoutId id="2147483681" r:id="rId13"/>
+    <p:sldLayoutId id="2147483682" r:id="rId14"/>
+    <p:sldLayoutId id="2147483683" r:id="rId15"/>
+    <p:sldLayoutId id="2147483684" r:id="rId16"/>
   </p:sldLayoutIdLst>
-  <p:timing>
-    <p:tnLst>
-      <p:par>
-        <p:cTn id="1" dur="indefinite" restart="never" nodeType="tmRoot"/>
-      </p:par>
-    </p:tnLst>
-  </p:timing>
   <p:txStyles>
     <p:titleStyle>
       <a:lvl1pPr algn="l" defTabSz="457200" rtl="0" eaLnBrk="1" latinLnBrk="0" hangingPunct="1">
@@ -5576,7 +5636,7 @@
         <a:buNone/>
         <a:defRPr sz="3600" kern="1200">
           <a:solidFill>
-            <a:schemeClr val="accent1"/>
+            <a:srgbClr val="0070C0"/>
           </a:solidFill>
           <a:latin typeface="+mj-lt"/>
           <a:ea typeface="+mj-ea"/>
@@ -10623,7 +10683,7 @@
 <file path=ppt/theme/theme1.xml><?xml version="1.0" encoding="utf-8"?>
 <a:theme xmlns:a="http://schemas.openxmlformats.org/drawingml/2006/main" name="多面向">
   <a:themeElements>
-    <a:clrScheme name="Facet">
+    <a:clrScheme name="多面向">
       <a:dk1>
         <a:sysClr val="windowText" lastClr="000000"/>
       </a:dk1>
@@ -10637,31 +10697,31 @@
         <a:srgbClr val="EBEBEB"/>
       </a:lt2>
       <a:accent1>
-        <a:srgbClr val="90C226"/>
+        <a:srgbClr val="5FCBEF"/>
       </a:accent1>
       <a:accent2>
-        <a:srgbClr val="54A021"/>
+        <a:srgbClr val="2E83C3"/>
       </a:accent2>
       <a:accent3>
-        <a:srgbClr val="E6B91E"/>
+        <a:srgbClr val="42D0A2"/>
       </a:accent3>
       <a:accent4>
-        <a:srgbClr val="E76618"/>
+        <a:srgbClr val="2E946B"/>
       </a:accent4>
       <a:accent5>
-        <a:srgbClr val="C42F1A"/>
+        <a:srgbClr val="42B051"/>
       </a:accent5>
       <a:accent6>
-        <a:srgbClr val="918655"/>
+        <a:srgbClr val="96D141"/>
       </a:accent6>
       <a:hlink>
-        <a:srgbClr val="99CA3C"/>
+        <a:srgbClr val="3FCDE7"/>
       </a:hlink>
       <a:folHlink>
-        <a:srgbClr val="B9D181"/>
+        <a:srgbClr val="A9D3E1"/>
       </a:folHlink>
     </a:clrScheme>
-    <a:fontScheme name="Facet">
+    <a:fontScheme name="多面向">
       <a:majorFont>
         <a:latin typeface="Trebuchet MS" panose="020B0603020202020204"/>
         <a:ea typeface=""/>
@@ -10733,7 +10793,7 @@
         <a:font script="Geor" typeface="Sylfaen"/>
       </a:minorFont>
     </a:fontScheme>
-    <a:fmtScheme name="Facet">
+    <a:fmtScheme name="多面向">
       <a:fillStyleLst>
         <a:solidFill>
           <a:schemeClr val="phClr"/>
@@ -10871,7 +10931,7 @@
   <a:extraClrSchemeLst/>
   <a:extLst>
     <a:ext uri="{05A4C25C-085E-4340-85A3-A5531E510DB2}">
-      <thm15:themeFamily xmlns:thm15="http://schemas.microsoft.com/office/thememl/2012/main" name="Facet" id="{C0C680CD-088A-49FC-A102-D699147F32B2}" vid="{CFBC31BA-B70F-4F30-BCAA-4F3011E16C4D}"/>
+      <thm15:themeFamily xmlns:thm15="http://schemas.microsoft.com/office/thememl/2012/main" name="Facet" id="{C0C680CD-088A-49FC-A102-D699147F32B2}" vid="{0B5AB586-D108-4FC1-8368-649FE654B894}"/>
     </a:ext>
   </a:extLst>
 </a:theme>

--- a/LCC/Python/02_程式語言基本法.pptx
+++ b/LCC/Python/02_程式語言基本法.pptx
@@ -7,13 +7,16 @@
   <p:sldIdLst>
     <p:sldId id="256" r:id="rId2"/>
     <p:sldId id="257" r:id="rId3"/>
-    <p:sldId id="258" r:id="rId4"/>
-    <p:sldId id="259" r:id="rId5"/>
-    <p:sldId id="260" r:id="rId6"/>
-    <p:sldId id="263" r:id="rId7"/>
-    <p:sldId id="264" r:id="rId8"/>
-    <p:sldId id="265" r:id="rId9"/>
-    <p:sldId id="266" r:id="rId10"/>
+    <p:sldId id="267" r:id="rId4"/>
+    <p:sldId id="258" r:id="rId5"/>
+    <p:sldId id="259" r:id="rId6"/>
+    <p:sldId id="260" r:id="rId7"/>
+    <p:sldId id="263" r:id="rId8"/>
+    <p:sldId id="264" r:id="rId9"/>
+    <p:sldId id="265" r:id="rId10"/>
+    <p:sldId id="266" r:id="rId11"/>
+    <p:sldId id="268" r:id="rId12"/>
+    <p:sldId id="269" r:id="rId13"/>
   </p:sldIdLst>
   <p:sldSz cx="12192000" cy="6858000"/>
   <p:notesSz cx="6858000" cy="9144000"/>
@@ -877,7 +880,7 @@
             <a:fld id="{B61BEF0D-F0BB-DE4B-95CE-6DB70DBA9567}" type="datetimeFigureOut">
               <a:rPr lang="en-US" smtClean="0"/>
               <a:pPr/>
-              <a:t>12/28/2020</a:t>
+              <a:t>12/30/2020</a:t>
             </a:fld>
             <a:endParaRPr lang="en-US" dirty="0"/>
           </a:p>
@@ -1130,7 +1133,7 @@
             <a:fld id="{B61BEF0D-F0BB-DE4B-95CE-6DB70DBA9567}" type="datetimeFigureOut">
               <a:rPr lang="en-US" smtClean="0"/>
               <a:pPr/>
-              <a:t>12/28/2020</a:t>
+              <a:t>12/30/2020</a:t>
             </a:fld>
             <a:endParaRPr lang="en-US" dirty="0"/>
           </a:p>
@@ -1446,7 +1449,7 @@
             <a:fld id="{B61BEF0D-F0BB-DE4B-95CE-6DB70DBA9567}" type="datetimeFigureOut">
               <a:rPr lang="en-US" smtClean="0"/>
               <a:pPr/>
-              <a:t>12/28/2020</a:t>
+              <a:t>12/30/2020</a:t>
             </a:fld>
             <a:endParaRPr lang="en-US" dirty="0"/>
           </a:p>
@@ -1781,7 +1784,7 @@
             <a:fld id="{B61BEF0D-F0BB-DE4B-95CE-6DB70DBA9567}" type="datetimeFigureOut">
               <a:rPr lang="en-US" smtClean="0"/>
               <a:pPr/>
-              <a:t>12/28/2020</a:t>
+              <a:t>12/30/2020</a:t>
             </a:fld>
             <a:endParaRPr lang="en-US" dirty="0"/>
           </a:p>
@@ -2097,7 +2100,7 @@
             <a:fld id="{B61BEF0D-F0BB-DE4B-95CE-6DB70DBA9567}" type="datetimeFigureOut">
               <a:rPr lang="en-US" smtClean="0"/>
               <a:pPr/>
-              <a:t>12/28/2020</a:t>
+              <a:t>12/30/2020</a:t>
             </a:fld>
             <a:endParaRPr lang="en-US" dirty="0"/>
           </a:p>
@@ -2492,7 +2495,7 @@
             <a:fld id="{B61BEF0D-F0BB-DE4B-95CE-6DB70DBA9567}" type="datetimeFigureOut">
               <a:rPr lang="en-US" smtClean="0"/>
               <a:pPr/>
-              <a:t>12/28/2020</a:t>
+              <a:t>12/30/2020</a:t>
             </a:fld>
             <a:endParaRPr lang="en-US" dirty="0"/>
           </a:p>
@@ -2663,7 +2666,7 @@
           <a:p>
             <a:fld id="{55C6B4A9-1611-4792-9094-5F34BCA07E0B}" type="datetimeFigureOut">
               <a:rPr lang="en-US" smtClean="0"/>
-              <a:t>12/28/2020</a:t>
+              <a:t>12/30/2020</a:t>
             </a:fld>
             <a:endParaRPr lang="en-US" dirty="0"/>
           </a:p>
@@ -2844,7 +2847,7 @@
             <a:fld id="{B61BEF0D-F0BB-DE4B-95CE-6DB70DBA9567}" type="datetimeFigureOut">
               <a:rPr lang="en-US" smtClean="0"/>
               <a:pPr/>
-              <a:t>12/28/2020</a:t>
+              <a:t>12/30/2020</a:t>
             </a:fld>
             <a:endParaRPr lang="en-US" dirty="0"/>
           </a:p>
@@ -3016,7 +3019,7 @@
             <a:fld id="{B61BEF0D-F0BB-DE4B-95CE-6DB70DBA9567}" type="datetimeFigureOut">
               <a:rPr lang="en-US" smtClean="0"/>
               <a:pPr/>
-              <a:t>12/28/2020</a:t>
+              <a:t>12/30/2020</a:t>
             </a:fld>
             <a:endParaRPr lang="en-US" dirty="0"/>
           </a:p>
@@ -3294,7 +3297,7 @@
             <a:fld id="{B61BEF0D-F0BB-DE4B-95CE-6DB70DBA9567}" type="datetimeFigureOut">
               <a:rPr lang="en-US" smtClean="0"/>
               <a:pPr/>
-              <a:t>12/28/2020</a:t>
+              <a:t>12/30/2020</a:t>
             </a:fld>
             <a:endParaRPr lang="en-US" dirty="0"/>
           </a:p>
@@ -3527,7 +3530,7 @@
           <a:p>
             <a:fld id="{EB712588-04B1-427B-82EE-E8DB90309F08}" type="datetimeFigureOut">
               <a:rPr lang="en-US" smtClean="0"/>
-              <a:t>12/28/2020</a:t>
+              <a:t>12/30/2020</a:t>
             </a:fld>
             <a:endParaRPr lang="en-US" dirty="0"/>
           </a:p>
@@ -3931,7 +3934,7 @@
             <a:fld id="{B61BEF0D-F0BB-DE4B-95CE-6DB70DBA9567}" type="datetimeFigureOut">
               <a:rPr lang="en-US" smtClean="0"/>
               <a:pPr/>
-              <a:t>12/28/2020</a:t>
+              <a:t>12/30/2020</a:t>
             </a:fld>
             <a:endParaRPr lang="en-US" dirty="0"/>
           </a:p>
@@ -4085,7 +4088,7 @@
             <a:fld id="{B61BEF0D-F0BB-DE4B-95CE-6DB70DBA9567}" type="datetimeFigureOut">
               <a:rPr lang="en-US" smtClean="0"/>
               <a:pPr/>
-              <a:t>12/28/2020</a:t>
+              <a:t>12/30/2020</a:t>
             </a:fld>
             <a:endParaRPr lang="en-US" dirty="0"/>
           </a:p>
@@ -4211,7 +4214,7 @@
             <a:fld id="{B61BEF0D-F0BB-DE4B-95CE-6DB70DBA9567}" type="datetimeFigureOut">
               <a:rPr lang="en-US" smtClean="0"/>
               <a:pPr/>
-              <a:t>12/28/2020</a:t>
+              <a:t>12/30/2020</a:t>
             </a:fld>
             <a:endParaRPr lang="en-US" dirty="0"/>
           </a:p>
@@ -4467,7 +4470,7 @@
           <a:p>
             <a:fld id="{42A54C80-263E-416B-A8E0-580EDEADCBDC}" type="datetimeFigureOut">
               <a:rPr lang="en-US" smtClean="0"/>
-              <a:t>12/28/2020</a:t>
+              <a:t>12/30/2020</a:t>
             </a:fld>
             <a:endParaRPr lang="en-US" dirty="0"/>
           </a:p>
@@ -4774,7 +4777,7 @@
             <a:fld id="{B61BEF0D-F0BB-DE4B-95CE-6DB70DBA9567}" type="datetimeFigureOut">
               <a:rPr lang="en-US" smtClean="0"/>
               <a:pPr/>
-              <a:t>12/28/2020</a:t>
+              <a:t>12/30/2020</a:t>
             </a:fld>
             <a:endParaRPr lang="en-US" dirty="0"/>
           </a:p>
@@ -5477,7 +5480,7 @@
             <a:fld id="{B61BEF0D-F0BB-DE4B-95CE-6DB70DBA9567}" type="datetimeFigureOut">
               <a:rPr lang="en-US" smtClean="0"/>
               <a:pPr/>
-              <a:t>12/28/2020</a:t>
+              <a:t>12/30/2020</a:t>
             </a:fld>
             <a:endParaRPr lang="en-US" dirty="0"/>
           </a:p>
@@ -6114,6 +6117,745 @@
     <p:extLst>
       <p:ext uri="{BB962C8B-B14F-4D97-AF65-F5344CB8AC3E}">
         <p14:creationId xmlns:p14="http://schemas.microsoft.com/office/powerpoint/2010/main" val="4215694430"/>
+      </p:ext>
+    </p:extLst>
+  </p:cSld>
+  <p:clrMapOvr>
+    <a:masterClrMapping/>
+  </p:clrMapOvr>
+  <p:timing>
+    <p:tnLst>
+      <p:par>
+        <p:cTn id="1" dur="indefinite" restart="never" nodeType="tmRoot"/>
+      </p:par>
+    </p:tnLst>
+  </p:timing>
+</p:sld>
+</file>
+
+<file path=ppt/slides/slide10.xml><?xml version="1.0" encoding="utf-8"?>
+<p:sld xmlns:a="http://schemas.openxmlformats.org/drawingml/2006/main" xmlns:r="http://schemas.openxmlformats.org/officeDocument/2006/relationships" xmlns:p="http://schemas.openxmlformats.org/presentationml/2006/main">
+  <p:cSld>
+    <p:spTree>
+      <p:nvGrpSpPr>
+        <p:cNvPr id="1" name=""/>
+        <p:cNvGrpSpPr/>
+        <p:nvPr/>
+      </p:nvGrpSpPr>
+      <p:grpSpPr>
+        <a:xfrm>
+          <a:off x="0" y="0"/>
+          <a:ext cx="0" cy="0"/>
+          <a:chOff x="0" y="0"/>
+          <a:chExt cx="0" cy="0"/>
+        </a:xfrm>
+      </p:grpSpPr>
+      <p:sp>
+        <p:nvSpPr>
+          <p:cNvPr id="2" name="標題 1"/>
+          <p:cNvSpPr>
+            <a:spLocks noGrp="1"/>
+          </p:cNvSpPr>
+          <p:nvPr>
+            <p:ph type="title"/>
+          </p:nvPr>
+        </p:nvSpPr>
+        <p:spPr/>
+        <p:txBody>
+          <a:bodyPr/>
+          <a:lstStyle/>
+          <a:p>
+            <a:r>
+              <a:rPr lang="zh-TW" altLang="en-US" dirty="0" smtClean="0"/>
+              <a:t>練習二</a:t>
+            </a:r>
+            <a:r>
+              <a:rPr lang="zh-TW" altLang="en-US" dirty="0" smtClean="0"/>
+              <a:t>參考程式碼</a:t>
+            </a:r>
+            <a:endParaRPr lang="zh-TW" altLang="en-US" dirty="0"/>
+          </a:p>
+        </p:txBody>
+      </p:sp>
+      <p:sp>
+        <p:nvSpPr>
+          <p:cNvPr id="3" name="內容版面配置區 2"/>
+          <p:cNvSpPr>
+            <a:spLocks noGrp="1"/>
+          </p:cNvSpPr>
+          <p:nvPr>
+            <p:ph idx="1"/>
+          </p:nvPr>
+        </p:nvSpPr>
+        <p:spPr/>
+        <p:txBody>
+          <a:bodyPr/>
+          <a:lstStyle/>
+          <a:p>
+            <a:endParaRPr lang="zh-TW" altLang="en-US" dirty="0"/>
+          </a:p>
+        </p:txBody>
+      </p:sp>
+      <p:pic>
+        <p:nvPicPr>
+          <p:cNvPr id="7" name="圖片 6"/>
+          <p:cNvPicPr>
+            <a:picLocks noChangeAspect="1"/>
+          </p:cNvPicPr>
+          <p:nvPr/>
+        </p:nvPicPr>
+        <p:blipFill>
+          <a:blip r:embed="rId2"/>
+          <a:stretch>
+            <a:fillRect/>
+          </a:stretch>
+        </p:blipFill>
+        <p:spPr>
+          <a:xfrm>
+            <a:off x="6821424" y="1906270"/>
+            <a:ext cx="2590800" cy="1647825"/>
+          </a:xfrm>
+          <a:prstGeom prst="rect">
+            <a:avLst/>
+          </a:prstGeom>
+        </p:spPr>
+      </p:pic>
+      <p:pic>
+        <p:nvPicPr>
+          <p:cNvPr id="4" name="圖片 3"/>
+          <p:cNvPicPr>
+            <a:picLocks noChangeAspect="1"/>
+          </p:cNvPicPr>
+          <p:nvPr/>
+        </p:nvPicPr>
+        <p:blipFill>
+          <a:blip r:embed="rId3"/>
+          <a:stretch>
+            <a:fillRect/>
+          </a:stretch>
+        </p:blipFill>
+        <p:spPr>
+          <a:xfrm>
+            <a:off x="653877" y="1906270"/>
+            <a:ext cx="5865795" cy="4336796"/>
+          </a:xfrm>
+          <a:prstGeom prst="rect">
+            <a:avLst/>
+          </a:prstGeom>
+        </p:spPr>
+      </p:pic>
+    </p:spTree>
+    <p:extLst>
+      <p:ext uri="{BB962C8B-B14F-4D97-AF65-F5344CB8AC3E}">
+        <p14:creationId xmlns:p14="http://schemas.microsoft.com/office/powerpoint/2010/main" val="2938798235"/>
+      </p:ext>
+    </p:extLst>
+  </p:cSld>
+  <p:clrMapOvr>
+    <a:masterClrMapping/>
+  </p:clrMapOvr>
+  <p:timing>
+    <p:tnLst>
+      <p:par>
+        <p:cTn id="1" dur="indefinite" restart="never" nodeType="tmRoot"/>
+      </p:par>
+    </p:tnLst>
+  </p:timing>
+</p:sld>
+</file>
+
+<file path=ppt/slides/slide11.xml><?xml version="1.0" encoding="utf-8"?>
+<p:sld xmlns:a="http://schemas.openxmlformats.org/drawingml/2006/main" xmlns:r="http://schemas.openxmlformats.org/officeDocument/2006/relationships" xmlns:p="http://schemas.openxmlformats.org/presentationml/2006/main">
+  <p:cSld>
+    <p:spTree>
+      <p:nvGrpSpPr>
+        <p:cNvPr id="1" name=""/>
+        <p:cNvGrpSpPr/>
+        <p:nvPr/>
+      </p:nvGrpSpPr>
+      <p:grpSpPr>
+        <a:xfrm>
+          <a:off x="0" y="0"/>
+          <a:ext cx="0" cy="0"/>
+          <a:chOff x="0" y="0"/>
+          <a:chExt cx="0" cy="0"/>
+        </a:xfrm>
+      </p:grpSpPr>
+      <p:sp>
+        <p:nvSpPr>
+          <p:cNvPr id="2" name="標題 1"/>
+          <p:cNvSpPr>
+            <a:spLocks noGrp="1"/>
+          </p:cNvSpPr>
+          <p:nvPr>
+            <p:ph type="title"/>
+          </p:nvPr>
+        </p:nvSpPr>
+        <p:spPr/>
+        <p:txBody>
+          <a:bodyPr/>
+          <a:lstStyle/>
+          <a:p>
+            <a:r>
+              <a:rPr lang="zh-TW" altLang="en-US" dirty="0" smtClean="0"/>
+              <a:t>練習三</a:t>
+            </a:r>
+            <a:r>
+              <a:rPr lang="en-US" altLang="zh-TW" dirty="0" smtClean="0"/>
+              <a:t/>
+            </a:r>
+            <a:br>
+              <a:rPr lang="en-US" altLang="zh-TW" dirty="0" smtClean="0"/>
+            </a:br>
+            <a:r>
+              <a:rPr lang="zh-TW" altLang="en-US" dirty="0"/>
+              <a:t>溫度</a:t>
+            </a:r>
+            <a:r>
+              <a:rPr lang="zh-TW" altLang="en-US" dirty="0" smtClean="0"/>
+              <a:t>轉換，華氏轉攝氏</a:t>
+            </a:r>
+            <a:endParaRPr lang="zh-TW" altLang="en-US" dirty="0"/>
+          </a:p>
+        </p:txBody>
+      </p:sp>
+      <p:sp>
+        <p:nvSpPr>
+          <p:cNvPr id="3" name="內容版面配置區 2"/>
+          <p:cNvSpPr>
+            <a:spLocks noGrp="1"/>
+          </p:cNvSpPr>
+          <p:nvPr>
+            <p:ph idx="1"/>
+          </p:nvPr>
+        </p:nvSpPr>
+        <p:spPr/>
+        <p:txBody>
+          <a:bodyPr/>
+          <a:lstStyle/>
+          <a:p>
+            <a:r>
+              <a:rPr lang="zh-TW" altLang="en-US" dirty="0"/>
+              <a:t>請設計一個程式，讓我可以</a:t>
+            </a:r>
+            <a:r>
+              <a:rPr lang="zh-TW" altLang="en-US" dirty="0" smtClean="0"/>
+              <a:t>輸入華氏溫度，</a:t>
+            </a:r>
+            <a:r>
+              <a:rPr lang="zh-TW" altLang="en-US" dirty="0"/>
+              <a:t>然後</a:t>
+            </a:r>
+            <a:r>
+              <a:rPr lang="zh-TW" altLang="en-US" dirty="0" smtClean="0"/>
+              <a:t>顯示相對的攝氏溫度</a:t>
+            </a:r>
+            <a:endParaRPr lang="en-US" altLang="zh-TW" dirty="0" smtClean="0"/>
+          </a:p>
+          <a:p>
+            <a:r>
+              <a:rPr lang="zh-TW" altLang="en-US" dirty="0" smtClean="0"/>
+              <a:t>考慮</a:t>
+            </a:r>
+            <a:r>
+              <a:rPr lang="zh-TW" altLang="en-US" dirty="0"/>
+              <a:t>重點：</a:t>
+            </a:r>
+          </a:p>
+          <a:p>
+            <a:pPr lvl="1"/>
+            <a:r>
+              <a:rPr lang="zh-TW" altLang="en-US" dirty="0"/>
+              <a:t>輸入：</a:t>
+            </a:r>
+            <a:r>
+              <a:rPr lang="zh-TW" altLang="en-US" dirty="0" smtClean="0"/>
+              <a:t>華氏溫度</a:t>
+            </a:r>
+            <a:endParaRPr lang="en-US" altLang="zh-TW" dirty="0" smtClean="0"/>
+          </a:p>
+          <a:p>
+            <a:pPr lvl="1"/>
+            <a:r>
+              <a:rPr lang="zh-TW" altLang="en-US" dirty="0" smtClean="0"/>
+              <a:t>運算：溫度轉換公式？</a:t>
+            </a:r>
+            <a:endParaRPr lang="en-US" altLang="zh-TW" dirty="0" smtClean="0"/>
+          </a:p>
+          <a:p>
+            <a:pPr lvl="1"/>
+            <a:r>
+              <a:rPr lang="zh-TW" altLang="en-US" dirty="0" smtClean="0"/>
+              <a:t>輸出：攝氏</a:t>
+            </a:r>
+            <a:r>
+              <a:rPr lang="zh-TW" altLang="en-US" dirty="0"/>
+              <a:t>溫度</a:t>
+            </a:r>
+            <a:endParaRPr lang="en-US" altLang="zh-TW" dirty="0"/>
+          </a:p>
+          <a:p>
+            <a:r>
+              <a:rPr lang="zh-TW" altLang="en-US" dirty="0" smtClean="0"/>
+              <a:t>變數</a:t>
+            </a:r>
+            <a:r>
+              <a:rPr lang="zh-TW" altLang="en-US" dirty="0"/>
+              <a:t>宣告：需要幾個？叫甚麼名字？</a:t>
+            </a:r>
+          </a:p>
+          <a:p>
+            <a:endParaRPr lang="zh-TW" altLang="en-US" dirty="0"/>
+          </a:p>
+        </p:txBody>
+      </p:sp>
+      <p:grpSp>
+        <p:nvGrpSpPr>
+          <p:cNvPr id="4" name="群組 3"/>
+          <p:cNvGrpSpPr/>
+          <p:nvPr/>
+        </p:nvGrpSpPr>
+        <p:grpSpPr>
+          <a:xfrm>
+            <a:off x="6579299" y="2892109"/>
+            <a:ext cx="4686109" cy="2882965"/>
+            <a:chOff x="8833104" y="502920"/>
+            <a:chExt cx="2587752" cy="1427480"/>
+          </a:xfrm>
+        </p:grpSpPr>
+        <p:sp>
+          <p:nvSpPr>
+            <p:cNvPr id="5" name="圓角矩形 4"/>
+            <p:cNvSpPr/>
+            <p:nvPr/>
+          </p:nvSpPr>
+          <p:spPr>
+            <a:xfrm>
+              <a:off x="8833104" y="502920"/>
+              <a:ext cx="2587752" cy="1197864"/>
+            </a:xfrm>
+            <a:prstGeom prst="roundRect">
+              <a:avLst/>
+            </a:prstGeom>
+            <a:solidFill>
+              <a:schemeClr val="tx1"/>
+            </a:solidFill>
+            <a:ln>
+              <a:solidFill>
+                <a:schemeClr val="tx1"/>
+              </a:solidFill>
+            </a:ln>
+          </p:spPr>
+          <p:style>
+            <a:lnRef idx="2">
+              <a:schemeClr val="accent1">
+                <a:shade val="50000"/>
+              </a:schemeClr>
+            </a:lnRef>
+            <a:fillRef idx="1">
+              <a:schemeClr val="accent1"/>
+            </a:fillRef>
+            <a:effectRef idx="0">
+              <a:schemeClr val="accent1"/>
+            </a:effectRef>
+            <a:fontRef idx="minor">
+              <a:schemeClr val="lt1"/>
+            </a:fontRef>
+          </p:style>
+          <p:txBody>
+            <a:bodyPr rtlCol="0" anchor="ctr"/>
+            <a:lstStyle/>
+            <a:p>
+              <a:pPr algn="ctr"/>
+              <a:endParaRPr lang="zh-TW" altLang="en-US"/>
+            </a:p>
+          </p:txBody>
+        </p:sp>
+        <p:sp>
+          <p:nvSpPr>
+            <p:cNvPr id="6" name="矩形 5"/>
+            <p:cNvSpPr/>
+            <p:nvPr/>
+          </p:nvSpPr>
+          <p:spPr>
+            <a:xfrm>
+              <a:off x="8942832" y="609600"/>
+              <a:ext cx="2386584" cy="999744"/>
+            </a:xfrm>
+            <a:prstGeom prst="rect">
+              <a:avLst/>
+            </a:prstGeom>
+            <a:solidFill>
+              <a:schemeClr val="bg2">
+                <a:lumMod val="90000"/>
+              </a:schemeClr>
+            </a:solidFill>
+            <a:ln>
+              <a:solidFill>
+                <a:schemeClr val="tx1"/>
+              </a:solidFill>
+            </a:ln>
+          </p:spPr>
+          <p:style>
+            <a:lnRef idx="2">
+              <a:schemeClr val="accent1">
+                <a:shade val="50000"/>
+              </a:schemeClr>
+            </a:lnRef>
+            <a:fillRef idx="1">
+              <a:schemeClr val="accent1"/>
+            </a:fillRef>
+            <a:effectRef idx="0">
+              <a:schemeClr val="accent1"/>
+            </a:effectRef>
+            <a:fontRef idx="minor">
+              <a:schemeClr val="lt1"/>
+            </a:fontRef>
+          </p:style>
+          <p:txBody>
+            <a:bodyPr rtlCol="0" anchor="t"/>
+            <a:lstStyle/>
+            <a:p>
+              <a:r>
+                <a:rPr lang="zh-TW" altLang="en-US" dirty="0" smtClean="0">
+                  <a:solidFill>
+                    <a:schemeClr val="tx1"/>
+                  </a:solidFill>
+                </a:rPr>
+                <a:t>請輸入華氏溫度</a:t>
+              </a:r>
+              <a:r>
+                <a:rPr lang="en-US" altLang="zh-TW" dirty="0" smtClean="0">
+                  <a:solidFill>
+                    <a:schemeClr val="tx1"/>
+                  </a:solidFill>
+                </a:rPr>
+                <a:t>=</a:t>
+              </a:r>
+              <a:r>
+                <a:rPr lang="en-US" altLang="zh-TW" dirty="0" smtClean="0">
+                  <a:solidFill>
+                    <a:srgbClr val="0070C0"/>
+                  </a:solidFill>
+                </a:rPr>
+                <a:t>100</a:t>
+              </a:r>
+              <a:endParaRPr lang="en-US" altLang="zh-TW" dirty="0" smtClean="0">
+                <a:solidFill>
+                  <a:srgbClr val="0070C0"/>
+                </a:solidFill>
+              </a:endParaRPr>
+            </a:p>
+            <a:p>
+              <a:r>
+                <a:rPr lang="zh-TW" altLang="en-US" dirty="0" smtClean="0">
+                  <a:solidFill>
+                    <a:schemeClr val="tx1"/>
+                  </a:solidFill>
+                </a:rPr>
+                <a:t>華氏</a:t>
+              </a:r>
+              <a:r>
+                <a:rPr lang="en-US" altLang="zh-TW" dirty="0" smtClean="0">
+                  <a:solidFill>
+                    <a:schemeClr val="tx1"/>
+                  </a:solidFill>
+                </a:rPr>
+                <a:t>100</a:t>
+              </a:r>
+              <a:r>
+                <a:rPr lang="zh-TW" altLang="en-US" dirty="0" smtClean="0">
+                  <a:solidFill>
+                    <a:schemeClr val="tx1"/>
+                  </a:solidFill>
+                </a:rPr>
+                <a:t>度等於攝氏</a:t>
+              </a:r>
+              <a:r>
+                <a:rPr lang="en-US" altLang="zh-TW" dirty="0" smtClean="0">
+                  <a:solidFill>
+                    <a:schemeClr val="tx1"/>
+                  </a:solidFill>
+                </a:rPr>
+                <a:t>37.77777778</a:t>
+              </a:r>
+              <a:r>
+                <a:rPr lang="zh-TW" altLang="en-US" dirty="0" smtClean="0">
+                  <a:solidFill>
+                    <a:schemeClr val="tx1"/>
+                  </a:solidFill>
+                </a:rPr>
+                <a:t>度</a:t>
+              </a:r>
+              <a:endParaRPr lang="zh-TW" altLang="en-US" dirty="0">
+                <a:solidFill>
+                  <a:schemeClr val="tx1"/>
+                </a:solidFill>
+              </a:endParaRPr>
+            </a:p>
+          </p:txBody>
+        </p:sp>
+        <p:sp>
+          <p:nvSpPr>
+            <p:cNvPr id="7" name="梯形 6"/>
+            <p:cNvSpPr/>
+            <p:nvPr/>
+          </p:nvSpPr>
+          <p:spPr>
+            <a:xfrm>
+              <a:off x="9811512" y="1700784"/>
+              <a:ext cx="713232" cy="229616"/>
+            </a:xfrm>
+            <a:prstGeom prst="trapezoid">
+              <a:avLst/>
+            </a:prstGeom>
+            <a:solidFill>
+              <a:schemeClr val="tx1"/>
+            </a:solidFill>
+            <a:ln>
+              <a:solidFill>
+                <a:schemeClr val="tx1"/>
+              </a:solidFill>
+            </a:ln>
+          </p:spPr>
+          <p:style>
+            <a:lnRef idx="2">
+              <a:schemeClr val="accent1">
+                <a:shade val="50000"/>
+              </a:schemeClr>
+            </a:lnRef>
+            <a:fillRef idx="1">
+              <a:schemeClr val="accent1"/>
+            </a:fillRef>
+            <a:effectRef idx="0">
+              <a:schemeClr val="accent1"/>
+            </a:effectRef>
+            <a:fontRef idx="minor">
+              <a:schemeClr val="lt1"/>
+            </a:fontRef>
+          </p:style>
+          <p:txBody>
+            <a:bodyPr rtlCol="0" anchor="ctr"/>
+            <a:lstStyle/>
+            <a:p>
+              <a:pPr algn="ctr"/>
+              <a:endParaRPr lang="zh-TW" altLang="en-US"/>
+            </a:p>
+          </p:txBody>
+        </p:sp>
+      </p:grpSp>
+      <p:sp>
+        <p:nvSpPr>
+          <p:cNvPr id="8" name="矩形 7"/>
+          <p:cNvSpPr/>
+          <p:nvPr/>
+        </p:nvSpPr>
+        <p:spPr>
+          <a:xfrm>
+            <a:off x="677334" y="5902219"/>
+            <a:ext cx="1669047" cy="369332"/>
+          </a:xfrm>
+          <a:prstGeom prst="rect">
+            <a:avLst/>
+          </a:prstGeom>
+        </p:spPr>
+        <p:txBody>
+          <a:bodyPr wrap="none">
+            <a:spAutoFit/>
+          </a:bodyPr>
+          <a:lstStyle/>
+          <a:p>
+            <a:r>
+              <a:rPr lang="en-US" altLang="zh-TW" dirty="0" smtClean="0">
+                <a:solidFill>
+                  <a:srgbClr val="C00000"/>
+                </a:solidFill>
+              </a:rPr>
+              <a:t>Example02_03</a:t>
+            </a:r>
+            <a:endParaRPr lang="zh-TW" altLang="en-US" dirty="0">
+              <a:solidFill>
+                <a:srgbClr val="C00000"/>
+              </a:solidFill>
+            </a:endParaRPr>
+          </a:p>
+        </p:txBody>
+      </p:sp>
+    </p:spTree>
+    <p:extLst>
+      <p:ext uri="{BB962C8B-B14F-4D97-AF65-F5344CB8AC3E}">
+        <p14:creationId xmlns:p14="http://schemas.microsoft.com/office/powerpoint/2010/main" val="1128955495"/>
+      </p:ext>
+    </p:extLst>
+  </p:cSld>
+  <p:clrMapOvr>
+    <a:masterClrMapping/>
+  </p:clrMapOvr>
+  <p:timing>
+    <p:tnLst>
+      <p:par>
+        <p:cTn id="1" dur="indefinite" restart="never" nodeType="tmRoot">
+          <p:childTnLst>
+            <p:seq concurrent="1" nextAc="seek">
+              <p:cTn id="2" dur="indefinite" nodeType="mainSeq">
+                <p:childTnLst>
+                  <p:par>
+                    <p:cTn id="3" fill="hold">
+                      <p:stCondLst>
+                        <p:cond delay="indefinite"/>
+                      </p:stCondLst>
+                      <p:childTnLst>
+                        <p:par>
+                          <p:cTn id="4" fill="hold">
+                            <p:stCondLst>
+                              <p:cond delay="0"/>
+                            </p:stCondLst>
+                            <p:childTnLst>
+                              <p:par>
+                                <p:cTn id="5" presetID="1" presetClass="entr" presetSubtype="0" fill="hold" nodeType="clickEffect">
+                                  <p:stCondLst>
+                                    <p:cond delay="0"/>
+                                  </p:stCondLst>
+                                  <p:childTnLst>
+                                    <p:set>
+                                      <p:cBhvr>
+                                        <p:cTn id="6" dur="1" fill="hold">
+                                          <p:stCondLst>
+                                            <p:cond delay="0"/>
+                                          </p:stCondLst>
+                                        </p:cTn>
+                                        <p:tgtEl>
+                                          <p:spTgt spid="4"/>
+                                        </p:tgtEl>
+                                        <p:attrNameLst>
+                                          <p:attrName>style.visibility</p:attrName>
+                                        </p:attrNameLst>
+                                      </p:cBhvr>
+                                      <p:to>
+                                        <p:strVal val="visible"/>
+                                      </p:to>
+                                    </p:set>
+                                  </p:childTnLst>
+                                </p:cTn>
+                              </p:par>
+                            </p:childTnLst>
+                          </p:cTn>
+                        </p:par>
+                      </p:childTnLst>
+                    </p:cTn>
+                  </p:par>
+                </p:childTnLst>
+              </p:cTn>
+              <p:prevCondLst>
+                <p:cond evt="onPrev" delay="0">
+                  <p:tgtEl>
+                    <p:sldTgt/>
+                  </p:tgtEl>
+                </p:cond>
+              </p:prevCondLst>
+              <p:nextCondLst>
+                <p:cond evt="onNext" delay="0">
+                  <p:tgtEl>
+                    <p:sldTgt/>
+                  </p:tgtEl>
+                </p:cond>
+              </p:nextCondLst>
+            </p:seq>
+          </p:childTnLst>
+        </p:cTn>
+      </p:par>
+    </p:tnLst>
+  </p:timing>
+</p:sld>
+</file>
+
+<file path=ppt/slides/slide12.xml><?xml version="1.0" encoding="utf-8"?>
+<p:sld xmlns:a="http://schemas.openxmlformats.org/drawingml/2006/main" xmlns:r="http://schemas.openxmlformats.org/officeDocument/2006/relationships" xmlns:p="http://schemas.openxmlformats.org/presentationml/2006/main">
+  <p:cSld>
+    <p:spTree>
+      <p:nvGrpSpPr>
+        <p:cNvPr id="1" name=""/>
+        <p:cNvGrpSpPr/>
+        <p:nvPr/>
+      </p:nvGrpSpPr>
+      <p:grpSpPr>
+        <a:xfrm>
+          <a:off x="0" y="0"/>
+          <a:ext cx="0" cy="0"/>
+          <a:chOff x="0" y="0"/>
+          <a:chExt cx="0" cy="0"/>
+        </a:xfrm>
+      </p:grpSpPr>
+      <p:sp>
+        <p:nvSpPr>
+          <p:cNvPr id="2" name="標題 1"/>
+          <p:cNvSpPr>
+            <a:spLocks noGrp="1"/>
+          </p:cNvSpPr>
+          <p:nvPr>
+            <p:ph type="title"/>
+          </p:nvPr>
+        </p:nvSpPr>
+        <p:spPr/>
+        <p:txBody>
+          <a:bodyPr/>
+          <a:lstStyle/>
+          <a:p>
+            <a:r>
+              <a:rPr lang="zh-TW" altLang="en-US" dirty="0" smtClean="0"/>
+              <a:t>練習三參考程式碼</a:t>
+            </a:r>
+            <a:endParaRPr lang="zh-TW" altLang="en-US" dirty="0"/>
+          </a:p>
+        </p:txBody>
+      </p:sp>
+      <p:sp>
+        <p:nvSpPr>
+          <p:cNvPr id="3" name="內容版面配置區 2"/>
+          <p:cNvSpPr>
+            <a:spLocks noGrp="1"/>
+          </p:cNvSpPr>
+          <p:nvPr>
+            <p:ph idx="1"/>
+          </p:nvPr>
+        </p:nvSpPr>
+        <p:spPr/>
+        <p:txBody>
+          <a:bodyPr/>
+          <a:lstStyle/>
+          <a:p>
+            <a:endParaRPr lang="zh-TW" altLang="en-US" dirty="0"/>
+          </a:p>
+        </p:txBody>
+      </p:sp>
+      <p:pic>
+        <p:nvPicPr>
+          <p:cNvPr id="4" name="圖片 3"/>
+          <p:cNvPicPr>
+            <a:picLocks noChangeAspect="1"/>
+          </p:cNvPicPr>
+          <p:nvPr/>
+        </p:nvPicPr>
+        <p:blipFill>
+          <a:blip r:embed="rId2"/>
+          <a:stretch>
+            <a:fillRect/>
+          </a:stretch>
+        </p:blipFill>
+        <p:spPr>
+          <a:xfrm>
+            <a:off x="677334" y="2060067"/>
+            <a:ext cx="5191125" cy="3524250"/>
+          </a:xfrm>
+          <a:prstGeom prst="rect">
+            <a:avLst/>
+          </a:prstGeom>
+        </p:spPr>
+      </p:pic>
+    </p:spTree>
+    <p:extLst>
+      <p:ext uri="{BB962C8B-B14F-4D97-AF65-F5344CB8AC3E}">
+        <p14:creationId xmlns:p14="http://schemas.microsoft.com/office/powerpoint/2010/main" val="3690274968"/>
       </p:ext>
     </p:extLst>
   </p:cSld>
@@ -6851,6 +7593,224 @@
           <a:chExt cx="0" cy="0"/>
         </a:xfrm>
       </p:grpSpPr>
+      <p:sp>
+        <p:nvSpPr>
+          <p:cNvPr id="2" name="標題 1"/>
+          <p:cNvSpPr>
+            <a:spLocks noGrp="1"/>
+          </p:cNvSpPr>
+          <p:nvPr>
+            <p:ph type="title"/>
+          </p:nvPr>
+        </p:nvSpPr>
+        <p:spPr/>
+        <p:txBody>
+          <a:bodyPr>
+            <a:normAutofit/>
+          </a:bodyPr>
+          <a:lstStyle/>
+          <a:p>
+            <a:r>
+              <a:rPr lang="zh-TW" altLang="en-US" dirty="0"/>
+              <a:t>最基本</a:t>
+            </a:r>
+            <a:r>
+              <a:rPr lang="zh-TW" altLang="en-US" dirty="0" smtClean="0"/>
+              <a:t>的</a:t>
+            </a:r>
+            <a:r>
+              <a:rPr lang="zh-TW" altLang="en-US" b="1" dirty="0" smtClean="0">
+                <a:solidFill>
+                  <a:srgbClr val="FF0000"/>
+                </a:solidFill>
+              </a:rPr>
+              <a:t>輸入</a:t>
+            </a:r>
+            <a:r>
+              <a:rPr lang="en-US" altLang="zh-TW" b="1" dirty="0">
+                <a:solidFill>
+                  <a:srgbClr val="FF0000"/>
+                </a:solidFill>
+              </a:rPr>
+              <a:t>-</a:t>
+            </a:r>
+            <a:r>
+              <a:rPr lang="zh-TW" altLang="en-US" b="1" dirty="0">
+                <a:solidFill>
+                  <a:srgbClr val="FF0000"/>
+                </a:solidFill>
+              </a:rPr>
+              <a:t>運算</a:t>
+            </a:r>
+            <a:r>
+              <a:rPr lang="en-US" altLang="zh-TW" b="1" dirty="0">
+                <a:solidFill>
+                  <a:srgbClr val="FF0000"/>
+                </a:solidFill>
+              </a:rPr>
+              <a:t>-</a:t>
+            </a:r>
+            <a:r>
+              <a:rPr lang="zh-TW" altLang="en-US" b="1" dirty="0" smtClean="0">
+                <a:solidFill>
+                  <a:srgbClr val="FF0000"/>
+                </a:solidFill>
+              </a:rPr>
+              <a:t>輸出</a:t>
+            </a:r>
+            <a:r>
+              <a:rPr lang="zh-TW" altLang="en-US" dirty="0" smtClean="0"/>
+              <a:t>架構</a:t>
+            </a:r>
+            <a:r>
+              <a:rPr lang="zh-TW" altLang="en-US" dirty="0"/>
+              <a:t/>
+            </a:r>
+            <a:br>
+              <a:rPr lang="zh-TW" altLang="en-US" dirty="0"/>
+            </a:br>
+            <a:endParaRPr lang="zh-TW" altLang="en-US" dirty="0"/>
+          </a:p>
+        </p:txBody>
+      </p:sp>
+      <p:sp>
+        <p:nvSpPr>
+          <p:cNvPr id="3" name="內容版面配置區 2"/>
+          <p:cNvSpPr>
+            <a:spLocks noGrp="1"/>
+          </p:cNvSpPr>
+          <p:nvPr>
+            <p:ph idx="1"/>
+          </p:nvPr>
+        </p:nvSpPr>
+        <p:spPr/>
+        <p:txBody>
+          <a:bodyPr/>
+          <a:lstStyle/>
+          <a:p>
+            <a:r>
+              <a:rPr lang="zh-TW" altLang="en-US" dirty="0" smtClean="0"/>
+              <a:t>對初學者最重要的基本程式架構</a:t>
+            </a:r>
+            <a:endParaRPr lang="en-US" altLang="zh-TW" dirty="0" smtClean="0"/>
+          </a:p>
+          <a:p>
+            <a:r>
+              <a:rPr lang="zh-TW" altLang="en-US" dirty="0"/>
+              <a:t>程式運行大致上遵循</a:t>
+            </a:r>
+            <a:r>
+              <a:rPr lang="zh-TW" altLang="en-US" dirty="0" smtClean="0"/>
+              <a:t>著</a:t>
+            </a:r>
+            <a:endParaRPr lang="en-US" altLang="zh-TW" dirty="0" smtClean="0"/>
+          </a:p>
+          <a:p>
+            <a:pPr lvl="1"/>
+            <a:r>
+              <a:rPr lang="zh-TW" altLang="en-US" dirty="0"/>
+              <a:t>輸入一些</a:t>
+            </a:r>
+            <a:r>
+              <a:rPr lang="zh-TW" altLang="en-US" dirty="0" smtClean="0"/>
+              <a:t>內容</a:t>
+            </a:r>
+            <a:endParaRPr lang="en-US" altLang="zh-TW" dirty="0" smtClean="0"/>
+          </a:p>
+          <a:p>
+            <a:pPr lvl="1"/>
+            <a:r>
+              <a:rPr lang="zh-TW" altLang="en-US" dirty="0" smtClean="0"/>
+              <a:t>依照內容運算</a:t>
+            </a:r>
+            <a:endParaRPr lang="en-US" altLang="zh-TW" dirty="0" smtClean="0"/>
+          </a:p>
+          <a:p>
+            <a:pPr lvl="1"/>
+            <a:r>
+              <a:rPr lang="zh-TW" altLang="en-US" dirty="0"/>
+              <a:t>把運算結果</a:t>
+            </a:r>
+            <a:r>
+              <a:rPr lang="zh-TW" altLang="en-US" dirty="0" smtClean="0"/>
+              <a:t>輸出</a:t>
+            </a:r>
+            <a:endParaRPr lang="en-US" altLang="zh-TW" dirty="0" smtClean="0"/>
+          </a:p>
+          <a:p>
+            <a:r>
+              <a:rPr lang="zh-TW" altLang="en-US" dirty="0"/>
+              <a:t>先有這樣</a:t>
+            </a:r>
+            <a:r>
+              <a:rPr lang="zh-TW" altLang="en-US" dirty="0" smtClean="0"/>
+              <a:t>的</a:t>
+            </a:r>
+            <a:r>
+              <a:rPr lang="zh-TW" altLang="en-US" dirty="0"/>
+              <a:t>架構</a:t>
+            </a:r>
+            <a:r>
+              <a:rPr lang="zh-TW" altLang="en-US" dirty="0" smtClean="0"/>
+              <a:t>，去思考每個步驟。</a:t>
+            </a:r>
+            <a:endParaRPr lang="en-US" altLang="zh-TW" dirty="0" smtClean="0"/>
+          </a:p>
+          <a:p>
+            <a:pPr lvl="1"/>
+            <a:r>
+              <a:rPr lang="zh-TW" altLang="en-US" dirty="0"/>
+              <a:t>有時候</a:t>
+            </a:r>
+            <a:r>
+              <a:rPr lang="zh-TW" altLang="en-US" dirty="0" smtClean="0"/>
+              <a:t>，運算跟輸出會混雜再一起。</a:t>
+            </a:r>
+            <a:endParaRPr lang="en-US" altLang="zh-TW" dirty="0" smtClean="0"/>
+          </a:p>
+          <a:p>
+            <a:pPr lvl="1"/>
+            <a:endParaRPr lang="zh-TW" altLang="en-US" dirty="0"/>
+          </a:p>
+        </p:txBody>
+      </p:sp>
+    </p:spTree>
+    <p:extLst>
+      <p:ext uri="{BB962C8B-B14F-4D97-AF65-F5344CB8AC3E}">
+        <p14:creationId xmlns:p14="http://schemas.microsoft.com/office/powerpoint/2010/main" val="1759193223"/>
+      </p:ext>
+    </p:extLst>
+  </p:cSld>
+  <p:clrMapOvr>
+    <a:masterClrMapping/>
+  </p:clrMapOvr>
+  <p:timing>
+    <p:tnLst>
+      <p:par>
+        <p:cTn id="1" dur="indefinite" restart="never" nodeType="tmRoot"/>
+      </p:par>
+    </p:tnLst>
+  </p:timing>
+</p:sld>
+</file>
+
+<file path=ppt/slides/slide4.xml><?xml version="1.0" encoding="utf-8"?>
+<p:sld xmlns:a="http://schemas.openxmlformats.org/drawingml/2006/main" xmlns:r="http://schemas.openxmlformats.org/officeDocument/2006/relationships" xmlns:p="http://schemas.openxmlformats.org/presentationml/2006/main">
+  <p:cSld>
+    <p:spTree>
+      <p:nvGrpSpPr>
+        <p:cNvPr id="1" name=""/>
+        <p:cNvGrpSpPr/>
+        <p:nvPr/>
+      </p:nvGrpSpPr>
+      <p:grpSpPr>
+        <a:xfrm>
+          <a:off x="0" y="0"/>
+          <a:ext cx="0" cy="0"/>
+          <a:chOff x="0" y="0"/>
+          <a:chExt cx="0" cy="0"/>
+        </a:xfrm>
+      </p:grpSpPr>
       <p:pic>
         <p:nvPicPr>
           <p:cNvPr id="6" name="圖片 5"/>
@@ -7478,7 +8438,7 @@
 </p:sld>
 </file>
 
-<file path=ppt/slides/slide4.xml><?xml version="1.0" encoding="utf-8"?>
+<file path=ppt/slides/slide5.xml><?xml version="1.0" encoding="utf-8"?>
 <p:sld xmlns:a="http://schemas.openxmlformats.org/drawingml/2006/main" xmlns:r="http://schemas.openxmlformats.org/officeDocument/2006/relationships" xmlns:p="http://schemas.openxmlformats.org/presentationml/2006/main">
   <p:cSld>
     <p:spTree>
@@ -8553,7 +9513,7 @@
 </p:sld>
 </file>
 
-<file path=ppt/slides/slide5.xml><?xml version="1.0" encoding="utf-8"?>
+<file path=ppt/slides/slide6.xml><?xml version="1.0" encoding="utf-8"?>
 <p:sld xmlns:a="http://schemas.openxmlformats.org/drawingml/2006/main" xmlns:r="http://schemas.openxmlformats.org/officeDocument/2006/relationships" xmlns:p="http://schemas.openxmlformats.org/presentationml/2006/main">
   <p:cSld>
     <p:spTree>
@@ -10057,7 +11017,7 @@
 </p:sld>
 </file>
 
-<file path=ppt/slides/slide6.xml><?xml version="1.0" encoding="utf-8"?>
+<file path=ppt/slides/slide7.xml><?xml version="1.0" encoding="utf-8"?>
 <p:sld xmlns:a="http://schemas.openxmlformats.org/drawingml/2006/main" xmlns:r="http://schemas.openxmlformats.org/officeDocument/2006/relationships" xmlns:p="http://schemas.openxmlformats.org/presentationml/2006/main">
   <p:cSld>
     <p:spTree>
@@ -10238,7 +11198,7 @@
 </p:sld>
 </file>
 
-<file path=ppt/slides/slide7.xml><?xml version="1.0" encoding="utf-8"?>
+<file path=ppt/slides/slide8.xml><?xml version="1.0" encoding="utf-8"?>
 <p:sld xmlns:a="http://schemas.openxmlformats.org/drawingml/2006/main" xmlns:r="http://schemas.openxmlformats.org/officeDocument/2006/relationships" xmlns:p="http://schemas.openxmlformats.org/presentationml/2006/main">
   <p:cSld>
     <p:spTree>
@@ -10272,12 +11232,13 @@
           <a:p>
             <a:r>
               <a:rPr lang="zh-TW" altLang="en-US" dirty="0" smtClean="0"/>
-              <a:t>練習一參考</a:t>
-            </a:r>
-            <a:r>
-              <a:rPr lang="zh-TW" altLang="en-US" dirty="0"/>
-              <a:t>解答</a:t>
-            </a:r>
+              <a:t>練習一</a:t>
+            </a:r>
+            <a:r>
+              <a:rPr lang="zh-TW" altLang="en-US" dirty="0" smtClean="0"/>
+              <a:t>參考程式碼</a:t>
+            </a:r>
+            <a:endParaRPr lang="zh-TW" altLang="en-US" dirty="0"/>
           </a:p>
         </p:txBody>
       </p:sp>
@@ -10348,6 +11309,93 @@
           </a:prstGeom>
         </p:spPr>
       </p:pic>
+      <p:sp>
+        <p:nvSpPr>
+          <p:cNvPr id="6" name="文字方塊 5"/>
+          <p:cNvSpPr txBox="1"/>
+          <p:nvPr/>
+        </p:nvSpPr>
+        <p:spPr>
+          <a:xfrm>
+            <a:off x="6096000" y="4100975"/>
+            <a:ext cx="2948243" cy="1569660"/>
+          </a:xfrm>
+          <a:prstGeom prst="rect">
+            <a:avLst/>
+          </a:prstGeom>
+          <a:noFill/>
+        </p:spPr>
+        <p:txBody>
+          <a:bodyPr wrap="none" rtlCol="0">
+            <a:spAutoFit/>
+          </a:bodyPr>
+          <a:lstStyle/>
+          <a:p>
+            <a:pPr algn="ctr"/>
+            <a:r>
+              <a:rPr lang="zh-TW" altLang="en-US" sz="3200" dirty="0" smtClean="0"/>
+              <a:t>標準的</a:t>
+            </a:r>
+            <a:endParaRPr lang="en-US" altLang="zh-TW" sz="3200" dirty="0" smtClean="0"/>
+          </a:p>
+          <a:p>
+            <a:pPr algn="ctr"/>
+            <a:r>
+              <a:rPr lang="zh-TW" altLang="en-US" sz="3200" b="1" dirty="0" smtClean="0">
+                <a:solidFill>
+                  <a:srgbClr val="FF0000"/>
+                </a:solidFill>
+              </a:rPr>
+              <a:t>輸入</a:t>
+            </a:r>
+            <a:r>
+              <a:rPr lang="en-US" altLang="zh-TW" sz="3200" b="1" dirty="0">
+                <a:solidFill>
+                  <a:srgbClr val="FF0000"/>
+                </a:solidFill>
+              </a:rPr>
+              <a:t>-</a:t>
+            </a:r>
+            <a:r>
+              <a:rPr lang="zh-TW" altLang="en-US" sz="3200" b="1" dirty="0">
+                <a:solidFill>
+                  <a:srgbClr val="FF0000"/>
+                </a:solidFill>
+              </a:rPr>
+              <a:t>運算</a:t>
+            </a:r>
+            <a:r>
+              <a:rPr lang="en-US" altLang="zh-TW" sz="3200" b="1" dirty="0">
+                <a:solidFill>
+                  <a:srgbClr val="FF0000"/>
+                </a:solidFill>
+              </a:rPr>
+              <a:t>-</a:t>
+            </a:r>
+            <a:r>
+              <a:rPr lang="zh-TW" altLang="en-US" sz="3200" b="1" dirty="0" smtClean="0">
+                <a:solidFill>
+                  <a:srgbClr val="FF0000"/>
+                </a:solidFill>
+              </a:rPr>
+              <a:t>輸出</a:t>
+            </a:r>
+            <a:endParaRPr lang="en-US" altLang="zh-TW" sz="3200" b="1" dirty="0" smtClean="0">
+              <a:solidFill>
+                <a:srgbClr val="FF0000"/>
+              </a:solidFill>
+            </a:endParaRPr>
+          </a:p>
+          <a:p>
+            <a:pPr algn="ctr"/>
+            <a:r>
+              <a:rPr lang="zh-TW" altLang="en-US" sz="3200" dirty="0" smtClean="0"/>
+              <a:t>架構</a:t>
+            </a:r>
+            <a:endParaRPr lang="zh-TW" altLang="en-US" sz="3200" dirty="0"/>
+          </a:p>
+        </p:txBody>
+      </p:sp>
     </p:spTree>
     <p:extLst>
       <p:ext uri="{BB962C8B-B14F-4D97-AF65-F5344CB8AC3E}">
@@ -10361,194 +11409,80 @@
   <p:timing>
     <p:tnLst>
       <p:par>
-        <p:cTn id="1" dur="indefinite" restart="never" nodeType="tmRoot"/>
+        <p:cTn id="1" dur="indefinite" restart="never" nodeType="tmRoot">
+          <p:childTnLst>
+            <p:seq concurrent="1" nextAc="seek">
+              <p:cTn id="2" dur="indefinite" nodeType="mainSeq">
+                <p:childTnLst>
+                  <p:par>
+                    <p:cTn id="3" fill="hold">
+                      <p:stCondLst>
+                        <p:cond delay="indefinite"/>
+                      </p:stCondLst>
+                      <p:childTnLst>
+                        <p:par>
+                          <p:cTn id="4" fill="hold">
+                            <p:stCondLst>
+                              <p:cond delay="0"/>
+                            </p:stCondLst>
+                            <p:childTnLst>
+                              <p:par>
+                                <p:cTn id="5" presetID="1" presetClass="entr" presetSubtype="0" fill="hold" grpId="0" nodeType="clickEffect">
+                                  <p:stCondLst>
+                                    <p:cond delay="0"/>
+                                  </p:stCondLst>
+                                  <p:childTnLst>
+                                    <p:set>
+                                      <p:cBhvr>
+                                        <p:cTn id="6" dur="1" fill="hold">
+                                          <p:stCondLst>
+                                            <p:cond delay="0"/>
+                                          </p:stCondLst>
+                                        </p:cTn>
+                                        <p:tgtEl>
+                                          <p:spTgt spid="6"/>
+                                        </p:tgtEl>
+                                        <p:attrNameLst>
+                                          <p:attrName>style.visibility</p:attrName>
+                                        </p:attrNameLst>
+                                      </p:cBhvr>
+                                      <p:to>
+                                        <p:strVal val="visible"/>
+                                      </p:to>
+                                    </p:set>
+                                  </p:childTnLst>
+                                </p:cTn>
+                              </p:par>
+                            </p:childTnLst>
+                          </p:cTn>
+                        </p:par>
+                      </p:childTnLst>
+                    </p:cTn>
+                  </p:par>
+                </p:childTnLst>
+              </p:cTn>
+              <p:prevCondLst>
+                <p:cond evt="onPrev" delay="0">
+                  <p:tgtEl>
+                    <p:sldTgt/>
+                  </p:tgtEl>
+                </p:cond>
+              </p:prevCondLst>
+              <p:nextCondLst>
+                <p:cond evt="onNext" delay="0">
+                  <p:tgtEl>
+                    <p:sldTgt/>
+                  </p:tgtEl>
+                </p:cond>
+              </p:nextCondLst>
+            </p:seq>
+          </p:childTnLst>
+        </p:cTn>
       </p:par>
     </p:tnLst>
-  </p:timing>
-</p:sld>
-</file>
-
-<file path=ppt/slides/slide8.xml><?xml version="1.0" encoding="utf-8"?>
-<p:sld xmlns:a="http://schemas.openxmlformats.org/drawingml/2006/main" xmlns:r="http://schemas.openxmlformats.org/officeDocument/2006/relationships" xmlns:p="http://schemas.openxmlformats.org/presentationml/2006/main">
-  <p:cSld>
-    <p:spTree>
-      <p:nvGrpSpPr>
-        <p:cNvPr id="1" name=""/>
-        <p:cNvGrpSpPr/>
-        <p:nvPr/>
-      </p:nvGrpSpPr>
-      <p:grpSpPr>
-        <a:xfrm>
-          <a:off x="0" y="0"/>
-          <a:ext cx="0" cy="0"/>
-          <a:chOff x="0" y="0"/>
-          <a:chExt cx="0" cy="0"/>
-        </a:xfrm>
-      </p:grpSpPr>
-      <p:sp>
-        <p:nvSpPr>
-          <p:cNvPr id="2" name="標題 1"/>
-          <p:cNvSpPr>
-            <a:spLocks noGrp="1"/>
-          </p:cNvSpPr>
-          <p:nvPr>
-            <p:ph type="title"/>
-          </p:nvPr>
-        </p:nvSpPr>
-        <p:spPr/>
-        <p:txBody>
-          <a:bodyPr/>
-          <a:lstStyle/>
-          <a:p>
-            <a:r>
-              <a:rPr lang="zh-TW" altLang="en-US" dirty="0" smtClean="0"/>
-              <a:t>練習二</a:t>
-            </a:r>
-            <a:r>
-              <a:rPr lang="en-US" altLang="zh-TW" dirty="0" smtClean="0"/>
-              <a:t/>
-            </a:r>
-            <a:br>
-              <a:rPr lang="en-US" altLang="zh-TW" dirty="0" smtClean="0"/>
-            </a:br>
-            <a:r>
-              <a:rPr lang="zh-TW" altLang="en-US" dirty="0"/>
-              <a:t>輸入三科成績算總和</a:t>
-            </a:r>
-          </a:p>
-        </p:txBody>
-      </p:sp>
-      <p:sp>
-        <p:nvSpPr>
-          <p:cNvPr id="3" name="內容版面配置區 2"/>
-          <p:cNvSpPr>
-            <a:spLocks noGrp="1"/>
-          </p:cNvSpPr>
-          <p:nvPr>
-            <p:ph idx="1"/>
-          </p:nvPr>
-        </p:nvSpPr>
-        <p:spPr/>
-        <p:txBody>
-          <a:bodyPr/>
-          <a:lstStyle/>
-          <a:p>
-            <a:r>
-              <a:rPr lang="zh-TW" altLang="en-US" dirty="0" smtClean="0"/>
-              <a:t>請設計一個程式，讓我可以輸入三科成績，然後顯示這三科成績的總和與平均。</a:t>
-            </a:r>
-            <a:endParaRPr lang="en-US" altLang="zh-TW" dirty="0" smtClean="0"/>
-          </a:p>
-          <a:p>
-            <a:r>
-              <a:rPr lang="zh-TW" altLang="en-US" dirty="0" smtClean="0"/>
-              <a:t>考慮重點：</a:t>
-            </a:r>
-            <a:endParaRPr lang="en-US" altLang="zh-TW" dirty="0" smtClean="0"/>
-          </a:p>
-          <a:p>
-            <a:pPr lvl="1"/>
-            <a:r>
-              <a:rPr lang="zh-TW" altLang="en-US" dirty="0" smtClean="0"/>
-              <a:t>輸入：三科成績</a:t>
-            </a:r>
-            <a:endParaRPr lang="en-US" altLang="zh-TW" dirty="0" smtClean="0"/>
-          </a:p>
-          <a:p>
-            <a:pPr lvl="1"/>
-            <a:r>
-              <a:rPr lang="zh-TW" altLang="en-US" dirty="0"/>
-              <a:t>運算：三</a:t>
-            </a:r>
-            <a:r>
-              <a:rPr lang="zh-TW" altLang="en-US" dirty="0" smtClean="0"/>
-              <a:t>科</a:t>
-            </a:r>
-            <a:r>
-              <a:rPr lang="zh-TW" altLang="en-US" dirty="0"/>
-              <a:t>成績加總</a:t>
-            </a:r>
-            <a:endParaRPr lang="en-US" altLang="zh-TW" dirty="0" smtClean="0"/>
-          </a:p>
-          <a:p>
-            <a:pPr lvl="1"/>
-            <a:r>
-              <a:rPr lang="zh-TW" altLang="en-US" dirty="0" smtClean="0"/>
-              <a:t>輸出：</a:t>
-            </a:r>
-            <a:r>
-              <a:rPr lang="zh-TW" altLang="en-US" dirty="0"/>
-              <a:t>三科</a:t>
-            </a:r>
-            <a:r>
-              <a:rPr lang="zh-TW" altLang="en-US" dirty="0" smtClean="0"/>
-              <a:t>總合與平均</a:t>
-            </a:r>
-            <a:endParaRPr lang="en-US" altLang="zh-TW" dirty="0" smtClean="0"/>
-          </a:p>
-          <a:p>
-            <a:pPr lvl="1"/>
-            <a:r>
-              <a:rPr lang="zh-TW" altLang="en-US" dirty="0"/>
-              <a:t>變數宣告：需要幾個？叫甚麼名字？</a:t>
-            </a:r>
-          </a:p>
-        </p:txBody>
-      </p:sp>
-      <p:sp>
-        <p:nvSpPr>
-          <p:cNvPr id="4" name="文字方塊 3"/>
-          <p:cNvSpPr txBox="1"/>
-          <p:nvPr/>
-        </p:nvSpPr>
-        <p:spPr>
-          <a:xfrm>
-            <a:off x="677334" y="5856696"/>
-            <a:ext cx="1669047" cy="369332"/>
-          </a:xfrm>
-          <a:prstGeom prst="rect">
-            <a:avLst/>
-          </a:prstGeom>
-          <a:noFill/>
-        </p:spPr>
-        <p:txBody>
-          <a:bodyPr wrap="none" rtlCol="0">
-            <a:spAutoFit/>
-          </a:bodyPr>
-          <a:lstStyle/>
-          <a:p>
-            <a:r>
-              <a:rPr lang="en-US" altLang="zh-TW" dirty="0" smtClean="0">
-                <a:solidFill>
-                  <a:srgbClr val="C00000"/>
-                </a:solidFill>
-              </a:rPr>
-              <a:t>Example02_02</a:t>
-            </a:r>
-            <a:endParaRPr lang="zh-TW" altLang="en-US" dirty="0">
-              <a:solidFill>
-                <a:srgbClr val="C00000"/>
-              </a:solidFill>
-            </a:endParaRPr>
-          </a:p>
-        </p:txBody>
-      </p:sp>
-    </p:spTree>
-    <p:extLst>
-      <p:ext uri="{BB962C8B-B14F-4D97-AF65-F5344CB8AC3E}">
-        <p14:creationId xmlns:p14="http://schemas.microsoft.com/office/powerpoint/2010/main" val="3394004265"/>
-      </p:ext>
-    </p:extLst>
-  </p:cSld>
-  <p:clrMapOvr>
-    <a:masterClrMapping/>
-  </p:clrMapOvr>
-  <p:timing>
-    <p:tnLst>
-      <p:par>
-        <p:cTn id="1" dur="indefinite" restart="never" nodeType="tmRoot"/>
-      </p:par>
-    </p:tnLst>
+    <p:bldLst>
+      <p:bldP spid="6" grpId="0"/>
+    </p:bldLst>
   </p:timing>
 </p:sld>
 </file>
@@ -10587,9 +11521,19 @@
           <a:p>
             <a:r>
               <a:rPr lang="zh-TW" altLang="en-US" dirty="0" smtClean="0"/>
-              <a:t>練習二參考解答</a:t>
-            </a:r>
-            <a:endParaRPr lang="zh-TW" altLang="en-US" dirty="0"/>
+              <a:t>練習二</a:t>
+            </a:r>
+            <a:r>
+              <a:rPr lang="en-US" altLang="zh-TW" dirty="0" smtClean="0"/>
+              <a:t/>
+            </a:r>
+            <a:br>
+              <a:rPr lang="en-US" altLang="zh-TW" dirty="0" smtClean="0"/>
+            </a:br>
+            <a:r>
+              <a:rPr lang="zh-TW" altLang="en-US" dirty="0"/>
+              <a:t>輸入三科成績算總和</a:t>
+            </a:r>
           </a:p>
         </p:txBody>
       </p:sp>
@@ -10608,62 +11552,110 @@
           <a:bodyPr/>
           <a:lstStyle/>
           <a:p>
-            <a:endParaRPr lang="zh-TW" altLang="en-US" dirty="0"/>
-          </a:p>
-        </p:txBody>
-      </p:sp>
-      <p:pic>
-        <p:nvPicPr>
-          <p:cNvPr id="7" name="圖片 6"/>
-          <p:cNvPicPr>
-            <a:picLocks noChangeAspect="1"/>
-          </p:cNvPicPr>
+            <a:r>
+              <a:rPr lang="zh-TW" altLang="en-US" dirty="0" smtClean="0"/>
+              <a:t>請設計一個程式，讓我可以輸入三科成績，然後顯示這三科成績的總和與平均。</a:t>
+            </a:r>
+            <a:endParaRPr lang="en-US" altLang="zh-TW" dirty="0" smtClean="0"/>
+          </a:p>
+          <a:p>
+            <a:r>
+              <a:rPr lang="zh-TW" altLang="en-US" dirty="0" smtClean="0"/>
+              <a:t>考慮重點：</a:t>
+            </a:r>
+            <a:endParaRPr lang="en-US" altLang="zh-TW" dirty="0" smtClean="0"/>
+          </a:p>
+          <a:p>
+            <a:pPr lvl="1"/>
+            <a:r>
+              <a:rPr lang="zh-TW" altLang="en-US" dirty="0" smtClean="0"/>
+              <a:t>輸入：三科成績</a:t>
+            </a:r>
+            <a:endParaRPr lang="en-US" altLang="zh-TW" dirty="0" smtClean="0"/>
+          </a:p>
+          <a:p>
+            <a:pPr lvl="1"/>
+            <a:r>
+              <a:rPr lang="zh-TW" altLang="en-US" dirty="0"/>
+              <a:t>運算：三</a:t>
+            </a:r>
+            <a:r>
+              <a:rPr lang="zh-TW" altLang="en-US" dirty="0" smtClean="0"/>
+              <a:t>科</a:t>
+            </a:r>
+            <a:r>
+              <a:rPr lang="zh-TW" altLang="en-US" dirty="0"/>
+              <a:t>成績加總</a:t>
+            </a:r>
+            <a:endParaRPr lang="en-US" altLang="zh-TW" dirty="0" smtClean="0"/>
+          </a:p>
+          <a:p>
+            <a:pPr lvl="1"/>
+            <a:r>
+              <a:rPr lang="zh-TW" altLang="en-US" dirty="0" smtClean="0"/>
+              <a:t>輸出：</a:t>
+            </a:r>
+            <a:r>
+              <a:rPr lang="zh-TW" altLang="en-US" dirty="0"/>
+              <a:t>三科</a:t>
+            </a:r>
+            <a:r>
+              <a:rPr lang="zh-TW" altLang="en-US" dirty="0" smtClean="0"/>
+              <a:t>總合與平均</a:t>
+            </a:r>
+            <a:endParaRPr lang="en-US" altLang="zh-TW" dirty="0" smtClean="0"/>
+          </a:p>
+          <a:p>
+            <a:pPr lvl="1"/>
+            <a:r>
+              <a:rPr lang="zh-TW" altLang="en-US" dirty="0"/>
+              <a:t>變數宣告：需要幾個？叫甚麼名字？</a:t>
+            </a:r>
+          </a:p>
+        </p:txBody>
+      </p:sp>
+      <p:sp>
+        <p:nvSpPr>
+          <p:cNvPr id="4" name="文字方塊 3"/>
+          <p:cNvSpPr txBox="1"/>
           <p:nvPr/>
-        </p:nvPicPr>
-        <p:blipFill>
-          <a:blip r:embed="rId2"/>
-          <a:stretch>
-            <a:fillRect/>
-          </a:stretch>
-        </p:blipFill>
+        </p:nvSpPr>
         <p:spPr>
           <a:xfrm>
-            <a:off x="6821424" y="1906270"/>
-            <a:ext cx="2590800" cy="1647825"/>
+            <a:off x="677334" y="5856696"/>
+            <a:ext cx="1669047" cy="369332"/>
           </a:xfrm>
           <a:prstGeom prst="rect">
             <a:avLst/>
           </a:prstGeom>
+          <a:noFill/>
         </p:spPr>
-      </p:pic>
-      <p:pic>
-        <p:nvPicPr>
-          <p:cNvPr id="4" name="圖片 3"/>
-          <p:cNvPicPr>
-            <a:picLocks noChangeAspect="1"/>
-          </p:cNvPicPr>
-          <p:nvPr/>
-        </p:nvPicPr>
-        <p:blipFill>
-          <a:blip r:embed="rId3"/>
-          <a:stretch>
-            <a:fillRect/>
-          </a:stretch>
-        </p:blipFill>
-        <p:spPr>
-          <a:xfrm>
-            <a:off x="653877" y="1906270"/>
-            <a:ext cx="5865795" cy="4336796"/>
-          </a:xfrm>
-          <a:prstGeom prst="rect">
-            <a:avLst/>
-          </a:prstGeom>
-        </p:spPr>
-      </p:pic>
+        <p:txBody>
+          <a:bodyPr wrap="none" rtlCol="0">
+            <a:spAutoFit/>
+          </a:bodyPr>
+          <a:lstStyle/>
+          <a:p>
+            <a:r>
+              <a:rPr lang="en-US" altLang="zh-TW" dirty="0" smtClean="0">
+                <a:solidFill>
+                  <a:srgbClr val="C00000"/>
+                </a:solidFill>
+              </a:rPr>
+              <a:t>Example02_02</a:t>
+            </a:r>
+            <a:endParaRPr lang="zh-TW" altLang="en-US" dirty="0">
+              <a:solidFill>
+                <a:srgbClr val="C00000"/>
+              </a:solidFill>
+            </a:endParaRPr>
+          </a:p>
+        </p:txBody>
+      </p:sp>
     </p:spTree>
     <p:extLst>
       <p:ext uri="{BB962C8B-B14F-4D97-AF65-F5344CB8AC3E}">
-        <p14:creationId xmlns:p14="http://schemas.microsoft.com/office/powerpoint/2010/main" val="2938798235"/>
+        <p14:creationId xmlns:p14="http://schemas.microsoft.com/office/powerpoint/2010/main" val="3394004265"/>
       </p:ext>
     </p:extLst>
   </p:cSld>

--- a/LCC/Python/02_程式語言基本法.pptx
+++ b/LCC/Python/02_程式語言基本法.pptx
@@ -880,7 +880,7 @@
             <a:fld id="{B61BEF0D-F0BB-DE4B-95CE-6DB70DBA9567}" type="datetimeFigureOut">
               <a:rPr lang="en-US" smtClean="0"/>
               <a:pPr/>
-              <a:t>12/30/2020</a:t>
+              <a:t>1/5/2021</a:t>
             </a:fld>
             <a:endParaRPr lang="en-US" dirty="0"/>
           </a:p>
@@ -1133,7 +1133,7 @@
             <a:fld id="{B61BEF0D-F0BB-DE4B-95CE-6DB70DBA9567}" type="datetimeFigureOut">
               <a:rPr lang="en-US" smtClean="0"/>
               <a:pPr/>
-              <a:t>12/30/2020</a:t>
+              <a:t>1/5/2021</a:t>
             </a:fld>
             <a:endParaRPr lang="en-US" dirty="0"/>
           </a:p>
@@ -1449,7 +1449,7 @@
             <a:fld id="{B61BEF0D-F0BB-DE4B-95CE-6DB70DBA9567}" type="datetimeFigureOut">
               <a:rPr lang="en-US" smtClean="0"/>
               <a:pPr/>
-              <a:t>12/30/2020</a:t>
+              <a:t>1/5/2021</a:t>
             </a:fld>
             <a:endParaRPr lang="en-US" dirty="0"/>
           </a:p>
@@ -1784,7 +1784,7 @@
             <a:fld id="{B61BEF0D-F0BB-DE4B-95CE-6DB70DBA9567}" type="datetimeFigureOut">
               <a:rPr lang="en-US" smtClean="0"/>
               <a:pPr/>
-              <a:t>12/30/2020</a:t>
+              <a:t>1/5/2021</a:t>
             </a:fld>
             <a:endParaRPr lang="en-US" dirty="0"/>
           </a:p>
@@ -2100,7 +2100,7 @@
             <a:fld id="{B61BEF0D-F0BB-DE4B-95CE-6DB70DBA9567}" type="datetimeFigureOut">
               <a:rPr lang="en-US" smtClean="0"/>
               <a:pPr/>
-              <a:t>12/30/2020</a:t>
+              <a:t>1/5/2021</a:t>
             </a:fld>
             <a:endParaRPr lang="en-US" dirty="0"/>
           </a:p>
@@ -2495,7 +2495,7 @@
             <a:fld id="{B61BEF0D-F0BB-DE4B-95CE-6DB70DBA9567}" type="datetimeFigureOut">
               <a:rPr lang="en-US" smtClean="0"/>
               <a:pPr/>
-              <a:t>12/30/2020</a:t>
+              <a:t>1/5/2021</a:t>
             </a:fld>
             <a:endParaRPr lang="en-US" dirty="0"/>
           </a:p>
@@ -2666,7 +2666,7 @@
           <a:p>
             <a:fld id="{55C6B4A9-1611-4792-9094-5F34BCA07E0B}" type="datetimeFigureOut">
               <a:rPr lang="en-US" smtClean="0"/>
-              <a:t>12/30/2020</a:t>
+              <a:t>1/5/2021</a:t>
             </a:fld>
             <a:endParaRPr lang="en-US" dirty="0"/>
           </a:p>
@@ -2847,7 +2847,7 @@
             <a:fld id="{B61BEF0D-F0BB-DE4B-95CE-6DB70DBA9567}" type="datetimeFigureOut">
               <a:rPr lang="en-US" smtClean="0"/>
               <a:pPr/>
-              <a:t>12/30/2020</a:t>
+              <a:t>1/5/2021</a:t>
             </a:fld>
             <a:endParaRPr lang="en-US" dirty="0"/>
           </a:p>
@@ -3019,7 +3019,7 @@
             <a:fld id="{B61BEF0D-F0BB-DE4B-95CE-6DB70DBA9567}" type="datetimeFigureOut">
               <a:rPr lang="en-US" smtClean="0"/>
               <a:pPr/>
-              <a:t>12/30/2020</a:t>
+              <a:t>1/5/2021</a:t>
             </a:fld>
             <a:endParaRPr lang="en-US" dirty="0"/>
           </a:p>
@@ -3297,7 +3297,7 @@
             <a:fld id="{B61BEF0D-F0BB-DE4B-95CE-6DB70DBA9567}" type="datetimeFigureOut">
               <a:rPr lang="en-US" smtClean="0"/>
               <a:pPr/>
-              <a:t>12/30/2020</a:t>
+              <a:t>1/5/2021</a:t>
             </a:fld>
             <a:endParaRPr lang="en-US" dirty="0"/>
           </a:p>
@@ -3530,7 +3530,7 @@
           <a:p>
             <a:fld id="{EB712588-04B1-427B-82EE-E8DB90309F08}" type="datetimeFigureOut">
               <a:rPr lang="en-US" smtClean="0"/>
-              <a:t>12/30/2020</a:t>
+              <a:t>1/5/2021</a:t>
             </a:fld>
             <a:endParaRPr lang="en-US" dirty="0"/>
           </a:p>
@@ -3934,7 +3934,7 @@
             <a:fld id="{B61BEF0D-F0BB-DE4B-95CE-6DB70DBA9567}" type="datetimeFigureOut">
               <a:rPr lang="en-US" smtClean="0"/>
               <a:pPr/>
-              <a:t>12/30/2020</a:t>
+              <a:t>1/5/2021</a:t>
             </a:fld>
             <a:endParaRPr lang="en-US" dirty="0"/>
           </a:p>
@@ -4088,7 +4088,7 @@
             <a:fld id="{B61BEF0D-F0BB-DE4B-95CE-6DB70DBA9567}" type="datetimeFigureOut">
               <a:rPr lang="en-US" smtClean="0"/>
               <a:pPr/>
-              <a:t>12/30/2020</a:t>
+              <a:t>1/5/2021</a:t>
             </a:fld>
             <a:endParaRPr lang="en-US" dirty="0"/>
           </a:p>
@@ -4214,7 +4214,7 @@
             <a:fld id="{B61BEF0D-F0BB-DE4B-95CE-6DB70DBA9567}" type="datetimeFigureOut">
               <a:rPr lang="en-US" smtClean="0"/>
               <a:pPr/>
-              <a:t>12/30/2020</a:t>
+              <a:t>1/5/2021</a:t>
             </a:fld>
             <a:endParaRPr lang="en-US" dirty="0"/>
           </a:p>
@@ -4470,7 +4470,7 @@
           <a:p>
             <a:fld id="{42A54C80-263E-416B-A8E0-580EDEADCBDC}" type="datetimeFigureOut">
               <a:rPr lang="en-US" smtClean="0"/>
-              <a:t>12/30/2020</a:t>
+              <a:t>1/5/2021</a:t>
             </a:fld>
             <a:endParaRPr lang="en-US" dirty="0"/>
           </a:p>
@@ -4777,7 +4777,7 @@
             <a:fld id="{B61BEF0D-F0BB-DE4B-95CE-6DB70DBA9567}" type="datetimeFigureOut">
               <a:rPr lang="en-US" smtClean="0"/>
               <a:pPr/>
-              <a:t>12/30/2020</a:t>
+              <a:t>1/5/2021</a:t>
             </a:fld>
             <a:endParaRPr lang="en-US" dirty="0"/>
           </a:p>
@@ -5480,7 +5480,7 @@
             <a:fld id="{B61BEF0D-F0BB-DE4B-95CE-6DB70DBA9567}" type="datetimeFigureOut">
               <a:rPr lang="en-US" smtClean="0"/>
               <a:pPr/>
-              <a:t>12/30/2020</a:t>
+              <a:t>1/5/2021</a:t>
             </a:fld>
             <a:endParaRPr lang="en-US" dirty="0"/>
           </a:p>
@@ -6113,6 +6113,47 @@
           </a:p>
         </p:txBody>
       </p:sp>
+      <p:pic>
+        <p:nvPicPr>
+          <p:cNvPr id="4" name="Picture 2" descr="upload.wikimedia.org/wikipedia/commons/thumb/f/..."/>
+          <p:cNvPicPr>
+            <a:picLocks noChangeAspect="1" noChangeArrowheads="1"/>
+          </p:cNvPicPr>
+          <p:nvPr/>
+        </p:nvPicPr>
+        <p:blipFill>
+          <a:blip r:embed="rId2">
+            <a:extLst>
+              <a:ext uri="{28A0092B-C50C-407E-A947-70E740481C1C}">
+                <a14:useLocalDpi xmlns:a14="http://schemas.microsoft.com/office/drawing/2010/main" val="0"/>
+              </a:ext>
+            </a:extLst>
+          </a:blip>
+          <a:srcRect/>
+          <a:stretch>
+            <a:fillRect/>
+          </a:stretch>
+        </p:blipFill>
+        <p:spPr bwMode="auto">
+          <a:xfrm>
+            <a:off x="528866" y="4993541"/>
+            <a:ext cx="4743328" cy="1407187"/>
+          </a:xfrm>
+          <a:prstGeom prst="rect">
+            <a:avLst/>
+          </a:prstGeom>
+          <a:noFill/>
+          <a:extLst>
+            <a:ext uri="{909E8E84-426E-40DD-AFC4-6F175D3DCCD1}">
+              <a14:hiddenFill xmlns:a14="http://schemas.microsoft.com/office/drawing/2010/main">
+                <a:solidFill>
+                  <a:srgbClr val="FFFFFF"/>
+                </a:solidFill>
+              </a14:hiddenFill>
+            </a:ext>
+          </a:extLst>
+        </p:spPr>
+      </p:pic>
     </p:spTree>
     <p:extLst>
       <p:ext uri="{BB962C8B-B14F-4D97-AF65-F5344CB8AC3E}">
@@ -6167,11 +6208,7 @@
           <a:p>
             <a:r>
               <a:rPr lang="zh-TW" altLang="en-US" dirty="0" smtClean="0"/>
-              <a:t>練習二</a:t>
-            </a:r>
-            <a:r>
-              <a:rPr lang="zh-TW" altLang="en-US" dirty="0" smtClean="0"/>
-              <a:t>參考程式碼</a:t>
+              <a:t>練習二參考程式碼</a:t>
             </a:r>
             <a:endParaRPr lang="zh-TW" altLang="en-US" dirty="0"/>
           </a:p>
@@ -6540,11 +6577,6 @@
                 </a:rPr>
                 <a:t>100</a:t>
               </a:r>
-              <a:endParaRPr lang="en-US" altLang="zh-TW" dirty="0" smtClean="0">
-                <a:solidFill>
-                  <a:srgbClr val="0070C0"/>
-                </a:solidFill>
-              </a:endParaRPr>
             </a:p>
             <a:p>
               <a:r>
@@ -11232,11 +11264,7 @@
           <a:p>
             <a:r>
               <a:rPr lang="zh-TW" altLang="en-US" dirty="0" smtClean="0"/>
-              <a:t>練習一</a:t>
-            </a:r>
-            <a:r>
-              <a:rPr lang="zh-TW" altLang="en-US" dirty="0" smtClean="0"/>
-              <a:t>參考程式碼</a:t>
+              <a:t>練習一參考程式碼</a:t>
             </a:r>
             <a:endParaRPr lang="zh-TW" altLang="en-US" dirty="0"/>
           </a:p>

--- a/LCC/Python/02_程式語言基本法.pptx
+++ b/LCC/Python/02_程式語言基本法.pptx
@@ -880,7 +880,7 @@
             <a:fld id="{B61BEF0D-F0BB-DE4B-95CE-6DB70DBA9567}" type="datetimeFigureOut">
               <a:rPr lang="en-US" smtClean="0"/>
               <a:pPr/>
-              <a:t>1/5/2021</a:t>
+              <a:t>2/18/2021</a:t>
             </a:fld>
             <a:endParaRPr lang="en-US" dirty="0"/>
           </a:p>
@@ -1133,7 +1133,7 @@
             <a:fld id="{B61BEF0D-F0BB-DE4B-95CE-6DB70DBA9567}" type="datetimeFigureOut">
               <a:rPr lang="en-US" smtClean="0"/>
               <a:pPr/>
-              <a:t>1/5/2021</a:t>
+              <a:t>2/18/2021</a:t>
             </a:fld>
             <a:endParaRPr lang="en-US" dirty="0"/>
           </a:p>
@@ -1449,7 +1449,7 @@
             <a:fld id="{B61BEF0D-F0BB-DE4B-95CE-6DB70DBA9567}" type="datetimeFigureOut">
               <a:rPr lang="en-US" smtClean="0"/>
               <a:pPr/>
-              <a:t>1/5/2021</a:t>
+              <a:t>2/18/2021</a:t>
             </a:fld>
             <a:endParaRPr lang="en-US" dirty="0"/>
           </a:p>
@@ -1784,7 +1784,7 @@
             <a:fld id="{B61BEF0D-F0BB-DE4B-95CE-6DB70DBA9567}" type="datetimeFigureOut">
               <a:rPr lang="en-US" smtClean="0"/>
               <a:pPr/>
-              <a:t>1/5/2021</a:t>
+              <a:t>2/18/2021</a:t>
             </a:fld>
             <a:endParaRPr lang="en-US" dirty="0"/>
           </a:p>
@@ -2100,7 +2100,7 @@
             <a:fld id="{B61BEF0D-F0BB-DE4B-95CE-6DB70DBA9567}" type="datetimeFigureOut">
               <a:rPr lang="en-US" smtClean="0"/>
               <a:pPr/>
-              <a:t>1/5/2021</a:t>
+              <a:t>2/18/2021</a:t>
             </a:fld>
             <a:endParaRPr lang="en-US" dirty="0"/>
           </a:p>
@@ -2495,7 +2495,7 @@
             <a:fld id="{B61BEF0D-F0BB-DE4B-95CE-6DB70DBA9567}" type="datetimeFigureOut">
               <a:rPr lang="en-US" smtClean="0"/>
               <a:pPr/>
-              <a:t>1/5/2021</a:t>
+              <a:t>2/18/2021</a:t>
             </a:fld>
             <a:endParaRPr lang="en-US" dirty="0"/>
           </a:p>
@@ -2666,7 +2666,7 @@
           <a:p>
             <a:fld id="{55C6B4A9-1611-4792-9094-5F34BCA07E0B}" type="datetimeFigureOut">
               <a:rPr lang="en-US" smtClean="0"/>
-              <a:t>1/5/2021</a:t>
+              <a:t>2/18/2021</a:t>
             </a:fld>
             <a:endParaRPr lang="en-US" dirty="0"/>
           </a:p>
@@ -2847,7 +2847,7 @@
             <a:fld id="{B61BEF0D-F0BB-DE4B-95CE-6DB70DBA9567}" type="datetimeFigureOut">
               <a:rPr lang="en-US" smtClean="0"/>
               <a:pPr/>
-              <a:t>1/5/2021</a:t>
+              <a:t>2/18/2021</a:t>
             </a:fld>
             <a:endParaRPr lang="en-US" dirty="0"/>
           </a:p>
@@ -3019,7 +3019,7 @@
             <a:fld id="{B61BEF0D-F0BB-DE4B-95CE-6DB70DBA9567}" type="datetimeFigureOut">
               <a:rPr lang="en-US" smtClean="0"/>
               <a:pPr/>
-              <a:t>1/5/2021</a:t>
+              <a:t>2/18/2021</a:t>
             </a:fld>
             <a:endParaRPr lang="en-US" dirty="0"/>
           </a:p>
@@ -3297,7 +3297,7 @@
             <a:fld id="{B61BEF0D-F0BB-DE4B-95CE-6DB70DBA9567}" type="datetimeFigureOut">
               <a:rPr lang="en-US" smtClean="0"/>
               <a:pPr/>
-              <a:t>1/5/2021</a:t>
+              <a:t>2/18/2021</a:t>
             </a:fld>
             <a:endParaRPr lang="en-US" dirty="0"/>
           </a:p>
@@ -3530,7 +3530,7 @@
           <a:p>
             <a:fld id="{EB712588-04B1-427B-82EE-E8DB90309F08}" type="datetimeFigureOut">
               <a:rPr lang="en-US" smtClean="0"/>
-              <a:t>1/5/2021</a:t>
+              <a:t>2/18/2021</a:t>
             </a:fld>
             <a:endParaRPr lang="en-US" dirty="0"/>
           </a:p>
@@ -3934,7 +3934,7 @@
             <a:fld id="{B61BEF0D-F0BB-DE4B-95CE-6DB70DBA9567}" type="datetimeFigureOut">
               <a:rPr lang="en-US" smtClean="0"/>
               <a:pPr/>
-              <a:t>1/5/2021</a:t>
+              <a:t>2/18/2021</a:t>
             </a:fld>
             <a:endParaRPr lang="en-US" dirty="0"/>
           </a:p>
@@ -4088,7 +4088,7 @@
             <a:fld id="{B61BEF0D-F0BB-DE4B-95CE-6DB70DBA9567}" type="datetimeFigureOut">
               <a:rPr lang="en-US" smtClean="0"/>
               <a:pPr/>
-              <a:t>1/5/2021</a:t>
+              <a:t>2/18/2021</a:t>
             </a:fld>
             <a:endParaRPr lang="en-US" dirty="0"/>
           </a:p>
@@ -4214,7 +4214,7 @@
             <a:fld id="{B61BEF0D-F0BB-DE4B-95CE-6DB70DBA9567}" type="datetimeFigureOut">
               <a:rPr lang="en-US" smtClean="0"/>
               <a:pPr/>
-              <a:t>1/5/2021</a:t>
+              <a:t>2/18/2021</a:t>
             </a:fld>
             <a:endParaRPr lang="en-US" dirty="0"/>
           </a:p>
@@ -4470,7 +4470,7 @@
           <a:p>
             <a:fld id="{42A54C80-263E-416B-A8E0-580EDEADCBDC}" type="datetimeFigureOut">
               <a:rPr lang="en-US" smtClean="0"/>
-              <a:t>1/5/2021</a:t>
+              <a:t>2/18/2021</a:t>
             </a:fld>
             <a:endParaRPr lang="en-US" dirty="0"/>
           </a:p>
@@ -4777,7 +4777,7 @@
             <a:fld id="{B61BEF0D-F0BB-DE4B-95CE-6DB70DBA9567}" type="datetimeFigureOut">
               <a:rPr lang="en-US" smtClean="0"/>
               <a:pPr/>
-              <a:t>1/5/2021</a:t>
+              <a:t>2/18/2021</a:t>
             </a:fld>
             <a:endParaRPr lang="en-US" dirty="0"/>
           </a:p>
@@ -5480,7 +5480,7 @@
             <a:fld id="{B61BEF0D-F0BB-DE4B-95CE-6DB70DBA9567}" type="datetimeFigureOut">
               <a:rPr lang="en-US" smtClean="0"/>
               <a:pPr/>
-              <a:t>1/5/2021</a:t>
+              <a:t>2/18/2021</a:t>
             </a:fld>
             <a:endParaRPr lang="en-US" dirty="0"/>
           </a:p>
@@ -6415,7 +6415,47 @@
             <a:pPr lvl="1"/>
             <a:r>
               <a:rPr lang="zh-TW" altLang="en-US" dirty="0" smtClean="0"/>
-              <a:t>運算：溫度轉換公式？</a:t>
+              <a:t>運算：溫度轉換公式</a:t>
+            </a:r>
+            <a:r>
+              <a:rPr lang="zh-TW" altLang="en-US" dirty="0" smtClean="0"/>
+              <a:t>？</a:t>
+            </a:r>
+            <a:endParaRPr lang="en-US" altLang="zh-TW" dirty="0" smtClean="0"/>
+          </a:p>
+          <a:p>
+            <a:pPr lvl="2"/>
+            <a:r>
+              <a:rPr lang="en-US" altLang="zh-TW" dirty="0" smtClean="0"/>
+              <a:t>(</a:t>
+            </a:r>
+            <a:r>
+              <a:rPr lang="zh-TW" altLang="en-US" dirty="0" smtClean="0"/>
+              <a:t>華氏溫度 </a:t>
+            </a:r>
+            <a:r>
+              <a:rPr lang="en-US" altLang="zh-TW" dirty="0"/>
+              <a:t>- </a:t>
+            </a:r>
+            <a:r>
+              <a:rPr lang="en-US" altLang="zh-TW" dirty="0" smtClean="0"/>
+              <a:t>32)x5/9</a:t>
+            </a:r>
+            <a:r>
+              <a:rPr lang="zh-TW" altLang="en-US" dirty="0" smtClean="0"/>
+              <a:t>   </a:t>
+            </a:r>
+            <a:r>
+              <a:rPr lang="en-US" altLang="zh-TW" dirty="0" smtClean="0"/>
+              <a:t>(</a:t>
+            </a:r>
+            <a:r>
+              <a:rPr lang="zh-TW" altLang="en-US" dirty="0" smtClean="0"/>
+              <a:t>想想怎麼來的</a:t>
+            </a:r>
+            <a:r>
+              <a:rPr lang="en-US" altLang="zh-TW" dirty="0" smtClean="0"/>
+              <a:t>?)</a:t>
             </a:r>
             <a:endParaRPr lang="en-US" altLang="zh-TW" dirty="0" smtClean="0"/>
           </a:p>

--- a/LCC/Python/02_程式語言基本法.pptx
+++ b/LCC/Python/02_程式語言基本法.pptx
@@ -880,7 +880,7 @@
             <a:fld id="{B61BEF0D-F0BB-DE4B-95CE-6DB70DBA9567}" type="datetimeFigureOut">
               <a:rPr lang="en-US" smtClean="0"/>
               <a:pPr/>
-              <a:t>2/18/2021</a:t>
+              <a:t>2/19/2021</a:t>
             </a:fld>
             <a:endParaRPr lang="en-US" dirty="0"/>
           </a:p>
@@ -1133,7 +1133,7 @@
             <a:fld id="{B61BEF0D-F0BB-DE4B-95CE-6DB70DBA9567}" type="datetimeFigureOut">
               <a:rPr lang="en-US" smtClean="0"/>
               <a:pPr/>
-              <a:t>2/18/2021</a:t>
+              <a:t>2/19/2021</a:t>
             </a:fld>
             <a:endParaRPr lang="en-US" dirty="0"/>
           </a:p>
@@ -1449,7 +1449,7 @@
             <a:fld id="{B61BEF0D-F0BB-DE4B-95CE-6DB70DBA9567}" type="datetimeFigureOut">
               <a:rPr lang="en-US" smtClean="0"/>
               <a:pPr/>
-              <a:t>2/18/2021</a:t>
+              <a:t>2/19/2021</a:t>
             </a:fld>
             <a:endParaRPr lang="en-US" dirty="0"/>
           </a:p>
@@ -1784,7 +1784,7 @@
             <a:fld id="{B61BEF0D-F0BB-DE4B-95CE-6DB70DBA9567}" type="datetimeFigureOut">
               <a:rPr lang="en-US" smtClean="0"/>
               <a:pPr/>
-              <a:t>2/18/2021</a:t>
+              <a:t>2/19/2021</a:t>
             </a:fld>
             <a:endParaRPr lang="en-US" dirty="0"/>
           </a:p>
@@ -2100,7 +2100,7 @@
             <a:fld id="{B61BEF0D-F0BB-DE4B-95CE-6DB70DBA9567}" type="datetimeFigureOut">
               <a:rPr lang="en-US" smtClean="0"/>
               <a:pPr/>
-              <a:t>2/18/2021</a:t>
+              <a:t>2/19/2021</a:t>
             </a:fld>
             <a:endParaRPr lang="en-US" dirty="0"/>
           </a:p>
@@ -2495,7 +2495,7 @@
             <a:fld id="{B61BEF0D-F0BB-DE4B-95CE-6DB70DBA9567}" type="datetimeFigureOut">
               <a:rPr lang="en-US" smtClean="0"/>
               <a:pPr/>
-              <a:t>2/18/2021</a:t>
+              <a:t>2/19/2021</a:t>
             </a:fld>
             <a:endParaRPr lang="en-US" dirty="0"/>
           </a:p>
@@ -2666,7 +2666,7 @@
           <a:p>
             <a:fld id="{55C6B4A9-1611-4792-9094-5F34BCA07E0B}" type="datetimeFigureOut">
               <a:rPr lang="en-US" smtClean="0"/>
-              <a:t>2/18/2021</a:t>
+              <a:t>2/19/2021</a:t>
             </a:fld>
             <a:endParaRPr lang="en-US" dirty="0"/>
           </a:p>
@@ -2847,7 +2847,7 @@
             <a:fld id="{B61BEF0D-F0BB-DE4B-95CE-6DB70DBA9567}" type="datetimeFigureOut">
               <a:rPr lang="en-US" smtClean="0"/>
               <a:pPr/>
-              <a:t>2/18/2021</a:t>
+              <a:t>2/19/2021</a:t>
             </a:fld>
             <a:endParaRPr lang="en-US" dirty="0"/>
           </a:p>
@@ -3019,7 +3019,7 @@
             <a:fld id="{B61BEF0D-F0BB-DE4B-95CE-6DB70DBA9567}" type="datetimeFigureOut">
               <a:rPr lang="en-US" smtClean="0"/>
               <a:pPr/>
-              <a:t>2/18/2021</a:t>
+              <a:t>2/19/2021</a:t>
             </a:fld>
             <a:endParaRPr lang="en-US" dirty="0"/>
           </a:p>
@@ -3297,7 +3297,7 @@
             <a:fld id="{B61BEF0D-F0BB-DE4B-95CE-6DB70DBA9567}" type="datetimeFigureOut">
               <a:rPr lang="en-US" smtClean="0"/>
               <a:pPr/>
-              <a:t>2/18/2021</a:t>
+              <a:t>2/19/2021</a:t>
             </a:fld>
             <a:endParaRPr lang="en-US" dirty="0"/>
           </a:p>
@@ -3530,7 +3530,7 @@
           <a:p>
             <a:fld id="{EB712588-04B1-427B-82EE-E8DB90309F08}" type="datetimeFigureOut">
               <a:rPr lang="en-US" smtClean="0"/>
-              <a:t>2/18/2021</a:t>
+              <a:t>2/19/2021</a:t>
             </a:fld>
             <a:endParaRPr lang="en-US" dirty="0"/>
           </a:p>
@@ -3934,7 +3934,7 @@
             <a:fld id="{B61BEF0D-F0BB-DE4B-95CE-6DB70DBA9567}" type="datetimeFigureOut">
               <a:rPr lang="en-US" smtClean="0"/>
               <a:pPr/>
-              <a:t>2/18/2021</a:t>
+              <a:t>2/19/2021</a:t>
             </a:fld>
             <a:endParaRPr lang="en-US" dirty="0"/>
           </a:p>
@@ -4088,7 +4088,7 @@
             <a:fld id="{B61BEF0D-F0BB-DE4B-95CE-6DB70DBA9567}" type="datetimeFigureOut">
               <a:rPr lang="en-US" smtClean="0"/>
               <a:pPr/>
-              <a:t>2/18/2021</a:t>
+              <a:t>2/19/2021</a:t>
             </a:fld>
             <a:endParaRPr lang="en-US" dirty="0"/>
           </a:p>
@@ -4214,7 +4214,7 @@
             <a:fld id="{B61BEF0D-F0BB-DE4B-95CE-6DB70DBA9567}" type="datetimeFigureOut">
               <a:rPr lang="en-US" smtClean="0"/>
               <a:pPr/>
-              <a:t>2/18/2021</a:t>
+              <a:t>2/19/2021</a:t>
             </a:fld>
             <a:endParaRPr lang="en-US" dirty="0"/>
           </a:p>
@@ -4470,7 +4470,7 @@
           <a:p>
             <a:fld id="{42A54C80-263E-416B-A8E0-580EDEADCBDC}" type="datetimeFigureOut">
               <a:rPr lang="en-US" smtClean="0"/>
-              <a:t>2/18/2021</a:t>
+              <a:t>2/19/2021</a:t>
             </a:fld>
             <a:endParaRPr lang="en-US" dirty="0"/>
           </a:p>
@@ -4777,7 +4777,7 @@
             <a:fld id="{B61BEF0D-F0BB-DE4B-95CE-6DB70DBA9567}" type="datetimeFigureOut">
               <a:rPr lang="en-US" smtClean="0"/>
               <a:pPr/>
-              <a:t>2/18/2021</a:t>
+              <a:t>2/19/2021</a:t>
             </a:fld>
             <a:endParaRPr lang="en-US" dirty="0"/>
           </a:p>
@@ -5480,7 +5480,7 @@
             <a:fld id="{B61BEF0D-F0BB-DE4B-95CE-6DB70DBA9567}" type="datetimeFigureOut">
               <a:rPr lang="en-US" smtClean="0"/>
               <a:pPr/>
-              <a:t>2/18/2021</a:t>
+              <a:t>2/19/2021</a:t>
             </a:fld>
             <a:endParaRPr lang="en-US" dirty="0"/>
           </a:p>
@@ -6154,6 +6154,44 @@
           </a:extLst>
         </p:spPr>
       </p:pic>
+      <p:sp>
+        <p:nvSpPr>
+          <p:cNvPr id="5" name="文字方塊 4"/>
+          <p:cNvSpPr txBox="1"/>
+          <p:nvPr/>
+        </p:nvSpPr>
+        <p:spPr>
+          <a:xfrm>
+            <a:off x="292608" y="6216062"/>
+            <a:ext cx="8468537" cy="369332"/>
+          </a:xfrm>
+          <a:prstGeom prst="rect">
+            <a:avLst/>
+          </a:prstGeom>
+          <a:noFill/>
+        </p:spPr>
+        <p:txBody>
+          <a:bodyPr wrap="none" rtlCol="0">
+            <a:spAutoFit/>
+          </a:bodyPr>
+          <a:lstStyle/>
+          <a:p>
+            <a:r>
+              <a:rPr lang="zh-TW" altLang="en-US" dirty="0" smtClean="0"/>
+              <a:t>投影片下載網址：</a:t>
+            </a:r>
+            <a:r>
+              <a:rPr lang="en-US" altLang="zh-TW" dirty="0" smtClean="0"/>
+              <a:t>https</a:t>
+            </a:r>
+            <a:r>
+              <a:rPr lang="en-US" altLang="zh-TW" dirty="0"/>
+              <a:t>://github.com/liulawsi/My_PPTs/tree/main/LCC/Python</a:t>
+            </a:r>
+            <a:endParaRPr lang="zh-TW" altLang="en-US" dirty="0"/>
+          </a:p>
+        </p:txBody>
+      </p:sp>
     </p:spTree>
     <p:extLst>
       <p:ext uri="{BB962C8B-B14F-4D97-AF65-F5344CB8AC3E}">
@@ -6415,11 +6453,7 @@
             <a:pPr lvl="1"/>
             <a:r>
               <a:rPr lang="zh-TW" altLang="en-US" dirty="0" smtClean="0"/>
-              <a:t>運算：溫度轉換公式</a:t>
-            </a:r>
-            <a:r>
-              <a:rPr lang="zh-TW" altLang="en-US" dirty="0" smtClean="0"/>
-              <a:t>？</a:t>
+              <a:t>運算：溫度轉換公式？</a:t>
             </a:r>
             <a:endParaRPr lang="en-US" altLang="zh-TW" dirty="0" smtClean="0"/>
           </a:p>
@@ -6457,7 +6491,6 @@
               <a:rPr lang="en-US" altLang="zh-TW" dirty="0" smtClean="0"/>
               <a:t>?)</a:t>
             </a:r>
-            <a:endParaRPr lang="en-US" altLang="zh-TW" dirty="0" smtClean="0"/>
           </a:p>
           <a:p>
             <a:pPr lvl="1"/>

--- a/LCC/Python/02_程式語言基本法.pptx
+++ b/LCC/Python/02_程式語言基本法.pptx
@@ -16,7 +16,10 @@
     <p:sldId id="265" r:id="rId10"/>
     <p:sldId id="266" r:id="rId11"/>
     <p:sldId id="268" r:id="rId12"/>
-    <p:sldId id="269" r:id="rId13"/>
+    <p:sldId id="272" r:id="rId13"/>
+    <p:sldId id="269" r:id="rId14"/>
+    <p:sldId id="271" r:id="rId15"/>
+    <p:sldId id="270" r:id="rId16"/>
   </p:sldIdLst>
   <p:sldSz cx="12192000" cy="6858000"/>
   <p:notesSz cx="6858000" cy="9144000"/>
@@ -880,7 +883,7 @@
             <a:fld id="{B61BEF0D-F0BB-DE4B-95CE-6DB70DBA9567}" type="datetimeFigureOut">
               <a:rPr lang="en-US" smtClean="0"/>
               <a:pPr/>
-              <a:t>2/19/2021</a:t>
+              <a:t>2/22/2021</a:t>
             </a:fld>
             <a:endParaRPr lang="en-US" dirty="0"/>
           </a:p>
@@ -1133,7 +1136,7 @@
             <a:fld id="{B61BEF0D-F0BB-DE4B-95CE-6DB70DBA9567}" type="datetimeFigureOut">
               <a:rPr lang="en-US" smtClean="0"/>
               <a:pPr/>
-              <a:t>2/19/2021</a:t>
+              <a:t>2/22/2021</a:t>
             </a:fld>
             <a:endParaRPr lang="en-US" dirty="0"/>
           </a:p>
@@ -1449,7 +1452,7 @@
             <a:fld id="{B61BEF0D-F0BB-DE4B-95CE-6DB70DBA9567}" type="datetimeFigureOut">
               <a:rPr lang="en-US" smtClean="0"/>
               <a:pPr/>
-              <a:t>2/19/2021</a:t>
+              <a:t>2/22/2021</a:t>
             </a:fld>
             <a:endParaRPr lang="en-US" dirty="0"/>
           </a:p>
@@ -1784,7 +1787,7 @@
             <a:fld id="{B61BEF0D-F0BB-DE4B-95CE-6DB70DBA9567}" type="datetimeFigureOut">
               <a:rPr lang="en-US" smtClean="0"/>
               <a:pPr/>
-              <a:t>2/19/2021</a:t>
+              <a:t>2/22/2021</a:t>
             </a:fld>
             <a:endParaRPr lang="en-US" dirty="0"/>
           </a:p>
@@ -2100,7 +2103,7 @@
             <a:fld id="{B61BEF0D-F0BB-DE4B-95CE-6DB70DBA9567}" type="datetimeFigureOut">
               <a:rPr lang="en-US" smtClean="0"/>
               <a:pPr/>
-              <a:t>2/19/2021</a:t>
+              <a:t>2/22/2021</a:t>
             </a:fld>
             <a:endParaRPr lang="en-US" dirty="0"/>
           </a:p>
@@ -2495,7 +2498,7 @@
             <a:fld id="{B61BEF0D-F0BB-DE4B-95CE-6DB70DBA9567}" type="datetimeFigureOut">
               <a:rPr lang="en-US" smtClean="0"/>
               <a:pPr/>
-              <a:t>2/19/2021</a:t>
+              <a:t>2/22/2021</a:t>
             </a:fld>
             <a:endParaRPr lang="en-US" dirty="0"/>
           </a:p>
@@ -2666,7 +2669,7 @@
           <a:p>
             <a:fld id="{55C6B4A9-1611-4792-9094-5F34BCA07E0B}" type="datetimeFigureOut">
               <a:rPr lang="en-US" smtClean="0"/>
-              <a:t>2/19/2021</a:t>
+              <a:t>2/22/2021</a:t>
             </a:fld>
             <a:endParaRPr lang="en-US" dirty="0"/>
           </a:p>
@@ -2847,7 +2850,7 @@
             <a:fld id="{B61BEF0D-F0BB-DE4B-95CE-6DB70DBA9567}" type="datetimeFigureOut">
               <a:rPr lang="en-US" smtClean="0"/>
               <a:pPr/>
-              <a:t>2/19/2021</a:t>
+              <a:t>2/22/2021</a:t>
             </a:fld>
             <a:endParaRPr lang="en-US" dirty="0"/>
           </a:p>
@@ -3019,7 +3022,7 @@
             <a:fld id="{B61BEF0D-F0BB-DE4B-95CE-6DB70DBA9567}" type="datetimeFigureOut">
               <a:rPr lang="en-US" smtClean="0"/>
               <a:pPr/>
-              <a:t>2/19/2021</a:t>
+              <a:t>2/22/2021</a:t>
             </a:fld>
             <a:endParaRPr lang="en-US" dirty="0"/>
           </a:p>
@@ -3297,7 +3300,7 @@
             <a:fld id="{B61BEF0D-F0BB-DE4B-95CE-6DB70DBA9567}" type="datetimeFigureOut">
               <a:rPr lang="en-US" smtClean="0"/>
               <a:pPr/>
-              <a:t>2/19/2021</a:t>
+              <a:t>2/22/2021</a:t>
             </a:fld>
             <a:endParaRPr lang="en-US" dirty="0"/>
           </a:p>
@@ -3530,7 +3533,7 @@
           <a:p>
             <a:fld id="{EB712588-04B1-427B-82EE-E8DB90309F08}" type="datetimeFigureOut">
               <a:rPr lang="en-US" smtClean="0"/>
-              <a:t>2/19/2021</a:t>
+              <a:t>2/22/2021</a:t>
             </a:fld>
             <a:endParaRPr lang="en-US" dirty="0"/>
           </a:p>
@@ -3934,7 +3937,7 @@
             <a:fld id="{B61BEF0D-F0BB-DE4B-95CE-6DB70DBA9567}" type="datetimeFigureOut">
               <a:rPr lang="en-US" smtClean="0"/>
               <a:pPr/>
-              <a:t>2/19/2021</a:t>
+              <a:t>2/22/2021</a:t>
             </a:fld>
             <a:endParaRPr lang="en-US" dirty="0"/>
           </a:p>
@@ -4088,7 +4091,7 @@
             <a:fld id="{B61BEF0D-F0BB-DE4B-95CE-6DB70DBA9567}" type="datetimeFigureOut">
               <a:rPr lang="en-US" smtClean="0"/>
               <a:pPr/>
-              <a:t>2/19/2021</a:t>
+              <a:t>2/22/2021</a:t>
             </a:fld>
             <a:endParaRPr lang="en-US" dirty="0"/>
           </a:p>
@@ -4214,7 +4217,7 @@
             <a:fld id="{B61BEF0D-F0BB-DE4B-95CE-6DB70DBA9567}" type="datetimeFigureOut">
               <a:rPr lang="en-US" smtClean="0"/>
               <a:pPr/>
-              <a:t>2/19/2021</a:t>
+              <a:t>2/22/2021</a:t>
             </a:fld>
             <a:endParaRPr lang="en-US" dirty="0"/>
           </a:p>
@@ -4470,7 +4473,7 @@
           <a:p>
             <a:fld id="{42A54C80-263E-416B-A8E0-580EDEADCBDC}" type="datetimeFigureOut">
               <a:rPr lang="en-US" smtClean="0"/>
-              <a:t>2/19/2021</a:t>
+              <a:t>2/22/2021</a:t>
             </a:fld>
             <a:endParaRPr lang="en-US" dirty="0"/>
           </a:p>
@@ -4777,7 +4780,7 @@
             <a:fld id="{B61BEF0D-F0BB-DE4B-95CE-6DB70DBA9567}" type="datetimeFigureOut">
               <a:rPr lang="en-US" smtClean="0"/>
               <a:pPr/>
-              <a:t>2/19/2021</a:t>
+              <a:t>2/22/2021</a:t>
             </a:fld>
             <a:endParaRPr lang="en-US" dirty="0"/>
           </a:p>
@@ -5480,7 +5483,7 @@
             <a:fld id="{B61BEF0D-F0BB-DE4B-95CE-6DB70DBA9567}" type="datetimeFigureOut">
               <a:rPr lang="en-US" smtClean="0"/>
               <a:pPr/>
-              <a:t>2/19/2021</a:t>
+              <a:t>2/22/2021</a:t>
             </a:fld>
             <a:endParaRPr lang="en-US" dirty="0"/>
           </a:p>
@@ -6394,131 +6397,235 @@
           </a:p>
         </p:txBody>
       </p:sp>
-      <p:sp>
-        <p:nvSpPr>
-          <p:cNvPr id="3" name="內容版面配置區 2"/>
-          <p:cNvSpPr>
-            <a:spLocks noGrp="1"/>
-          </p:cNvSpPr>
-          <p:nvPr>
-            <p:ph idx="1"/>
-          </p:nvPr>
-        </p:nvSpPr>
-        <p:spPr/>
-        <p:txBody>
-          <a:bodyPr/>
-          <a:lstStyle/>
-          <a:p>
-            <a:r>
-              <a:rPr lang="zh-TW" altLang="en-US" dirty="0"/>
-              <a:t>請設計一個程式，讓我可以</a:t>
-            </a:r>
-            <a:r>
-              <a:rPr lang="zh-TW" altLang="en-US" dirty="0" smtClean="0"/>
-              <a:t>輸入華氏溫度，</a:t>
-            </a:r>
-            <a:r>
-              <a:rPr lang="zh-TW" altLang="en-US" dirty="0"/>
-              <a:t>然後</a:t>
-            </a:r>
-            <a:r>
-              <a:rPr lang="zh-TW" altLang="en-US" dirty="0" smtClean="0"/>
-              <a:t>顯示相對的攝氏溫度</a:t>
-            </a:r>
-            <a:endParaRPr lang="en-US" altLang="zh-TW" dirty="0" smtClean="0"/>
-          </a:p>
-          <a:p>
-            <a:r>
-              <a:rPr lang="zh-TW" altLang="en-US" dirty="0" smtClean="0"/>
-              <a:t>考慮</a:t>
-            </a:r>
-            <a:r>
-              <a:rPr lang="zh-TW" altLang="en-US" dirty="0"/>
-              <a:t>重點：</a:t>
-            </a:r>
-          </a:p>
-          <a:p>
-            <a:pPr lvl="1"/>
-            <a:r>
-              <a:rPr lang="zh-TW" altLang="en-US" dirty="0"/>
-              <a:t>輸入：</a:t>
-            </a:r>
-            <a:r>
-              <a:rPr lang="zh-TW" altLang="en-US" dirty="0" smtClean="0"/>
-              <a:t>華氏溫度</a:t>
-            </a:r>
-            <a:endParaRPr lang="en-US" altLang="zh-TW" dirty="0" smtClean="0"/>
-          </a:p>
-          <a:p>
-            <a:pPr lvl="1"/>
-            <a:r>
-              <a:rPr lang="zh-TW" altLang="en-US" dirty="0" smtClean="0"/>
-              <a:t>運算：溫度轉換公式？</a:t>
-            </a:r>
-            <a:endParaRPr lang="en-US" altLang="zh-TW" dirty="0" smtClean="0"/>
-          </a:p>
-          <a:p>
-            <a:pPr lvl="2"/>
-            <a:r>
-              <a:rPr lang="en-US" altLang="zh-TW" dirty="0" smtClean="0"/>
-              <a:t>(</a:t>
-            </a:r>
-            <a:r>
-              <a:rPr lang="zh-TW" altLang="en-US" dirty="0" smtClean="0"/>
-              <a:t>華氏溫度 </a:t>
-            </a:r>
-            <a:r>
-              <a:rPr lang="en-US" altLang="zh-TW" dirty="0"/>
-              <a:t>- </a:t>
-            </a:r>
-            <a:r>
-              <a:rPr lang="en-US" altLang="zh-TW" dirty="0" smtClean="0"/>
-              <a:t>32)x5/9</a:t>
-            </a:r>
-            <a:r>
-              <a:rPr lang="zh-TW" altLang="en-US" dirty="0" smtClean="0"/>
-              <a:t>   </a:t>
-            </a:r>
-            <a:r>
-              <a:rPr lang="en-US" altLang="zh-TW" dirty="0" smtClean="0"/>
-              <a:t>(</a:t>
-            </a:r>
-            <a:r>
-              <a:rPr lang="zh-TW" altLang="en-US" dirty="0" smtClean="0"/>
-              <a:t>想想怎麼來的</a:t>
-            </a:r>
-            <a:r>
-              <a:rPr lang="en-US" altLang="zh-TW" dirty="0" smtClean="0"/>
-              <a:t>?)</a:t>
-            </a:r>
-          </a:p>
-          <a:p>
-            <a:pPr lvl="1"/>
-            <a:r>
-              <a:rPr lang="zh-TW" altLang="en-US" dirty="0" smtClean="0"/>
-              <a:t>輸出：攝氏</a:t>
-            </a:r>
-            <a:r>
-              <a:rPr lang="zh-TW" altLang="en-US" dirty="0"/>
-              <a:t>溫度</a:t>
-            </a:r>
-            <a:endParaRPr lang="en-US" altLang="zh-TW" dirty="0"/>
-          </a:p>
-          <a:p>
-            <a:r>
-              <a:rPr lang="zh-TW" altLang="en-US" dirty="0" smtClean="0"/>
-              <a:t>變數</a:t>
-            </a:r>
-            <a:r>
-              <a:rPr lang="zh-TW" altLang="en-US" dirty="0"/>
-              <a:t>宣告：需要幾個？叫甚麼名字？</a:t>
-            </a:r>
-          </a:p>
-          <a:p>
-            <a:endParaRPr lang="zh-TW" altLang="en-US" dirty="0"/>
-          </a:p>
-        </p:txBody>
-      </p:sp>
+      <mc:AlternateContent xmlns:mc="http://schemas.openxmlformats.org/markup-compatibility/2006">
+        <mc:Choice xmlns:a14="http://schemas.microsoft.com/office/drawing/2010/main" Requires="a14">
+          <p:sp>
+            <p:nvSpPr>
+              <p:cNvPr id="3" name="內容版面配置區 2"/>
+              <p:cNvSpPr>
+                <a:spLocks noGrp="1"/>
+              </p:cNvSpPr>
+              <p:nvPr>
+                <p:ph idx="1"/>
+              </p:nvPr>
+            </p:nvSpPr>
+            <p:spPr/>
+            <p:txBody>
+              <a:bodyPr/>
+              <a:lstStyle/>
+              <a:p>
+                <a:r>
+                  <a:rPr lang="zh-TW" altLang="en-US" dirty="0" smtClean="0"/>
+                  <a:t>請設計一個程式，讓我可以</a:t>
+                </a:r>
+                <a:r>
+                  <a:rPr lang="zh-TW" altLang="en-US" dirty="0" smtClean="0"/>
+                  <a:t>輸入華氏溫度，</a:t>
+                </a:r>
+                <a:r>
+                  <a:rPr lang="zh-TW" altLang="en-US" dirty="0"/>
+                  <a:t>然後</a:t>
+                </a:r>
+                <a:r>
+                  <a:rPr lang="zh-TW" altLang="en-US" dirty="0" smtClean="0"/>
+                  <a:t>顯示相對的攝氏溫度</a:t>
+                </a:r>
+                <a:endParaRPr lang="en-US" altLang="zh-TW" dirty="0" smtClean="0"/>
+              </a:p>
+              <a:p>
+                <a:r>
+                  <a:rPr lang="zh-TW" altLang="en-US" dirty="0" smtClean="0"/>
+                  <a:t>考慮</a:t>
+                </a:r>
+                <a:r>
+                  <a:rPr lang="zh-TW" altLang="en-US" dirty="0"/>
+                  <a:t>重點：</a:t>
+                </a:r>
+              </a:p>
+              <a:p>
+                <a:pPr lvl="1"/>
+                <a:r>
+                  <a:rPr lang="zh-TW" altLang="en-US" dirty="0"/>
+                  <a:t>輸入：</a:t>
+                </a:r>
+                <a:r>
+                  <a:rPr lang="zh-TW" altLang="en-US" dirty="0" smtClean="0"/>
+                  <a:t>華氏溫度</a:t>
+                </a:r>
+                <a:endParaRPr lang="en-US" altLang="zh-TW" dirty="0" smtClean="0"/>
+              </a:p>
+              <a:p>
+                <a:pPr lvl="1"/>
+                <a:r>
+                  <a:rPr lang="zh-TW" altLang="en-US" dirty="0" smtClean="0"/>
+                  <a:t>運算：溫度轉換公式？</a:t>
+                </a:r>
+                <a:endParaRPr lang="en-US" altLang="zh-TW" dirty="0" smtClean="0"/>
+              </a:p>
+              <a:p>
+                <a:pPr lvl="2"/>
+                <a:r>
+                  <a:rPr lang="zh-TW" altLang="en-US" dirty="0" smtClean="0">
+                    <a:ea typeface="Cambria Math" panose="02040503050406030204" pitchFamily="18" charset="0"/>
+                  </a:rPr>
+                  <a:t>攝氏溫度</a:t>
+                </a:r>
+                <a14:m>
+                  <m:oMath xmlns:m="http://schemas.openxmlformats.org/officeDocument/2006/math">
+                    <m:r>
+                      <a:rPr lang="en-US" altLang="zh-TW" i="1" dirty="0">
+                        <a:latin typeface="Cambria Math" panose="02040503050406030204" pitchFamily="18" charset="0"/>
+                        <a:ea typeface="Cambria Math" panose="02040503050406030204" pitchFamily="18" charset="0"/>
+                      </a:rPr>
+                      <m:t>=</m:t>
+                    </m:r>
+                    <m:r>
+                      <a:rPr lang="en-US" altLang="zh-TW" i="1" dirty="0">
+                        <a:latin typeface="Cambria Math" panose="02040503050406030204" pitchFamily="18" charset="0"/>
+                        <a:ea typeface="Cambria Math" panose="02040503050406030204" pitchFamily="18" charset="0"/>
+                      </a:rPr>
+                      <m:t>(</m:t>
+                    </m:r>
+                    <m:r>
+                      <m:rPr>
+                        <m:nor/>
+                      </m:rPr>
+                      <a:rPr lang="zh-TW" altLang="en-US" dirty="0"/>
+                      <m:t>華氏溫度 </m:t>
+                    </m:r>
+                    <m:r>
+                      <m:rPr>
+                        <m:nor/>
+                      </m:rPr>
+                      <a:rPr lang="en-US" altLang="zh-TW" dirty="0"/>
+                      <m:t>- </m:t>
+                    </m:r>
+                    <m:r>
+                      <m:rPr>
+                        <m:nor/>
+                      </m:rPr>
+                      <a:rPr lang="en-US" altLang="zh-TW" dirty="0"/>
+                      <m:t>32)</m:t>
+                    </m:r>
+                    <m:r>
+                      <a:rPr lang="en-US" altLang="zh-TW" i="1" smtClean="0">
+                        <a:latin typeface="Cambria Math" panose="02040503050406030204" pitchFamily="18" charset="0"/>
+                        <a:ea typeface="Cambria Math" panose="02040503050406030204" pitchFamily="18" charset="0"/>
+                      </a:rPr>
+                      <m:t>×</m:t>
+                    </m:r>
+                    <m:f>
+                      <m:fPr>
+                        <m:ctrlPr>
+                          <a:rPr lang="en-US" altLang="zh-TW" i="1" smtClean="0">
+                            <a:latin typeface="Cambria Math" panose="02040503050406030204" pitchFamily="18" charset="0"/>
+                            <a:ea typeface="Cambria Math" panose="02040503050406030204" pitchFamily="18" charset="0"/>
+                          </a:rPr>
+                        </m:ctrlPr>
+                      </m:fPr>
+                      <m:num>
+                        <m:r>
+                          <a:rPr lang="en-US" altLang="zh-TW" b="0" i="1" smtClean="0">
+                            <a:latin typeface="Cambria Math" panose="02040503050406030204" pitchFamily="18" charset="0"/>
+                            <a:ea typeface="Cambria Math" panose="02040503050406030204" pitchFamily="18" charset="0"/>
+                          </a:rPr>
+                          <m:t>5</m:t>
+                        </m:r>
+                      </m:num>
+                      <m:den>
+                        <m:r>
+                          <a:rPr lang="en-US" altLang="zh-TW" b="0" i="1" smtClean="0">
+                            <a:latin typeface="Cambria Math" panose="02040503050406030204" pitchFamily="18" charset="0"/>
+                            <a:ea typeface="Cambria Math" panose="02040503050406030204" pitchFamily="18" charset="0"/>
+                          </a:rPr>
+                          <m:t>9</m:t>
+                        </m:r>
+                      </m:den>
+                    </m:f>
+                  </m:oMath>
+                </a14:m>
+                <a:r>
+                  <a:rPr lang="en-US" altLang="zh-TW" i="1" dirty="0" smtClean="0">
+                    <a:latin typeface="Cambria Math" panose="02040503050406030204" pitchFamily="18" charset="0"/>
+                    <a:ea typeface="Cambria Math" panose="02040503050406030204" pitchFamily="18" charset="0"/>
+                  </a:rPr>
+                  <a:t> </a:t>
+                </a:r>
+                <a:r>
+                  <a:rPr lang="en-US" altLang="zh-TW" dirty="0" smtClean="0"/>
+                  <a:t>(</a:t>
+                </a:r>
+                <a:r>
+                  <a:rPr lang="zh-TW" altLang="en-US" dirty="0" smtClean="0"/>
+                  <a:t>想想怎麼來的</a:t>
+                </a:r>
+                <a:r>
+                  <a:rPr lang="en-US" altLang="zh-TW" dirty="0" smtClean="0"/>
+                  <a:t>?)</a:t>
+                </a:r>
+              </a:p>
+              <a:p>
+                <a:pPr lvl="1"/>
+                <a:r>
+                  <a:rPr lang="zh-TW" altLang="en-US" dirty="0" smtClean="0"/>
+                  <a:t>輸出：攝氏</a:t>
+                </a:r>
+                <a:r>
+                  <a:rPr lang="zh-TW" altLang="en-US" dirty="0"/>
+                  <a:t>溫度</a:t>
+                </a:r>
+                <a:endParaRPr lang="en-US" altLang="zh-TW" dirty="0"/>
+              </a:p>
+              <a:p>
+                <a:r>
+                  <a:rPr lang="zh-TW" altLang="en-US" dirty="0" smtClean="0"/>
+                  <a:t>變數</a:t>
+                </a:r>
+                <a:r>
+                  <a:rPr lang="zh-TW" altLang="en-US" dirty="0"/>
+                  <a:t>宣告：需要幾個？叫甚麼名字？</a:t>
+                </a:r>
+              </a:p>
+              <a:p>
+                <a:endParaRPr lang="zh-TW" altLang="en-US" dirty="0"/>
+              </a:p>
+            </p:txBody>
+          </p:sp>
+        </mc:Choice>
+        <mc:Fallback>
+          <p:sp>
+            <p:nvSpPr>
+              <p:cNvPr id="3" name="內容版面配置區 2"/>
+              <p:cNvSpPr>
+                <a:spLocks noGrp="1" noRot="1" noChangeAspect="1" noMove="1" noResize="1" noEditPoints="1" noAdjustHandles="1" noChangeArrowheads="1" noChangeShapeType="1" noTextEdit="1"/>
+              </p:cNvSpPr>
+              <p:nvPr>
+                <p:ph idx="1"/>
+              </p:nvPr>
+            </p:nvSpPr>
+            <p:spPr>
+              <a:blipFill>
+                <a:blip r:embed="rId2"/>
+                <a:stretch>
+                  <a:fillRect l="-142" t="-785"/>
+                </a:stretch>
+              </a:blipFill>
+            </p:spPr>
+            <p:txBody>
+              <a:bodyPr/>
+              <a:lstStyle/>
+              <a:p>
+                <a:r>
+                  <a:rPr lang="zh-TW" altLang="en-US">
+                    <a:noFill/>
+                  </a:rPr>
+                  <a:t> </a:t>
+                </a:r>
+              </a:p>
+            </p:txBody>
+          </p:sp>
+        </mc:Fallback>
+      </mc:AlternateContent>
       <p:grpSp>
         <p:nvGrpSpPr>
           <p:cNvPr id="4" name="群組 3"/>
@@ -6891,6 +6998,3188 @@
           <a:chExt cx="0" cy="0"/>
         </a:xfrm>
       </p:grpSpPr>
+      <p:graphicFrame>
+        <p:nvGraphicFramePr>
+          <p:cNvPr id="28" name="表格 27"/>
+          <p:cNvGraphicFramePr>
+            <a:graphicFrameLocks noGrp="1"/>
+          </p:cNvGraphicFramePr>
+          <p:nvPr>
+            <p:extLst>
+              <p:ext uri="{D42A27DB-BD31-4B8C-83A1-F6EECF244321}">
+                <p14:modId xmlns:p14="http://schemas.microsoft.com/office/powerpoint/2010/main" val="3141979097"/>
+              </p:ext>
+            </p:extLst>
+          </p:nvPr>
+        </p:nvGraphicFramePr>
+        <p:xfrm>
+          <a:off x="5321050" y="2298195"/>
+          <a:ext cx="391160" cy="3176020"/>
+        </p:xfrm>
+        <a:graphic>
+          <a:graphicData uri="http://schemas.openxmlformats.org/drawingml/2006/table">
+            <a:tbl>
+              <a:tblPr firstRow="1" bandRow="1">
+                <a:tableStyleId>{5C22544A-7EE6-4342-B048-85BDC9FD1C3A}</a:tableStyleId>
+              </a:tblPr>
+              <a:tblGrid>
+                <a:gridCol w="391160">
+                  <a:extLst>
+                    <a:ext uri="{9D8B030D-6E8A-4147-A177-3AD203B41FA5}">
+                      <a16:colId xmlns:a16="http://schemas.microsoft.com/office/drawing/2014/main" val="690862659"/>
+                    </a:ext>
+                  </a:extLst>
+                </a:gridCol>
+              </a:tblGrid>
+              <a:tr h="317602">
+                <a:tc>
+                  <a:txBody>
+                    <a:bodyPr/>
+                    <a:lstStyle/>
+                    <a:p>
+                      <a:endParaRPr lang="zh-TW" altLang="en-US" sz="600" dirty="0"/>
+                    </a:p>
+                  </a:txBody>
+                  <a:tcPr>
+                    <a:lnL w="12700" cap="flat" cmpd="sng" algn="ctr">
+                      <a:noFill/>
+                      <a:prstDash val="solid"/>
+                      <a:round/>
+                      <a:headEnd type="none" w="med" len="med"/>
+                      <a:tailEnd type="none" w="med" len="med"/>
+                    </a:lnL>
+                    <a:lnR w="12700" cap="flat" cmpd="sng" algn="ctr">
+                      <a:noFill/>
+                      <a:prstDash val="solid"/>
+                      <a:round/>
+                      <a:headEnd type="none" w="med" len="med"/>
+                      <a:tailEnd type="none" w="med" len="med"/>
+                    </a:lnR>
+                    <a:lnT w="12700" cap="flat" cmpd="sng" algn="ctr">
+                      <a:solidFill>
+                        <a:srgbClr val="FF0000"/>
+                      </a:solidFill>
+                      <a:prstDash val="solid"/>
+                      <a:round/>
+                      <a:headEnd type="none" w="med" len="med"/>
+                      <a:tailEnd type="none" w="med" len="med"/>
+                    </a:lnT>
+                    <a:lnB w="12700" cap="flat" cmpd="sng" algn="ctr">
+                      <a:solidFill>
+                        <a:srgbClr val="FF0000"/>
+                      </a:solidFill>
+                      <a:prstDash val="solid"/>
+                      <a:round/>
+                      <a:headEnd type="none" w="med" len="med"/>
+                      <a:tailEnd type="none" w="med" len="med"/>
+                    </a:lnB>
+                    <a:solidFill>
+                      <a:schemeClr val="bg1"/>
+                    </a:solidFill>
+                  </a:tcPr>
+                </a:tc>
+                <a:extLst>
+                  <a:ext uri="{0D108BD9-81ED-4DB2-BD59-A6C34878D82A}">
+                    <a16:rowId xmlns:a16="http://schemas.microsoft.com/office/drawing/2014/main" val="1912614425"/>
+                  </a:ext>
+                </a:extLst>
+              </a:tr>
+              <a:tr h="317602">
+                <a:tc>
+                  <a:txBody>
+                    <a:bodyPr/>
+                    <a:lstStyle/>
+                    <a:p>
+                      <a:endParaRPr lang="zh-TW" altLang="en-US" sz="600"/>
+                    </a:p>
+                  </a:txBody>
+                  <a:tcPr>
+                    <a:lnL w="12700" cap="flat" cmpd="sng" algn="ctr">
+                      <a:noFill/>
+                      <a:prstDash val="solid"/>
+                      <a:round/>
+                      <a:headEnd type="none" w="med" len="med"/>
+                      <a:tailEnd type="none" w="med" len="med"/>
+                    </a:lnL>
+                    <a:lnR w="12700" cap="flat" cmpd="sng" algn="ctr">
+                      <a:noFill/>
+                      <a:prstDash val="solid"/>
+                      <a:round/>
+                      <a:headEnd type="none" w="med" len="med"/>
+                      <a:tailEnd type="none" w="med" len="med"/>
+                    </a:lnR>
+                    <a:lnT w="12700" cap="flat" cmpd="sng" algn="ctr">
+                      <a:solidFill>
+                        <a:srgbClr val="FF0000"/>
+                      </a:solidFill>
+                      <a:prstDash val="solid"/>
+                      <a:round/>
+                      <a:headEnd type="none" w="med" len="med"/>
+                      <a:tailEnd type="none" w="med" len="med"/>
+                    </a:lnT>
+                    <a:lnB w="12700" cap="flat" cmpd="sng" algn="ctr">
+                      <a:solidFill>
+                        <a:srgbClr val="FF0000"/>
+                      </a:solidFill>
+                      <a:prstDash val="solid"/>
+                      <a:round/>
+                      <a:headEnd type="none" w="med" len="med"/>
+                      <a:tailEnd type="none" w="med" len="med"/>
+                    </a:lnB>
+                    <a:solidFill>
+                      <a:schemeClr val="bg1"/>
+                    </a:solidFill>
+                  </a:tcPr>
+                </a:tc>
+                <a:extLst>
+                  <a:ext uri="{0D108BD9-81ED-4DB2-BD59-A6C34878D82A}">
+                    <a16:rowId xmlns:a16="http://schemas.microsoft.com/office/drawing/2014/main" val="2970923743"/>
+                  </a:ext>
+                </a:extLst>
+              </a:tr>
+              <a:tr h="317602">
+                <a:tc>
+                  <a:txBody>
+                    <a:bodyPr/>
+                    <a:lstStyle/>
+                    <a:p>
+                      <a:endParaRPr lang="zh-TW" altLang="en-US" sz="600" dirty="0"/>
+                    </a:p>
+                  </a:txBody>
+                  <a:tcPr>
+                    <a:lnL w="12700" cap="flat" cmpd="sng" algn="ctr">
+                      <a:noFill/>
+                      <a:prstDash val="solid"/>
+                      <a:round/>
+                      <a:headEnd type="none" w="med" len="med"/>
+                      <a:tailEnd type="none" w="med" len="med"/>
+                    </a:lnL>
+                    <a:lnR w="12700" cap="flat" cmpd="sng" algn="ctr">
+                      <a:noFill/>
+                      <a:prstDash val="solid"/>
+                      <a:round/>
+                      <a:headEnd type="none" w="med" len="med"/>
+                      <a:tailEnd type="none" w="med" len="med"/>
+                    </a:lnR>
+                    <a:lnT w="12700" cap="flat" cmpd="sng" algn="ctr">
+                      <a:solidFill>
+                        <a:srgbClr val="FF0000"/>
+                      </a:solidFill>
+                      <a:prstDash val="solid"/>
+                      <a:round/>
+                      <a:headEnd type="none" w="med" len="med"/>
+                      <a:tailEnd type="none" w="med" len="med"/>
+                    </a:lnT>
+                    <a:lnB w="12700" cap="flat" cmpd="sng" algn="ctr">
+                      <a:solidFill>
+                        <a:srgbClr val="FF0000"/>
+                      </a:solidFill>
+                      <a:prstDash val="solid"/>
+                      <a:round/>
+                      <a:headEnd type="none" w="med" len="med"/>
+                      <a:tailEnd type="none" w="med" len="med"/>
+                    </a:lnB>
+                    <a:solidFill>
+                      <a:schemeClr val="bg1"/>
+                    </a:solidFill>
+                  </a:tcPr>
+                </a:tc>
+                <a:extLst>
+                  <a:ext uri="{0D108BD9-81ED-4DB2-BD59-A6C34878D82A}">
+                    <a16:rowId xmlns:a16="http://schemas.microsoft.com/office/drawing/2014/main" val="530438703"/>
+                  </a:ext>
+                </a:extLst>
+              </a:tr>
+              <a:tr h="317602">
+                <a:tc>
+                  <a:txBody>
+                    <a:bodyPr/>
+                    <a:lstStyle/>
+                    <a:p>
+                      <a:endParaRPr lang="zh-TW" altLang="en-US" sz="600"/>
+                    </a:p>
+                  </a:txBody>
+                  <a:tcPr>
+                    <a:lnL w="12700" cap="flat" cmpd="sng" algn="ctr">
+                      <a:noFill/>
+                      <a:prstDash val="solid"/>
+                      <a:round/>
+                      <a:headEnd type="none" w="med" len="med"/>
+                      <a:tailEnd type="none" w="med" len="med"/>
+                    </a:lnL>
+                    <a:lnR w="12700" cap="flat" cmpd="sng" algn="ctr">
+                      <a:noFill/>
+                      <a:prstDash val="solid"/>
+                      <a:round/>
+                      <a:headEnd type="none" w="med" len="med"/>
+                      <a:tailEnd type="none" w="med" len="med"/>
+                    </a:lnR>
+                    <a:lnT w="12700" cap="flat" cmpd="sng" algn="ctr">
+                      <a:solidFill>
+                        <a:srgbClr val="FF0000"/>
+                      </a:solidFill>
+                      <a:prstDash val="solid"/>
+                      <a:round/>
+                      <a:headEnd type="none" w="med" len="med"/>
+                      <a:tailEnd type="none" w="med" len="med"/>
+                    </a:lnT>
+                    <a:lnB w="12700" cap="flat" cmpd="sng" algn="ctr">
+                      <a:solidFill>
+                        <a:srgbClr val="FF0000"/>
+                      </a:solidFill>
+                      <a:prstDash val="solid"/>
+                      <a:round/>
+                      <a:headEnd type="none" w="med" len="med"/>
+                      <a:tailEnd type="none" w="med" len="med"/>
+                    </a:lnB>
+                    <a:solidFill>
+                      <a:schemeClr val="bg1"/>
+                    </a:solidFill>
+                  </a:tcPr>
+                </a:tc>
+                <a:extLst>
+                  <a:ext uri="{0D108BD9-81ED-4DB2-BD59-A6C34878D82A}">
+                    <a16:rowId xmlns:a16="http://schemas.microsoft.com/office/drawing/2014/main" val="3242706618"/>
+                  </a:ext>
+                </a:extLst>
+              </a:tr>
+              <a:tr h="317602">
+                <a:tc>
+                  <a:txBody>
+                    <a:bodyPr/>
+                    <a:lstStyle/>
+                    <a:p>
+                      <a:endParaRPr lang="zh-TW" altLang="en-US" sz="600"/>
+                    </a:p>
+                  </a:txBody>
+                  <a:tcPr>
+                    <a:lnL w="12700" cap="flat" cmpd="sng" algn="ctr">
+                      <a:noFill/>
+                      <a:prstDash val="solid"/>
+                      <a:round/>
+                      <a:headEnd type="none" w="med" len="med"/>
+                      <a:tailEnd type="none" w="med" len="med"/>
+                    </a:lnL>
+                    <a:lnR w="12700" cap="flat" cmpd="sng" algn="ctr">
+                      <a:noFill/>
+                      <a:prstDash val="solid"/>
+                      <a:round/>
+                      <a:headEnd type="none" w="med" len="med"/>
+                      <a:tailEnd type="none" w="med" len="med"/>
+                    </a:lnR>
+                    <a:lnT w="12700" cap="flat" cmpd="sng" algn="ctr">
+                      <a:solidFill>
+                        <a:srgbClr val="FF0000"/>
+                      </a:solidFill>
+                      <a:prstDash val="solid"/>
+                      <a:round/>
+                      <a:headEnd type="none" w="med" len="med"/>
+                      <a:tailEnd type="none" w="med" len="med"/>
+                    </a:lnT>
+                    <a:lnB w="12700" cap="flat" cmpd="sng" algn="ctr">
+                      <a:solidFill>
+                        <a:srgbClr val="FF0000"/>
+                      </a:solidFill>
+                      <a:prstDash val="solid"/>
+                      <a:round/>
+                      <a:headEnd type="none" w="med" len="med"/>
+                      <a:tailEnd type="none" w="med" len="med"/>
+                    </a:lnB>
+                    <a:solidFill>
+                      <a:schemeClr val="bg1"/>
+                    </a:solidFill>
+                  </a:tcPr>
+                </a:tc>
+                <a:extLst>
+                  <a:ext uri="{0D108BD9-81ED-4DB2-BD59-A6C34878D82A}">
+                    <a16:rowId xmlns:a16="http://schemas.microsoft.com/office/drawing/2014/main" val="1456266779"/>
+                  </a:ext>
+                </a:extLst>
+              </a:tr>
+              <a:tr h="317602">
+                <a:tc>
+                  <a:txBody>
+                    <a:bodyPr/>
+                    <a:lstStyle/>
+                    <a:p>
+                      <a:endParaRPr lang="zh-TW" altLang="en-US" sz="600"/>
+                    </a:p>
+                  </a:txBody>
+                  <a:tcPr>
+                    <a:lnL w="12700" cap="flat" cmpd="sng" algn="ctr">
+                      <a:noFill/>
+                      <a:prstDash val="solid"/>
+                      <a:round/>
+                      <a:headEnd type="none" w="med" len="med"/>
+                      <a:tailEnd type="none" w="med" len="med"/>
+                    </a:lnL>
+                    <a:lnR w="12700" cap="flat" cmpd="sng" algn="ctr">
+                      <a:noFill/>
+                      <a:prstDash val="solid"/>
+                      <a:round/>
+                      <a:headEnd type="none" w="med" len="med"/>
+                      <a:tailEnd type="none" w="med" len="med"/>
+                    </a:lnR>
+                    <a:lnT w="12700" cap="flat" cmpd="sng" algn="ctr">
+                      <a:solidFill>
+                        <a:srgbClr val="FF0000"/>
+                      </a:solidFill>
+                      <a:prstDash val="solid"/>
+                      <a:round/>
+                      <a:headEnd type="none" w="med" len="med"/>
+                      <a:tailEnd type="none" w="med" len="med"/>
+                    </a:lnT>
+                    <a:lnB w="12700" cap="flat" cmpd="sng" algn="ctr">
+                      <a:solidFill>
+                        <a:srgbClr val="FF0000"/>
+                      </a:solidFill>
+                      <a:prstDash val="solid"/>
+                      <a:round/>
+                      <a:headEnd type="none" w="med" len="med"/>
+                      <a:tailEnd type="none" w="med" len="med"/>
+                    </a:lnB>
+                    <a:solidFill>
+                      <a:schemeClr val="bg1"/>
+                    </a:solidFill>
+                  </a:tcPr>
+                </a:tc>
+                <a:extLst>
+                  <a:ext uri="{0D108BD9-81ED-4DB2-BD59-A6C34878D82A}">
+                    <a16:rowId xmlns:a16="http://schemas.microsoft.com/office/drawing/2014/main" val="1999859578"/>
+                  </a:ext>
+                </a:extLst>
+              </a:tr>
+              <a:tr h="317602">
+                <a:tc>
+                  <a:txBody>
+                    <a:bodyPr/>
+                    <a:lstStyle/>
+                    <a:p>
+                      <a:endParaRPr lang="zh-TW" altLang="en-US" sz="600"/>
+                    </a:p>
+                  </a:txBody>
+                  <a:tcPr>
+                    <a:lnL w="12700" cap="flat" cmpd="sng" algn="ctr">
+                      <a:noFill/>
+                      <a:prstDash val="solid"/>
+                      <a:round/>
+                      <a:headEnd type="none" w="med" len="med"/>
+                      <a:tailEnd type="none" w="med" len="med"/>
+                    </a:lnL>
+                    <a:lnR w="12700" cap="flat" cmpd="sng" algn="ctr">
+                      <a:noFill/>
+                      <a:prstDash val="solid"/>
+                      <a:round/>
+                      <a:headEnd type="none" w="med" len="med"/>
+                      <a:tailEnd type="none" w="med" len="med"/>
+                    </a:lnR>
+                    <a:lnT w="12700" cap="flat" cmpd="sng" algn="ctr">
+                      <a:solidFill>
+                        <a:srgbClr val="FF0000"/>
+                      </a:solidFill>
+                      <a:prstDash val="solid"/>
+                      <a:round/>
+                      <a:headEnd type="none" w="med" len="med"/>
+                      <a:tailEnd type="none" w="med" len="med"/>
+                    </a:lnT>
+                    <a:lnB w="12700" cap="flat" cmpd="sng" algn="ctr">
+                      <a:solidFill>
+                        <a:srgbClr val="FF0000"/>
+                      </a:solidFill>
+                      <a:prstDash val="solid"/>
+                      <a:round/>
+                      <a:headEnd type="none" w="med" len="med"/>
+                      <a:tailEnd type="none" w="med" len="med"/>
+                    </a:lnB>
+                    <a:solidFill>
+                      <a:schemeClr val="bg1"/>
+                    </a:solidFill>
+                  </a:tcPr>
+                </a:tc>
+                <a:extLst>
+                  <a:ext uri="{0D108BD9-81ED-4DB2-BD59-A6C34878D82A}">
+                    <a16:rowId xmlns:a16="http://schemas.microsoft.com/office/drawing/2014/main" val="3004317643"/>
+                  </a:ext>
+                </a:extLst>
+              </a:tr>
+              <a:tr h="317602">
+                <a:tc>
+                  <a:txBody>
+                    <a:bodyPr/>
+                    <a:lstStyle/>
+                    <a:p>
+                      <a:endParaRPr lang="zh-TW" altLang="en-US" sz="600" dirty="0"/>
+                    </a:p>
+                  </a:txBody>
+                  <a:tcPr>
+                    <a:lnL w="12700" cap="flat" cmpd="sng" algn="ctr">
+                      <a:noFill/>
+                      <a:prstDash val="solid"/>
+                      <a:round/>
+                      <a:headEnd type="none" w="med" len="med"/>
+                      <a:tailEnd type="none" w="med" len="med"/>
+                    </a:lnL>
+                    <a:lnR w="12700" cap="flat" cmpd="sng" algn="ctr">
+                      <a:noFill/>
+                      <a:prstDash val="solid"/>
+                      <a:round/>
+                      <a:headEnd type="none" w="med" len="med"/>
+                      <a:tailEnd type="none" w="med" len="med"/>
+                    </a:lnR>
+                    <a:lnT w="12700" cap="flat" cmpd="sng" algn="ctr">
+                      <a:solidFill>
+                        <a:srgbClr val="FF0000"/>
+                      </a:solidFill>
+                      <a:prstDash val="solid"/>
+                      <a:round/>
+                      <a:headEnd type="none" w="med" len="med"/>
+                      <a:tailEnd type="none" w="med" len="med"/>
+                    </a:lnT>
+                    <a:lnB w="12700" cap="flat" cmpd="sng" algn="ctr">
+                      <a:solidFill>
+                        <a:srgbClr val="FF0000"/>
+                      </a:solidFill>
+                      <a:prstDash val="solid"/>
+                      <a:round/>
+                      <a:headEnd type="none" w="med" len="med"/>
+                      <a:tailEnd type="none" w="med" len="med"/>
+                    </a:lnB>
+                    <a:solidFill>
+                      <a:schemeClr val="bg1"/>
+                    </a:solidFill>
+                  </a:tcPr>
+                </a:tc>
+                <a:extLst>
+                  <a:ext uri="{0D108BD9-81ED-4DB2-BD59-A6C34878D82A}">
+                    <a16:rowId xmlns:a16="http://schemas.microsoft.com/office/drawing/2014/main" val="921155682"/>
+                  </a:ext>
+                </a:extLst>
+              </a:tr>
+              <a:tr h="317602">
+                <a:tc>
+                  <a:txBody>
+                    <a:bodyPr/>
+                    <a:lstStyle/>
+                    <a:p>
+                      <a:endParaRPr lang="zh-TW" altLang="en-US" sz="600" dirty="0"/>
+                    </a:p>
+                  </a:txBody>
+                  <a:tcPr>
+                    <a:lnL w="12700" cap="flat" cmpd="sng" algn="ctr">
+                      <a:noFill/>
+                      <a:prstDash val="solid"/>
+                      <a:round/>
+                      <a:headEnd type="none" w="med" len="med"/>
+                      <a:tailEnd type="none" w="med" len="med"/>
+                    </a:lnL>
+                    <a:lnR w="12700" cap="flat" cmpd="sng" algn="ctr">
+                      <a:noFill/>
+                      <a:prstDash val="solid"/>
+                      <a:round/>
+                      <a:headEnd type="none" w="med" len="med"/>
+                      <a:tailEnd type="none" w="med" len="med"/>
+                    </a:lnR>
+                    <a:lnT w="12700" cap="flat" cmpd="sng" algn="ctr">
+                      <a:solidFill>
+                        <a:srgbClr val="FF0000"/>
+                      </a:solidFill>
+                      <a:prstDash val="solid"/>
+                      <a:round/>
+                      <a:headEnd type="none" w="med" len="med"/>
+                      <a:tailEnd type="none" w="med" len="med"/>
+                    </a:lnT>
+                    <a:lnB w="12700" cap="flat" cmpd="sng" algn="ctr">
+                      <a:solidFill>
+                        <a:srgbClr val="FF0000"/>
+                      </a:solidFill>
+                      <a:prstDash val="solid"/>
+                      <a:round/>
+                      <a:headEnd type="none" w="med" len="med"/>
+                      <a:tailEnd type="none" w="med" len="med"/>
+                    </a:lnB>
+                    <a:solidFill>
+                      <a:schemeClr val="bg1"/>
+                    </a:solidFill>
+                  </a:tcPr>
+                </a:tc>
+                <a:extLst>
+                  <a:ext uri="{0D108BD9-81ED-4DB2-BD59-A6C34878D82A}">
+                    <a16:rowId xmlns:a16="http://schemas.microsoft.com/office/drawing/2014/main" val="1400972698"/>
+                  </a:ext>
+                </a:extLst>
+              </a:tr>
+              <a:tr h="317602">
+                <a:tc>
+                  <a:txBody>
+                    <a:bodyPr/>
+                    <a:lstStyle/>
+                    <a:p>
+                      <a:endParaRPr lang="zh-TW" altLang="en-US" sz="600" dirty="0"/>
+                    </a:p>
+                  </a:txBody>
+                  <a:tcPr>
+                    <a:lnL w="12700" cap="flat" cmpd="sng" algn="ctr">
+                      <a:noFill/>
+                      <a:prstDash val="solid"/>
+                      <a:round/>
+                      <a:headEnd type="none" w="med" len="med"/>
+                      <a:tailEnd type="none" w="med" len="med"/>
+                    </a:lnL>
+                    <a:lnR w="12700" cap="flat" cmpd="sng" algn="ctr">
+                      <a:noFill/>
+                      <a:prstDash val="solid"/>
+                      <a:round/>
+                      <a:headEnd type="none" w="med" len="med"/>
+                      <a:tailEnd type="none" w="med" len="med"/>
+                    </a:lnR>
+                    <a:lnT w="12700" cap="flat" cmpd="sng" algn="ctr">
+                      <a:solidFill>
+                        <a:srgbClr val="FF0000"/>
+                      </a:solidFill>
+                      <a:prstDash val="solid"/>
+                      <a:round/>
+                      <a:headEnd type="none" w="med" len="med"/>
+                      <a:tailEnd type="none" w="med" len="med"/>
+                    </a:lnT>
+                    <a:lnB w="12700" cap="flat" cmpd="sng" algn="ctr">
+                      <a:solidFill>
+                        <a:srgbClr val="FF0000"/>
+                      </a:solidFill>
+                      <a:prstDash val="solid"/>
+                      <a:round/>
+                      <a:headEnd type="none" w="med" len="med"/>
+                      <a:tailEnd type="none" w="med" len="med"/>
+                    </a:lnB>
+                    <a:solidFill>
+                      <a:schemeClr val="bg1"/>
+                    </a:solidFill>
+                  </a:tcPr>
+                </a:tc>
+                <a:extLst>
+                  <a:ext uri="{0D108BD9-81ED-4DB2-BD59-A6C34878D82A}">
+                    <a16:rowId xmlns:a16="http://schemas.microsoft.com/office/drawing/2014/main" val="4267998869"/>
+                  </a:ext>
+                </a:extLst>
+              </a:tr>
+            </a:tbl>
+          </a:graphicData>
+        </a:graphic>
+      </p:graphicFrame>
+      <p:graphicFrame>
+        <p:nvGraphicFramePr>
+          <p:cNvPr id="29" name="表格 28"/>
+          <p:cNvGraphicFramePr>
+            <a:graphicFrameLocks noGrp="1"/>
+          </p:cNvGraphicFramePr>
+          <p:nvPr>
+            <p:extLst>
+              <p:ext uri="{D42A27DB-BD31-4B8C-83A1-F6EECF244321}">
+                <p14:modId xmlns:p14="http://schemas.microsoft.com/office/powerpoint/2010/main" val="465726662"/>
+              </p:ext>
+            </p:extLst>
+          </p:nvPr>
+        </p:nvGraphicFramePr>
+        <p:xfrm>
+          <a:off x="4902459" y="3892303"/>
+          <a:ext cx="391160" cy="1588005"/>
+        </p:xfrm>
+        <a:graphic>
+          <a:graphicData uri="http://schemas.openxmlformats.org/drawingml/2006/table">
+            <a:tbl>
+              <a:tblPr firstRow="1" bandRow="1">
+                <a:tableStyleId>{5C22544A-7EE6-4342-B048-85BDC9FD1C3A}</a:tableStyleId>
+              </a:tblPr>
+              <a:tblGrid>
+                <a:gridCol w="391160">
+                  <a:extLst>
+                    <a:ext uri="{9D8B030D-6E8A-4147-A177-3AD203B41FA5}">
+                      <a16:colId xmlns:a16="http://schemas.microsoft.com/office/drawing/2014/main" val="690862659"/>
+                    </a:ext>
+                  </a:extLst>
+                </a:gridCol>
+              </a:tblGrid>
+              <a:tr h="176445">
+                <a:tc>
+                  <a:txBody>
+                    <a:bodyPr/>
+                    <a:lstStyle/>
+                    <a:p>
+                      <a:endParaRPr lang="zh-TW" altLang="en-US" sz="300" dirty="0"/>
+                    </a:p>
+                  </a:txBody>
+                  <a:tcPr>
+                    <a:lnL w="12700" cap="flat" cmpd="sng" algn="ctr">
+                      <a:noFill/>
+                      <a:prstDash val="solid"/>
+                      <a:round/>
+                      <a:headEnd type="none" w="med" len="med"/>
+                      <a:tailEnd type="none" w="med" len="med"/>
+                    </a:lnL>
+                    <a:lnR w="12700" cap="flat" cmpd="sng" algn="ctr">
+                      <a:noFill/>
+                      <a:prstDash val="solid"/>
+                      <a:round/>
+                      <a:headEnd type="none" w="med" len="med"/>
+                      <a:tailEnd type="none" w="med" len="med"/>
+                    </a:lnR>
+                    <a:lnT w="12700" cap="flat" cmpd="sng" algn="ctr">
+                      <a:solidFill>
+                        <a:schemeClr val="tx1"/>
+                      </a:solidFill>
+                      <a:prstDash val="solid"/>
+                      <a:round/>
+                      <a:headEnd type="none" w="med" len="med"/>
+                      <a:tailEnd type="none" w="med" len="med"/>
+                    </a:lnT>
+                    <a:lnB w="12700" cap="flat" cmpd="sng" algn="ctr">
+                      <a:solidFill>
+                        <a:schemeClr val="tx1"/>
+                      </a:solidFill>
+                      <a:prstDash val="solid"/>
+                      <a:round/>
+                      <a:headEnd type="none" w="med" len="med"/>
+                      <a:tailEnd type="none" w="med" len="med"/>
+                    </a:lnB>
+                    <a:solidFill>
+                      <a:schemeClr val="bg1"/>
+                    </a:solidFill>
+                  </a:tcPr>
+                </a:tc>
+                <a:extLst>
+                  <a:ext uri="{0D108BD9-81ED-4DB2-BD59-A6C34878D82A}">
+                    <a16:rowId xmlns:a16="http://schemas.microsoft.com/office/drawing/2014/main" val="1912614425"/>
+                  </a:ext>
+                </a:extLst>
+              </a:tr>
+              <a:tr h="176445">
+                <a:tc>
+                  <a:txBody>
+                    <a:bodyPr/>
+                    <a:lstStyle/>
+                    <a:p>
+                      <a:endParaRPr lang="zh-TW" altLang="en-US" sz="300"/>
+                    </a:p>
+                  </a:txBody>
+                  <a:tcPr>
+                    <a:lnL w="12700" cap="flat" cmpd="sng" algn="ctr">
+                      <a:noFill/>
+                      <a:prstDash val="solid"/>
+                      <a:round/>
+                      <a:headEnd type="none" w="med" len="med"/>
+                      <a:tailEnd type="none" w="med" len="med"/>
+                    </a:lnL>
+                    <a:lnR w="12700" cap="flat" cmpd="sng" algn="ctr">
+                      <a:noFill/>
+                      <a:prstDash val="solid"/>
+                      <a:round/>
+                      <a:headEnd type="none" w="med" len="med"/>
+                      <a:tailEnd type="none" w="med" len="med"/>
+                    </a:lnR>
+                    <a:lnT w="12700" cap="flat" cmpd="sng" algn="ctr">
+                      <a:solidFill>
+                        <a:schemeClr val="tx1"/>
+                      </a:solidFill>
+                      <a:prstDash val="solid"/>
+                      <a:round/>
+                      <a:headEnd type="none" w="med" len="med"/>
+                      <a:tailEnd type="none" w="med" len="med"/>
+                    </a:lnT>
+                    <a:lnB w="12700" cap="flat" cmpd="sng" algn="ctr">
+                      <a:solidFill>
+                        <a:schemeClr val="tx1"/>
+                      </a:solidFill>
+                      <a:prstDash val="solid"/>
+                      <a:round/>
+                      <a:headEnd type="none" w="med" len="med"/>
+                      <a:tailEnd type="none" w="med" len="med"/>
+                    </a:lnB>
+                    <a:solidFill>
+                      <a:schemeClr val="bg1"/>
+                    </a:solidFill>
+                  </a:tcPr>
+                </a:tc>
+                <a:extLst>
+                  <a:ext uri="{0D108BD9-81ED-4DB2-BD59-A6C34878D82A}">
+                    <a16:rowId xmlns:a16="http://schemas.microsoft.com/office/drawing/2014/main" val="2970923743"/>
+                  </a:ext>
+                </a:extLst>
+              </a:tr>
+              <a:tr h="176445">
+                <a:tc>
+                  <a:txBody>
+                    <a:bodyPr/>
+                    <a:lstStyle/>
+                    <a:p>
+                      <a:endParaRPr lang="zh-TW" altLang="en-US" sz="300" kern="1200" dirty="0">
+                        <a:solidFill>
+                          <a:schemeClr val="dk1"/>
+                        </a:solidFill>
+                        <a:latin typeface="+mn-lt"/>
+                        <a:ea typeface="+mn-ea"/>
+                        <a:cs typeface="+mn-cs"/>
+                      </a:endParaRPr>
+                    </a:p>
+                  </a:txBody>
+                  <a:tcPr>
+                    <a:lnL w="12700" cap="flat" cmpd="sng" algn="ctr">
+                      <a:noFill/>
+                      <a:prstDash val="solid"/>
+                      <a:round/>
+                      <a:headEnd type="none" w="med" len="med"/>
+                      <a:tailEnd type="none" w="med" len="med"/>
+                    </a:lnL>
+                    <a:lnR w="12700" cap="flat" cmpd="sng" algn="ctr">
+                      <a:noFill/>
+                      <a:prstDash val="solid"/>
+                      <a:round/>
+                      <a:headEnd type="none" w="med" len="med"/>
+                      <a:tailEnd type="none" w="med" len="med"/>
+                    </a:lnR>
+                    <a:lnT w="12700" cap="flat" cmpd="sng" algn="ctr">
+                      <a:solidFill>
+                        <a:schemeClr val="tx1"/>
+                      </a:solidFill>
+                      <a:prstDash val="solid"/>
+                      <a:round/>
+                      <a:headEnd type="none" w="med" len="med"/>
+                      <a:tailEnd type="none" w="med" len="med"/>
+                    </a:lnT>
+                    <a:lnB w="12700" cap="flat" cmpd="sng" algn="ctr">
+                      <a:solidFill>
+                        <a:schemeClr val="tx1"/>
+                      </a:solidFill>
+                      <a:prstDash val="solid"/>
+                      <a:round/>
+                      <a:headEnd type="none" w="med" len="med"/>
+                      <a:tailEnd type="none" w="med" len="med"/>
+                    </a:lnB>
+                    <a:solidFill>
+                      <a:schemeClr val="bg1"/>
+                    </a:solidFill>
+                  </a:tcPr>
+                </a:tc>
+                <a:extLst>
+                  <a:ext uri="{0D108BD9-81ED-4DB2-BD59-A6C34878D82A}">
+                    <a16:rowId xmlns:a16="http://schemas.microsoft.com/office/drawing/2014/main" val="530438703"/>
+                  </a:ext>
+                </a:extLst>
+              </a:tr>
+              <a:tr h="176445">
+                <a:tc>
+                  <a:txBody>
+                    <a:bodyPr/>
+                    <a:lstStyle/>
+                    <a:p>
+                      <a:endParaRPr lang="zh-TW" altLang="en-US" sz="300"/>
+                    </a:p>
+                  </a:txBody>
+                  <a:tcPr>
+                    <a:lnL w="12700" cap="flat" cmpd="sng" algn="ctr">
+                      <a:noFill/>
+                      <a:prstDash val="solid"/>
+                      <a:round/>
+                      <a:headEnd type="none" w="med" len="med"/>
+                      <a:tailEnd type="none" w="med" len="med"/>
+                    </a:lnL>
+                    <a:lnR w="12700" cap="flat" cmpd="sng" algn="ctr">
+                      <a:noFill/>
+                      <a:prstDash val="solid"/>
+                      <a:round/>
+                      <a:headEnd type="none" w="med" len="med"/>
+                      <a:tailEnd type="none" w="med" len="med"/>
+                    </a:lnR>
+                    <a:lnT w="12700" cap="flat" cmpd="sng" algn="ctr">
+                      <a:solidFill>
+                        <a:schemeClr val="tx1"/>
+                      </a:solidFill>
+                      <a:prstDash val="solid"/>
+                      <a:round/>
+                      <a:headEnd type="none" w="med" len="med"/>
+                      <a:tailEnd type="none" w="med" len="med"/>
+                    </a:lnT>
+                    <a:lnB w="12700" cap="flat" cmpd="sng" algn="ctr">
+                      <a:solidFill>
+                        <a:schemeClr val="tx1"/>
+                      </a:solidFill>
+                      <a:prstDash val="solid"/>
+                      <a:round/>
+                      <a:headEnd type="none" w="med" len="med"/>
+                      <a:tailEnd type="none" w="med" len="med"/>
+                    </a:lnB>
+                    <a:solidFill>
+                      <a:schemeClr val="bg1"/>
+                    </a:solidFill>
+                  </a:tcPr>
+                </a:tc>
+                <a:extLst>
+                  <a:ext uri="{0D108BD9-81ED-4DB2-BD59-A6C34878D82A}">
+                    <a16:rowId xmlns:a16="http://schemas.microsoft.com/office/drawing/2014/main" val="3242706618"/>
+                  </a:ext>
+                </a:extLst>
+              </a:tr>
+              <a:tr h="176445">
+                <a:tc>
+                  <a:txBody>
+                    <a:bodyPr/>
+                    <a:lstStyle/>
+                    <a:p>
+                      <a:endParaRPr lang="zh-TW" altLang="en-US" sz="300" dirty="0"/>
+                    </a:p>
+                  </a:txBody>
+                  <a:tcPr>
+                    <a:lnL w="12700" cap="flat" cmpd="sng" algn="ctr">
+                      <a:noFill/>
+                      <a:prstDash val="solid"/>
+                      <a:round/>
+                      <a:headEnd type="none" w="med" len="med"/>
+                      <a:tailEnd type="none" w="med" len="med"/>
+                    </a:lnL>
+                    <a:lnR w="12700" cap="flat" cmpd="sng" algn="ctr">
+                      <a:noFill/>
+                      <a:prstDash val="solid"/>
+                      <a:round/>
+                      <a:headEnd type="none" w="med" len="med"/>
+                      <a:tailEnd type="none" w="med" len="med"/>
+                    </a:lnR>
+                    <a:lnT w="12700" cap="flat" cmpd="sng" algn="ctr">
+                      <a:solidFill>
+                        <a:schemeClr val="tx1"/>
+                      </a:solidFill>
+                      <a:prstDash val="solid"/>
+                      <a:round/>
+                      <a:headEnd type="none" w="med" len="med"/>
+                      <a:tailEnd type="none" w="med" len="med"/>
+                    </a:lnT>
+                    <a:lnB w="12700" cap="flat" cmpd="sng" algn="ctr">
+                      <a:solidFill>
+                        <a:schemeClr val="tx1"/>
+                      </a:solidFill>
+                      <a:prstDash val="solid"/>
+                      <a:round/>
+                      <a:headEnd type="none" w="med" len="med"/>
+                      <a:tailEnd type="none" w="med" len="med"/>
+                    </a:lnB>
+                    <a:solidFill>
+                      <a:schemeClr val="bg1"/>
+                    </a:solidFill>
+                  </a:tcPr>
+                </a:tc>
+                <a:extLst>
+                  <a:ext uri="{0D108BD9-81ED-4DB2-BD59-A6C34878D82A}">
+                    <a16:rowId xmlns:a16="http://schemas.microsoft.com/office/drawing/2014/main" val="1456266779"/>
+                  </a:ext>
+                </a:extLst>
+              </a:tr>
+              <a:tr h="176445">
+                <a:tc>
+                  <a:txBody>
+                    <a:bodyPr/>
+                    <a:lstStyle/>
+                    <a:p>
+                      <a:endParaRPr lang="zh-TW" altLang="en-US" sz="300"/>
+                    </a:p>
+                  </a:txBody>
+                  <a:tcPr>
+                    <a:lnL w="12700" cap="flat" cmpd="sng" algn="ctr">
+                      <a:noFill/>
+                      <a:prstDash val="solid"/>
+                      <a:round/>
+                      <a:headEnd type="none" w="med" len="med"/>
+                      <a:tailEnd type="none" w="med" len="med"/>
+                    </a:lnL>
+                    <a:lnR w="12700" cap="flat" cmpd="sng" algn="ctr">
+                      <a:noFill/>
+                      <a:prstDash val="solid"/>
+                      <a:round/>
+                      <a:headEnd type="none" w="med" len="med"/>
+                      <a:tailEnd type="none" w="med" len="med"/>
+                    </a:lnR>
+                    <a:lnT w="12700" cap="flat" cmpd="sng" algn="ctr">
+                      <a:solidFill>
+                        <a:schemeClr val="tx1"/>
+                      </a:solidFill>
+                      <a:prstDash val="solid"/>
+                      <a:round/>
+                      <a:headEnd type="none" w="med" len="med"/>
+                      <a:tailEnd type="none" w="med" len="med"/>
+                    </a:lnT>
+                    <a:lnB w="12700" cap="flat" cmpd="sng" algn="ctr">
+                      <a:solidFill>
+                        <a:schemeClr val="tx1"/>
+                      </a:solidFill>
+                      <a:prstDash val="solid"/>
+                      <a:round/>
+                      <a:headEnd type="none" w="med" len="med"/>
+                      <a:tailEnd type="none" w="med" len="med"/>
+                    </a:lnB>
+                    <a:solidFill>
+                      <a:schemeClr val="bg1"/>
+                    </a:solidFill>
+                  </a:tcPr>
+                </a:tc>
+                <a:extLst>
+                  <a:ext uri="{0D108BD9-81ED-4DB2-BD59-A6C34878D82A}">
+                    <a16:rowId xmlns:a16="http://schemas.microsoft.com/office/drawing/2014/main" val="1999859578"/>
+                  </a:ext>
+                </a:extLst>
+              </a:tr>
+              <a:tr h="176445">
+                <a:tc>
+                  <a:txBody>
+                    <a:bodyPr/>
+                    <a:lstStyle/>
+                    <a:p>
+                      <a:endParaRPr lang="zh-TW" altLang="en-US" sz="300"/>
+                    </a:p>
+                  </a:txBody>
+                  <a:tcPr>
+                    <a:lnL w="12700" cap="flat" cmpd="sng" algn="ctr">
+                      <a:noFill/>
+                      <a:prstDash val="solid"/>
+                      <a:round/>
+                      <a:headEnd type="none" w="med" len="med"/>
+                      <a:tailEnd type="none" w="med" len="med"/>
+                    </a:lnL>
+                    <a:lnR w="12700" cap="flat" cmpd="sng" algn="ctr">
+                      <a:noFill/>
+                      <a:prstDash val="solid"/>
+                      <a:round/>
+                      <a:headEnd type="none" w="med" len="med"/>
+                      <a:tailEnd type="none" w="med" len="med"/>
+                    </a:lnR>
+                    <a:lnT w="12700" cap="flat" cmpd="sng" algn="ctr">
+                      <a:solidFill>
+                        <a:schemeClr val="tx1"/>
+                      </a:solidFill>
+                      <a:prstDash val="solid"/>
+                      <a:round/>
+                      <a:headEnd type="none" w="med" len="med"/>
+                      <a:tailEnd type="none" w="med" len="med"/>
+                    </a:lnT>
+                    <a:lnB w="12700" cap="flat" cmpd="sng" algn="ctr">
+                      <a:solidFill>
+                        <a:schemeClr val="tx1"/>
+                      </a:solidFill>
+                      <a:prstDash val="solid"/>
+                      <a:round/>
+                      <a:headEnd type="none" w="med" len="med"/>
+                      <a:tailEnd type="none" w="med" len="med"/>
+                    </a:lnB>
+                    <a:solidFill>
+                      <a:schemeClr val="bg1"/>
+                    </a:solidFill>
+                  </a:tcPr>
+                </a:tc>
+                <a:extLst>
+                  <a:ext uri="{0D108BD9-81ED-4DB2-BD59-A6C34878D82A}">
+                    <a16:rowId xmlns:a16="http://schemas.microsoft.com/office/drawing/2014/main" val="3004317643"/>
+                  </a:ext>
+                </a:extLst>
+              </a:tr>
+              <a:tr h="176445">
+                <a:tc>
+                  <a:txBody>
+                    <a:bodyPr/>
+                    <a:lstStyle/>
+                    <a:p>
+                      <a:endParaRPr lang="zh-TW" altLang="en-US" sz="300" dirty="0"/>
+                    </a:p>
+                  </a:txBody>
+                  <a:tcPr>
+                    <a:lnL w="12700" cap="flat" cmpd="sng" algn="ctr">
+                      <a:noFill/>
+                      <a:prstDash val="solid"/>
+                      <a:round/>
+                      <a:headEnd type="none" w="med" len="med"/>
+                      <a:tailEnd type="none" w="med" len="med"/>
+                    </a:lnL>
+                    <a:lnR w="12700" cap="flat" cmpd="sng" algn="ctr">
+                      <a:noFill/>
+                      <a:prstDash val="solid"/>
+                      <a:round/>
+                      <a:headEnd type="none" w="med" len="med"/>
+                      <a:tailEnd type="none" w="med" len="med"/>
+                    </a:lnR>
+                    <a:lnT w="12700" cap="flat" cmpd="sng" algn="ctr">
+                      <a:solidFill>
+                        <a:schemeClr val="tx1"/>
+                      </a:solidFill>
+                      <a:prstDash val="solid"/>
+                      <a:round/>
+                      <a:headEnd type="none" w="med" len="med"/>
+                      <a:tailEnd type="none" w="med" len="med"/>
+                    </a:lnT>
+                    <a:lnB w="12700" cap="flat" cmpd="sng" algn="ctr">
+                      <a:solidFill>
+                        <a:schemeClr val="tx1"/>
+                      </a:solidFill>
+                      <a:prstDash val="solid"/>
+                      <a:round/>
+                      <a:headEnd type="none" w="med" len="med"/>
+                      <a:tailEnd type="none" w="med" len="med"/>
+                    </a:lnB>
+                    <a:solidFill>
+                      <a:schemeClr val="bg1"/>
+                    </a:solidFill>
+                  </a:tcPr>
+                </a:tc>
+                <a:extLst>
+                  <a:ext uri="{0D108BD9-81ED-4DB2-BD59-A6C34878D82A}">
+                    <a16:rowId xmlns:a16="http://schemas.microsoft.com/office/drawing/2014/main" val="921155682"/>
+                  </a:ext>
+                </a:extLst>
+              </a:tr>
+              <a:tr h="176445">
+                <a:tc>
+                  <a:txBody>
+                    <a:bodyPr/>
+                    <a:lstStyle/>
+                    <a:p>
+                      <a:endParaRPr lang="zh-TW" altLang="en-US" sz="300" dirty="0"/>
+                    </a:p>
+                  </a:txBody>
+                  <a:tcPr>
+                    <a:lnL w="12700" cap="flat" cmpd="sng" algn="ctr">
+                      <a:noFill/>
+                      <a:prstDash val="solid"/>
+                      <a:round/>
+                      <a:headEnd type="none" w="med" len="med"/>
+                      <a:tailEnd type="none" w="med" len="med"/>
+                    </a:lnL>
+                    <a:lnR w="12700" cap="flat" cmpd="sng" algn="ctr">
+                      <a:noFill/>
+                      <a:prstDash val="solid"/>
+                      <a:round/>
+                      <a:headEnd type="none" w="med" len="med"/>
+                      <a:tailEnd type="none" w="med" len="med"/>
+                    </a:lnR>
+                    <a:lnT w="12700" cap="flat" cmpd="sng" algn="ctr">
+                      <a:solidFill>
+                        <a:schemeClr val="tx1"/>
+                      </a:solidFill>
+                      <a:prstDash val="solid"/>
+                      <a:round/>
+                      <a:headEnd type="none" w="med" len="med"/>
+                      <a:tailEnd type="none" w="med" len="med"/>
+                    </a:lnT>
+                    <a:lnB w="12700" cap="flat" cmpd="sng" algn="ctr">
+                      <a:solidFill>
+                        <a:schemeClr val="tx1"/>
+                      </a:solidFill>
+                      <a:prstDash val="solid"/>
+                      <a:round/>
+                      <a:headEnd type="none" w="med" len="med"/>
+                      <a:tailEnd type="none" w="med" len="med"/>
+                    </a:lnB>
+                    <a:solidFill>
+                      <a:schemeClr val="bg1"/>
+                    </a:solidFill>
+                  </a:tcPr>
+                </a:tc>
+                <a:extLst>
+                  <a:ext uri="{0D108BD9-81ED-4DB2-BD59-A6C34878D82A}">
+                    <a16:rowId xmlns:a16="http://schemas.microsoft.com/office/drawing/2014/main" val="1400972698"/>
+                  </a:ext>
+                </a:extLst>
+              </a:tr>
+            </a:tbl>
+          </a:graphicData>
+        </a:graphic>
+      </p:graphicFrame>
+      <p:graphicFrame>
+        <p:nvGraphicFramePr>
+          <p:cNvPr id="31" name="表格 30"/>
+          <p:cNvGraphicFramePr>
+            <a:graphicFrameLocks noGrp="1"/>
+          </p:cNvGraphicFramePr>
+          <p:nvPr>
+            <p:extLst>
+              <p:ext uri="{D42A27DB-BD31-4B8C-83A1-F6EECF244321}">
+                <p14:modId xmlns:p14="http://schemas.microsoft.com/office/powerpoint/2010/main" val="1831053314"/>
+              </p:ext>
+            </p:extLst>
+          </p:nvPr>
+        </p:nvGraphicFramePr>
+        <p:xfrm>
+          <a:off x="4902456" y="2298195"/>
+          <a:ext cx="391160" cy="1588005"/>
+        </p:xfrm>
+        <a:graphic>
+          <a:graphicData uri="http://schemas.openxmlformats.org/drawingml/2006/table">
+            <a:tbl>
+              <a:tblPr firstRow="1" bandRow="1">
+                <a:tableStyleId>{5C22544A-7EE6-4342-B048-85BDC9FD1C3A}</a:tableStyleId>
+              </a:tblPr>
+              <a:tblGrid>
+                <a:gridCol w="391160">
+                  <a:extLst>
+                    <a:ext uri="{9D8B030D-6E8A-4147-A177-3AD203B41FA5}">
+                      <a16:colId xmlns:a16="http://schemas.microsoft.com/office/drawing/2014/main" val="690862659"/>
+                    </a:ext>
+                  </a:extLst>
+                </a:gridCol>
+              </a:tblGrid>
+              <a:tr h="176445">
+                <a:tc>
+                  <a:txBody>
+                    <a:bodyPr/>
+                    <a:lstStyle/>
+                    <a:p>
+                      <a:endParaRPr lang="zh-TW" altLang="en-US" sz="300" dirty="0"/>
+                    </a:p>
+                  </a:txBody>
+                  <a:tcPr>
+                    <a:lnL w="12700" cap="flat" cmpd="sng" algn="ctr">
+                      <a:noFill/>
+                      <a:prstDash val="solid"/>
+                      <a:round/>
+                      <a:headEnd type="none" w="med" len="med"/>
+                      <a:tailEnd type="none" w="med" len="med"/>
+                    </a:lnL>
+                    <a:lnR w="12700" cap="flat" cmpd="sng" algn="ctr">
+                      <a:noFill/>
+                      <a:prstDash val="solid"/>
+                      <a:round/>
+                      <a:headEnd type="none" w="med" len="med"/>
+                      <a:tailEnd type="none" w="med" len="med"/>
+                    </a:lnR>
+                    <a:lnT w="12700" cap="flat" cmpd="sng" algn="ctr">
+                      <a:solidFill>
+                        <a:schemeClr val="tx1"/>
+                      </a:solidFill>
+                      <a:prstDash val="solid"/>
+                      <a:round/>
+                      <a:headEnd type="none" w="med" len="med"/>
+                      <a:tailEnd type="none" w="med" len="med"/>
+                    </a:lnT>
+                    <a:lnB w="12700" cap="flat" cmpd="sng" algn="ctr">
+                      <a:solidFill>
+                        <a:schemeClr val="tx1"/>
+                      </a:solidFill>
+                      <a:prstDash val="solid"/>
+                      <a:round/>
+                      <a:headEnd type="none" w="med" len="med"/>
+                      <a:tailEnd type="none" w="med" len="med"/>
+                    </a:lnB>
+                    <a:lnTlToBr w="12700" cmpd="sng">
+                      <a:noFill/>
+                      <a:prstDash val="solid"/>
+                    </a:lnTlToBr>
+                    <a:lnBlToTr w="12700" cmpd="sng">
+                      <a:noFill/>
+                      <a:prstDash val="solid"/>
+                    </a:lnBlToTr>
+                    <a:solidFill>
+                      <a:schemeClr val="bg1"/>
+                    </a:solidFill>
+                  </a:tcPr>
+                </a:tc>
+                <a:extLst>
+                  <a:ext uri="{0D108BD9-81ED-4DB2-BD59-A6C34878D82A}">
+                    <a16:rowId xmlns:a16="http://schemas.microsoft.com/office/drawing/2014/main" val="1912614425"/>
+                  </a:ext>
+                </a:extLst>
+              </a:tr>
+              <a:tr h="176445">
+                <a:tc>
+                  <a:txBody>
+                    <a:bodyPr/>
+                    <a:lstStyle/>
+                    <a:p>
+                      <a:endParaRPr lang="zh-TW" altLang="en-US" sz="300" dirty="0"/>
+                    </a:p>
+                  </a:txBody>
+                  <a:tcPr>
+                    <a:lnL w="12700" cap="flat" cmpd="sng" algn="ctr">
+                      <a:noFill/>
+                      <a:prstDash val="solid"/>
+                      <a:round/>
+                      <a:headEnd type="none" w="med" len="med"/>
+                      <a:tailEnd type="none" w="med" len="med"/>
+                    </a:lnL>
+                    <a:lnR w="12700" cap="flat" cmpd="sng" algn="ctr">
+                      <a:noFill/>
+                      <a:prstDash val="solid"/>
+                      <a:round/>
+                      <a:headEnd type="none" w="med" len="med"/>
+                      <a:tailEnd type="none" w="med" len="med"/>
+                    </a:lnR>
+                    <a:lnT w="12700" cap="flat" cmpd="sng" algn="ctr">
+                      <a:solidFill>
+                        <a:schemeClr val="tx1"/>
+                      </a:solidFill>
+                      <a:prstDash val="solid"/>
+                      <a:round/>
+                      <a:headEnd type="none" w="med" len="med"/>
+                      <a:tailEnd type="none" w="med" len="med"/>
+                    </a:lnT>
+                    <a:lnB w="12700" cap="flat" cmpd="sng" algn="ctr">
+                      <a:solidFill>
+                        <a:schemeClr val="tx1"/>
+                      </a:solidFill>
+                      <a:prstDash val="solid"/>
+                      <a:round/>
+                      <a:headEnd type="none" w="med" len="med"/>
+                      <a:tailEnd type="none" w="med" len="med"/>
+                    </a:lnB>
+                    <a:lnTlToBr w="12700" cmpd="sng">
+                      <a:noFill/>
+                      <a:prstDash val="solid"/>
+                    </a:lnTlToBr>
+                    <a:lnBlToTr w="12700" cmpd="sng">
+                      <a:noFill/>
+                      <a:prstDash val="solid"/>
+                    </a:lnBlToTr>
+                    <a:solidFill>
+                      <a:schemeClr val="bg1"/>
+                    </a:solidFill>
+                  </a:tcPr>
+                </a:tc>
+                <a:extLst>
+                  <a:ext uri="{0D108BD9-81ED-4DB2-BD59-A6C34878D82A}">
+                    <a16:rowId xmlns:a16="http://schemas.microsoft.com/office/drawing/2014/main" val="2970923743"/>
+                  </a:ext>
+                </a:extLst>
+              </a:tr>
+              <a:tr h="176445">
+                <a:tc>
+                  <a:txBody>
+                    <a:bodyPr/>
+                    <a:lstStyle/>
+                    <a:p>
+                      <a:endParaRPr lang="zh-TW" altLang="en-US" sz="300" dirty="0"/>
+                    </a:p>
+                  </a:txBody>
+                  <a:tcPr>
+                    <a:lnL w="12700" cap="flat" cmpd="sng" algn="ctr">
+                      <a:noFill/>
+                      <a:prstDash val="solid"/>
+                      <a:round/>
+                      <a:headEnd type="none" w="med" len="med"/>
+                      <a:tailEnd type="none" w="med" len="med"/>
+                    </a:lnL>
+                    <a:lnR w="12700" cap="flat" cmpd="sng" algn="ctr">
+                      <a:noFill/>
+                      <a:prstDash val="solid"/>
+                      <a:round/>
+                      <a:headEnd type="none" w="med" len="med"/>
+                      <a:tailEnd type="none" w="med" len="med"/>
+                    </a:lnR>
+                    <a:lnT w="12700" cap="flat" cmpd="sng" algn="ctr">
+                      <a:solidFill>
+                        <a:schemeClr val="tx1"/>
+                      </a:solidFill>
+                      <a:prstDash val="solid"/>
+                      <a:round/>
+                      <a:headEnd type="none" w="med" len="med"/>
+                      <a:tailEnd type="none" w="med" len="med"/>
+                    </a:lnT>
+                    <a:lnB w="12700" cap="flat" cmpd="sng" algn="ctr">
+                      <a:solidFill>
+                        <a:schemeClr val="tx1"/>
+                      </a:solidFill>
+                      <a:prstDash val="solid"/>
+                      <a:round/>
+                      <a:headEnd type="none" w="med" len="med"/>
+                      <a:tailEnd type="none" w="med" len="med"/>
+                    </a:lnB>
+                    <a:lnTlToBr w="12700" cmpd="sng">
+                      <a:noFill/>
+                      <a:prstDash val="solid"/>
+                    </a:lnTlToBr>
+                    <a:lnBlToTr w="12700" cmpd="sng">
+                      <a:noFill/>
+                      <a:prstDash val="solid"/>
+                    </a:lnBlToTr>
+                    <a:solidFill>
+                      <a:schemeClr val="bg1"/>
+                    </a:solidFill>
+                  </a:tcPr>
+                </a:tc>
+                <a:extLst>
+                  <a:ext uri="{0D108BD9-81ED-4DB2-BD59-A6C34878D82A}">
+                    <a16:rowId xmlns:a16="http://schemas.microsoft.com/office/drawing/2014/main" val="530438703"/>
+                  </a:ext>
+                </a:extLst>
+              </a:tr>
+              <a:tr h="176445">
+                <a:tc>
+                  <a:txBody>
+                    <a:bodyPr/>
+                    <a:lstStyle/>
+                    <a:p>
+                      <a:endParaRPr lang="zh-TW" altLang="en-US" sz="300" dirty="0"/>
+                    </a:p>
+                  </a:txBody>
+                  <a:tcPr>
+                    <a:lnL w="12700" cap="flat" cmpd="sng" algn="ctr">
+                      <a:noFill/>
+                      <a:prstDash val="solid"/>
+                      <a:round/>
+                      <a:headEnd type="none" w="med" len="med"/>
+                      <a:tailEnd type="none" w="med" len="med"/>
+                    </a:lnL>
+                    <a:lnR w="12700" cap="flat" cmpd="sng" algn="ctr">
+                      <a:noFill/>
+                      <a:prstDash val="solid"/>
+                      <a:round/>
+                      <a:headEnd type="none" w="med" len="med"/>
+                      <a:tailEnd type="none" w="med" len="med"/>
+                    </a:lnR>
+                    <a:lnT w="12700" cap="flat" cmpd="sng" algn="ctr">
+                      <a:solidFill>
+                        <a:schemeClr val="tx1"/>
+                      </a:solidFill>
+                      <a:prstDash val="solid"/>
+                      <a:round/>
+                      <a:headEnd type="none" w="med" len="med"/>
+                      <a:tailEnd type="none" w="med" len="med"/>
+                    </a:lnT>
+                    <a:lnB w="12700" cap="flat" cmpd="sng" algn="ctr">
+                      <a:solidFill>
+                        <a:schemeClr val="tx1"/>
+                      </a:solidFill>
+                      <a:prstDash val="solid"/>
+                      <a:round/>
+                      <a:headEnd type="none" w="med" len="med"/>
+                      <a:tailEnd type="none" w="med" len="med"/>
+                    </a:lnB>
+                    <a:lnTlToBr w="12700" cmpd="sng">
+                      <a:noFill/>
+                      <a:prstDash val="solid"/>
+                    </a:lnTlToBr>
+                    <a:lnBlToTr w="12700" cmpd="sng">
+                      <a:noFill/>
+                      <a:prstDash val="solid"/>
+                    </a:lnBlToTr>
+                    <a:solidFill>
+                      <a:schemeClr val="bg1"/>
+                    </a:solidFill>
+                  </a:tcPr>
+                </a:tc>
+                <a:extLst>
+                  <a:ext uri="{0D108BD9-81ED-4DB2-BD59-A6C34878D82A}">
+                    <a16:rowId xmlns:a16="http://schemas.microsoft.com/office/drawing/2014/main" val="3242706618"/>
+                  </a:ext>
+                </a:extLst>
+              </a:tr>
+              <a:tr h="176445">
+                <a:tc>
+                  <a:txBody>
+                    <a:bodyPr/>
+                    <a:lstStyle/>
+                    <a:p>
+                      <a:endParaRPr lang="zh-TW" altLang="en-US" sz="300" dirty="0"/>
+                    </a:p>
+                  </a:txBody>
+                  <a:tcPr>
+                    <a:lnL w="12700" cap="flat" cmpd="sng" algn="ctr">
+                      <a:noFill/>
+                      <a:prstDash val="solid"/>
+                      <a:round/>
+                      <a:headEnd type="none" w="med" len="med"/>
+                      <a:tailEnd type="none" w="med" len="med"/>
+                    </a:lnL>
+                    <a:lnR w="12700" cap="flat" cmpd="sng" algn="ctr">
+                      <a:noFill/>
+                      <a:prstDash val="solid"/>
+                      <a:round/>
+                      <a:headEnd type="none" w="med" len="med"/>
+                      <a:tailEnd type="none" w="med" len="med"/>
+                    </a:lnR>
+                    <a:lnT w="12700" cap="flat" cmpd="sng" algn="ctr">
+                      <a:solidFill>
+                        <a:schemeClr val="tx1"/>
+                      </a:solidFill>
+                      <a:prstDash val="solid"/>
+                      <a:round/>
+                      <a:headEnd type="none" w="med" len="med"/>
+                      <a:tailEnd type="none" w="med" len="med"/>
+                    </a:lnT>
+                    <a:lnB w="12700" cap="flat" cmpd="sng" algn="ctr">
+                      <a:solidFill>
+                        <a:schemeClr val="tx1"/>
+                      </a:solidFill>
+                      <a:prstDash val="solid"/>
+                      <a:round/>
+                      <a:headEnd type="none" w="med" len="med"/>
+                      <a:tailEnd type="none" w="med" len="med"/>
+                    </a:lnB>
+                    <a:lnTlToBr w="12700" cmpd="sng">
+                      <a:noFill/>
+                      <a:prstDash val="solid"/>
+                    </a:lnTlToBr>
+                    <a:lnBlToTr w="12700" cmpd="sng">
+                      <a:noFill/>
+                      <a:prstDash val="solid"/>
+                    </a:lnBlToTr>
+                    <a:solidFill>
+                      <a:schemeClr val="bg1"/>
+                    </a:solidFill>
+                  </a:tcPr>
+                </a:tc>
+                <a:extLst>
+                  <a:ext uri="{0D108BD9-81ED-4DB2-BD59-A6C34878D82A}">
+                    <a16:rowId xmlns:a16="http://schemas.microsoft.com/office/drawing/2014/main" val="1456266779"/>
+                  </a:ext>
+                </a:extLst>
+              </a:tr>
+              <a:tr h="176445">
+                <a:tc>
+                  <a:txBody>
+                    <a:bodyPr/>
+                    <a:lstStyle/>
+                    <a:p>
+                      <a:endParaRPr lang="zh-TW" altLang="en-US" sz="300" dirty="0"/>
+                    </a:p>
+                  </a:txBody>
+                  <a:tcPr>
+                    <a:lnL w="12700" cap="flat" cmpd="sng" algn="ctr">
+                      <a:noFill/>
+                      <a:prstDash val="solid"/>
+                      <a:round/>
+                      <a:headEnd type="none" w="med" len="med"/>
+                      <a:tailEnd type="none" w="med" len="med"/>
+                    </a:lnL>
+                    <a:lnR w="12700" cap="flat" cmpd="sng" algn="ctr">
+                      <a:noFill/>
+                      <a:prstDash val="solid"/>
+                      <a:round/>
+                      <a:headEnd type="none" w="med" len="med"/>
+                      <a:tailEnd type="none" w="med" len="med"/>
+                    </a:lnR>
+                    <a:lnT w="12700" cap="flat" cmpd="sng" algn="ctr">
+                      <a:solidFill>
+                        <a:schemeClr val="tx1"/>
+                      </a:solidFill>
+                      <a:prstDash val="solid"/>
+                      <a:round/>
+                      <a:headEnd type="none" w="med" len="med"/>
+                      <a:tailEnd type="none" w="med" len="med"/>
+                    </a:lnT>
+                    <a:lnB w="12700" cap="flat" cmpd="sng" algn="ctr">
+                      <a:solidFill>
+                        <a:schemeClr val="tx1"/>
+                      </a:solidFill>
+                      <a:prstDash val="solid"/>
+                      <a:round/>
+                      <a:headEnd type="none" w="med" len="med"/>
+                      <a:tailEnd type="none" w="med" len="med"/>
+                    </a:lnB>
+                    <a:lnTlToBr w="12700" cmpd="sng">
+                      <a:noFill/>
+                      <a:prstDash val="solid"/>
+                    </a:lnTlToBr>
+                    <a:lnBlToTr w="12700" cmpd="sng">
+                      <a:noFill/>
+                      <a:prstDash val="solid"/>
+                    </a:lnBlToTr>
+                    <a:solidFill>
+                      <a:schemeClr val="bg1"/>
+                    </a:solidFill>
+                  </a:tcPr>
+                </a:tc>
+                <a:extLst>
+                  <a:ext uri="{0D108BD9-81ED-4DB2-BD59-A6C34878D82A}">
+                    <a16:rowId xmlns:a16="http://schemas.microsoft.com/office/drawing/2014/main" val="1999859578"/>
+                  </a:ext>
+                </a:extLst>
+              </a:tr>
+              <a:tr h="176445">
+                <a:tc>
+                  <a:txBody>
+                    <a:bodyPr/>
+                    <a:lstStyle/>
+                    <a:p>
+                      <a:endParaRPr lang="zh-TW" altLang="en-US" sz="300" dirty="0"/>
+                    </a:p>
+                  </a:txBody>
+                  <a:tcPr>
+                    <a:lnL w="12700" cap="flat" cmpd="sng" algn="ctr">
+                      <a:noFill/>
+                      <a:prstDash val="solid"/>
+                      <a:round/>
+                      <a:headEnd type="none" w="med" len="med"/>
+                      <a:tailEnd type="none" w="med" len="med"/>
+                    </a:lnL>
+                    <a:lnR w="12700" cap="flat" cmpd="sng" algn="ctr">
+                      <a:noFill/>
+                      <a:prstDash val="solid"/>
+                      <a:round/>
+                      <a:headEnd type="none" w="med" len="med"/>
+                      <a:tailEnd type="none" w="med" len="med"/>
+                    </a:lnR>
+                    <a:lnT w="12700" cap="flat" cmpd="sng" algn="ctr">
+                      <a:solidFill>
+                        <a:schemeClr val="tx1"/>
+                      </a:solidFill>
+                      <a:prstDash val="solid"/>
+                      <a:round/>
+                      <a:headEnd type="none" w="med" len="med"/>
+                      <a:tailEnd type="none" w="med" len="med"/>
+                    </a:lnT>
+                    <a:lnB w="12700" cap="flat" cmpd="sng" algn="ctr">
+                      <a:solidFill>
+                        <a:schemeClr val="tx1"/>
+                      </a:solidFill>
+                      <a:prstDash val="solid"/>
+                      <a:round/>
+                      <a:headEnd type="none" w="med" len="med"/>
+                      <a:tailEnd type="none" w="med" len="med"/>
+                    </a:lnB>
+                    <a:lnTlToBr w="12700" cmpd="sng">
+                      <a:noFill/>
+                      <a:prstDash val="solid"/>
+                    </a:lnTlToBr>
+                    <a:lnBlToTr w="12700" cmpd="sng">
+                      <a:noFill/>
+                      <a:prstDash val="solid"/>
+                    </a:lnBlToTr>
+                    <a:solidFill>
+                      <a:schemeClr val="bg1"/>
+                    </a:solidFill>
+                  </a:tcPr>
+                </a:tc>
+                <a:extLst>
+                  <a:ext uri="{0D108BD9-81ED-4DB2-BD59-A6C34878D82A}">
+                    <a16:rowId xmlns:a16="http://schemas.microsoft.com/office/drawing/2014/main" val="3004317643"/>
+                  </a:ext>
+                </a:extLst>
+              </a:tr>
+              <a:tr h="176445">
+                <a:tc>
+                  <a:txBody>
+                    <a:bodyPr/>
+                    <a:lstStyle/>
+                    <a:p>
+                      <a:endParaRPr lang="zh-TW" altLang="en-US" sz="300" dirty="0"/>
+                    </a:p>
+                  </a:txBody>
+                  <a:tcPr>
+                    <a:lnL w="12700" cap="flat" cmpd="sng" algn="ctr">
+                      <a:noFill/>
+                      <a:prstDash val="solid"/>
+                      <a:round/>
+                      <a:headEnd type="none" w="med" len="med"/>
+                      <a:tailEnd type="none" w="med" len="med"/>
+                    </a:lnL>
+                    <a:lnR w="12700" cap="flat" cmpd="sng" algn="ctr">
+                      <a:noFill/>
+                      <a:prstDash val="solid"/>
+                      <a:round/>
+                      <a:headEnd type="none" w="med" len="med"/>
+                      <a:tailEnd type="none" w="med" len="med"/>
+                    </a:lnR>
+                    <a:lnT w="12700" cap="flat" cmpd="sng" algn="ctr">
+                      <a:solidFill>
+                        <a:schemeClr val="tx1"/>
+                      </a:solidFill>
+                      <a:prstDash val="solid"/>
+                      <a:round/>
+                      <a:headEnd type="none" w="med" len="med"/>
+                      <a:tailEnd type="none" w="med" len="med"/>
+                    </a:lnT>
+                    <a:lnB w="12700" cap="flat" cmpd="sng" algn="ctr">
+                      <a:solidFill>
+                        <a:schemeClr val="tx1"/>
+                      </a:solidFill>
+                      <a:prstDash val="solid"/>
+                      <a:round/>
+                      <a:headEnd type="none" w="med" len="med"/>
+                      <a:tailEnd type="none" w="med" len="med"/>
+                    </a:lnB>
+                    <a:lnTlToBr w="12700" cmpd="sng">
+                      <a:noFill/>
+                      <a:prstDash val="solid"/>
+                    </a:lnTlToBr>
+                    <a:lnBlToTr w="12700" cmpd="sng">
+                      <a:noFill/>
+                      <a:prstDash val="solid"/>
+                    </a:lnBlToTr>
+                    <a:solidFill>
+                      <a:schemeClr val="bg1"/>
+                    </a:solidFill>
+                  </a:tcPr>
+                </a:tc>
+                <a:extLst>
+                  <a:ext uri="{0D108BD9-81ED-4DB2-BD59-A6C34878D82A}">
+                    <a16:rowId xmlns:a16="http://schemas.microsoft.com/office/drawing/2014/main" val="921155682"/>
+                  </a:ext>
+                </a:extLst>
+              </a:tr>
+              <a:tr h="176445">
+                <a:tc>
+                  <a:txBody>
+                    <a:bodyPr/>
+                    <a:lstStyle/>
+                    <a:p>
+                      <a:endParaRPr lang="zh-TW" altLang="en-US" sz="300" dirty="0"/>
+                    </a:p>
+                  </a:txBody>
+                  <a:tcPr>
+                    <a:lnL w="12700" cap="flat" cmpd="sng" algn="ctr">
+                      <a:noFill/>
+                      <a:prstDash val="solid"/>
+                      <a:round/>
+                      <a:headEnd type="none" w="med" len="med"/>
+                      <a:tailEnd type="none" w="med" len="med"/>
+                    </a:lnL>
+                    <a:lnR w="12700" cap="flat" cmpd="sng" algn="ctr">
+                      <a:noFill/>
+                      <a:prstDash val="solid"/>
+                      <a:round/>
+                      <a:headEnd type="none" w="med" len="med"/>
+                      <a:tailEnd type="none" w="med" len="med"/>
+                    </a:lnR>
+                    <a:lnT w="12700" cap="flat" cmpd="sng" algn="ctr">
+                      <a:solidFill>
+                        <a:schemeClr val="tx1"/>
+                      </a:solidFill>
+                      <a:prstDash val="solid"/>
+                      <a:round/>
+                      <a:headEnd type="none" w="med" len="med"/>
+                      <a:tailEnd type="none" w="med" len="med"/>
+                    </a:lnT>
+                    <a:lnB w="12700" cap="flat" cmpd="sng" algn="ctr">
+                      <a:solidFill>
+                        <a:schemeClr val="tx1"/>
+                      </a:solidFill>
+                      <a:prstDash val="solid"/>
+                      <a:round/>
+                      <a:headEnd type="none" w="med" len="med"/>
+                      <a:tailEnd type="none" w="med" len="med"/>
+                    </a:lnB>
+                    <a:lnTlToBr w="12700" cmpd="sng">
+                      <a:noFill/>
+                      <a:prstDash val="solid"/>
+                    </a:lnTlToBr>
+                    <a:lnBlToTr w="12700" cmpd="sng">
+                      <a:noFill/>
+                      <a:prstDash val="solid"/>
+                    </a:lnBlToTr>
+                    <a:solidFill>
+                      <a:schemeClr val="bg1"/>
+                    </a:solidFill>
+                  </a:tcPr>
+                </a:tc>
+                <a:extLst>
+                  <a:ext uri="{0D108BD9-81ED-4DB2-BD59-A6C34878D82A}">
+                    <a16:rowId xmlns:a16="http://schemas.microsoft.com/office/drawing/2014/main" val="1400972698"/>
+                  </a:ext>
+                </a:extLst>
+              </a:tr>
+            </a:tbl>
+          </a:graphicData>
+        </a:graphic>
+      </p:graphicFrame>
+      <p:sp>
+        <p:nvSpPr>
+          <p:cNvPr id="2" name="標題 1"/>
+          <p:cNvSpPr>
+            <a:spLocks noGrp="1"/>
+          </p:cNvSpPr>
+          <p:nvPr>
+            <p:ph type="title"/>
+          </p:nvPr>
+        </p:nvSpPr>
+        <p:spPr/>
+        <p:txBody>
+          <a:bodyPr/>
+          <a:lstStyle/>
+          <a:p>
+            <a:r>
+              <a:rPr lang="zh-TW" altLang="en-US" dirty="0" smtClean="0"/>
+              <a:t>華氏溫度與攝氏溫度轉換</a:t>
+            </a:r>
+            <a:endParaRPr lang="zh-TW" altLang="en-US" dirty="0"/>
+          </a:p>
+        </p:txBody>
+      </p:sp>
+      <p:graphicFrame>
+        <p:nvGraphicFramePr>
+          <p:cNvPr id="6" name="表格 5"/>
+          <p:cNvGraphicFramePr>
+            <a:graphicFrameLocks noGrp="1"/>
+          </p:cNvGraphicFramePr>
+          <p:nvPr>
+            <p:extLst>
+              <p:ext uri="{D42A27DB-BD31-4B8C-83A1-F6EECF244321}">
+                <p14:modId xmlns:p14="http://schemas.microsoft.com/office/powerpoint/2010/main" val="2975666027"/>
+              </p:ext>
+            </p:extLst>
+          </p:nvPr>
+        </p:nvGraphicFramePr>
+        <p:xfrm>
+          <a:off x="988476" y="2301240"/>
+          <a:ext cx="2961732" cy="3169920"/>
+        </p:xfrm>
+        <a:graphic>
+          <a:graphicData uri="http://schemas.openxmlformats.org/drawingml/2006/table">
+            <a:tbl>
+              <a:tblPr firstRow="1" bandRow="1">
+                <a:tableStyleId>{5C22544A-7EE6-4342-B048-85BDC9FD1C3A}</a:tableStyleId>
+              </a:tblPr>
+              <a:tblGrid>
+                <a:gridCol w="987244">
+                  <a:extLst>
+                    <a:ext uri="{9D8B030D-6E8A-4147-A177-3AD203B41FA5}">
+                      <a16:colId xmlns:a16="http://schemas.microsoft.com/office/drawing/2014/main" val="3795699087"/>
+                    </a:ext>
+                  </a:extLst>
+                </a:gridCol>
+                <a:gridCol w="987244">
+                  <a:extLst>
+                    <a:ext uri="{9D8B030D-6E8A-4147-A177-3AD203B41FA5}">
+                      <a16:colId xmlns:a16="http://schemas.microsoft.com/office/drawing/2014/main" val="387578872"/>
+                    </a:ext>
+                  </a:extLst>
+                </a:gridCol>
+                <a:gridCol w="987244">
+                  <a:extLst>
+                    <a:ext uri="{9D8B030D-6E8A-4147-A177-3AD203B41FA5}">
+                      <a16:colId xmlns:a16="http://schemas.microsoft.com/office/drawing/2014/main" val="415674302"/>
+                    </a:ext>
+                  </a:extLst>
+                </a:gridCol>
+              </a:tblGrid>
+              <a:tr h="792480">
+                <a:tc>
+                  <a:txBody>
+                    <a:bodyPr/>
+                    <a:lstStyle/>
+                    <a:p>
+                      <a:pPr marL="0" marR="0" lvl="0" indent="0" algn="ctr" defTabSz="457200" rtl="0" eaLnBrk="1" fontAlgn="auto" latinLnBrk="0" hangingPunct="1">
+                        <a:lnSpc>
+                          <a:spcPct val="100000"/>
+                        </a:lnSpc>
+                        <a:spcBef>
+                          <a:spcPts val="0"/>
+                        </a:spcBef>
+                        <a:spcAft>
+                          <a:spcPts val="0"/>
+                        </a:spcAft>
+                        <a:buClrTx/>
+                        <a:buSzTx/>
+                        <a:buFontTx/>
+                        <a:buNone/>
+                        <a:tabLst/>
+                        <a:defRPr/>
+                      </a:pPr>
+                      <a:endParaRPr lang="zh-TW" altLang="en-US" b="0" dirty="0" smtClean="0">
+                        <a:solidFill>
+                          <a:schemeClr val="tx1"/>
+                        </a:solidFill>
+                      </a:endParaRPr>
+                    </a:p>
+                  </a:txBody>
+                  <a:tcPr anchor="ctr">
+                    <a:lnL w="12700" cap="flat" cmpd="sng" algn="ctr">
+                      <a:solidFill>
+                        <a:schemeClr val="tx1"/>
+                      </a:solidFill>
+                      <a:prstDash val="solid"/>
+                      <a:round/>
+                      <a:headEnd type="none" w="med" len="med"/>
+                      <a:tailEnd type="none" w="med" len="med"/>
+                    </a:lnL>
+                    <a:lnR w="12700" cap="flat" cmpd="sng" algn="ctr">
+                      <a:solidFill>
+                        <a:schemeClr val="tx1"/>
+                      </a:solidFill>
+                      <a:prstDash val="solid"/>
+                      <a:round/>
+                      <a:headEnd type="none" w="med" len="med"/>
+                      <a:tailEnd type="none" w="med" len="med"/>
+                    </a:lnR>
+                    <a:lnT w="12700" cap="flat" cmpd="sng" algn="ctr">
+                      <a:solidFill>
+                        <a:schemeClr val="tx1"/>
+                      </a:solidFill>
+                      <a:prstDash val="solid"/>
+                      <a:round/>
+                      <a:headEnd type="none" w="med" len="med"/>
+                      <a:tailEnd type="none" w="med" len="med"/>
+                    </a:lnT>
+                    <a:lnB w="12700" cap="flat" cmpd="sng" algn="ctr">
+                      <a:solidFill>
+                        <a:schemeClr val="tx1"/>
+                      </a:solidFill>
+                      <a:prstDash val="solid"/>
+                      <a:round/>
+                      <a:headEnd type="none" w="med" len="med"/>
+                      <a:tailEnd type="none" w="med" len="med"/>
+                    </a:lnB>
+                    <a:solidFill>
+                      <a:schemeClr val="bg1"/>
+                    </a:solidFill>
+                  </a:tcPr>
+                </a:tc>
+                <a:tc>
+                  <a:txBody>
+                    <a:bodyPr/>
+                    <a:lstStyle/>
+                    <a:p>
+                      <a:pPr algn="ctr"/>
+                      <a:r>
+                        <a:rPr lang="zh-TW" altLang="en-US" b="0" dirty="0" smtClean="0">
+                          <a:solidFill>
+                            <a:schemeClr val="tx1"/>
+                          </a:solidFill>
+                        </a:rPr>
+                        <a:t>華氏</a:t>
+                      </a:r>
+                      <a:endParaRPr lang="zh-TW" altLang="en-US" b="0" dirty="0">
+                        <a:solidFill>
+                          <a:schemeClr val="tx1"/>
+                        </a:solidFill>
+                      </a:endParaRPr>
+                    </a:p>
+                  </a:txBody>
+                  <a:tcPr anchor="ctr">
+                    <a:lnL w="12700" cap="flat" cmpd="sng" algn="ctr">
+                      <a:solidFill>
+                        <a:schemeClr val="tx1"/>
+                      </a:solidFill>
+                      <a:prstDash val="solid"/>
+                      <a:round/>
+                      <a:headEnd type="none" w="med" len="med"/>
+                      <a:tailEnd type="none" w="med" len="med"/>
+                    </a:lnL>
+                    <a:lnR w="12700" cap="flat" cmpd="sng" algn="ctr">
+                      <a:solidFill>
+                        <a:schemeClr val="tx1"/>
+                      </a:solidFill>
+                      <a:prstDash val="solid"/>
+                      <a:round/>
+                      <a:headEnd type="none" w="med" len="med"/>
+                      <a:tailEnd type="none" w="med" len="med"/>
+                    </a:lnR>
+                    <a:lnT w="12700" cap="flat" cmpd="sng" algn="ctr">
+                      <a:solidFill>
+                        <a:schemeClr val="tx1"/>
+                      </a:solidFill>
+                      <a:prstDash val="solid"/>
+                      <a:round/>
+                      <a:headEnd type="none" w="med" len="med"/>
+                      <a:tailEnd type="none" w="med" len="med"/>
+                    </a:lnT>
+                    <a:lnB w="12700" cap="flat" cmpd="sng" algn="ctr">
+                      <a:solidFill>
+                        <a:schemeClr val="tx1"/>
+                      </a:solidFill>
+                      <a:prstDash val="solid"/>
+                      <a:round/>
+                      <a:headEnd type="none" w="med" len="med"/>
+                      <a:tailEnd type="none" w="med" len="med"/>
+                    </a:lnB>
+                    <a:solidFill>
+                      <a:schemeClr val="bg1"/>
+                    </a:solidFill>
+                  </a:tcPr>
+                </a:tc>
+                <a:tc>
+                  <a:txBody>
+                    <a:bodyPr/>
+                    <a:lstStyle/>
+                    <a:p>
+                      <a:pPr algn="ctr"/>
+                      <a:r>
+                        <a:rPr lang="zh-TW" altLang="en-US" b="0" dirty="0" smtClean="0">
+                          <a:solidFill>
+                            <a:schemeClr val="tx1"/>
+                          </a:solidFill>
+                        </a:rPr>
+                        <a:t>攝氏</a:t>
+                      </a:r>
+                      <a:endParaRPr lang="zh-TW" altLang="en-US" b="0" dirty="0">
+                        <a:solidFill>
+                          <a:schemeClr val="tx1"/>
+                        </a:solidFill>
+                      </a:endParaRPr>
+                    </a:p>
+                  </a:txBody>
+                  <a:tcPr anchor="ctr">
+                    <a:lnL w="12700" cap="flat" cmpd="sng" algn="ctr">
+                      <a:solidFill>
+                        <a:schemeClr val="tx1"/>
+                      </a:solidFill>
+                      <a:prstDash val="solid"/>
+                      <a:round/>
+                      <a:headEnd type="none" w="med" len="med"/>
+                      <a:tailEnd type="none" w="med" len="med"/>
+                    </a:lnL>
+                    <a:lnR w="12700" cap="flat" cmpd="sng" algn="ctr">
+                      <a:solidFill>
+                        <a:schemeClr val="tx1"/>
+                      </a:solidFill>
+                      <a:prstDash val="solid"/>
+                      <a:round/>
+                      <a:headEnd type="none" w="med" len="med"/>
+                      <a:tailEnd type="none" w="med" len="med"/>
+                    </a:lnR>
+                    <a:lnT w="12700" cap="flat" cmpd="sng" algn="ctr">
+                      <a:solidFill>
+                        <a:schemeClr val="tx1"/>
+                      </a:solidFill>
+                      <a:prstDash val="solid"/>
+                      <a:round/>
+                      <a:headEnd type="none" w="med" len="med"/>
+                      <a:tailEnd type="none" w="med" len="med"/>
+                    </a:lnT>
+                    <a:lnB w="12700" cap="flat" cmpd="sng" algn="ctr">
+                      <a:solidFill>
+                        <a:schemeClr val="tx1"/>
+                      </a:solidFill>
+                      <a:prstDash val="solid"/>
+                      <a:round/>
+                      <a:headEnd type="none" w="med" len="med"/>
+                      <a:tailEnd type="none" w="med" len="med"/>
+                    </a:lnB>
+                    <a:solidFill>
+                      <a:schemeClr val="bg1"/>
+                    </a:solidFill>
+                  </a:tcPr>
+                </a:tc>
+                <a:extLst>
+                  <a:ext uri="{0D108BD9-81ED-4DB2-BD59-A6C34878D82A}">
+                    <a16:rowId xmlns:a16="http://schemas.microsoft.com/office/drawing/2014/main" val="2088526087"/>
+                  </a:ext>
+                </a:extLst>
+              </a:tr>
+              <a:tr h="792480">
+                <a:tc>
+                  <a:txBody>
+                    <a:bodyPr/>
+                    <a:lstStyle/>
+                    <a:p>
+                      <a:pPr marL="0" marR="0" lvl="0" indent="0" algn="ctr" defTabSz="457200" rtl="0" eaLnBrk="1" fontAlgn="auto" latinLnBrk="0" hangingPunct="1">
+                        <a:lnSpc>
+                          <a:spcPct val="100000"/>
+                        </a:lnSpc>
+                        <a:spcBef>
+                          <a:spcPts val="0"/>
+                        </a:spcBef>
+                        <a:spcAft>
+                          <a:spcPts val="0"/>
+                        </a:spcAft>
+                        <a:buClrTx/>
+                        <a:buSzTx/>
+                        <a:buFontTx/>
+                        <a:buNone/>
+                        <a:tabLst/>
+                        <a:defRPr/>
+                      </a:pPr>
+                      <a:r>
+                        <a:rPr lang="zh-TW" altLang="en-US" b="0" dirty="0" smtClean="0">
+                          <a:solidFill>
+                            <a:schemeClr val="tx1"/>
+                          </a:solidFill>
+                        </a:rPr>
+                        <a:t>沸點</a:t>
+                      </a:r>
+                    </a:p>
+                  </a:txBody>
+                  <a:tcPr anchor="ctr">
+                    <a:lnL w="12700" cap="flat" cmpd="sng" algn="ctr">
+                      <a:solidFill>
+                        <a:schemeClr val="tx1"/>
+                      </a:solidFill>
+                      <a:prstDash val="solid"/>
+                      <a:round/>
+                      <a:headEnd type="none" w="med" len="med"/>
+                      <a:tailEnd type="none" w="med" len="med"/>
+                    </a:lnL>
+                    <a:lnR w="12700" cap="flat" cmpd="sng" algn="ctr">
+                      <a:solidFill>
+                        <a:schemeClr val="tx1"/>
+                      </a:solidFill>
+                      <a:prstDash val="solid"/>
+                      <a:round/>
+                      <a:headEnd type="none" w="med" len="med"/>
+                      <a:tailEnd type="none" w="med" len="med"/>
+                    </a:lnR>
+                    <a:lnT w="12700" cap="flat" cmpd="sng" algn="ctr">
+                      <a:solidFill>
+                        <a:schemeClr val="tx1"/>
+                      </a:solidFill>
+                      <a:prstDash val="solid"/>
+                      <a:round/>
+                      <a:headEnd type="none" w="med" len="med"/>
+                      <a:tailEnd type="none" w="med" len="med"/>
+                    </a:lnT>
+                    <a:lnB w="12700" cap="flat" cmpd="sng" algn="ctr">
+                      <a:solidFill>
+                        <a:schemeClr val="tx1"/>
+                      </a:solidFill>
+                      <a:prstDash val="solid"/>
+                      <a:round/>
+                      <a:headEnd type="none" w="med" len="med"/>
+                      <a:tailEnd type="none" w="med" len="med"/>
+                    </a:lnB>
+                    <a:solidFill>
+                      <a:schemeClr val="bg1"/>
+                    </a:solidFill>
+                  </a:tcPr>
+                </a:tc>
+                <a:tc>
+                  <a:txBody>
+                    <a:bodyPr/>
+                    <a:lstStyle/>
+                    <a:p>
+                      <a:pPr algn="ctr"/>
+                      <a:r>
+                        <a:rPr lang="en-US" altLang="zh-TW" b="0" dirty="0" smtClean="0">
+                          <a:solidFill>
+                            <a:schemeClr val="tx1"/>
+                          </a:solidFill>
+                        </a:rPr>
+                        <a:t>212</a:t>
+                      </a:r>
+                      <a:endParaRPr lang="zh-TW" altLang="en-US" b="0" dirty="0">
+                        <a:solidFill>
+                          <a:schemeClr val="tx1"/>
+                        </a:solidFill>
+                      </a:endParaRPr>
+                    </a:p>
+                  </a:txBody>
+                  <a:tcPr anchor="ctr">
+                    <a:lnL w="12700" cap="flat" cmpd="sng" algn="ctr">
+                      <a:solidFill>
+                        <a:schemeClr val="tx1"/>
+                      </a:solidFill>
+                      <a:prstDash val="solid"/>
+                      <a:round/>
+                      <a:headEnd type="none" w="med" len="med"/>
+                      <a:tailEnd type="none" w="med" len="med"/>
+                    </a:lnL>
+                    <a:lnR w="12700" cap="flat" cmpd="sng" algn="ctr">
+                      <a:solidFill>
+                        <a:schemeClr val="tx1"/>
+                      </a:solidFill>
+                      <a:prstDash val="solid"/>
+                      <a:round/>
+                      <a:headEnd type="none" w="med" len="med"/>
+                      <a:tailEnd type="none" w="med" len="med"/>
+                    </a:lnR>
+                    <a:lnT w="12700" cap="flat" cmpd="sng" algn="ctr">
+                      <a:solidFill>
+                        <a:schemeClr val="tx1"/>
+                      </a:solidFill>
+                      <a:prstDash val="solid"/>
+                      <a:round/>
+                      <a:headEnd type="none" w="med" len="med"/>
+                      <a:tailEnd type="none" w="med" len="med"/>
+                    </a:lnT>
+                    <a:lnB w="12700" cap="flat" cmpd="sng" algn="ctr">
+                      <a:solidFill>
+                        <a:schemeClr val="tx1"/>
+                      </a:solidFill>
+                      <a:prstDash val="solid"/>
+                      <a:round/>
+                      <a:headEnd type="none" w="med" len="med"/>
+                      <a:tailEnd type="none" w="med" len="med"/>
+                    </a:lnB>
+                    <a:solidFill>
+                      <a:schemeClr val="bg1"/>
+                    </a:solidFill>
+                  </a:tcPr>
+                </a:tc>
+                <a:tc>
+                  <a:txBody>
+                    <a:bodyPr/>
+                    <a:lstStyle/>
+                    <a:p>
+                      <a:pPr algn="ctr"/>
+                      <a:r>
+                        <a:rPr lang="en-US" altLang="zh-TW" b="0" dirty="0" smtClean="0">
+                          <a:solidFill>
+                            <a:schemeClr val="tx1"/>
+                          </a:solidFill>
+                        </a:rPr>
+                        <a:t>100</a:t>
+                      </a:r>
+                      <a:endParaRPr lang="zh-TW" altLang="en-US" b="0" dirty="0">
+                        <a:solidFill>
+                          <a:schemeClr val="tx1"/>
+                        </a:solidFill>
+                      </a:endParaRPr>
+                    </a:p>
+                  </a:txBody>
+                  <a:tcPr anchor="ctr">
+                    <a:lnL w="12700" cap="flat" cmpd="sng" algn="ctr">
+                      <a:solidFill>
+                        <a:schemeClr val="tx1"/>
+                      </a:solidFill>
+                      <a:prstDash val="solid"/>
+                      <a:round/>
+                      <a:headEnd type="none" w="med" len="med"/>
+                      <a:tailEnd type="none" w="med" len="med"/>
+                    </a:lnL>
+                    <a:lnR w="12700" cap="flat" cmpd="sng" algn="ctr">
+                      <a:solidFill>
+                        <a:schemeClr val="tx1"/>
+                      </a:solidFill>
+                      <a:prstDash val="solid"/>
+                      <a:round/>
+                      <a:headEnd type="none" w="med" len="med"/>
+                      <a:tailEnd type="none" w="med" len="med"/>
+                    </a:lnR>
+                    <a:lnT w="12700" cap="flat" cmpd="sng" algn="ctr">
+                      <a:solidFill>
+                        <a:schemeClr val="tx1"/>
+                      </a:solidFill>
+                      <a:prstDash val="solid"/>
+                      <a:round/>
+                      <a:headEnd type="none" w="med" len="med"/>
+                      <a:tailEnd type="none" w="med" len="med"/>
+                    </a:lnT>
+                    <a:lnB w="12700" cap="flat" cmpd="sng" algn="ctr">
+                      <a:solidFill>
+                        <a:schemeClr val="tx1"/>
+                      </a:solidFill>
+                      <a:prstDash val="solid"/>
+                      <a:round/>
+                      <a:headEnd type="none" w="med" len="med"/>
+                      <a:tailEnd type="none" w="med" len="med"/>
+                    </a:lnB>
+                    <a:solidFill>
+                      <a:schemeClr val="bg1"/>
+                    </a:solidFill>
+                  </a:tcPr>
+                </a:tc>
+                <a:extLst>
+                  <a:ext uri="{0D108BD9-81ED-4DB2-BD59-A6C34878D82A}">
+                    <a16:rowId xmlns:a16="http://schemas.microsoft.com/office/drawing/2014/main" val="975821096"/>
+                  </a:ext>
+                </a:extLst>
+              </a:tr>
+              <a:tr h="792480">
+                <a:tc>
+                  <a:txBody>
+                    <a:bodyPr/>
+                    <a:lstStyle/>
+                    <a:p>
+                      <a:pPr marL="0" marR="0" lvl="0" indent="0" algn="ctr" defTabSz="457200" rtl="0" eaLnBrk="1" fontAlgn="auto" latinLnBrk="0" hangingPunct="1">
+                        <a:lnSpc>
+                          <a:spcPct val="100000"/>
+                        </a:lnSpc>
+                        <a:spcBef>
+                          <a:spcPts val="0"/>
+                        </a:spcBef>
+                        <a:spcAft>
+                          <a:spcPts val="0"/>
+                        </a:spcAft>
+                        <a:buClrTx/>
+                        <a:buSzTx/>
+                        <a:buFontTx/>
+                        <a:buNone/>
+                        <a:tabLst/>
+                        <a:defRPr/>
+                      </a:pPr>
+                      <a:r>
+                        <a:rPr lang="zh-TW" altLang="en-US" b="0" dirty="0" smtClean="0"/>
+                        <a:t>冰點</a:t>
+                      </a:r>
+                    </a:p>
+                  </a:txBody>
+                  <a:tcPr anchor="ctr">
+                    <a:lnL w="12700" cap="flat" cmpd="sng" algn="ctr">
+                      <a:solidFill>
+                        <a:schemeClr val="tx1"/>
+                      </a:solidFill>
+                      <a:prstDash val="solid"/>
+                      <a:round/>
+                      <a:headEnd type="none" w="med" len="med"/>
+                      <a:tailEnd type="none" w="med" len="med"/>
+                    </a:lnL>
+                    <a:lnR w="12700" cap="flat" cmpd="sng" algn="ctr">
+                      <a:solidFill>
+                        <a:schemeClr val="tx1"/>
+                      </a:solidFill>
+                      <a:prstDash val="solid"/>
+                      <a:round/>
+                      <a:headEnd type="none" w="med" len="med"/>
+                      <a:tailEnd type="none" w="med" len="med"/>
+                    </a:lnR>
+                    <a:lnT w="12700" cap="flat" cmpd="sng" algn="ctr">
+                      <a:solidFill>
+                        <a:schemeClr val="tx1"/>
+                      </a:solidFill>
+                      <a:prstDash val="solid"/>
+                      <a:round/>
+                      <a:headEnd type="none" w="med" len="med"/>
+                      <a:tailEnd type="none" w="med" len="med"/>
+                    </a:lnT>
+                    <a:lnB w="12700" cap="flat" cmpd="sng" algn="ctr">
+                      <a:solidFill>
+                        <a:schemeClr val="tx1"/>
+                      </a:solidFill>
+                      <a:prstDash val="solid"/>
+                      <a:round/>
+                      <a:headEnd type="none" w="med" len="med"/>
+                      <a:tailEnd type="none" w="med" len="med"/>
+                    </a:lnB>
+                    <a:solidFill>
+                      <a:schemeClr val="bg1"/>
+                    </a:solidFill>
+                  </a:tcPr>
+                </a:tc>
+                <a:tc>
+                  <a:txBody>
+                    <a:bodyPr/>
+                    <a:lstStyle/>
+                    <a:p>
+                      <a:pPr algn="ctr"/>
+                      <a:r>
+                        <a:rPr lang="en-US" altLang="zh-TW" b="0" dirty="0" smtClean="0">
+                          <a:solidFill>
+                            <a:schemeClr val="tx1"/>
+                          </a:solidFill>
+                        </a:rPr>
+                        <a:t>32</a:t>
+                      </a:r>
+                      <a:endParaRPr lang="zh-TW" altLang="en-US" b="0" dirty="0">
+                        <a:solidFill>
+                          <a:schemeClr val="tx1"/>
+                        </a:solidFill>
+                      </a:endParaRPr>
+                    </a:p>
+                  </a:txBody>
+                  <a:tcPr anchor="ctr">
+                    <a:lnL w="12700" cap="flat" cmpd="sng" algn="ctr">
+                      <a:solidFill>
+                        <a:schemeClr val="tx1"/>
+                      </a:solidFill>
+                      <a:prstDash val="solid"/>
+                      <a:round/>
+                      <a:headEnd type="none" w="med" len="med"/>
+                      <a:tailEnd type="none" w="med" len="med"/>
+                    </a:lnL>
+                    <a:lnR w="12700" cap="flat" cmpd="sng" algn="ctr">
+                      <a:solidFill>
+                        <a:schemeClr val="tx1"/>
+                      </a:solidFill>
+                      <a:prstDash val="solid"/>
+                      <a:round/>
+                      <a:headEnd type="none" w="med" len="med"/>
+                      <a:tailEnd type="none" w="med" len="med"/>
+                    </a:lnR>
+                    <a:lnT w="12700" cap="flat" cmpd="sng" algn="ctr">
+                      <a:solidFill>
+                        <a:schemeClr val="tx1"/>
+                      </a:solidFill>
+                      <a:prstDash val="solid"/>
+                      <a:round/>
+                      <a:headEnd type="none" w="med" len="med"/>
+                      <a:tailEnd type="none" w="med" len="med"/>
+                    </a:lnT>
+                    <a:lnB w="12700" cap="flat" cmpd="sng" algn="ctr">
+                      <a:solidFill>
+                        <a:schemeClr val="tx1"/>
+                      </a:solidFill>
+                      <a:prstDash val="solid"/>
+                      <a:round/>
+                      <a:headEnd type="none" w="med" len="med"/>
+                      <a:tailEnd type="none" w="med" len="med"/>
+                    </a:lnB>
+                    <a:solidFill>
+                      <a:schemeClr val="bg1"/>
+                    </a:solidFill>
+                  </a:tcPr>
+                </a:tc>
+                <a:tc>
+                  <a:txBody>
+                    <a:bodyPr/>
+                    <a:lstStyle/>
+                    <a:p>
+                      <a:pPr algn="ctr"/>
+                      <a:r>
+                        <a:rPr lang="en-US" altLang="zh-TW" b="0" dirty="0" smtClean="0">
+                          <a:solidFill>
+                            <a:schemeClr val="tx1"/>
+                          </a:solidFill>
+                        </a:rPr>
+                        <a:t>0</a:t>
+                      </a:r>
+                      <a:endParaRPr lang="zh-TW" altLang="en-US" b="0" dirty="0">
+                        <a:solidFill>
+                          <a:schemeClr val="tx1"/>
+                        </a:solidFill>
+                      </a:endParaRPr>
+                    </a:p>
+                  </a:txBody>
+                  <a:tcPr anchor="ctr">
+                    <a:lnL w="12700" cap="flat" cmpd="sng" algn="ctr">
+                      <a:solidFill>
+                        <a:schemeClr val="tx1"/>
+                      </a:solidFill>
+                      <a:prstDash val="solid"/>
+                      <a:round/>
+                      <a:headEnd type="none" w="med" len="med"/>
+                      <a:tailEnd type="none" w="med" len="med"/>
+                    </a:lnL>
+                    <a:lnR w="12700" cap="flat" cmpd="sng" algn="ctr">
+                      <a:solidFill>
+                        <a:schemeClr val="tx1"/>
+                      </a:solidFill>
+                      <a:prstDash val="solid"/>
+                      <a:round/>
+                      <a:headEnd type="none" w="med" len="med"/>
+                      <a:tailEnd type="none" w="med" len="med"/>
+                    </a:lnR>
+                    <a:lnT w="12700" cap="flat" cmpd="sng" algn="ctr">
+                      <a:solidFill>
+                        <a:schemeClr val="tx1"/>
+                      </a:solidFill>
+                      <a:prstDash val="solid"/>
+                      <a:round/>
+                      <a:headEnd type="none" w="med" len="med"/>
+                      <a:tailEnd type="none" w="med" len="med"/>
+                    </a:lnT>
+                    <a:lnB w="12700" cap="flat" cmpd="sng" algn="ctr">
+                      <a:solidFill>
+                        <a:schemeClr val="tx1"/>
+                      </a:solidFill>
+                      <a:prstDash val="solid"/>
+                      <a:round/>
+                      <a:headEnd type="none" w="med" len="med"/>
+                      <a:tailEnd type="none" w="med" len="med"/>
+                    </a:lnB>
+                    <a:solidFill>
+                      <a:schemeClr val="bg1"/>
+                    </a:solidFill>
+                  </a:tcPr>
+                </a:tc>
+                <a:extLst>
+                  <a:ext uri="{0D108BD9-81ED-4DB2-BD59-A6C34878D82A}">
+                    <a16:rowId xmlns:a16="http://schemas.microsoft.com/office/drawing/2014/main" val="2861996350"/>
+                  </a:ext>
+                </a:extLst>
+              </a:tr>
+              <a:tr h="792480">
+                <a:tc>
+                  <a:txBody>
+                    <a:bodyPr/>
+                    <a:lstStyle/>
+                    <a:p>
+                      <a:pPr algn="ctr"/>
+                      <a:r>
+                        <a:rPr lang="zh-TW" altLang="en-US" b="0" dirty="0" smtClean="0">
+                          <a:solidFill>
+                            <a:schemeClr val="tx1"/>
+                          </a:solidFill>
+                        </a:rPr>
+                        <a:t>差距</a:t>
+                      </a:r>
+                      <a:endParaRPr lang="zh-TW" altLang="en-US" b="0" dirty="0">
+                        <a:solidFill>
+                          <a:schemeClr val="tx1"/>
+                        </a:solidFill>
+                      </a:endParaRPr>
+                    </a:p>
+                  </a:txBody>
+                  <a:tcPr anchor="ctr">
+                    <a:lnL w="12700" cap="flat" cmpd="sng" algn="ctr">
+                      <a:solidFill>
+                        <a:schemeClr val="tx1"/>
+                      </a:solidFill>
+                      <a:prstDash val="solid"/>
+                      <a:round/>
+                      <a:headEnd type="none" w="med" len="med"/>
+                      <a:tailEnd type="none" w="med" len="med"/>
+                    </a:lnL>
+                    <a:lnR w="12700" cap="flat" cmpd="sng" algn="ctr">
+                      <a:solidFill>
+                        <a:schemeClr val="tx1"/>
+                      </a:solidFill>
+                      <a:prstDash val="solid"/>
+                      <a:round/>
+                      <a:headEnd type="none" w="med" len="med"/>
+                      <a:tailEnd type="none" w="med" len="med"/>
+                    </a:lnR>
+                    <a:lnT w="12700" cap="flat" cmpd="sng" algn="ctr">
+                      <a:solidFill>
+                        <a:schemeClr val="tx1"/>
+                      </a:solidFill>
+                      <a:prstDash val="solid"/>
+                      <a:round/>
+                      <a:headEnd type="none" w="med" len="med"/>
+                      <a:tailEnd type="none" w="med" len="med"/>
+                    </a:lnT>
+                    <a:lnB w="12700" cap="flat" cmpd="sng" algn="ctr">
+                      <a:solidFill>
+                        <a:schemeClr val="tx1"/>
+                      </a:solidFill>
+                      <a:prstDash val="solid"/>
+                      <a:round/>
+                      <a:headEnd type="none" w="med" len="med"/>
+                      <a:tailEnd type="none" w="med" len="med"/>
+                    </a:lnB>
+                    <a:solidFill>
+                      <a:schemeClr val="bg1"/>
+                    </a:solidFill>
+                  </a:tcPr>
+                </a:tc>
+                <a:tc>
+                  <a:txBody>
+                    <a:bodyPr/>
+                    <a:lstStyle/>
+                    <a:p>
+                      <a:pPr algn="ctr"/>
+                      <a:r>
+                        <a:rPr lang="en-US" altLang="zh-TW" b="0" dirty="0" smtClean="0">
+                          <a:solidFill>
+                            <a:schemeClr val="tx1"/>
+                          </a:solidFill>
+                        </a:rPr>
+                        <a:t>180</a:t>
+                      </a:r>
+                      <a:endParaRPr lang="zh-TW" altLang="en-US" b="0" dirty="0">
+                        <a:solidFill>
+                          <a:schemeClr val="tx1"/>
+                        </a:solidFill>
+                      </a:endParaRPr>
+                    </a:p>
+                  </a:txBody>
+                  <a:tcPr anchor="ctr">
+                    <a:lnL w="12700" cap="flat" cmpd="sng" algn="ctr">
+                      <a:solidFill>
+                        <a:schemeClr val="tx1"/>
+                      </a:solidFill>
+                      <a:prstDash val="solid"/>
+                      <a:round/>
+                      <a:headEnd type="none" w="med" len="med"/>
+                      <a:tailEnd type="none" w="med" len="med"/>
+                    </a:lnL>
+                    <a:lnR w="12700" cap="flat" cmpd="sng" algn="ctr">
+                      <a:solidFill>
+                        <a:schemeClr val="tx1"/>
+                      </a:solidFill>
+                      <a:prstDash val="solid"/>
+                      <a:round/>
+                      <a:headEnd type="none" w="med" len="med"/>
+                      <a:tailEnd type="none" w="med" len="med"/>
+                    </a:lnR>
+                    <a:lnT w="12700" cap="flat" cmpd="sng" algn="ctr">
+                      <a:solidFill>
+                        <a:schemeClr val="tx1"/>
+                      </a:solidFill>
+                      <a:prstDash val="solid"/>
+                      <a:round/>
+                      <a:headEnd type="none" w="med" len="med"/>
+                      <a:tailEnd type="none" w="med" len="med"/>
+                    </a:lnT>
+                    <a:lnB w="12700" cap="flat" cmpd="sng" algn="ctr">
+                      <a:solidFill>
+                        <a:schemeClr val="tx1"/>
+                      </a:solidFill>
+                      <a:prstDash val="solid"/>
+                      <a:round/>
+                      <a:headEnd type="none" w="med" len="med"/>
+                      <a:tailEnd type="none" w="med" len="med"/>
+                    </a:lnB>
+                    <a:solidFill>
+                      <a:schemeClr val="bg1"/>
+                    </a:solidFill>
+                  </a:tcPr>
+                </a:tc>
+                <a:tc>
+                  <a:txBody>
+                    <a:bodyPr/>
+                    <a:lstStyle/>
+                    <a:p>
+                      <a:pPr algn="ctr"/>
+                      <a:r>
+                        <a:rPr lang="en-US" altLang="zh-TW" b="0" dirty="0" smtClean="0">
+                          <a:solidFill>
+                            <a:schemeClr val="tx1"/>
+                          </a:solidFill>
+                        </a:rPr>
+                        <a:t>100</a:t>
+                      </a:r>
+                      <a:endParaRPr lang="zh-TW" altLang="en-US" b="0" dirty="0">
+                        <a:solidFill>
+                          <a:schemeClr val="tx1"/>
+                        </a:solidFill>
+                      </a:endParaRPr>
+                    </a:p>
+                  </a:txBody>
+                  <a:tcPr anchor="ctr">
+                    <a:lnL w="12700" cap="flat" cmpd="sng" algn="ctr">
+                      <a:solidFill>
+                        <a:schemeClr val="tx1"/>
+                      </a:solidFill>
+                      <a:prstDash val="solid"/>
+                      <a:round/>
+                      <a:headEnd type="none" w="med" len="med"/>
+                      <a:tailEnd type="none" w="med" len="med"/>
+                    </a:lnL>
+                    <a:lnR w="12700" cap="flat" cmpd="sng" algn="ctr">
+                      <a:solidFill>
+                        <a:schemeClr val="tx1"/>
+                      </a:solidFill>
+                      <a:prstDash val="solid"/>
+                      <a:round/>
+                      <a:headEnd type="none" w="med" len="med"/>
+                      <a:tailEnd type="none" w="med" len="med"/>
+                    </a:lnR>
+                    <a:lnT w="12700" cap="flat" cmpd="sng" algn="ctr">
+                      <a:solidFill>
+                        <a:schemeClr val="tx1"/>
+                      </a:solidFill>
+                      <a:prstDash val="solid"/>
+                      <a:round/>
+                      <a:headEnd type="none" w="med" len="med"/>
+                      <a:tailEnd type="none" w="med" len="med"/>
+                    </a:lnT>
+                    <a:lnB w="12700" cap="flat" cmpd="sng" algn="ctr">
+                      <a:solidFill>
+                        <a:schemeClr val="tx1"/>
+                      </a:solidFill>
+                      <a:prstDash val="solid"/>
+                      <a:round/>
+                      <a:headEnd type="none" w="med" len="med"/>
+                      <a:tailEnd type="none" w="med" len="med"/>
+                    </a:lnB>
+                    <a:solidFill>
+                      <a:schemeClr val="bg1"/>
+                    </a:solidFill>
+                  </a:tcPr>
+                </a:tc>
+                <a:extLst>
+                  <a:ext uri="{0D108BD9-81ED-4DB2-BD59-A6C34878D82A}">
+                    <a16:rowId xmlns:a16="http://schemas.microsoft.com/office/drawing/2014/main" val="3762425908"/>
+                  </a:ext>
+                </a:extLst>
+              </a:tr>
+            </a:tbl>
+          </a:graphicData>
+        </a:graphic>
+      </p:graphicFrame>
+      <p:sp>
+        <p:nvSpPr>
+          <p:cNvPr id="7" name="向右箭號 6"/>
+          <p:cNvSpPr/>
+          <p:nvPr/>
+        </p:nvSpPr>
+        <p:spPr>
+          <a:xfrm>
+            <a:off x="6579108" y="3456432"/>
+            <a:ext cx="594360" cy="859536"/>
+          </a:xfrm>
+          <a:prstGeom prst="rightArrow">
+            <a:avLst/>
+          </a:prstGeom>
+        </p:spPr>
+        <p:style>
+          <a:lnRef idx="2">
+            <a:schemeClr val="accent1">
+              <a:shade val="50000"/>
+            </a:schemeClr>
+          </a:lnRef>
+          <a:fillRef idx="1">
+            <a:schemeClr val="accent1"/>
+          </a:fillRef>
+          <a:effectRef idx="0">
+            <a:schemeClr val="accent1"/>
+          </a:effectRef>
+          <a:fontRef idx="minor">
+            <a:schemeClr val="lt1"/>
+          </a:fontRef>
+        </p:style>
+        <p:txBody>
+          <a:bodyPr rtlCol="0" anchor="ctr"/>
+          <a:lstStyle/>
+          <a:p>
+            <a:pPr algn="ctr"/>
+            <a:endParaRPr lang="zh-TW" altLang="en-US"/>
+          </a:p>
+        </p:txBody>
+      </p:sp>
+      <mc:AlternateContent xmlns:mc="http://schemas.openxmlformats.org/markup-compatibility/2006">
+        <mc:Choice xmlns:a14="http://schemas.microsoft.com/office/drawing/2010/main" Requires="a14">
+          <p:sp>
+            <p:nvSpPr>
+              <p:cNvPr id="8" name="文字方塊 7"/>
+              <p:cNvSpPr txBox="1"/>
+              <p:nvPr/>
+            </p:nvSpPr>
+            <p:spPr>
+              <a:xfrm>
+                <a:off x="7223760" y="3400426"/>
+                <a:ext cx="3153427" cy="485774"/>
+              </a:xfrm>
+              <a:prstGeom prst="rect">
+                <a:avLst/>
+              </a:prstGeom>
+              <a:noFill/>
+            </p:spPr>
+            <p:txBody>
+              <a:bodyPr wrap="none" rtlCol="0">
+                <a:spAutoFit/>
+              </a:bodyPr>
+              <a:lstStyle/>
+              <a:p>
+                <a:r>
+                  <a:rPr lang="en-US" altLang="zh-TW" dirty="0" smtClean="0"/>
+                  <a:t>1</a:t>
+                </a:r>
+                <a:r>
+                  <a:rPr lang="zh-TW" altLang="en-US" dirty="0" smtClean="0"/>
+                  <a:t>攝氏度</a:t>
+                </a:r>
+                <a:r>
+                  <a:rPr lang="en-US" altLang="zh-TW" dirty="0" smtClean="0"/>
+                  <a:t>=</a:t>
+                </a:r>
+                <a14:m>
+                  <m:oMath xmlns:m="http://schemas.openxmlformats.org/officeDocument/2006/math">
+                    <m:f>
+                      <m:fPr>
+                        <m:ctrlPr>
+                          <a:rPr lang="en-US" altLang="zh-TW" i="1" smtClean="0">
+                            <a:latin typeface="Cambria Math" panose="02040503050406030204" pitchFamily="18" charset="0"/>
+                          </a:rPr>
+                        </m:ctrlPr>
+                      </m:fPr>
+                      <m:num>
+                        <m:r>
+                          <a:rPr lang="en-US" altLang="zh-TW" b="0" i="1" smtClean="0">
+                            <a:latin typeface="Cambria Math" panose="02040503050406030204" pitchFamily="18" charset="0"/>
+                          </a:rPr>
+                          <m:t>180</m:t>
+                        </m:r>
+                      </m:num>
+                      <m:den>
+                        <m:r>
+                          <a:rPr lang="en-US" altLang="zh-TW" b="0" i="1" smtClean="0">
+                            <a:latin typeface="Cambria Math" panose="02040503050406030204" pitchFamily="18" charset="0"/>
+                          </a:rPr>
+                          <m:t>100</m:t>
+                        </m:r>
+                      </m:den>
+                    </m:f>
+                    <m:r>
+                      <m:rPr>
+                        <m:nor/>
+                      </m:rPr>
+                      <a:rPr lang="zh-TW" altLang="en-US" dirty="0"/>
+                      <m:t>華氏</m:t>
+                    </m:r>
+                  </m:oMath>
+                </a14:m>
+                <a:r>
+                  <a:rPr lang="zh-TW" altLang="en-US" dirty="0" smtClean="0"/>
+                  <a:t>度</a:t>
+                </a:r>
+                <a:r>
+                  <a:rPr lang="en-US" altLang="zh-TW" dirty="0" smtClean="0"/>
+                  <a:t>=</a:t>
+                </a:r>
+                <a14:m>
+                  <m:oMath xmlns:m="http://schemas.openxmlformats.org/officeDocument/2006/math">
+                    <m:f>
+                      <m:fPr>
+                        <m:ctrlPr>
+                          <a:rPr lang="en-US" altLang="zh-TW" i="1" dirty="0" smtClean="0">
+                            <a:latin typeface="Cambria Math" panose="02040503050406030204" pitchFamily="18" charset="0"/>
+                          </a:rPr>
+                        </m:ctrlPr>
+                      </m:fPr>
+                      <m:num>
+                        <m:r>
+                          <a:rPr lang="en-US" altLang="zh-TW" b="0" i="1" dirty="0" smtClean="0">
+                            <a:latin typeface="Cambria Math" panose="02040503050406030204" pitchFamily="18" charset="0"/>
+                          </a:rPr>
+                          <m:t>9</m:t>
+                        </m:r>
+                      </m:num>
+                      <m:den>
+                        <m:r>
+                          <a:rPr lang="en-US" altLang="zh-TW" b="0" i="1" dirty="0" smtClean="0">
+                            <a:latin typeface="Cambria Math" panose="02040503050406030204" pitchFamily="18" charset="0"/>
+                          </a:rPr>
+                          <m:t>5</m:t>
+                        </m:r>
+                      </m:den>
+                    </m:f>
+                    <m:r>
+                      <m:rPr>
+                        <m:nor/>
+                      </m:rPr>
+                      <a:rPr lang="zh-TW" altLang="en-US" dirty="0"/>
+                      <m:t>華氏</m:t>
+                    </m:r>
+                  </m:oMath>
+                </a14:m>
+                <a:r>
+                  <a:rPr lang="zh-TW" altLang="en-US" dirty="0"/>
+                  <a:t>度</a:t>
+                </a:r>
+                <a:endParaRPr lang="zh-TW" altLang="en-US" dirty="0"/>
+              </a:p>
+            </p:txBody>
+          </p:sp>
+        </mc:Choice>
+        <mc:Fallback>
+          <p:sp>
+            <p:nvSpPr>
+              <p:cNvPr id="8" name="文字方塊 7"/>
+              <p:cNvSpPr txBox="1">
+                <a:spLocks noRot="1" noChangeAspect="1" noMove="1" noResize="1" noEditPoints="1" noAdjustHandles="1" noChangeArrowheads="1" noChangeShapeType="1" noTextEdit="1"/>
+              </p:cNvSpPr>
+              <p:nvPr/>
+            </p:nvSpPr>
+            <p:spPr>
+              <a:xfrm>
+                <a:off x="7223760" y="3400426"/>
+                <a:ext cx="3153427" cy="485774"/>
+              </a:xfrm>
+              <a:prstGeom prst="rect">
+                <a:avLst/>
+              </a:prstGeom>
+              <a:blipFill>
+                <a:blip r:embed="rId2"/>
+                <a:stretch>
+                  <a:fillRect l="-1547" b="-6250"/>
+                </a:stretch>
+              </a:blipFill>
+            </p:spPr>
+            <p:txBody>
+              <a:bodyPr/>
+              <a:lstStyle/>
+              <a:p>
+                <a:r>
+                  <a:rPr lang="zh-TW" altLang="en-US">
+                    <a:noFill/>
+                  </a:rPr>
+                  <a:t> </a:t>
+                </a:r>
+              </a:p>
+            </p:txBody>
+          </p:sp>
+        </mc:Fallback>
+      </mc:AlternateContent>
+      <mc:AlternateContent xmlns:mc="http://schemas.openxmlformats.org/markup-compatibility/2006">
+        <mc:Choice xmlns:a14="http://schemas.microsoft.com/office/drawing/2010/main" Requires="a14">
+          <p:sp>
+            <p:nvSpPr>
+              <p:cNvPr id="9" name="文字方塊 8"/>
+              <p:cNvSpPr txBox="1"/>
+              <p:nvPr/>
+            </p:nvSpPr>
+            <p:spPr>
+              <a:xfrm>
+                <a:off x="7223760" y="4073081"/>
+                <a:ext cx="3153427" cy="487954"/>
+              </a:xfrm>
+              <a:prstGeom prst="rect">
+                <a:avLst/>
+              </a:prstGeom>
+              <a:noFill/>
+            </p:spPr>
+            <p:txBody>
+              <a:bodyPr wrap="none" rtlCol="0">
+                <a:spAutoFit/>
+              </a:bodyPr>
+              <a:lstStyle/>
+              <a:p>
+                <a:r>
+                  <a:rPr lang="en-US" altLang="zh-TW" dirty="0" smtClean="0"/>
+                  <a:t>1</a:t>
+                </a:r>
+                <a14:m>
+                  <m:oMath xmlns:m="http://schemas.openxmlformats.org/officeDocument/2006/math">
+                    <m:r>
+                      <m:rPr>
+                        <m:nor/>
+                      </m:rPr>
+                      <a:rPr lang="zh-TW" altLang="en-US" dirty="0"/>
+                      <m:t>華</m:t>
+                    </m:r>
+                  </m:oMath>
+                </a14:m>
+                <a:r>
+                  <a:rPr lang="zh-TW" altLang="en-US" dirty="0" smtClean="0"/>
+                  <a:t>氏度</a:t>
+                </a:r>
+                <a:r>
+                  <a:rPr lang="en-US" altLang="zh-TW" dirty="0" smtClean="0"/>
+                  <a:t>=</a:t>
+                </a:r>
+                <a14:m>
+                  <m:oMath xmlns:m="http://schemas.openxmlformats.org/officeDocument/2006/math">
+                    <m:f>
+                      <m:fPr>
+                        <m:ctrlPr>
+                          <a:rPr lang="en-US" altLang="zh-TW" i="1" smtClean="0">
+                            <a:latin typeface="Cambria Math" panose="02040503050406030204" pitchFamily="18" charset="0"/>
+                          </a:rPr>
+                        </m:ctrlPr>
+                      </m:fPr>
+                      <m:num>
+                        <m:r>
+                          <a:rPr lang="en-US" altLang="zh-TW" b="0" i="1" smtClean="0">
+                            <a:latin typeface="Cambria Math" panose="02040503050406030204" pitchFamily="18" charset="0"/>
+                          </a:rPr>
+                          <m:t>100</m:t>
+                        </m:r>
+                      </m:num>
+                      <m:den>
+                        <m:r>
+                          <a:rPr lang="en-US" altLang="zh-TW" b="0" i="1" smtClean="0">
+                            <a:latin typeface="Cambria Math" panose="02040503050406030204" pitchFamily="18" charset="0"/>
+                          </a:rPr>
+                          <m:t>180</m:t>
+                        </m:r>
+                      </m:den>
+                    </m:f>
+                    <m:r>
+                      <m:rPr>
+                        <m:nor/>
+                      </m:rPr>
+                      <a:rPr lang="zh-TW" altLang="en-US" dirty="0"/>
+                      <m:t>攝氏</m:t>
+                    </m:r>
+                  </m:oMath>
+                </a14:m>
+                <a:r>
+                  <a:rPr lang="zh-TW" altLang="en-US" dirty="0" smtClean="0"/>
+                  <a:t>度</a:t>
+                </a:r>
+                <a:r>
+                  <a:rPr lang="en-US" altLang="zh-TW" dirty="0" smtClean="0"/>
+                  <a:t>=</a:t>
+                </a:r>
+                <a14:m>
+                  <m:oMath xmlns:m="http://schemas.openxmlformats.org/officeDocument/2006/math">
+                    <m:f>
+                      <m:fPr>
+                        <m:ctrlPr>
+                          <a:rPr lang="en-US" altLang="zh-TW" i="1" dirty="0" smtClean="0">
+                            <a:latin typeface="Cambria Math" panose="02040503050406030204" pitchFamily="18" charset="0"/>
+                          </a:rPr>
+                        </m:ctrlPr>
+                      </m:fPr>
+                      <m:num>
+                        <m:r>
+                          <a:rPr lang="en-US" altLang="zh-TW" b="0" i="1" dirty="0" smtClean="0">
+                            <a:latin typeface="Cambria Math" panose="02040503050406030204" pitchFamily="18" charset="0"/>
+                          </a:rPr>
+                          <m:t>5</m:t>
+                        </m:r>
+                      </m:num>
+                      <m:den>
+                        <m:r>
+                          <a:rPr lang="en-US" altLang="zh-TW" b="0" i="1" dirty="0" smtClean="0">
+                            <a:latin typeface="Cambria Math" panose="02040503050406030204" pitchFamily="18" charset="0"/>
+                          </a:rPr>
+                          <m:t>9</m:t>
+                        </m:r>
+                      </m:den>
+                    </m:f>
+                    <m:r>
+                      <m:rPr>
+                        <m:nor/>
+                      </m:rPr>
+                      <a:rPr lang="zh-TW" altLang="en-US" dirty="0"/>
+                      <m:t>攝氏</m:t>
+                    </m:r>
+                  </m:oMath>
+                </a14:m>
+                <a:r>
+                  <a:rPr lang="zh-TW" altLang="en-US" dirty="0"/>
+                  <a:t>度</a:t>
+                </a:r>
+                <a:endParaRPr lang="zh-TW" altLang="en-US" dirty="0"/>
+              </a:p>
+            </p:txBody>
+          </p:sp>
+        </mc:Choice>
+        <mc:Fallback>
+          <p:sp>
+            <p:nvSpPr>
+              <p:cNvPr id="9" name="文字方塊 8"/>
+              <p:cNvSpPr txBox="1">
+                <a:spLocks noRot="1" noChangeAspect="1" noMove="1" noResize="1" noEditPoints="1" noAdjustHandles="1" noChangeArrowheads="1" noChangeShapeType="1" noTextEdit="1"/>
+              </p:cNvSpPr>
+              <p:nvPr/>
+            </p:nvSpPr>
+            <p:spPr>
+              <a:xfrm>
+                <a:off x="7223760" y="4073081"/>
+                <a:ext cx="3153427" cy="487954"/>
+              </a:xfrm>
+              <a:prstGeom prst="rect">
+                <a:avLst/>
+              </a:prstGeom>
+              <a:blipFill>
+                <a:blip r:embed="rId3"/>
+                <a:stretch>
+                  <a:fillRect l="-1547" b="-6250"/>
+                </a:stretch>
+              </a:blipFill>
+            </p:spPr>
+            <p:txBody>
+              <a:bodyPr/>
+              <a:lstStyle/>
+              <a:p>
+                <a:r>
+                  <a:rPr lang="zh-TW" altLang="en-US">
+                    <a:noFill/>
+                  </a:rPr>
+                  <a:t> </a:t>
+                </a:r>
+              </a:p>
+            </p:txBody>
+          </p:sp>
+        </mc:Fallback>
+      </mc:AlternateContent>
+      <p:cxnSp>
+        <p:nvCxnSpPr>
+          <p:cNvPr id="11" name="直線接點 10"/>
+          <p:cNvCxnSpPr/>
+          <p:nvPr/>
+        </p:nvCxnSpPr>
+        <p:spPr>
+          <a:xfrm>
+            <a:off x="5298950" y="2304291"/>
+            <a:ext cx="0" cy="3163824"/>
+          </a:xfrm>
+          <a:prstGeom prst="line">
+            <a:avLst/>
+          </a:prstGeom>
+          <a:ln w="76200">
+            <a:solidFill>
+              <a:schemeClr val="tx1"/>
+            </a:solidFill>
+          </a:ln>
+        </p:spPr>
+        <p:style>
+          <a:lnRef idx="1">
+            <a:schemeClr val="accent1"/>
+          </a:lnRef>
+          <a:fillRef idx="0">
+            <a:schemeClr val="accent1"/>
+          </a:fillRef>
+          <a:effectRef idx="0">
+            <a:schemeClr val="accent1"/>
+          </a:effectRef>
+          <a:fontRef idx="minor">
+            <a:schemeClr val="tx1"/>
+          </a:fontRef>
+        </p:style>
+      </p:cxnSp>
+      <p:sp>
+        <p:nvSpPr>
+          <p:cNvPr id="32" name="文字方塊 31"/>
+          <p:cNvSpPr txBox="1"/>
+          <p:nvPr/>
+        </p:nvSpPr>
+        <p:spPr>
+          <a:xfrm>
+            <a:off x="5712210" y="2139418"/>
+            <a:ext cx="550151" cy="369332"/>
+          </a:xfrm>
+          <a:prstGeom prst="rect">
+            <a:avLst/>
+          </a:prstGeom>
+          <a:noFill/>
+        </p:spPr>
+        <p:txBody>
+          <a:bodyPr wrap="none" rtlCol="0">
+            <a:spAutoFit/>
+          </a:bodyPr>
+          <a:lstStyle/>
+          <a:p>
+            <a:r>
+              <a:rPr lang="en-US" altLang="zh-TW" dirty="0" smtClean="0"/>
+              <a:t>100</a:t>
+            </a:r>
+            <a:endParaRPr lang="zh-TW" altLang="en-US" dirty="0"/>
+          </a:p>
+        </p:txBody>
+      </p:sp>
+      <p:sp>
+        <p:nvSpPr>
+          <p:cNvPr id="33" name="文字方塊 32"/>
+          <p:cNvSpPr txBox="1"/>
+          <p:nvPr/>
+        </p:nvSpPr>
+        <p:spPr>
+          <a:xfrm>
+            <a:off x="5712210" y="5283449"/>
+            <a:ext cx="306494" cy="369332"/>
+          </a:xfrm>
+          <a:prstGeom prst="rect">
+            <a:avLst/>
+          </a:prstGeom>
+          <a:noFill/>
+        </p:spPr>
+        <p:txBody>
+          <a:bodyPr wrap="none" rtlCol="0">
+            <a:spAutoFit/>
+          </a:bodyPr>
+          <a:lstStyle/>
+          <a:p>
+            <a:r>
+              <a:rPr lang="en-US" altLang="zh-TW" dirty="0" smtClean="0"/>
+              <a:t>0</a:t>
+            </a:r>
+            <a:endParaRPr lang="zh-TW" altLang="en-US" dirty="0"/>
+          </a:p>
+        </p:txBody>
+      </p:sp>
+      <p:sp>
+        <p:nvSpPr>
+          <p:cNvPr id="34" name="文字方塊 33"/>
+          <p:cNvSpPr txBox="1"/>
+          <p:nvPr/>
+        </p:nvSpPr>
+        <p:spPr>
+          <a:xfrm>
+            <a:off x="4320886" y="2111415"/>
+            <a:ext cx="550151" cy="369332"/>
+          </a:xfrm>
+          <a:prstGeom prst="rect">
+            <a:avLst/>
+          </a:prstGeom>
+          <a:noFill/>
+        </p:spPr>
+        <p:txBody>
+          <a:bodyPr wrap="none" rtlCol="0">
+            <a:spAutoFit/>
+          </a:bodyPr>
+          <a:lstStyle/>
+          <a:p>
+            <a:r>
+              <a:rPr lang="en-US" altLang="zh-TW" dirty="0" smtClean="0"/>
+              <a:t>212</a:t>
+            </a:r>
+            <a:endParaRPr lang="zh-TW" altLang="en-US" dirty="0"/>
+          </a:p>
+        </p:txBody>
+      </p:sp>
+      <p:sp>
+        <p:nvSpPr>
+          <p:cNvPr id="35" name="文字方塊 34"/>
+          <p:cNvSpPr txBox="1"/>
+          <p:nvPr/>
+        </p:nvSpPr>
+        <p:spPr>
+          <a:xfrm>
+            <a:off x="4346977" y="5295642"/>
+            <a:ext cx="428322" cy="369332"/>
+          </a:xfrm>
+          <a:prstGeom prst="rect">
+            <a:avLst/>
+          </a:prstGeom>
+          <a:noFill/>
+        </p:spPr>
+        <p:txBody>
+          <a:bodyPr wrap="none" rtlCol="0">
+            <a:spAutoFit/>
+          </a:bodyPr>
+          <a:lstStyle/>
+          <a:p>
+            <a:r>
+              <a:rPr lang="en-US" altLang="zh-TW" dirty="0" smtClean="0"/>
+              <a:t>32</a:t>
+            </a:r>
+            <a:endParaRPr lang="zh-TW" altLang="en-US" dirty="0"/>
+          </a:p>
+        </p:txBody>
+      </p:sp>
+      <p:sp>
+        <p:nvSpPr>
+          <p:cNvPr id="36" name="文字方塊 35"/>
+          <p:cNvSpPr txBox="1"/>
+          <p:nvPr/>
+        </p:nvSpPr>
+        <p:spPr>
+          <a:xfrm>
+            <a:off x="4346971" y="3703528"/>
+            <a:ext cx="550151" cy="369332"/>
+          </a:xfrm>
+          <a:prstGeom prst="rect">
+            <a:avLst/>
+          </a:prstGeom>
+          <a:noFill/>
+        </p:spPr>
+        <p:txBody>
+          <a:bodyPr wrap="none" rtlCol="0">
+            <a:spAutoFit/>
+          </a:bodyPr>
+          <a:lstStyle/>
+          <a:p>
+            <a:r>
+              <a:rPr lang="en-US" altLang="zh-TW" dirty="0" smtClean="0"/>
+              <a:t>122</a:t>
+            </a:r>
+            <a:endParaRPr lang="zh-TW" altLang="en-US" dirty="0"/>
+          </a:p>
+        </p:txBody>
+      </p:sp>
+      <p:sp>
+        <p:nvSpPr>
+          <p:cNvPr id="37" name="文字方塊 36"/>
+          <p:cNvSpPr txBox="1"/>
+          <p:nvPr/>
+        </p:nvSpPr>
+        <p:spPr>
+          <a:xfrm>
+            <a:off x="5697485" y="3701534"/>
+            <a:ext cx="428322" cy="369332"/>
+          </a:xfrm>
+          <a:prstGeom prst="rect">
+            <a:avLst/>
+          </a:prstGeom>
+          <a:noFill/>
+        </p:spPr>
+        <p:txBody>
+          <a:bodyPr wrap="none" rtlCol="0">
+            <a:spAutoFit/>
+          </a:bodyPr>
+          <a:lstStyle/>
+          <a:p>
+            <a:r>
+              <a:rPr lang="en-US" altLang="zh-TW" dirty="0" smtClean="0"/>
+              <a:t>50</a:t>
+            </a:r>
+            <a:endParaRPr lang="zh-TW" altLang="en-US" dirty="0"/>
+          </a:p>
+        </p:txBody>
+      </p:sp>
+    </p:spTree>
+    <p:extLst>
+      <p:ext uri="{BB962C8B-B14F-4D97-AF65-F5344CB8AC3E}">
+        <p14:creationId xmlns:p14="http://schemas.microsoft.com/office/powerpoint/2010/main" val="2458459665"/>
+      </p:ext>
+    </p:extLst>
+  </p:cSld>
+  <p:clrMapOvr>
+    <a:masterClrMapping/>
+  </p:clrMapOvr>
+</p:sld>
+</file>
+
+<file path=ppt/slides/slide13.xml><?xml version="1.0" encoding="utf-8"?>
+<p:sld xmlns:a="http://schemas.openxmlformats.org/drawingml/2006/main" xmlns:r="http://schemas.openxmlformats.org/officeDocument/2006/relationships" xmlns:p="http://schemas.openxmlformats.org/presentationml/2006/main">
+  <p:cSld>
+    <p:spTree>
+      <p:nvGrpSpPr>
+        <p:cNvPr id="1" name=""/>
+        <p:cNvGrpSpPr/>
+        <p:nvPr/>
+      </p:nvGrpSpPr>
+      <p:grpSpPr>
+        <a:xfrm>
+          <a:off x="0" y="0"/>
+          <a:ext cx="0" cy="0"/>
+          <a:chOff x="0" y="0"/>
+          <a:chExt cx="0" cy="0"/>
+        </a:xfrm>
+      </p:grpSpPr>
       <p:sp>
         <p:nvSpPr>
           <p:cNvPr id="2" name="標題 1"/>
@@ -6974,6 +10263,347 @@
       </p:par>
     </p:tnLst>
   </p:timing>
+</p:sld>
+</file>
+
+<file path=ppt/slides/slide14.xml><?xml version="1.0" encoding="utf-8"?>
+<p:sld xmlns:a="http://schemas.openxmlformats.org/drawingml/2006/main" xmlns:r="http://schemas.openxmlformats.org/officeDocument/2006/relationships" xmlns:p="http://schemas.openxmlformats.org/presentationml/2006/main">
+  <p:cSld>
+    <p:spTree>
+      <p:nvGrpSpPr>
+        <p:cNvPr id="1" name=""/>
+        <p:cNvGrpSpPr/>
+        <p:nvPr/>
+      </p:nvGrpSpPr>
+      <p:grpSpPr>
+        <a:xfrm>
+          <a:off x="0" y="0"/>
+          <a:ext cx="0" cy="0"/>
+          <a:chOff x="0" y="0"/>
+          <a:chExt cx="0" cy="0"/>
+        </a:xfrm>
+      </p:grpSpPr>
+      <p:sp>
+        <p:nvSpPr>
+          <p:cNvPr id="2" name="標題 1"/>
+          <p:cNvSpPr>
+            <a:spLocks noGrp="1"/>
+          </p:cNvSpPr>
+          <p:nvPr>
+            <p:ph type="title"/>
+          </p:nvPr>
+        </p:nvSpPr>
+        <p:spPr/>
+        <p:txBody>
+          <a:bodyPr/>
+          <a:lstStyle/>
+          <a:p>
+            <a:r>
+              <a:rPr lang="zh-TW" altLang="en-US" dirty="0" smtClean="0"/>
+              <a:t>小練習</a:t>
+            </a:r>
+            <a:r>
+              <a:rPr lang="en-US" altLang="zh-TW" dirty="0" smtClean="0"/>
+              <a:t/>
+            </a:r>
+            <a:br>
+              <a:rPr lang="en-US" altLang="zh-TW" dirty="0" smtClean="0"/>
+            </a:br>
+            <a:r>
+              <a:rPr lang="zh-TW" altLang="en-US" dirty="0"/>
+              <a:t>自己來喔</a:t>
+            </a:r>
+          </a:p>
+        </p:txBody>
+      </p:sp>
+      <mc:AlternateContent xmlns:mc="http://schemas.openxmlformats.org/markup-compatibility/2006">
+        <mc:Choice xmlns:a14="http://schemas.microsoft.com/office/drawing/2010/main" Requires="a14">
+          <p:sp>
+            <p:nvSpPr>
+              <p:cNvPr id="3" name="內容版面配置區 2"/>
+              <p:cNvSpPr>
+                <a:spLocks noGrp="1"/>
+              </p:cNvSpPr>
+              <p:nvPr>
+                <p:ph idx="1"/>
+              </p:nvPr>
+            </p:nvSpPr>
+            <p:spPr/>
+            <p:txBody>
+              <a:bodyPr/>
+              <a:lstStyle/>
+              <a:p>
+                <a:r>
+                  <a:rPr lang="zh-TW" altLang="en-US" dirty="0" smtClean="0"/>
+                  <a:t>輸入身高體重，計算出</a:t>
+                </a:r>
+                <a:r>
+                  <a:rPr lang="en-US" altLang="zh-TW" dirty="0" smtClean="0"/>
+                  <a:t>BMI=?</a:t>
+                </a:r>
+              </a:p>
+              <a:p>
+                <a:pPr lvl="1"/>
+                <a14:m>
+                  <m:oMath xmlns:m="http://schemas.openxmlformats.org/officeDocument/2006/math">
+                    <m:r>
+                      <a:rPr lang="en-US" altLang="zh-TW" b="0" i="1" smtClean="0">
+                        <a:latin typeface="Cambria Math" panose="02040503050406030204" pitchFamily="18" charset="0"/>
+                      </a:rPr>
+                      <m:t>𝐵𝑀𝐼</m:t>
+                    </m:r>
+                    <m:r>
+                      <a:rPr lang="en-US" altLang="zh-TW" b="0" i="1" smtClean="0">
+                        <a:latin typeface="Cambria Math" panose="02040503050406030204" pitchFamily="18" charset="0"/>
+                        <a:ea typeface="Cambria Math" panose="02040503050406030204" pitchFamily="18" charset="0"/>
+                      </a:rPr>
+                      <m:t>=</m:t>
+                    </m:r>
+                    <m:box>
+                      <m:boxPr>
+                        <m:ctrlPr>
+                          <a:rPr lang="en-US" altLang="zh-TW" b="0" i="1" smtClean="0">
+                            <a:latin typeface="Cambria Math" panose="02040503050406030204" pitchFamily="18" charset="0"/>
+                            <a:ea typeface="Cambria Math" panose="02040503050406030204" pitchFamily="18" charset="0"/>
+                          </a:rPr>
+                        </m:ctrlPr>
+                      </m:boxPr>
+                      <m:e>
+                        <m:argPr>
+                          <m:argSz m:val="-1"/>
+                        </m:argPr>
+                        <m:f>
+                          <m:fPr>
+                            <m:ctrlPr>
+                              <a:rPr lang="en-US" altLang="zh-TW" b="0" i="1" smtClean="0">
+                                <a:latin typeface="Cambria Math" panose="02040503050406030204" pitchFamily="18" charset="0"/>
+                                <a:ea typeface="Cambria Math" panose="02040503050406030204" pitchFamily="18" charset="0"/>
+                              </a:rPr>
+                            </m:ctrlPr>
+                          </m:fPr>
+                          <m:num>
+                            <m:r>
+                              <a:rPr lang="zh-TW" altLang="en-US" i="1">
+                                <a:latin typeface="Cambria Math" panose="02040503050406030204" pitchFamily="18" charset="0"/>
+                                <a:ea typeface="Cambria Math" panose="02040503050406030204" pitchFamily="18" charset="0"/>
+                              </a:rPr>
+                              <m:t>體重</m:t>
+                            </m:r>
+                            <m:r>
+                              <a:rPr lang="en-US" altLang="zh-TW" i="1">
+                                <a:latin typeface="Cambria Math" panose="02040503050406030204" pitchFamily="18" charset="0"/>
+                                <a:ea typeface="Cambria Math" panose="02040503050406030204" pitchFamily="18" charset="0"/>
+                              </a:rPr>
+                              <m:t>(</m:t>
+                            </m:r>
+                            <m:r>
+                              <m:rPr>
+                                <m:sty m:val="p"/>
+                              </m:rPr>
+                              <a:rPr lang="en-US" altLang="zh-TW" i="1">
+                                <a:latin typeface="Cambria Math" panose="02040503050406030204" pitchFamily="18" charset="0"/>
+                                <a:ea typeface="Cambria Math" panose="02040503050406030204" pitchFamily="18" charset="0"/>
+                              </a:rPr>
+                              <m:t>kg</m:t>
+                            </m:r>
+                            <m:r>
+                              <a:rPr lang="en-US" altLang="zh-TW" i="1">
+                                <a:latin typeface="Cambria Math" panose="02040503050406030204" pitchFamily="18" charset="0"/>
+                                <a:ea typeface="Cambria Math" panose="02040503050406030204" pitchFamily="18" charset="0"/>
+                              </a:rPr>
+                              <m:t>)</m:t>
+                            </m:r>
+                          </m:num>
+                          <m:den>
+                            <m:sSup>
+                              <m:sSupPr>
+                                <m:ctrlPr>
+                                  <a:rPr lang="en-US" altLang="zh-TW" b="0" i="1" smtClean="0">
+                                    <a:latin typeface="Cambria Math" panose="02040503050406030204" pitchFamily="18" charset="0"/>
+                                    <a:ea typeface="Cambria Math" panose="02040503050406030204" pitchFamily="18" charset="0"/>
+                                  </a:rPr>
+                                </m:ctrlPr>
+                              </m:sSupPr>
+                              <m:e>
+                                <m:r>
+                                  <a:rPr lang="zh-TW" altLang="en-US" i="1">
+                                    <a:latin typeface="Cambria Math" panose="02040503050406030204" pitchFamily="18" charset="0"/>
+                                    <a:ea typeface="Cambria Math" panose="02040503050406030204" pitchFamily="18" charset="0"/>
+                                  </a:rPr>
+                                  <m:t>身高</m:t>
+                                </m:r>
+                              </m:e>
+                              <m:sup>
+                                <m:r>
+                                  <a:rPr lang="en-US" altLang="zh-TW" b="0" i="1" smtClean="0">
+                                    <a:latin typeface="Cambria Math" panose="02040503050406030204" pitchFamily="18" charset="0"/>
+                                    <a:ea typeface="Cambria Math" panose="02040503050406030204" pitchFamily="18" charset="0"/>
+                                  </a:rPr>
+                                  <m:t>2</m:t>
+                                </m:r>
+                              </m:sup>
+                            </m:sSup>
+                            <m:r>
+                              <a:rPr lang="en-US" altLang="zh-TW" i="1">
+                                <a:latin typeface="Cambria Math" panose="02040503050406030204" pitchFamily="18" charset="0"/>
+                                <a:ea typeface="Cambria Math" panose="02040503050406030204" pitchFamily="18" charset="0"/>
+                              </a:rPr>
+                              <m:t>(</m:t>
+                            </m:r>
+                            <m:r>
+                              <m:rPr>
+                                <m:sty m:val="p"/>
+                              </m:rPr>
+                              <a:rPr lang="en-US" altLang="zh-TW" i="1">
+                                <a:latin typeface="Cambria Math" panose="02040503050406030204" pitchFamily="18" charset="0"/>
+                                <a:ea typeface="Cambria Math" panose="02040503050406030204" pitchFamily="18" charset="0"/>
+                              </a:rPr>
+                              <m:t>m</m:t>
+                            </m:r>
+                            <m:r>
+                              <a:rPr lang="en-US" altLang="zh-TW" i="1">
+                                <a:latin typeface="Cambria Math" panose="02040503050406030204" pitchFamily="18" charset="0"/>
+                                <a:ea typeface="Cambria Math" panose="02040503050406030204" pitchFamily="18" charset="0"/>
+                              </a:rPr>
+                              <m:t>)</m:t>
+                            </m:r>
+                          </m:den>
+                        </m:f>
+                      </m:e>
+                    </m:box>
+                  </m:oMath>
+                </a14:m>
+                <a:endParaRPr lang="en-US" altLang="zh-TW" dirty="0" smtClean="0"/>
+              </a:p>
+              <a:p>
+                <a:r>
+                  <a:rPr lang="zh-TW" altLang="en-US" dirty="0" smtClean="0"/>
+                  <a:t>試看看，自己規劃看看！</a:t>
+                </a:r>
+                <a:endParaRPr lang="zh-TW" altLang="en-US" dirty="0"/>
+              </a:p>
+            </p:txBody>
+          </p:sp>
+        </mc:Choice>
+        <mc:Fallback>
+          <p:sp>
+            <p:nvSpPr>
+              <p:cNvPr id="3" name="內容版面配置區 2"/>
+              <p:cNvSpPr>
+                <a:spLocks noGrp="1" noRot="1" noChangeAspect="1" noMove="1" noResize="1" noEditPoints="1" noAdjustHandles="1" noChangeArrowheads="1" noChangeShapeType="1" noTextEdit="1"/>
+              </p:cNvSpPr>
+              <p:nvPr>
+                <p:ph idx="1"/>
+              </p:nvPr>
+            </p:nvSpPr>
+            <p:spPr>
+              <a:blipFill>
+                <a:blip r:embed="rId2"/>
+                <a:stretch>
+                  <a:fillRect l="-142" t="-942"/>
+                </a:stretch>
+              </a:blipFill>
+            </p:spPr>
+            <p:txBody>
+              <a:bodyPr/>
+              <a:lstStyle/>
+              <a:p>
+                <a:r>
+                  <a:rPr lang="zh-TW" altLang="en-US">
+                    <a:noFill/>
+                  </a:rPr>
+                  <a:t> </a:t>
+                </a:r>
+              </a:p>
+            </p:txBody>
+          </p:sp>
+        </mc:Fallback>
+      </mc:AlternateContent>
+    </p:spTree>
+    <p:extLst>
+      <p:ext uri="{BB962C8B-B14F-4D97-AF65-F5344CB8AC3E}">
+        <p14:creationId xmlns:p14="http://schemas.microsoft.com/office/powerpoint/2010/main" val="635316897"/>
+      </p:ext>
+    </p:extLst>
+  </p:cSld>
+  <p:clrMapOvr>
+    <a:masterClrMapping/>
+  </p:clrMapOvr>
+  <p:timing>
+    <p:tnLst>
+      <p:par>
+        <p:cTn id="1" dur="indefinite" restart="never" nodeType="tmRoot"/>
+      </p:par>
+    </p:tnLst>
+  </p:timing>
+</p:sld>
+</file>
+
+<file path=ppt/slides/slide15.xml><?xml version="1.0" encoding="utf-8"?>
+<p:sld xmlns:a="http://schemas.openxmlformats.org/drawingml/2006/main" xmlns:r="http://schemas.openxmlformats.org/officeDocument/2006/relationships" xmlns:p="http://schemas.openxmlformats.org/presentationml/2006/main">
+  <p:cSld>
+    <p:spTree>
+      <p:nvGrpSpPr>
+        <p:cNvPr id="1" name=""/>
+        <p:cNvGrpSpPr/>
+        <p:nvPr/>
+      </p:nvGrpSpPr>
+      <p:grpSpPr>
+        <a:xfrm>
+          <a:off x="0" y="0"/>
+          <a:ext cx="0" cy="0"/>
+          <a:chOff x="0" y="0"/>
+          <a:chExt cx="0" cy="0"/>
+        </a:xfrm>
+      </p:grpSpPr>
+      <p:sp>
+        <p:nvSpPr>
+          <p:cNvPr id="2" name="標題 1"/>
+          <p:cNvSpPr>
+            <a:spLocks noGrp="1"/>
+          </p:cNvSpPr>
+          <p:nvPr>
+            <p:ph type="title"/>
+          </p:nvPr>
+        </p:nvSpPr>
+        <p:spPr/>
+        <p:txBody>
+          <a:bodyPr/>
+          <a:lstStyle/>
+          <a:p>
+            <a:endParaRPr lang="zh-TW" altLang="en-US"/>
+          </a:p>
+        </p:txBody>
+      </p:sp>
+      <p:sp>
+        <p:nvSpPr>
+          <p:cNvPr id="3" name="內容版面配置區 2"/>
+          <p:cNvSpPr>
+            <a:spLocks noGrp="1"/>
+          </p:cNvSpPr>
+          <p:nvPr>
+            <p:ph idx="1"/>
+          </p:nvPr>
+        </p:nvSpPr>
+        <p:spPr/>
+        <p:txBody>
+          <a:bodyPr/>
+          <a:lstStyle/>
+          <a:p>
+            <a:endParaRPr lang="zh-TW" altLang="en-US"/>
+          </a:p>
+        </p:txBody>
+      </p:sp>
+    </p:spTree>
+    <p:extLst>
+      <p:ext uri="{BB962C8B-B14F-4D97-AF65-F5344CB8AC3E}">
+        <p14:creationId xmlns:p14="http://schemas.microsoft.com/office/powerpoint/2010/main" val="3705659134"/>
+      </p:ext>
+    </p:extLst>
+  </p:cSld>
+  <p:clrMapOvr>
+    <a:masterClrMapping/>
+  </p:clrMapOvr>
 </p:sld>
 </file>
 

--- a/LCC/Python/02_程式語言基本法.pptx
+++ b/LCC/Python/02_程式語言基本法.pptx
@@ -883,7 +883,7 @@
             <a:fld id="{B61BEF0D-F0BB-DE4B-95CE-6DB70DBA9567}" type="datetimeFigureOut">
               <a:rPr lang="en-US" smtClean="0"/>
               <a:pPr/>
-              <a:t>2/22/2021</a:t>
+              <a:t>5/29/2021</a:t>
             </a:fld>
             <a:endParaRPr lang="en-US" dirty="0"/>
           </a:p>
@@ -1136,7 +1136,7 @@
             <a:fld id="{B61BEF0D-F0BB-DE4B-95CE-6DB70DBA9567}" type="datetimeFigureOut">
               <a:rPr lang="en-US" smtClean="0"/>
               <a:pPr/>
-              <a:t>2/22/2021</a:t>
+              <a:t>5/29/2021</a:t>
             </a:fld>
             <a:endParaRPr lang="en-US" dirty="0"/>
           </a:p>
@@ -1452,7 +1452,7 @@
             <a:fld id="{B61BEF0D-F0BB-DE4B-95CE-6DB70DBA9567}" type="datetimeFigureOut">
               <a:rPr lang="en-US" smtClean="0"/>
               <a:pPr/>
-              <a:t>2/22/2021</a:t>
+              <a:t>5/29/2021</a:t>
             </a:fld>
             <a:endParaRPr lang="en-US" dirty="0"/>
           </a:p>
@@ -1787,7 +1787,7 @@
             <a:fld id="{B61BEF0D-F0BB-DE4B-95CE-6DB70DBA9567}" type="datetimeFigureOut">
               <a:rPr lang="en-US" smtClean="0"/>
               <a:pPr/>
-              <a:t>2/22/2021</a:t>
+              <a:t>5/29/2021</a:t>
             </a:fld>
             <a:endParaRPr lang="en-US" dirty="0"/>
           </a:p>
@@ -2103,7 +2103,7 @@
             <a:fld id="{B61BEF0D-F0BB-DE4B-95CE-6DB70DBA9567}" type="datetimeFigureOut">
               <a:rPr lang="en-US" smtClean="0"/>
               <a:pPr/>
-              <a:t>2/22/2021</a:t>
+              <a:t>5/29/2021</a:t>
             </a:fld>
             <a:endParaRPr lang="en-US" dirty="0"/>
           </a:p>
@@ -2498,7 +2498,7 @@
             <a:fld id="{B61BEF0D-F0BB-DE4B-95CE-6DB70DBA9567}" type="datetimeFigureOut">
               <a:rPr lang="en-US" smtClean="0"/>
               <a:pPr/>
-              <a:t>2/22/2021</a:t>
+              <a:t>5/29/2021</a:t>
             </a:fld>
             <a:endParaRPr lang="en-US" dirty="0"/>
           </a:p>
@@ -2669,7 +2669,7 @@
           <a:p>
             <a:fld id="{55C6B4A9-1611-4792-9094-5F34BCA07E0B}" type="datetimeFigureOut">
               <a:rPr lang="en-US" smtClean="0"/>
-              <a:t>2/22/2021</a:t>
+              <a:t>5/29/2021</a:t>
             </a:fld>
             <a:endParaRPr lang="en-US" dirty="0"/>
           </a:p>
@@ -2850,7 +2850,7 @@
             <a:fld id="{B61BEF0D-F0BB-DE4B-95CE-6DB70DBA9567}" type="datetimeFigureOut">
               <a:rPr lang="en-US" smtClean="0"/>
               <a:pPr/>
-              <a:t>2/22/2021</a:t>
+              <a:t>5/29/2021</a:t>
             </a:fld>
             <a:endParaRPr lang="en-US" dirty="0"/>
           </a:p>
@@ -3022,7 +3022,7 @@
             <a:fld id="{B61BEF0D-F0BB-DE4B-95CE-6DB70DBA9567}" type="datetimeFigureOut">
               <a:rPr lang="en-US" smtClean="0"/>
               <a:pPr/>
-              <a:t>2/22/2021</a:t>
+              <a:t>5/29/2021</a:t>
             </a:fld>
             <a:endParaRPr lang="en-US" dirty="0"/>
           </a:p>
@@ -3300,7 +3300,7 @@
             <a:fld id="{B61BEF0D-F0BB-DE4B-95CE-6DB70DBA9567}" type="datetimeFigureOut">
               <a:rPr lang="en-US" smtClean="0"/>
               <a:pPr/>
-              <a:t>2/22/2021</a:t>
+              <a:t>5/29/2021</a:t>
             </a:fld>
             <a:endParaRPr lang="en-US" dirty="0"/>
           </a:p>
@@ -3533,7 +3533,7 @@
           <a:p>
             <a:fld id="{EB712588-04B1-427B-82EE-E8DB90309F08}" type="datetimeFigureOut">
               <a:rPr lang="en-US" smtClean="0"/>
-              <a:t>2/22/2021</a:t>
+              <a:t>5/29/2021</a:t>
             </a:fld>
             <a:endParaRPr lang="en-US" dirty="0"/>
           </a:p>
@@ -3937,7 +3937,7 @@
             <a:fld id="{B61BEF0D-F0BB-DE4B-95CE-6DB70DBA9567}" type="datetimeFigureOut">
               <a:rPr lang="en-US" smtClean="0"/>
               <a:pPr/>
-              <a:t>2/22/2021</a:t>
+              <a:t>5/29/2021</a:t>
             </a:fld>
             <a:endParaRPr lang="en-US" dirty="0"/>
           </a:p>
@@ -4091,7 +4091,7 @@
             <a:fld id="{B61BEF0D-F0BB-DE4B-95CE-6DB70DBA9567}" type="datetimeFigureOut">
               <a:rPr lang="en-US" smtClean="0"/>
               <a:pPr/>
-              <a:t>2/22/2021</a:t>
+              <a:t>5/29/2021</a:t>
             </a:fld>
             <a:endParaRPr lang="en-US" dirty="0"/>
           </a:p>
@@ -4217,7 +4217,7 @@
             <a:fld id="{B61BEF0D-F0BB-DE4B-95CE-6DB70DBA9567}" type="datetimeFigureOut">
               <a:rPr lang="en-US" smtClean="0"/>
               <a:pPr/>
-              <a:t>2/22/2021</a:t>
+              <a:t>5/29/2021</a:t>
             </a:fld>
             <a:endParaRPr lang="en-US" dirty="0"/>
           </a:p>
@@ -4473,7 +4473,7 @@
           <a:p>
             <a:fld id="{42A54C80-263E-416B-A8E0-580EDEADCBDC}" type="datetimeFigureOut">
               <a:rPr lang="en-US" smtClean="0"/>
-              <a:t>2/22/2021</a:t>
+              <a:t>5/29/2021</a:t>
             </a:fld>
             <a:endParaRPr lang="en-US" dirty="0"/>
           </a:p>
@@ -4780,7 +4780,7 @@
             <a:fld id="{B61BEF0D-F0BB-DE4B-95CE-6DB70DBA9567}" type="datetimeFigureOut">
               <a:rPr lang="en-US" smtClean="0"/>
               <a:pPr/>
-              <a:t>2/22/2021</a:t>
+              <a:t>5/29/2021</a:t>
             </a:fld>
             <a:endParaRPr lang="en-US" dirty="0"/>
           </a:p>
@@ -5483,7 +5483,7 @@
             <a:fld id="{B61BEF0D-F0BB-DE4B-95CE-6DB70DBA9567}" type="datetimeFigureOut">
               <a:rPr lang="en-US" smtClean="0"/>
               <a:pPr/>
-              <a:t>2/22/2021</a:t>
+              <a:t>5/29/2021</a:t>
             </a:fld>
             <a:endParaRPr lang="en-US" dirty="0"/>
           </a:p>
@@ -6195,6 +6195,68 @@
           </a:p>
         </p:txBody>
       </p:sp>
+      <p:sp>
+        <p:nvSpPr>
+          <p:cNvPr id="6" name="文字方塊 5"/>
+          <p:cNvSpPr txBox="1"/>
+          <p:nvPr/>
+        </p:nvSpPr>
+        <p:spPr>
+          <a:xfrm>
+            <a:off x="292608" y="263957"/>
+            <a:ext cx="4647426" cy="369332"/>
+          </a:xfrm>
+          <a:prstGeom prst="rect">
+            <a:avLst/>
+          </a:prstGeom>
+          <a:noFill/>
+        </p:spPr>
+        <p:txBody>
+          <a:bodyPr wrap="none" rtlCol="0">
+            <a:spAutoFit/>
+          </a:bodyPr>
+          <a:lstStyle/>
+          <a:p>
+            <a:r>
+              <a:rPr lang="zh-TW" altLang="en-US" dirty="0" smtClean="0"/>
+              <a:t>投影片下載網址：</a:t>
+            </a:r>
+            <a:r>
+              <a:rPr lang="en-US" altLang="zh-TW" dirty="0"/>
+              <a:t>https://</a:t>
+            </a:r>
+            <a:r>
+              <a:rPr lang="en-US" altLang="zh-TW" dirty="0" smtClean="0"/>
+              <a:t>reurl.cc/Dg9Edm</a:t>
+            </a:r>
+            <a:endParaRPr lang="zh-TW" altLang="en-US" dirty="0"/>
+          </a:p>
+        </p:txBody>
+      </p:sp>
+      <p:pic>
+        <p:nvPicPr>
+          <p:cNvPr id="7" name="圖片 6"/>
+          <p:cNvPicPr>
+            <a:picLocks noChangeAspect="1"/>
+          </p:cNvPicPr>
+          <p:nvPr/>
+        </p:nvPicPr>
+        <p:blipFill>
+          <a:blip r:embed="rId3"/>
+          <a:stretch>
+            <a:fillRect/>
+          </a:stretch>
+        </p:blipFill>
+        <p:spPr>
+          <a:xfrm>
+            <a:off x="792692" y="747454"/>
+            <a:ext cx="1428750" cy="1428750"/>
+          </a:xfrm>
+          <a:prstGeom prst="rect">
+            <a:avLst/>
+          </a:prstGeom>
+        </p:spPr>
+      </p:pic>
     </p:spTree>
     <p:extLst>
       <p:ext uri="{BB962C8B-B14F-4D97-AF65-F5344CB8AC3E}">
@@ -6397,8 +6459,8 @@
           </a:p>
         </p:txBody>
       </p:sp>
-      <mc:AlternateContent xmlns:mc="http://schemas.openxmlformats.org/markup-compatibility/2006">
-        <mc:Choice xmlns:a14="http://schemas.microsoft.com/office/drawing/2010/main" Requires="a14">
+      <mc:AlternateContent xmlns:mc="http://schemas.openxmlformats.org/markup-compatibility/2006" xmlns:a14="http://schemas.microsoft.com/office/drawing/2010/main">
+        <mc:Choice Requires="a14">
           <p:sp>
             <p:nvSpPr>
               <p:cNvPr id="3" name="內容版面配置區 2"/>
@@ -6416,11 +6478,7 @@
               <a:p>
                 <a:r>
                   <a:rPr lang="zh-TW" altLang="en-US" dirty="0" smtClean="0"/>
-                  <a:t>請設計一個程式，讓我可以</a:t>
-                </a:r>
-                <a:r>
-                  <a:rPr lang="zh-TW" altLang="en-US" dirty="0" smtClean="0"/>
-                  <a:t>輸入華氏溫度，</a:t>
+                  <a:t>請設計一個程式，讓我可以輸入華氏溫度，</a:t>
                 </a:r>
                 <a:r>
                   <a:rPr lang="zh-TW" altLang="en-US" dirty="0"/>
@@ -6477,14 +6535,7 @@
                         <a:latin typeface="Cambria Math" panose="02040503050406030204" pitchFamily="18" charset="0"/>
                         <a:ea typeface="Cambria Math" panose="02040503050406030204" pitchFamily="18" charset="0"/>
                       </a:rPr>
-                      <m:t>=</m:t>
-                    </m:r>
-                    <m:r>
-                      <a:rPr lang="en-US" altLang="zh-TW" i="1" dirty="0">
-                        <a:latin typeface="Cambria Math" panose="02040503050406030204" pitchFamily="18" charset="0"/>
-                        <a:ea typeface="Cambria Math" panose="02040503050406030204" pitchFamily="18" charset="0"/>
-                      </a:rPr>
-                      <m:t>(</m:t>
+                      <m:t>=(</m:t>
                     </m:r>
                     <m:r>
                       <m:rPr>
@@ -6498,14 +6549,7 @@
                         <m:nor/>
                       </m:rPr>
                       <a:rPr lang="en-US" altLang="zh-TW" dirty="0"/>
-                      <m:t>- </m:t>
-                    </m:r>
-                    <m:r>
-                      <m:rPr>
-                        <m:nor/>
-                      </m:rPr>
-                      <a:rPr lang="en-US" altLang="zh-TW" dirty="0"/>
-                      <m:t>32)</m:t>
+                      <m:t>− 32)</m:t>
                     </m:r>
                     <m:r>
                       <a:rPr lang="en-US" altLang="zh-TW" i="1" smtClean="0">
@@ -6592,7 +6636,7 @@
             </p:txBody>
           </p:sp>
         </mc:Choice>
-        <mc:Fallback>
+        <mc:Fallback xmlns="">
           <p:sp>
             <p:nvSpPr>
               <p:cNvPr id="3" name="內容版面配置區 2"/>
@@ -9596,8 +9640,8 @@
           </a:p>
         </p:txBody>
       </p:sp>
-      <mc:AlternateContent xmlns:mc="http://schemas.openxmlformats.org/markup-compatibility/2006">
-        <mc:Choice xmlns:a14="http://schemas.microsoft.com/office/drawing/2010/main" Requires="a14">
+      <mc:AlternateContent xmlns:mc="http://schemas.openxmlformats.org/markup-compatibility/2006" xmlns:a14="http://schemas.microsoft.com/office/drawing/2010/main">
+        <mc:Choice Requires="a14">
           <p:sp>
             <p:nvSpPr>
               <p:cNvPr id="8" name="文字方塊 7"/>
@@ -9716,12 +9760,11 @@
                   <a:rPr lang="zh-TW" altLang="en-US" dirty="0"/>
                   <a:t>度</a:t>
                 </a:r>
-                <a:endParaRPr lang="zh-TW" altLang="en-US" dirty="0"/>
               </a:p>
             </p:txBody>
           </p:sp>
         </mc:Choice>
-        <mc:Fallback>
+        <mc:Fallback xmlns="">
           <p:sp>
             <p:nvSpPr>
               <p:cNvPr id="8" name="文字方塊 7"/>
@@ -9760,8 +9803,8 @@
           </p:sp>
         </mc:Fallback>
       </mc:AlternateContent>
-      <mc:AlternateContent xmlns:mc="http://schemas.openxmlformats.org/markup-compatibility/2006">
-        <mc:Choice xmlns:a14="http://schemas.microsoft.com/office/drawing/2010/main" Requires="a14">
+      <mc:AlternateContent xmlns:mc="http://schemas.openxmlformats.org/markup-compatibility/2006" xmlns:a14="http://schemas.microsoft.com/office/drawing/2010/main">
+        <mc:Choice Requires="a14">
           <p:sp>
             <p:nvSpPr>
               <p:cNvPr id="9" name="文字方塊 8"/>
@@ -9891,12 +9934,11 @@
                   <a:rPr lang="zh-TW" altLang="en-US" dirty="0"/>
                   <a:t>度</a:t>
                 </a:r>
-                <a:endParaRPr lang="zh-TW" altLang="en-US" dirty="0"/>
               </a:p>
             </p:txBody>
           </p:sp>
         </mc:Choice>
-        <mc:Fallback>
+        <mc:Fallback xmlns="">
           <p:sp>
             <p:nvSpPr>
               <p:cNvPr id="9" name="文字方塊 8"/>
@@ -10150,6 +10192,422 @@
           </a:p>
         </p:txBody>
       </p:sp>
+      <mc:AlternateContent xmlns:mc="http://schemas.openxmlformats.org/markup-compatibility/2006">
+        <mc:Choice xmlns:a14="http://schemas.microsoft.com/office/drawing/2010/main" Requires="a14">
+          <p:sp>
+            <p:nvSpPr>
+              <p:cNvPr id="3" name="矩形 2"/>
+              <p:cNvSpPr/>
+              <p:nvPr/>
+            </p:nvSpPr>
+            <p:spPr>
+              <a:xfrm>
+                <a:off x="7878845" y="2384934"/>
+                <a:ext cx="2383986" cy="616964"/>
+              </a:xfrm>
+              <a:prstGeom prst="rect">
+                <a:avLst/>
+              </a:prstGeom>
+            </p:spPr>
+            <p:txBody>
+              <a:bodyPr wrap="none">
+                <a:spAutoFit/>
+              </a:bodyPr>
+              <a:lstStyle/>
+              <a:p>
+                <a:r>
+                  <a:rPr lang="zh-TW" altLang="en-US" dirty="0" smtClean="0">
+                    <a:solidFill>
+                      <a:srgbClr val="C00000"/>
+                    </a:solidFill>
+                  </a:rPr>
+                  <a:t>攝氏度</a:t>
+                </a:r>
+                <a:r>
+                  <a:rPr lang="en-US" altLang="zh-TW" dirty="0" smtClean="0">
+                    <a:solidFill>
+                      <a:srgbClr val="C00000"/>
+                    </a:solidFill>
+                  </a:rPr>
+                  <a:t>X</a:t>
+                </a:r>
+                <a14:m>
+                  <m:oMath xmlns:m="http://schemas.openxmlformats.org/officeDocument/2006/math">
+                    <m:f>
+                      <m:fPr>
+                        <m:ctrlPr>
+                          <a:rPr lang="en-US" altLang="zh-TW" sz="2400" i="1" dirty="0">
+                            <a:solidFill>
+                              <a:srgbClr val="C00000"/>
+                            </a:solidFill>
+                            <a:latin typeface="Cambria Math" panose="02040503050406030204" pitchFamily="18" charset="0"/>
+                          </a:rPr>
+                        </m:ctrlPr>
+                      </m:fPr>
+                      <m:num>
+                        <m:r>
+                          <a:rPr lang="en-US" altLang="zh-TW" sz="2400" i="1" dirty="0">
+                            <a:solidFill>
+                              <a:srgbClr val="C00000"/>
+                            </a:solidFill>
+                            <a:latin typeface="Cambria Math" panose="02040503050406030204" pitchFamily="18" charset="0"/>
+                          </a:rPr>
+                          <m:t>9</m:t>
+                        </m:r>
+                      </m:num>
+                      <m:den>
+                        <m:r>
+                          <a:rPr lang="en-US" altLang="zh-TW" sz="2400" i="1" dirty="0">
+                            <a:solidFill>
+                              <a:srgbClr val="C00000"/>
+                            </a:solidFill>
+                            <a:latin typeface="Cambria Math" panose="02040503050406030204" pitchFamily="18" charset="0"/>
+                          </a:rPr>
+                          <m:t>5</m:t>
+                        </m:r>
+                      </m:den>
+                    </m:f>
+                  </m:oMath>
+                </a14:m>
+                <a:r>
+                  <a:rPr lang="en-US" altLang="zh-TW" dirty="0" smtClean="0">
+                    <a:solidFill>
+                      <a:srgbClr val="C00000"/>
+                    </a:solidFill>
+                  </a:rPr>
+                  <a:t> +32=</a:t>
+                </a:r>
+                <a14:m>
+                  <m:oMath xmlns:m="http://schemas.openxmlformats.org/officeDocument/2006/math">
+                    <m:r>
+                      <m:rPr>
+                        <m:nor/>
+                      </m:rPr>
+                      <a:rPr lang="zh-TW" altLang="en-US" dirty="0">
+                        <a:solidFill>
+                          <a:srgbClr val="C00000"/>
+                        </a:solidFill>
+                      </a:rPr>
+                      <m:t>華氏</m:t>
+                    </m:r>
+                  </m:oMath>
+                </a14:m>
+                <a:r>
+                  <a:rPr lang="zh-TW" altLang="en-US" dirty="0">
+                    <a:solidFill>
+                      <a:srgbClr val="C00000"/>
+                    </a:solidFill>
+                  </a:rPr>
+                  <a:t>度</a:t>
+                </a:r>
+                <a:endParaRPr lang="zh-TW" altLang="en-US" dirty="0">
+                  <a:solidFill>
+                    <a:srgbClr val="C00000"/>
+                  </a:solidFill>
+                </a:endParaRPr>
+              </a:p>
+            </p:txBody>
+          </p:sp>
+        </mc:Choice>
+        <mc:Fallback>
+          <p:sp>
+            <p:nvSpPr>
+              <p:cNvPr id="3" name="矩形 2"/>
+              <p:cNvSpPr>
+                <a:spLocks noRot="1" noChangeAspect="1" noMove="1" noResize="1" noEditPoints="1" noAdjustHandles="1" noChangeArrowheads="1" noChangeShapeType="1" noTextEdit="1"/>
+              </p:cNvSpPr>
+              <p:nvPr/>
+            </p:nvSpPr>
+            <p:spPr>
+              <a:xfrm>
+                <a:off x="7878845" y="2384934"/>
+                <a:ext cx="2383986" cy="616964"/>
+              </a:xfrm>
+              <a:prstGeom prst="rect">
+                <a:avLst/>
+              </a:prstGeom>
+              <a:blipFill>
+                <a:blip r:embed="rId4"/>
+                <a:stretch>
+                  <a:fillRect l="-2041" r="-1531"/>
+                </a:stretch>
+              </a:blipFill>
+            </p:spPr>
+            <p:txBody>
+              <a:bodyPr/>
+              <a:lstStyle/>
+              <a:p>
+                <a:r>
+                  <a:rPr lang="zh-TW" altLang="en-US">
+                    <a:noFill/>
+                  </a:rPr>
+                  <a:t> </a:t>
+                </a:r>
+              </a:p>
+            </p:txBody>
+          </p:sp>
+        </mc:Fallback>
+      </mc:AlternateContent>
+      <p:sp>
+        <p:nvSpPr>
+          <p:cNvPr id="4" name="向上箭號 3"/>
+          <p:cNvSpPr/>
+          <p:nvPr/>
+        </p:nvSpPr>
+        <p:spPr>
+          <a:xfrm>
+            <a:off x="8800473" y="2998756"/>
+            <a:ext cx="494522" cy="308229"/>
+          </a:xfrm>
+          <a:prstGeom prst="upArrow">
+            <a:avLst/>
+          </a:prstGeom>
+        </p:spPr>
+        <p:style>
+          <a:lnRef idx="2">
+            <a:schemeClr val="accent1">
+              <a:shade val="50000"/>
+            </a:schemeClr>
+          </a:lnRef>
+          <a:fillRef idx="1">
+            <a:schemeClr val="accent1"/>
+          </a:fillRef>
+          <a:effectRef idx="0">
+            <a:schemeClr val="accent1"/>
+          </a:effectRef>
+          <a:fontRef idx="minor">
+            <a:schemeClr val="lt1"/>
+          </a:fontRef>
+        </p:style>
+        <p:txBody>
+          <a:bodyPr rtlCol="0" anchor="ctr"/>
+          <a:lstStyle/>
+          <a:p>
+            <a:pPr algn="ctr"/>
+            <a:endParaRPr lang="zh-TW" altLang="en-US"/>
+          </a:p>
+        </p:txBody>
+      </p:sp>
+      <mc:AlternateContent xmlns:mc="http://schemas.openxmlformats.org/markup-compatibility/2006">
+        <mc:Choice xmlns:a14="http://schemas.microsoft.com/office/drawing/2010/main" Requires="a14">
+          <p:sp>
+            <p:nvSpPr>
+              <p:cNvPr id="19" name="矩形 18"/>
+              <p:cNvSpPr/>
+              <p:nvPr/>
+            </p:nvSpPr>
+            <p:spPr>
+              <a:xfrm>
+                <a:off x="7868773" y="4934299"/>
+                <a:ext cx="2723823" cy="621837"/>
+              </a:xfrm>
+              <a:prstGeom prst="rect">
+                <a:avLst/>
+              </a:prstGeom>
+            </p:spPr>
+            <p:txBody>
+              <a:bodyPr wrap="none">
+                <a:spAutoFit/>
+              </a:bodyPr>
+              <a:lstStyle/>
+              <a:p>
+                <a:r>
+                  <a:rPr lang="en-US" altLang="zh-TW" dirty="0" smtClean="0">
+                    <a:solidFill>
+                      <a:srgbClr val="C00000"/>
+                    </a:solidFill>
+                  </a:rPr>
+                  <a:t> (</a:t>
+                </a:r>
+                <a14:m>
+                  <m:oMath xmlns:m="http://schemas.openxmlformats.org/officeDocument/2006/math">
+                    <m:r>
+                      <m:rPr>
+                        <m:nor/>
+                      </m:rPr>
+                      <a:rPr lang="zh-TW" altLang="en-US" dirty="0">
+                        <a:solidFill>
+                          <a:srgbClr val="C00000"/>
+                        </a:solidFill>
+                      </a:rPr>
+                      <m:t>華氏</m:t>
+                    </m:r>
+                  </m:oMath>
+                </a14:m>
+                <a:r>
+                  <a:rPr lang="zh-TW" altLang="en-US" dirty="0">
+                    <a:solidFill>
+                      <a:srgbClr val="C00000"/>
+                    </a:solidFill>
+                  </a:rPr>
+                  <a:t>度</a:t>
+                </a:r>
+                <a:r>
+                  <a:rPr lang="zh-TW" altLang="en-US" dirty="0">
+                    <a:solidFill>
+                      <a:srgbClr val="C00000"/>
+                    </a:solidFill>
+                  </a:rPr>
+                  <a:t> </a:t>
+                </a:r>
+                <a:r>
+                  <a:rPr lang="en-US" altLang="zh-TW" dirty="0">
+                    <a:solidFill>
+                      <a:srgbClr val="C00000"/>
+                    </a:solidFill>
+                  </a:rPr>
+                  <a:t>– 32)</a:t>
+                </a:r>
+                <a:r>
+                  <a:rPr lang="en-US" altLang="zh-TW" dirty="0" smtClean="0">
+                    <a:solidFill>
+                      <a:srgbClr val="C00000"/>
+                    </a:solidFill>
+                  </a:rPr>
+                  <a:t>X</a:t>
+                </a:r>
+                <a14:m>
+                  <m:oMath xmlns:m="http://schemas.openxmlformats.org/officeDocument/2006/math">
+                    <m:f>
+                      <m:fPr>
+                        <m:ctrlPr>
+                          <a:rPr lang="en-US" altLang="zh-TW" sz="2400" i="1" dirty="0">
+                            <a:solidFill>
+                              <a:srgbClr val="C00000"/>
+                            </a:solidFill>
+                            <a:latin typeface="Cambria Math" panose="02040503050406030204" pitchFamily="18" charset="0"/>
+                          </a:rPr>
+                        </m:ctrlPr>
+                      </m:fPr>
+                      <m:num>
+                        <m:r>
+                          <a:rPr lang="en-US" altLang="zh-TW" sz="2400" b="0" i="1" dirty="0" smtClean="0">
+                            <a:solidFill>
+                              <a:srgbClr val="C00000"/>
+                            </a:solidFill>
+                            <a:latin typeface="Cambria Math" panose="02040503050406030204" pitchFamily="18" charset="0"/>
+                          </a:rPr>
+                          <m:t>5</m:t>
+                        </m:r>
+                      </m:num>
+                      <m:den>
+                        <m:r>
+                          <a:rPr lang="en-US" altLang="zh-TW" sz="2400" b="0" i="1" dirty="0" smtClean="0">
+                            <a:solidFill>
+                              <a:srgbClr val="C00000"/>
+                            </a:solidFill>
+                            <a:latin typeface="Cambria Math" panose="02040503050406030204" pitchFamily="18" charset="0"/>
+                          </a:rPr>
+                          <m:t>9</m:t>
+                        </m:r>
+                      </m:den>
+                    </m:f>
+                  </m:oMath>
+                </a14:m>
+                <a:r>
+                  <a:rPr lang="en-US" altLang="zh-TW" dirty="0" smtClean="0">
+                    <a:solidFill>
+                      <a:srgbClr val="C00000"/>
+                    </a:solidFill>
+                  </a:rPr>
+                  <a:t> =</a:t>
+                </a:r>
+                <a:r>
+                  <a:rPr lang="zh-TW" altLang="en-US" dirty="0">
+                    <a:solidFill>
+                      <a:srgbClr val="C00000"/>
+                    </a:solidFill>
+                  </a:rPr>
+                  <a:t>攝氏度</a:t>
+                </a:r>
+                <a:endParaRPr lang="zh-TW" altLang="en-US" dirty="0">
+                  <a:solidFill>
+                    <a:srgbClr val="C00000"/>
+                  </a:solidFill>
+                </a:endParaRPr>
+              </a:p>
+            </p:txBody>
+          </p:sp>
+        </mc:Choice>
+        <mc:Fallback>
+          <p:sp>
+            <p:nvSpPr>
+              <p:cNvPr id="19" name="矩形 18"/>
+              <p:cNvSpPr>
+                <a:spLocks noRot="1" noChangeAspect="1" noMove="1" noResize="1" noEditPoints="1" noAdjustHandles="1" noChangeArrowheads="1" noChangeShapeType="1" noTextEdit="1"/>
+              </p:cNvSpPr>
+              <p:nvPr/>
+            </p:nvSpPr>
+            <p:spPr>
+              <a:xfrm>
+                <a:off x="7868773" y="4934299"/>
+                <a:ext cx="2723823" cy="621837"/>
+              </a:xfrm>
+              <a:prstGeom prst="rect">
+                <a:avLst/>
+              </a:prstGeom>
+              <a:blipFill>
+                <a:blip r:embed="rId5"/>
+                <a:stretch>
+                  <a:fillRect r="-1119"/>
+                </a:stretch>
+              </a:blipFill>
+            </p:spPr>
+            <p:txBody>
+              <a:bodyPr/>
+              <a:lstStyle/>
+              <a:p>
+                <a:r>
+                  <a:rPr lang="zh-TW" altLang="en-US">
+                    <a:noFill/>
+                  </a:rPr>
+                  <a:t> </a:t>
+                </a:r>
+              </a:p>
+            </p:txBody>
+          </p:sp>
+        </mc:Fallback>
+      </mc:AlternateContent>
+      <p:sp>
+        <p:nvSpPr>
+          <p:cNvPr id="20" name="向上箭號 19"/>
+          <p:cNvSpPr/>
+          <p:nvPr/>
+        </p:nvSpPr>
+        <p:spPr>
+          <a:xfrm rot="10800000">
+            <a:off x="8823577" y="4626070"/>
+            <a:ext cx="494522" cy="308229"/>
+          </a:xfrm>
+          <a:prstGeom prst="upArrow">
+            <a:avLst/>
+          </a:prstGeom>
+        </p:spPr>
+        <p:style>
+          <a:lnRef idx="2">
+            <a:schemeClr val="accent1">
+              <a:shade val="50000"/>
+            </a:schemeClr>
+          </a:lnRef>
+          <a:fillRef idx="1">
+            <a:schemeClr val="accent1"/>
+          </a:fillRef>
+          <a:effectRef idx="0">
+            <a:schemeClr val="accent1"/>
+          </a:effectRef>
+          <a:fontRef idx="minor">
+            <a:schemeClr val="lt1"/>
+          </a:fontRef>
+        </p:style>
+        <p:txBody>
+          <a:bodyPr rtlCol="0" anchor="ctr"/>
+          <a:lstStyle/>
+          <a:p>
+            <a:pPr algn="ctr"/>
+            <a:endParaRPr lang="zh-TW" altLang="en-US"/>
+          </a:p>
+        </p:txBody>
+      </p:sp>
     </p:spTree>
     <p:extLst>
       <p:ext uri="{BB962C8B-B14F-4D97-AF65-F5344CB8AC3E}">
@@ -10160,6 +10618,186 @@
   <p:clrMapOvr>
     <a:masterClrMapping/>
   </p:clrMapOvr>
+  <p:timing>
+    <p:tnLst>
+      <p:par>
+        <p:cTn id="1" dur="indefinite" restart="never" nodeType="tmRoot">
+          <p:childTnLst>
+            <p:seq concurrent="1" nextAc="seek">
+              <p:cTn id="2" dur="indefinite" nodeType="mainSeq">
+                <p:childTnLst>
+                  <p:par>
+                    <p:cTn id="3" fill="hold">
+                      <p:stCondLst>
+                        <p:cond delay="indefinite"/>
+                      </p:stCondLst>
+                      <p:childTnLst>
+                        <p:par>
+                          <p:cTn id="4" fill="hold">
+                            <p:stCondLst>
+                              <p:cond delay="0"/>
+                            </p:stCondLst>
+                            <p:childTnLst>
+                              <p:par>
+                                <p:cTn id="5" presetID="1" presetClass="entr" presetSubtype="0" fill="hold" grpId="0" nodeType="clickEffect">
+                                  <p:stCondLst>
+                                    <p:cond delay="0"/>
+                                  </p:stCondLst>
+                                  <p:childTnLst>
+                                    <p:set>
+                                      <p:cBhvr>
+                                        <p:cTn id="6" dur="1" fill="hold">
+                                          <p:stCondLst>
+                                            <p:cond delay="0"/>
+                                          </p:stCondLst>
+                                        </p:cTn>
+                                        <p:tgtEl>
+                                          <p:spTgt spid="4"/>
+                                        </p:tgtEl>
+                                        <p:attrNameLst>
+                                          <p:attrName>style.visibility</p:attrName>
+                                        </p:attrNameLst>
+                                      </p:cBhvr>
+                                      <p:to>
+                                        <p:strVal val="visible"/>
+                                      </p:to>
+                                    </p:set>
+                                  </p:childTnLst>
+                                </p:cTn>
+                              </p:par>
+                              <p:par>
+                                <p:cTn id="7" presetID="1" presetClass="entr" presetSubtype="0" fill="hold" grpId="0" nodeType="withEffect">
+                                  <p:stCondLst>
+                                    <p:cond delay="0"/>
+                                  </p:stCondLst>
+                                  <p:childTnLst>
+                                    <p:set>
+                                      <p:cBhvr>
+                                        <p:cTn id="8" dur="1" fill="hold">
+                                          <p:stCondLst>
+                                            <p:cond delay="0"/>
+                                          </p:stCondLst>
+                                        </p:cTn>
+                                        <p:tgtEl>
+                                          <p:spTgt spid="3"/>
+                                        </p:tgtEl>
+                                        <p:attrNameLst>
+                                          <p:attrName>style.visibility</p:attrName>
+                                        </p:attrNameLst>
+                                      </p:cBhvr>
+                                      <p:to>
+                                        <p:strVal val="visible"/>
+                                      </p:to>
+                                    </p:set>
+                                  </p:childTnLst>
+                                </p:cTn>
+                              </p:par>
+                            </p:childTnLst>
+                          </p:cTn>
+                        </p:par>
+                      </p:childTnLst>
+                    </p:cTn>
+                  </p:par>
+                  <p:par>
+                    <p:cTn id="9" fill="hold">
+                      <p:stCondLst>
+                        <p:cond delay="indefinite"/>
+                      </p:stCondLst>
+                      <p:childTnLst>
+                        <p:par>
+                          <p:cTn id="10" fill="hold">
+                            <p:stCondLst>
+                              <p:cond delay="0"/>
+                            </p:stCondLst>
+                            <p:childTnLst>
+                              <p:par>
+                                <p:cTn id="11" presetID="1" presetClass="entr" presetSubtype="0" fill="hold" grpId="0" nodeType="clickEffect">
+                                  <p:stCondLst>
+                                    <p:cond delay="0"/>
+                                  </p:stCondLst>
+                                  <p:childTnLst>
+                                    <p:set>
+                                      <p:cBhvr>
+                                        <p:cTn id="12" dur="1" fill="hold">
+                                          <p:stCondLst>
+                                            <p:cond delay="0"/>
+                                          </p:stCondLst>
+                                        </p:cTn>
+                                        <p:tgtEl>
+                                          <p:spTgt spid="20"/>
+                                        </p:tgtEl>
+                                        <p:attrNameLst>
+                                          <p:attrName>style.visibility</p:attrName>
+                                        </p:attrNameLst>
+                                      </p:cBhvr>
+                                      <p:to>
+                                        <p:strVal val="visible"/>
+                                      </p:to>
+                                    </p:set>
+                                  </p:childTnLst>
+                                </p:cTn>
+                              </p:par>
+                              <p:par>
+                                <p:cTn id="13" presetID="1" presetClass="entr" presetSubtype="0" fill="hold" grpId="0" nodeType="withEffect">
+                                  <p:stCondLst>
+                                    <p:cond delay="0"/>
+                                  </p:stCondLst>
+                                  <p:childTnLst>
+                                    <p:set>
+                                      <p:cBhvr>
+                                        <p:cTn id="14" dur="1" fill="hold">
+                                          <p:stCondLst>
+                                            <p:cond delay="0"/>
+                                          </p:stCondLst>
+                                        </p:cTn>
+                                        <p:tgtEl>
+                                          <p:spTgt spid="19"/>
+                                        </p:tgtEl>
+                                        <p:attrNameLst>
+                                          <p:attrName>style.visibility</p:attrName>
+                                        </p:attrNameLst>
+                                      </p:cBhvr>
+                                      <p:to>
+                                        <p:strVal val="visible"/>
+                                      </p:to>
+                                    </p:set>
+                                  </p:childTnLst>
+                                </p:cTn>
+                              </p:par>
+                            </p:childTnLst>
+                          </p:cTn>
+                        </p:par>
+                      </p:childTnLst>
+                    </p:cTn>
+                  </p:par>
+                </p:childTnLst>
+              </p:cTn>
+              <p:prevCondLst>
+                <p:cond evt="onPrev" delay="0">
+                  <p:tgtEl>
+                    <p:sldTgt/>
+                  </p:tgtEl>
+                </p:cond>
+              </p:prevCondLst>
+              <p:nextCondLst>
+                <p:cond evt="onNext" delay="0">
+                  <p:tgtEl>
+                    <p:sldTgt/>
+                  </p:tgtEl>
+                </p:cond>
+              </p:nextCondLst>
+            </p:seq>
+          </p:childTnLst>
+        </p:cTn>
+      </p:par>
+    </p:tnLst>
+    <p:bldLst>
+      <p:bldP spid="3" grpId="0"/>
+      <p:bldP spid="4" grpId="0" animBg="1"/>
+      <p:bldP spid="19" grpId="0"/>
+      <p:bldP spid="20" grpId="0" animBg="1"/>
+    </p:bldLst>
+  </p:timing>
 </p:sld>
 </file>
 
@@ -10316,8 +10954,8 @@
           </a:p>
         </p:txBody>
       </p:sp>
-      <mc:AlternateContent xmlns:mc="http://schemas.openxmlformats.org/markup-compatibility/2006">
-        <mc:Choice xmlns:a14="http://schemas.microsoft.com/office/drawing/2010/main" Requires="a14">
+      <mc:AlternateContent xmlns:mc="http://schemas.openxmlformats.org/markup-compatibility/2006" xmlns:a14="http://schemas.microsoft.com/office/drawing/2010/main">
+        <mc:Choice Requires="a14">
           <p:sp>
             <p:nvSpPr>
               <p:cNvPr id="3" name="內容版面配置區 2"/>
@@ -10485,7 +11123,7 @@
             </p:txBody>
           </p:sp>
         </mc:Choice>
-        <mc:Fallback>
+        <mc:Fallback xmlns="">
           <p:sp>
             <p:nvSpPr>
               <p:cNvPr id="3" name="內容版面配置區 2"/>
@@ -10604,6 +11242,13 @@
   <p:clrMapOvr>
     <a:masterClrMapping/>
   </p:clrMapOvr>
+  <p:timing>
+    <p:tnLst>
+      <p:par>
+        <p:cTn id="1" dur="indefinite" restart="never" nodeType="tmRoot"/>
+      </p:par>
+    </p:tnLst>
+  </p:timing>
 </p:sld>
 </file>
 
@@ -13437,30 +14082,6 @@
           </a:prstGeom>
         </p:spPr>
       </p:pic>
-      <p:pic>
-        <p:nvPicPr>
-          <p:cNvPr id="23" name="圖片 22"/>
-          <p:cNvPicPr>
-            <a:picLocks noChangeAspect="1"/>
-          </p:cNvPicPr>
-          <p:nvPr/>
-        </p:nvPicPr>
-        <p:blipFill>
-          <a:blip r:embed="rId3"/>
-          <a:stretch>
-            <a:fillRect/>
-          </a:stretch>
-        </p:blipFill>
-        <p:spPr>
-          <a:xfrm>
-            <a:off x="1140141" y="4586895"/>
-            <a:ext cx="3009900" cy="371475"/>
-          </a:xfrm>
-          <a:prstGeom prst="rect">
-            <a:avLst/>
-          </a:prstGeom>
-        </p:spPr>
-      </p:pic>
       <p:sp>
         <p:nvSpPr>
           <p:cNvPr id="25" name="圓角矩形 24"/>
@@ -14090,7 +14711,7 @@
             <p:nvPr/>
           </p:nvPicPr>
           <p:blipFill>
-            <a:blip r:embed="rId4">
+            <a:blip r:embed="rId3">
               <a:extLst>
                 <a:ext uri="{28A0092B-C50C-407E-A947-70E740481C1C}">
                   <a14:useLocalDpi xmlns:a14="http://schemas.microsoft.com/office/drawing/2010/main" val="0"/>
@@ -14283,8 +14904,12 @@
           </a:p>
           <a:p>
             <a:r>
+              <a:rPr lang="zh-TW" altLang="en-US" sz="1600" dirty="0" smtClean="0"/>
+              <a:t>圓面積</a:t>
+            </a:r>
+            <a:r>
               <a:rPr lang="zh-TW" altLang="en-US" sz="1600" dirty="0"/>
-              <a:t>園面積= 3.</a:t>
+              <a:t>= 3.</a:t>
             </a:r>
             <a:r>
               <a:rPr lang="zh-TW" altLang="en-US" sz="1600" dirty="0" smtClean="0"/>
@@ -14375,7 +15000,7 @@
           <p:nvPr/>
         </p:nvPicPr>
         <p:blipFill>
-          <a:blip r:embed="rId5"/>
+          <a:blip r:embed="rId4"/>
           <a:stretch>
             <a:fillRect/>
           </a:stretch>
@@ -14390,6 +15015,66 @@
           </a:prstGeom>
         </p:spPr>
       </p:pic>
+      <p:pic>
+        <p:nvPicPr>
+          <p:cNvPr id="4" name="圖片 3"/>
+          <p:cNvPicPr>
+            <a:picLocks noChangeAspect="1"/>
+          </p:cNvPicPr>
+          <p:nvPr/>
+        </p:nvPicPr>
+        <p:blipFill>
+          <a:blip r:embed="rId5"/>
+          <a:stretch>
+            <a:fillRect/>
+          </a:stretch>
+        </p:blipFill>
+        <p:spPr>
+          <a:xfrm>
+            <a:off x="1140141" y="4538324"/>
+            <a:ext cx="2994086" cy="385244"/>
+          </a:xfrm>
+          <a:prstGeom prst="rect">
+            <a:avLst/>
+          </a:prstGeom>
+        </p:spPr>
+      </p:pic>
+      <p:cxnSp>
+        <p:nvCxnSpPr>
+          <p:cNvPr id="8" name="直線單箭頭接點 7"/>
+          <p:cNvCxnSpPr/>
+          <p:nvPr/>
+        </p:nvCxnSpPr>
+        <p:spPr>
+          <a:xfrm>
+            <a:off x="9188401" y="3145536"/>
+            <a:ext cx="1519223" cy="301752"/>
+          </a:xfrm>
+          <a:prstGeom prst="straightConnector1">
+            <a:avLst/>
+          </a:prstGeom>
+          <a:ln w="38100">
+            <a:solidFill>
+              <a:srgbClr val="FF0000"/>
+            </a:solidFill>
+            <a:tailEnd type="triangle"/>
+          </a:ln>
+        </p:spPr>
+        <p:style>
+          <a:lnRef idx="1">
+            <a:schemeClr val="accent1"/>
+          </a:lnRef>
+          <a:fillRef idx="0">
+            <a:schemeClr val="accent1"/>
+          </a:fillRef>
+          <a:effectRef idx="0">
+            <a:schemeClr val="accent1"/>
+          </a:effectRef>
+          <a:fontRef idx="minor">
+            <a:schemeClr val="tx1"/>
+          </a:fontRef>
+        </p:style>
+      </p:cxnSp>
     </p:spTree>
     <p:extLst>
       <p:ext uri="{BB962C8B-B14F-4D97-AF65-F5344CB8AC3E}">
@@ -14554,6 +15239,41 @@
                                   </p:childTnLst>
                                 </p:cTn>
                               </p:par>
+                              <p:par>
+                                <p:cTn id="14" presetID="22" presetClass="entr" presetSubtype="8" fill="hold" nodeType="withEffect">
+                                  <p:stCondLst>
+                                    <p:cond delay="0"/>
+                                  </p:stCondLst>
+                                  <p:childTnLst>
+                                    <p:set>
+                                      <p:cBhvr>
+                                        <p:cTn id="15" dur="1" fill="hold">
+                                          <p:stCondLst>
+                                            <p:cond delay="0"/>
+                                          </p:stCondLst>
+                                        </p:cTn>
+                                        <p:tgtEl>
+                                          <p:spTgt spid="8"/>
+                                        </p:tgtEl>
+                                        <p:attrNameLst>
+                                          <p:attrName>style.visibility</p:attrName>
+                                        </p:attrNameLst>
+                                      </p:cBhvr>
+                                      <p:to>
+                                        <p:strVal val="visible"/>
+                                      </p:to>
+                                    </p:set>
+                                    <p:animEffect transition="in" filter="wipe(left)">
+                                      <p:cBhvr>
+                                        <p:cTn id="16" dur="500"/>
+                                        <p:tgtEl>
+                                          <p:spTgt spid="8"/>
+                                        </p:tgtEl>
+                                      </p:cBhvr>
+                                    </p:animEffect>
+                                  </p:childTnLst>
+                                </p:cTn>
+                              </p:par>
                             </p:childTnLst>
                           </p:cTn>
                         </p:par>
@@ -14561,26 +15281,26 @@
                     </p:cTn>
                   </p:par>
                   <p:par>
-                    <p:cTn id="14" fill="hold">
+                    <p:cTn id="17" fill="hold">
                       <p:stCondLst>
                         <p:cond delay="indefinite"/>
                       </p:stCondLst>
                       <p:childTnLst>
                         <p:par>
-                          <p:cTn id="15" fill="hold">
+                          <p:cTn id="18" fill="hold">
                             <p:stCondLst>
                               <p:cond delay="0"/>
                             </p:stCondLst>
                             <p:childTnLst>
                               <p:par>
-                                <p:cTn id="16" presetID="2" presetClass="entr" presetSubtype="2" fill="hold" nodeType="clickEffect">
+                                <p:cTn id="19" presetID="2" presetClass="entr" presetSubtype="2" fill="hold" nodeType="clickEffect">
                                   <p:stCondLst>
                                     <p:cond delay="0"/>
                                   </p:stCondLst>
                                   <p:childTnLst>
                                     <p:set>
                                       <p:cBhvr>
-                                        <p:cTn id="17" dur="1" fill="hold">
+                                        <p:cTn id="20" dur="1" fill="hold">
                                           <p:stCondLst>
                                             <p:cond delay="0"/>
                                           </p:stCondLst>
@@ -14602,7 +15322,7 @@
                                     </p:set>
                                     <p:anim calcmode="lin" valueType="num">
                                       <p:cBhvr additive="base">
-                                        <p:cTn id="18" dur="500" fill="hold"/>
+                                        <p:cTn id="21" dur="500" fill="hold"/>
                                         <p:tgtEl>
                                           <p:spTgt spid="40">
                                             <p:txEl>
@@ -14629,7 +15349,7 @@
                                     </p:anim>
                                     <p:anim calcmode="lin" valueType="num">
                                       <p:cBhvr additive="base">
-                                        <p:cTn id="19" dur="500" fill="hold"/>
+                                        <p:cTn id="22" dur="500" fill="hold"/>
                                         <p:tgtEl>
                                           <p:spTgt spid="40">
                                             <p:txEl>
@@ -14664,26 +15384,26 @@
                     </p:cTn>
                   </p:par>
                   <p:par>
-                    <p:cTn id="20" fill="hold">
+                    <p:cTn id="23" fill="hold">
                       <p:stCondLst>
                         <p:cond delay="indefinite"/>
                       </p:stCondLst>
                       <p:childTnLst>
                         <p:par>
-                          <p:cTn id="21" fill="hold">
+                          <p:cTn id="24" fill="hold">
                             <p:stCondLst>
                               <p:cond delay="0"/>
                             </p:stCondLst>
                             <p:childTnLst>
                               <p:par>
-                                <p:cTn id="22" presetID="22" presetClass="entr" presetSubtype="8" fill="hold" nodeType="clickEffect">
+                                <p:cTn id="25" presetID="22" presetClass="entr" presetSubtype="8" fill="hold" nodeType="clickEffect">
                                   <p:stCondLst>
                                     <p:cond delay="0"/>
                                   </p:stCondLst>
                                   <p:childTnLst>
                                     <p:set>
                                       <p:cBhvr>
-                                        <p:cTn id="23" dur="1" fill="hold">
+                                        <p:cTn id="26" dur="1" fill="hold">
                                           <p:stCondLst>
                                             <p:cond delay="0"/>
                                           </p:stCondLst>
@@ -14705,7 +15425,7 @@
                                     </p:set>
                                     <p:animEffect transition="in" filter="wipe(left)">
                                       <p:cBhvr>
-                                        <p:cTn id="24" dur="500"/>
+                                        <p:cTn id="27" dur="500"/>
                                         <p:tgtEl>
                                           <p:spTgt spid="38">
                                             <p:txEl>
@@ -14913,6 +15633,275 @@
           </a:p>
         </p:txBody>
       </p:sp>
+      <p:grpSp>
+        <p:nvGrpSpPr>
+          <p:cNvPr id="5" name="群組 4"/>
+          <p:cNvGrpSpPr/>
+          <p:nvPr/>
+        </p:nvGrpSpPr>
+        <p:grpSpPr>
+          <a:xfrm>
+            <a:off x="6579299" y="2892109"/>
+            <a:ext cx="4686109" cy="2882965"/>
+            <a:chOff x="8833104" y="502920"/>
+            <a:chExt cx="2587752" cy="1427480"/>
+          </a:xfrm>
+        </p:grpSpPr>
+        <p:sp>
+          <p:nvSpPr>
+            <p:cNvPr id="6" name="圓角矩形 5"/>
+            <p:cNvSpPr/>
+            <p:nvPr/>
+          </p:nvSpPr>
+          <p:spPr>
+            <a:xfrm>
+              <a:off x="8833104" y="502920"/>
+              <a:ext cx="2587752" cy="1197864"/>
+            </a:xfrm>
+            <a:prstGeom prst="roundRect">
+              <a:avLst/>
+            </a:prstGeom>
+            <a:solidFill>
+              <a:schemeClr val="tx1"/>
+            </a:solidFill>
+            <a:ln>
+              <a:solidFill>
+                <a:schemeClr val="tx1"/>
+              </a:solidFill>
+            </a:ln>
+          </p:spPr>
+          <p:style>
+            <a:lnRef idx="2">
+              <a:schemeClr val="accent1">
+                <a:shade val="50000"/>
+              </a:schemeClr>
+            </a:lnRef>
+            <a:fillRef idx="1">
+              <a:schemeClr val="accent1"/>
+            </a:fillRef>
+            <a:effectRef idx="0">
+              <a:schemeClr val="accent1"/>
+            </a:effectRef>
+            <a:fontRef idx="minor">
+              <a:schemeClr val="lt1"/>
+            </a:fontRef>
+          </p:style>
+          <p:txBody>
+            <a:bodyPr rtlCol="0" anchor="ctr"/>
+            <a:lstStyle/>
+            <a:p>
+              <a:pPr algn="ctr"/>
+              <a:endParaRPr lang="zh-TW" altLang="en-US"/>
+            </a:p>
+          </p:txBody>
+        </p:sp>
+        <p:sp>
+          <p:nvSpPr>
+            <p:cNvPr id="7" name="矩形 6"/>
+            <p:cNvSpPr/>
+            <p:nvPr/>
+          </p:nvSpPr>
+          <p:spPr>
+            <a:xfrm>
+              <a:off x="8942832" y="609600"/>
+              <a:ext cx="2386584" cy="999744"/>
+            </a:xfrm>
+            <a:prstGeom prst="rect">
+              <a:avLst/>
+            </a:prstGeom>
+            <a:solidFill>
+              <a:schemeClr val="bg2">
+                <a:lumMod val="90000"/>
+              </a:schemeClr>
+            </a:solidFill>
+            <a:ln>
+              <a:solidFill>
+                <a:schemeClr val="tx1"/>
+              </a:solidFill>
+            </a:ln>
+          </p:spPr>
+          <p:style>
+            <a:lnRef idx="2">
+              <a:schemeClr val="accent1">
+                <a:shade val="50000"/>
+              </a:schemeClr>
+            </a:lnRef>
+            <a:fillRef idx="1">
+              <a:schemeClr val="accent1"/>
+            </a:fillRef>
+            <a:effectRef idx="0">
+              <a:schemeClr val="accent1"/>
+            </a:effectRef>
+            <a:fontRef idx="minor">
+              <a:schemeClr val="lt1"/>
+            </a:fontRef>
+          </p:style>
+          <p:txBody>
+            <a:bodyPr rtlCol="0" anchor="t"/>
+            <a:lstStyle/>
+            <a:p>
+              <a:r>
+                <a:rPr lang="zh-TW" altLang="en-US" dirty="0" smtClean="0">
+                  <a:solidFill>
+                    <a:schemeClr val="tx1"/>
+                  </a:solidFill>
+                </a:rPr>
+                <a:t>請</a:t>
+              </a:r>
+              <a:r>
+                <a:rPr lang="zh-TW" altLang="en-US" dirty="0">
+                  <a:solidFill>
+                    <a:schemeClr val="tx1"/>
+                  </a:solidFill>
+                </a:rPr>
+                <a:t>輸入矩形</a:t>
+              </a:r>
+              <a:r>
+                <a:rPr lang="zh-TW" altLang="en-US" dirty="0" smtClean="0">
+                  <a:solidFill>
+                    <a:schemeClr val="tx1"/>
+                  </a:solidFill>
+                </a:rPr>
+                <a:t>長</a:t>
+              </a:r>
+              <a:r>
+                <a:rPr lang="en-US" altLang="zh-TW" dirty="0" smtClean="0">
+                  <a:solidFill>
+                    <a:schemeClr val="tx1"/>
+                  </a:solidFill>
+                </a:rPr>
+                <a:t>=</a:t>
+              </a:r>
+              <a:r>
+                <a:rPr lang="en-US" altLang="zh-TW" dirty="0" smtClean="0">
+                  <a:solidFill>
+                    <a:srgbClr val="0070C0"/>
+                  </a:solidFill>
+                </a:rPr>
+                <a:t>100</a:t>
+              </a:r>
+            </a:p>
+            <a:p>
+              <a:r>
+                <a:rPr lang="zh-TW" altLang="en-US" dirty="0">
+                  <a:solidFill>
+                    <a:schemeClr val="tx1"/>
+                  </a:solidFill>
+                </a:rPr>
+                <a:t>請輸入</a:t>
+              </a:r>
+              <a:r>
+                <a:rPr lang="zh-TW" altLang="en-US" dirty="0" smtClean="0">
+                  <a:solidFill>
+                    <a:schemeClr val="tx1"/>
+                  </a:solidFill>
+                </a:rPr>
+                <a:t>矩形寬</a:t>
+              </a:r>
+              <a:r>
+                <a:rPr lang="en-US" altLang="zh-TW" dirty="0" smtClean="0">
+                  <a:solidFill>
+                    <a:schemeClr val="tx1"/>
+                  </a:solidFill>
+                </a:rPr>
+                <a:t>=</a:t>
+              </a:r>
+              <a:r>
+                <a:rPr lang="en-US" altLang="zh-TW" dirty="0" smtClean="0">
+                  <a:solidFill>
+                    <a:srgbClr val="0070C0"/>
+                  </a:solidFill>
+                </a:rPr>
+                <a:t>20</a:t>
+              </a:r>
+              <a:endParaRPr lang="en-US" altLang="zh-TW" dirty="0" smtClean="0">
+                <a:solidFill>
+                  <a:srgbClr val="0070C0"/>
+                </a:solidFill>
+              </a:endParaRPr>
+            </a:p>
+            <a:p>
+              <a:r>
+                <a:rPr lang="zh-TW" altLang="en-US" dirty="0">
+                  <a:solidFill>
+                    <a:schemeClr val="tx1"/>
+                  </a:solidFill>
+                </a:rPr>
+                <a:t>矩形面積</a:t>
+              </a:r>
+              <a:r>
+                <a:rPr lang="en-US" altLang="zh-TW" dirty="0" smtClean="0">
+                  <a:solidFill>
+                    <a:schemeClr val="tx1"/>
+                  </a:solidFill>
+                </a:rPr>
+                <a:t>=</a:t>
+              </a:r>
+              <a:r>
+                <a:rPr lang="en-US" altLang="zh-TW" dirty="0">
+                  <a:solidFill>
+                    <a:schemeClr val="tx1"/>
+                  </a:solidFill>
+                </a:rPr>
+                <a:t>2000</a:t>
+              </a:r>
+              <a:endParaRPr lang="zh-TW" altLang="en-US" dirty="0">
+                <a:solidFill>
+                  <a:schemeClr val="tx1"/>
+                </a:solidFill>
+              </a:endParaRPr>
+            </a:p>
+          </p:txBody>
+        </p:sp>
+        <p:sp>
+          <p:nvSpPr>
+            <p:cNvPr id="8" name="梯形 7"/>
+            <p:cNvSpPr/>
+            <p:nvPr/>
+          </p:nvSpPr>
+          <p:spPr>
+            <a:xfrm>
+              <a:off x="9811512" y="1700784"/>
+              <a:ext cx="713232" cy="229616"/>
+            </a:xfrm>
+            <a:prstGeom prst="trapezoid">
+              <a:avLst/>
+            </a:prstGeom>
+            <a:solidFill>
+              <a:schemeClr val="tx1"/>
+            </a:solidFill>
+            <a:ln>
+              <a:solidFill>
+                <a:schemeClr val="tx1"/>
+              </a:solidFill>
+            </a:ln>
+          </p:spPr>
+          <p:style>
+            <a:lnRef idx="2">
+              <a:schemeClr val="accent1">
+                <a:shade val="50000"/>
+              </a:schemeClr>
+            </a:lnRef>
+            <a:fillRef idx="1">
+              <a:schemeClr val="accent1"/>
+            </a:fillRef>
+            <a:effectRef idx="0">
+              <a:schemeClr val="accent1"/>
+            </a:effectRef>
+            <a:fontRef idx="minor">
+              <a:schemeClr val="lt1"/>
+            </a:fontRef>
+          </p:style>
+          <p:txBody>
+            <a:bodyPr rtlCol="0" anchor="ctr"/>
+            <a:lstStyle/>
+            <a:p>
+              <a:pPr algn="ctr"/>
+              <a:endParaRPr lang="zh-TW" altLang="en-US"/>
+            </a:p>
+          </p:txBody>
+        </p:sp>
+      </p:grpSp>
     </p:spTree>
     <p:extLst>
       <p:ext uri="{BB962C8B-B14F-4D97-AF65-F5344CB8AC3E}">
@@ -14926,7 +15915,75 @@
   <p:timing>
     <p:tnLst>
       <p:par>
-        <p:cTn id="1" dur="indefinite" restart="never" nodeType="tmRoot"/>
+        <p:cTn id="1" dur="indefinite" restart="never" nodeType="tmRoot">
+          <p:childTnLst>
+            <p:seq concurrent="1" nextAc="seek">
+              <p:cTn id="2" dur="indefinite" nodeType="mainSeq">
+                <p:childTnLst>
+                  <p:par>
+                    <p:cTn id="3" fill="hold">
+                      <p:stCondLst>
+                        <p:cond delay="indefinite"/>
+                      </p:stCondLst>
+                      <p:childTnLst>
+                        <p:par>
+                          <p:cTn id="4" fill="hold">
+                            <p:stCondLst>
+                              <p:cond delay="0"/>
+                            </p:stCondLst>
+                            <p:childTnLst>
+                              <p:par>
+                                <p:cTn id="5" presetID="1" presetClass="entr" presetSubtype="0" fill="hold" nodeType="clickEffect">
+                                  <p:stCondLst>
+                                    <p:cond delay="0"/>
+                                  </p:stCondLst>
+                                  <p:childTnLst>
+                                    <p:set>
+                                      <p:cBhvr>
+                                        <p:cTn id="6" dur="1" fill="hold">
+                                          <p:stCondLst>
+                                            <p:cond delay="0"/>
+                                          </p:stCondLst>
+                                        </p:cTn>
+                                        <p:tgtEl>
+                                          <p:spTgt spid="5"/>
+                                        </p:tgtEl>
+                                        <p:attrNameLst>
+                                          <p:attrName>style.visibility</p:attrName>
+                                        </p:attrNameLst>
+                                      </p:cBhvr>
+                                      <p:to>
+                                        <p:strVal val="visible"/>
+                                      </p:to>
+                                    </p:set>
+                                  </p:childTnLst>
+                                </p:cTn>
+                              </p:par>
+                            </p:childTnLst>
+                          </p:cTn>
+                        </p:par>
+                      </p:childTnLst>
+                    </p:cTn>
+                  </p:par>
+                </p:childTnLst>
+              </p:cTn>
+              <p:prevCondLst>
+                <p:cond evt="onPrev" delay="0">
+                  <p:tgtEl>
+                    <p:sldTgt/>
+                  </p:tgtEl>
+                </p:cond>
+              </p:prevCondLst>
+              <p:nextCondLst>
+                <p:cond evt="onNext" delay="0">
+                  <p:tgtEl>
+                    <p:sldTgt/>
+                  </p:tgtEl>
+                </p:cond>
+              </p:nextCondLst>
+            </p:seq>
+          </p:childTnLst>
+        </p:cTn>
       </p:par>
     </p:tnLst>
   </p:timing>

--- a/LCC/Python/02_程式語言基本法.pptx
+++ b/LCC/Python/02_程式語言基本法.pptx
@@ -19,7 +19,6 @@
     <p:sldId id="272" r:id="rId13"/>
     <p:sldId id="269" r:id="rId14"/>
     <p:sldId id="271" r:id="rId15"/>
-    <p:sldId id="270" r:id="rId16"/>
   </p:sldIdLst>
   <p:sldSz cx="12192000" cy="6858000"/>
   <p:notesSz cx="6858000" cy="9144000"/>
@@ -883,7 +882,7 @@
             <a:fld id="{B61BEF0D-F0BB-DE4B-95CE-6DB70DBA9567}" type="datetimeFigureOut">
               <a:rPr lang="en-US" smtClean="0"/>
               <a:pPr/>
-              <a:t>5/29/2021</a:t>
+              <a:t>11/17/2021</a:t>
             </a:fld>
             <a:endParaRPr lang="en-US" dirty="0"/>
           </a:p>
@@ -1136,7 +1135,7 @@
             <a:fld id="{B61BEF0D-F0BB-DE4B-95CE-6DB70DBA9567}" type="datetimeFigureOut">
               <a:rPr lang="en-US" smtClean="0"/>
               <a:pPr/>
-              <a:t>5/29/2021</a:t>
+              <a:t>11/17/2021</a:t>
             </a:fld>
             <a:endParaRPr lang="en-US" dirty="0"/>
           </a:p>
@@ -1452,7 +1451,7 @@
             <a:fld id="{B61BEF0D-F0BB-DE4B-95CE-6DB70DBA9567}" type="datetimeFigureOut">
               <a:rPr lang="en-US" smtClean="0"/>
               <a:pPr/>
-              <a:t>5/29/2021</a:t>
+              <a:t>11/17/2021</a:t>
             </a:fld>
             <a:endParaRPr lang="en-US" dirty="0"/>
           </a:p>
@@ -1787,7 +1786,7 @@
             <a:fld id="{B61BEF0D-F0BB-DE4B-95CE-6DB70DBA9567}" type="datetimeFigureOut">
               <a:rPr lang="en-US" smtClean="0"/>
               <a:pPr/>
-              <a:t>5/29/2021</a:t>
+              <a:t>11/17/2021</a:t>
             </a:fld>
             <a:endParaRPr lang="en-US" dirty="0"/>
           </a:p>
@@ -2103,7 +2102,7 @@
             <a:fld id="{B61BEF0D-F0BB-DE4B-95CE-6DB70DBA9567}" type="datetimeFigureOut">
               <a:rPr lang="en-US" smtClean="0"/>
               <a:pPr/>
-              <a:t>5/29/2021</a:t>
+              <a:t>11/17/2021</a:t>
             </a:fld>
             <a:endParaRPr lang="en-US" dirty="0"/>
           </a:p>
@@ -2498,7 +2497,7 @@
             <a:fld id="{B61BEF0D-F0BB-DE4B-95CE-6DB70DBA9567}" type="datetimeFigureOut">
               <a:rPr lang="en-US" smtClean="0"/>
               <a:pPr/>
-              <a:t>5/29/2021</a:t>
+              <a:t>11/17/2021</a:t>
             </a:fld>
             <a:endParaRPr lang="en-US" dirty="0"/>
           </a:p>
@@ -2669,7 +2668,7 @@
           <a:p>
             <a:fld id="{55C6B4A9-1611-4792-9094-5F34BCA07E0B}" type="datetimeFigureOut">
               <a:rPr lang="en-US" smtClean="0"/>
-              <a:t>5/29/2021</a:t>
+              <a:t>11/17/2021</a:t>
             </a:fld>
             <a:endParaRPr lang="en-US" dirty="0"/>
           </a:p>
@@ -2850,7 +2849,7 @@
             <a:fld id="{B61BEF0D-F0BB-DE4B-95CE-6DB70DBA9567}" type="datetimeFigureOut">
               <a:rPr lang="en-US" smtClean="0"/>
               <a:pPr/>
-              <a:t>5/29/2021</a:t>
+              <a:t>11/17/2021</a:t>
             </a:fld>
             <a:endParaRPr lang="en-US" dirty="0"/>
           </a:p>
@@ -3022,7 +3021,7 @@
             <a:fld id="{B61BEF0D-F0BB-DE4B-95CE-6DB70DBA9567}" type="datetimeFigureOut">
               <a:rPr lang="en-US" smtClean="0"/>
               <a:pPr/>
-              <a:t>5/29/2021</a:t>
+              <a:t>11/17/2021</a:t>
             </a:fld>
             <a:endParaRPr lang="en-US" dirty="0"/>
           </a:p>
@@ -3068,35 +3067,6 @@
               <a:t>‹#›</a:t>
             </a:fld>
             <a:endParaRPr lang="en-US" dirty="0"/>
-          </a:p>
-        </p:txBody>
-      </p:sp>
-      <p:sp>
-        <p:nvSpPr>
-          <p:cNvPr id="7" name="矩形 6"/>
-          <p:cNvSpPr/>
-          <p:nvPr userDrawn="1"/>
-        </p:nvSpPr>
-        <p:spPr>
-          <a:xfrm>
-            <a:off x="583155" y="6375118"/>
-            <a:ext cx="6890473" cy="338554"/>
-          </a:xfrm>
-          <a:prstGeom prst="rect">
-            <a:avLst/>
-          </a:prstGeom>
-        </p:spPr>
-        <p:txBody>
-          <a:bodyPr wrap="square">
-            <a:spAutoFit/>
-          </a:bodyPr>
-          <a:lstStyle/>
-          <a:p>
-            <a:r>
-              <a:rPr lang="zh-TW" altLang="en-US" sz="1600" dirty="0" smtClean="0"/>
-              <a:t>https://github.com/liulawsi/LLC_Python/tree/main/Section02</a:t>
-            </a:r>
-            <a:endParaRPr lang="zh-TW" altLang="en-US" sz="1600" dirty="0"/>
           </a:p>
         </p:txBody>
       </p:sp>
@@ -3300,7 +3270,7 @@
             <a:fld id="{B61BEF0D-F0BB-DE4B-95CE-6DB70DBA9567}" type="datetimeFigureOut">
               <a:rPr lang="en-US" smtClean="0"/>
               <a:pPr/>
-              <a:t>5/29/2021</a:t>
+              <a:t>11/17/2021</a:t>
             </a:fld>
             <a:endParaRPr lang="en-US" dirty="0"/>
           </a:p>
@@ -3533,7 +3503,7 @@
           <a:p>
             <a:fld id="{EB712588-04B1-427B-82EE-E8DB90309F08}" type="datetimeFigureOut">
               <a:rPr lang="en-US" smtClean="0"/>
-              <a:t>5/29/2021</a:t>
+              <a:t>11/17/2021</a:t>
             </a:fld>
             <a:endParaRPr lang="en-US" dirty="0"/>
           </a:p>
@@ -3578,35 +3548,6 @@
               <a:t>‹#›</a:t>
             </a:fld>
             <a:endParaRPr lang="en-US" dirty="0"/>
-          </a:p>
-        </p:txBody>
-      </p:sp>
-      <p:sp>
-        <p:nvSpPr>
-          <p:cNvPr id="8" name="矩形 7"/>
-          <p:cNvSpPr/>
-          <p:nvPr userDrawn="1"/>
-        </p:nvSpPr>
-        <p:spPr>
-          <a:xfrm>
-            <a:off x="583155" y="6375118"/>
-            <a:ext cx="6890473" cy="338554"/>
-          </a:xfrm>
-          <a:prstGeom prst="rect">
-            <a:avLst/>
-          </a:prstGeom>
-        </p:spPr>
-        <p:txBody>
-          <a:bodyPr wrap="square">
-            <a:spAutoFit/>
-          </a:bodyPr>
-          <a:lstStyle/>
-          <a:p>
-            <a:r>
-              <a:rPr lang="zh-TW" altLang="en-US" sz="1600" dirty="0" smtClean="0"/>
-              <a:t>https://github.com/liulawsi/LLC_Python/tree/main/Section02</a:t>
-            </a:r>
-            <a:endParaRPr lang="zh-TW" altLang="en-US" sz="1600" dirty="0"/>
           </a:p>
         </p:txBody>
       </p:sp>
@@ -3937,7 +3878,7 @@
             <a:fld id="{B61BEF0D-F0BB-DE4B-95CE-6DB70DBA9567}" type="datetimeFigureOut">
               <a:rPr lang="en-US" smtClean="0"/>
               <a:pPr/>
-              <a:t>5/29/2021</a:t>
+              <a:t>11/17/2021</a:t>
             </a:fld>
             <a:endParaRPr lang="en-US" dirty="0"/>
           </a:p>
@@ -3983,35 +3924,6 @@
               <a:t>‹#›</a:t>
             </a:fld>
             <a:endParaRPr lang="en-US" dirty="0"/>
-          </a:p>
-        </p:txBody>
-      </p:sp>
-      <p:sp>
-        <p:nvSpPr>
-          <p:cNvPr id="10" name="矩形 9"/>
-          <p:cNvSpPr/>
-          <p:nvPr userDrawn="1"/>
-        </p:nvSpPr>
-        <p:spPr>
-          <a:xfrm>
-            <a:off x="583155" y="6375118"/>
-            <a:ext cx="6890473" cy="338554"/>
-          </a:xfrm>
-          <a:prstGeom prst="rect">
-            <a:avLst/>
-          </a:prstGeom>
-        </p:spPr>
-        <p:txBody>
-          <a:bodyPr wrap="square">
-            <a:spAutoFit/>
-          </a:bodyPr>
-          <a:lstStyle/>
-          <a:p>
-            <a:r>
-              <a:rPr lang="zh-TW" altLang="en-US" sz="1600" dirty="0" smtClean="0"/>
-              <a:t>https://github.com/liulawsi/LLC_Python/tree/main/Section02</a:t>
-            </a:r>
-            <a:endParaRPr lang="zh-TW" altLang="en-US" sz="1600" dirty="0"/>
           </a:p>
         </p:txBody>
       </p:sp>
@@ -4091,7 +4003,7 @@
             <a:fld id="{B61BEF0D-F0BB-DE4B-95CE-6DB70DBA9567}" type="datetimeFigureOut">
               <a:rPr lang="en-US" smtClean="0"/>
               <a:pPr/>
-              <a:t>5/29/2021</a:t>
+              <a:t>11/17/2021</a:t>
             </a:fld>
             <a:endParaRPr lang="en-US" dirty="0"/>
           </a:p>
@@ -4137,35 +4049,6 @@
               <a:t>‹#›</a:t>
             </a:fld>
             <a:endParaRPr lang="en-US" dirty="0"/>
-          </a:p>
-        </p:txBody>
-      </p:sp>
-      <p:sp>
-        <p:nvSpPr>
-          <p:cNvPr id="6" name="矩形 5"/>
-          <p:cNvSpPr/>
-          <p:nvPr userDrawn="1"/>
-        </p:nvSpPr>
-        <p:spPr>
-          <a:xfrm>
-            <a:off x="583155" y="6375118"/>
-            <a:ext cx="6890473" cy="338554"/>
-          </a:xfrm>
-          <a:prstGeom prst="rect">
-            <a:avLst/>
-          </a:prstGeom>
-        </p:spPr>
-        <p:txBody>
-          <a:bodyPr wrap="square">
-            <a:spAutoFit/>
-          </a:bodyPr>
-          <a:lstStyle/>
-          <a:p>
-            <a:r>
-              <a:rPr lang="zh-TW" altLang="en-US" sz="1600" dirty="0" smtClean="0"/>
-              <a:t>https://github.com/liulawsi/LLC_Python/tree/main/Section02</a:t>
-            </a:r>
-            <a:endParaRPr lang="zh-TW" altLang="en-US" sz="1600" dirty="0"/>
           </a:p>
         </p:txBody>
       </p:sp>
@@ -4217,7 +4100,7 @@
             <a:fld id="{B61BEF0D-F0BB-DE4B-95CE-6DB70DBA9567}" type="datetimeFigureOut">
               <a:rPr lang="en-US" smtClean="0"/>
               <a:pPr/>
-              <a:t>5/29/2021</a:t>
+              <a:t>11/17/2021</a:t>
             </a:fld>
             <a:endParaRPr lang="en-US" dirty="0"/>
           </a:p>
@@ -4473,7 +4356,7 @@
           <a:p>
             <a:fld id="{42A54C80-263E-416B-A8E0-580EDEADCBDC}" type="datetimeFigureOut">
               <a:rPr lang="en-US" smtClean="0"/>
-              <a:t>5/29/2021</a:t>
+              <a:t>11/17/2021</a:t>
             </a:fld>
             <a:endParaRPr lang="en-US" dirty="0"/>
           </a:p>
@@ -4780,7 +4663,7 @@
             <a:fld id="{B61BEF0D-F0BB-DE4B-95CE-6DB70DBA9567}" type="datetimeFigureOut">
               <a:rPr lang="en-US" smtClean="0"/>
               <a:pPr/>
-              <a:t>5/29/2021</a:t>
+              <a:t>11/17/2021</a:t>
             </a:fld>
             <a:endParaRPr lang="en-US" dirty="0"/>
           </a:p>
@@ -5483,7 +5366,7 @@
             <a:fld id="{B61BEF0D-F0BB-DE4B-95CE-6DB70DBA9567}" type="datetimeFigureOut">
               <a:rPr lang="en-US" smtClean="0"/>
               <a:pPr/>
-              <a:t>5/29/2021</a:t>
+              <a:t>11/17/2021</a:t>
             </a:fld>
             <a:endParaRPr lang="en-US" dirty="0"/>
           </a:p>
@@ -5607,6 +5490,44 @@
           </a:extLst>
         </p:spPr>
       </p:pic>
+      <p:sp>
+        <p:nvSpPr>
+          <p:cNvPr id="29" name="文字方塊 28"/>
+          <p:cNvSpPr txBox="1"/>
+          <p:nvPr userDrawn="1"/>
+        </p:nvSpPr>
+        <p:spPr>
+          <a:xfrm>
+            <a:off x="442279" y="6488668"/>
+            <a:ext cx="4487126" cy="369332"/>
+          </a:xfrm>
+          <a:prstGeom prst="rect">
+            <a:avLst/>
+          </a:prstGeom>
+          <a:noFill/>
+        </p:spPr>
+        <p:txBody>
+          <a:bodyPr wrap="none" rtlCol="0">
+            <a:spAutoFit/>
+          </a:bodyPr>
+          <a:lstStyle/>
+          <a:p>
+            <a:r>
+              <a:rPr lang="zh-TW" altLang="en-US" dirty="0" smtClean="0"/>
+              <a:t>投影片下載網址：</a:t>
+            </a:r>
+            <a:r>
+              <a:rPr lang="en-US" altLang="zh-TW" dirty="0"/>
+              <a:t>https://</a:t>
+            </a:r>
+            <a:r>
+              <a:rPr lang="en-US" altLang="zh-TW" dirty="0" smtClean="0"/>
+              <a:t>reurl.cc/l5ADbl</a:t>
+            </a:r>
+            <a:endParaRPr lang="zh-TW" altLang="en-US" dirty="0"/>
+          </a:p>
+        </p:txBody>
+      </p:sp>
     </p:spTree>
     <p:extLst>
       <p:ext uri="{BB962C8B-B14F-4D97-AF65-F5344CB8AC3E}">
@@ -6159,14 +6080,14 @@
       </p:pic>
       <p:sp>
         <p:nvSpPr>
-          <p:cNvPr id="5" name="文字方塊 4"/>
+          <p:cNvPr id="8" name="文字方塊 7"/>
           <p:cNvSpPr txBox="1"/>
           <p:nvPr/>
         </p:nvSpPr>
         <p:spPr>
           <a:xfrm>
-            <a:off x="292608" y="6216062"/>
-            <a:ext cx="8468537" cy="369332"/>
+            <a:off x="656967" y="321706"/>
+            <a:ext cx="4487126" cy="369332"/>
           </a:xfrm>
           <a:prstGeom prst="rect">
             <a:avLst/>
@@ -6184,50 +6105,12 @@
               <a:t>投影片下載網址：</a:t>
             </a:r>
             <a:r>
-              <a:rPr lang="en-US" altLang="zh-TW" dirty="0" smtClean="0"/>
-              <a:t>https</a:t>
-            </a:r>
-            <a:r>
-              <a:rPr lang="en-US" altLang="zh-TW" dirty="0"/>
-              <a:t>://github.com/liulawsi/My_PPTs/tree/main/LCC/Python</a:t>
-            </a:r>
-            <a:endParaRPr lang="zh-TW" altLang="en-US" dirty="0"/>
-          </a:p>
-        </p:txBody>
-      </p:sp>
-      <p:sp>
-        <p:nvSpPr>
-          <p:cNvPr id="6" name="文字方塊 5"/>
-          <p:cNvSpPr txBox="1"/>
-          <p:nvPr/>
-        </p:nvSpPr>
-        <p:spPr>
-          <a:xfrm>
-            <a:off x="292608" y="263957"/>
-            <a:ext cx="4647426" cy="369332"/>
-          </a:xfrm>
-          <a:prstGeom prst="rect">
-            <a:avLst/>
-          </a:prstGeom>
-          <a:noFill/>
-        </p:spPr>
-        <p:txBody>
-          <a:bodyPr wrap="none" rtlCol="0">
-            <a:spAutoFit/>
-          </a:bodyPr>
-          <a:lstStyle/>
-          <a:p>
-            <a:r>
-              <a:rPr lang="zh-TW" altLang="en-US" dirty="0" smtClean="0"/>
-              <a:t>投影片下載網址：</a:t>
-            </a:r>
-            <a:r>
               <a:rPr lang="en-US" altLang="zh-TW" dirty="0"/>
               <a:t>https://</a:t>
             </a:r>
             <a:r>
               <a:rPr lang="en-US" altLang="zh-TW" dirty="0" smtClean="0"/>
-              <a:t>reurl.cc/Dg9Edm</a:t>
+              <a:t>reurl.cc/l5ADbl</a:t>
             </a:r>
             <a:endParaRPr lang="zh-TW" altLang="en-US" dirty="0"/>
           </a:p>
@@ -6235,7 +6118,7 @@
       </p:sp>
       <p:pic>
         <p:nvPicPr>
-          <p:cNvPr id="7" name="圖片 6"/>
+          <p:cNvPr id="9" name="圖片 8"/>
           <p:cNvPicPr>
             <a:picLocks noChangeAspect="1"/>
           </p:cNvPicPr>
@@ -6249,8 +6132,8 @@
         </p:blipFill>
         <p:spPr>
           <a:xfrm>
-            <a:off x="792692" y="747454"/>
-            <a:ext cx="1428750" cy="1428750"/>
+            <a:off x="848991" y="691038"/>
+            <a:ext cx="1882925" cy="1882925"/>
           </a:xfrm>
           <a:prstGeom prst="rect">
             <a:avLst/>
@@ -6362,7 +6245,7 @@
       </p:pic>
       <p:pic>
         <p:nvPicPr>
-          <p:cNvPr id="4" name="圖片 3"/>
+          <p:cNvPr id="5" name="圖片 4"/>
           <p:cNvPicPr>
             <a:picLocks noChangeAspect="1"/>
           </p:cNvPicPr>
@@ -6376,8 +6259,8 @@
         </p:blipFill>
         <p:spPr>
           <a:xfrm>
-            <a:off x="653877" y="1906270"/>
-            <a:ext cx="5865795" cy="4336796"/>
+            <a:off x="539112" y="1636776"/>
+            <a:ext cx="5748632" cy="4836401"/>
           </a:xfrm>
           <a:prstGeom prst="rect">
             <a:avLst/>
@@ -10192,8 +10075,8 @@
           </a:p>
         </p:txBody>
       </p:sp>
-      <mc:AlternateContent xmlns:mc="http://schemas.openxmlformats.org/markup-compatibility/2006">
-        <mc:Choice xmlns:a14="http://schemas.microsoft.com/office/drawing/2010/main" Requires="a14">
+      <mc:AlternateContent xmlns:mc="http://schemas.openxmlformats.org/markup-compatibility/2006" xmlns:a14="http://schemas.microsoft.com/office/drawing/2010/main">
+        <mc:Choice Requires="a14">
           <p:sp>
             <p:nvSpPr>
               <p:cNvPr id="3" name="矩形 2"/>
@@ -10300,16 +10183,11 @@
                   </a:rPr>
                   <a:t>度</a:t>
                 </a:r>
-                <a:endParaRPr lang="zh-TW" altLang="en-US" dirty="0">
-                  <a:solidFill>
-                    <a:srgbClr val="C00000"/>
-                  </a:solidFill>
-                </a:endParaRPr>
               </a:p>
             </p:txBody>
           </p:sp>
         </mc:Choice>
-        <mc:Fallback>
+        <mc:Fallback xmlns="">
           <p:sp>
             <p:nvSpPr>
               <p:cNvPr id="3" name="矩形 2"/>
@@ -10388,8 +10266,8 @@
           </a:p>
         </p:txBody>
       </p:sp>
-      <mc:AlternateContent xmlns:mc="http://schemas.openxmlformats.org/markup-compatibility/2006">
-        <mc:Choice xmlns:a14="http://schemas.microsoft.com/office/drawing/2010/main" Requires="a14">
+      <mc:AlternateContent xmlns:mc="http://schemas.openxmlformats.org/markup-compatibility/2006" xmlns:a14="http://schemas.microsoft.com/office/drawing/2010/main">
+        <mc:Choice Requires="a14">
           <p:sp>
             <p:nvSpPr>
               <p:cNvPr id="19" name="矩形 18"/>
@@ -10440,15 +10318,7 @@
                       <a:srgbClr val="C00000"/>
                     </a:solidFill>
                   </a:rPr>
-                  <a:t>度</a:t>
-                </a:r>
-                <a:r>
-                  <a:rPr lang="zh-TW" altLang="en-US" dirty="0">
-                    <a:solidFill>
-                      <a:srgbClr val="C00000"/>
-                    </a:solidFill>
-                  </a:rPr>
-                  <a:t> </a:t>
+                  <a:t>度 </a:t>
                 </a:r>
                 <a:r>
                   <a:rPr lang="en-US" altLang="zh-TW" dirty="0">
@@ -10520,16 +10390,11 @@
                   </a:rPr>
                   <a:t>攝氏度</a:t>
                 </a:r>
-                <a:endParaRPr lang="zh-TW" altLang="en-US" dirty="0">
-                  <a:solidFill>
-                    <a:srgbClr val="C00000"/>
-                  </a:solidFill>
-                </a:endParaRPr>
               </a:p>
             </p:txBody>
           </p:sp>
         </mc:Choice>
-        <mc:Fallback>
+        <mc:Fallback xmlns="">
           <p:sp>
             <p:nvSpPr>
               <p:cNvPr id="19" name="矩形 18"/>
@@ -11161,81 +11026,6 @@
     <p:extLst>
       <p:ext uri="{BB962C8B-B14F-4D97-AF65-F5344CB8AC3E}">
         <p14:creationId xmlns:p14="http://schemas.microsoft.com/office/powerpoint/2010/main" val="635316897"/>
-      </p:ext>
-    </p:extLst>
-  </p:cSld>
-  <p:clrMapOvr>
-    <a:masterClrMapping/>
-  </p:clrMapOvr>
-  <p:timing>
-    <p:tnLst>
-      <p:par>
-        <p:cTn id="1" dur="indefinite" restart="never" nodeType="tmRoot"/>
-      </p:par>
-    </p:tnLst>
-  </p:timing>
-</p:sld>
-</file>
-
-<file path=ppt/slides/slide15.xml><?xml version="1.0" encoding="utf-8"?>
-<p:sld xmlns:a="http://schemas.openxmlformats.org/drawingml/2006/main" xmlns:r="http://schemas.openxmlformats.org/officeDocument/2006/relationships" xmlns:p="http://schemas.openxmlformats.org/presentationml/2006/main">
-  <p:cSld>
-    <p:spTree>
-      <p:nvGrpSpPr>
-        <p:cNvPr id="1" name=""/>
-        <p:cNvGrpSpPr/>
-        <p:nvPr/>
-      </p:nvGrpSpPr>
-      <p:grpSpPr>
-        <a:xfrm>
-          <a:off x="0" y="0"/>
-          <a:ext cx="0" cy="0"/>
-          <a:chOff x="0" y="0"/>
-          <a:chExt cx="0" cy="0"/>
-        </a:xfrm>
-      </p:grpSpPr>
-      <p:sp>
-        <p:nvSpPr>
-          <p:cNvPr id="2" name="標題 1"/>
-          <p:cNvSpPr>
-            <a:spLocks noGrp="1"/>
-          </p:cNvSpPr>
-          <p:nvPr>
-            <p:ph type="title"/>
-          </p:nvPr>
-        </p:nvSpPr>
-        <p:spPr/>
-        <p:txBody>
-          <a:bodyPr/>
-          <a:lstStyle/>
-          <a:p>
-            <a:endParaRPr lang="zh-TW" altLang="en-US"/>
-          </a:p>
-        </p:txBody>
-      </p:sp>
-      <p:sp>
-        <p:nvSpPr>
-          <p:cNvPr id="3" name="內容版面配置區 2"/>
-          <p:cNvSpPr>
-            <a:spLocks noGrp="1"/>
-          </p:cNvSpPr>
-          <p:nvPr>
-            <p:ph idx="1"/>
-          </p:nvPr>
-        </p:nvSpPr>
-        <p:spPr/>
-        <p:txBody>
-          <a:bodyPr/>
-          <a:lstStyle/>
-          <a:p>
-            <a:endParaRPr lang="zh-TW" altLang="en-US"/>
-          </a:p>
-        </p:txBody>
-      </p:sp>
-    </p:spTree>
-    <p:extLst>
-      <p:ext uri="{BB962C8B-B14F-4D97-AF65-F5344CB8AC3E}">
-        <p14:creationId xmlns:p14="http://schemas.microsoft.com/office/powerpoint/2010/main" val="3705659134"/>
       </p:ext>
     </p:extLst>
   </p:cSld>
@@ -15814,11 +15604,6 @@
                 </a:rPr>
                 <a:t>20</a:t>
               </a:r>
-              <a:endParaRPr lang="en-US" altLang="zh-TW" dirty="0" smtClean="0">
-                <a:solidFill>
-                  <a:srgbClr val="0070C0"/>
-                </a:solidFill>
-              </a:endParaRPr>
             </a:p>
             <a:p>
               <a:r>

--- a/LCC/Python/02_程式語言基本法.pptx
+++ b/LCC/Python/02_程式語言基本法.pptx
@@ -882,7 +882,7 @@
             <a:fld id="{B61BEF0D-F0BB-DE4B-95CE-6DB70DBA9567}" type="datetimeFigureOut">
               <a:rPr lang="en-US" smtClean="0"/>
               <a:pPr/>
-              <a:t>11/17/2021</a:t>
+              <a:t>1/12/2022</a:t>
             </a:fld>
             <a:endParaRPr lang="en-US" dirty="0"/>
           </a:p>
@@ -1135,7 +1135,7 @@
             <a:fld id="{B61BEF0D-F0BB-DE4B-95CE-6DB70DBA9567}" type="datetimeFigureOut">
               <a:rPr lang="en-US" smtClean="0"/>
               <a:pPr/>
-              <a:t>11/17/2021</a:t>
+              <a:t>1/12/2022</a:t>
             </a:fld>
             <a:endParaRPr lang="en-US" dirty="0"/>
           </a:p>
@@ -1451,7 +1451,7 @@
             <a:fld id="{B61BEF0D-F0BB-DE4B-95CE-6DB70DBA9567}" type="datetimeFigureOut">
               <a:rPr lang="en-US" smtClean="0"/>
               <a:pPr/>
-              <a:t>11/17/2021</a:t>
+              <a:t>1/12/2022</a:t>
             </a:fld>
             <a:endParaRPr lang="en-US" dirty="0"/>
           </a:p>
@@ -1786,7 +1786,7 @@
             <a:fld id="{B61BEF0D-F0BB-DE4B-95CE-6DB70DBA9567}" type="datetimeFigureOut">
               <a:rPr lang="en-US" smtClean="0"/>
               <a:pPr/>
-              <a:t>11/17/2021</a:t>
+              <a:t>1/12/2022</a:t>
             </a:fld>
             <a:endParaRPr lang="en-US" dirty="0"/>
           </a:p>
@@ -2102,7 +2102,7 @@
             <a:fld id="{B61BEF0D-F0BB-DE4B-95CE-6DB70DBA9567}" type="datetimeFigureOut">
               <a:rPr lang="en-US" smtClean="0"/>
               <a:pPr/>
-              <a:t>11/17/2021</a:t>
+              <a:t>1/12/2022</a:t>
             </a:fld>
             <a:endParaRPr lang="en-US" dirty="0"/>
           </a:p>
@@ -2497,7 +2497,7 @@
             <a:fld id="{B61BEF0D-F0BB-DE4B-95CE-6DB70DBA9567}" type="datetimeFigureOut">
               <a:rPr lang="en-US" smtClean="0"/>
               <a:pPr/>
-              <a:t>11/17/2021</a:t>
+              <a:t>1/12/2022</a:t>
             </a:fld>
             <a:endParaRPr lang="en-US" dirty="0"/>
           </a:p>
@@ -2668,7 +2668,7 @@
           <a:p>
             <a:fld id="{55C6B4A9-1611-4792-9094-5F34BCA07E0B}" type="datetimeFigureOut">
               <a:rPr lang="en-US" smtClean="0"/>
-              <a:t>11/17/2021</a:t>
+              <a:t>1/12/2022</a:t>
             </a:fld>
             <a:endParaRPr lang="en-US" dirty="0"/>
           </a:p>
@@ -2849,7 +2849,7 @@
             <a:fld id="{B61BEF0D-F0BB-DE4B-95CE-6DB70DBA9567}" type="datetimeFigureOut">
               <a:rPr lang="en-US" smtClean="0"/>
               <a:pPr/>
-              <a:t>11/17/2021</a:t>
+              <a:t>1/12/2022</a:t>
             </a:fld>
             <a:endParaRPr lang="en-US" dirty="0"/>
           </a:p>
@@ -3021,7 +3021,7 @@
             <a:fld id="{B61BEF0D-F0BB-DE4B-95CE-6DB70DBA9567}" type="datetimeFigureOut">
               <a:rPr lang="en-US" smtClean="0"/>
               <a:pPr/>
-              <a:t>11/17/2021</a:t>
+              <a:t>1/12/2022</a:t>
             </a:fld>
             <a:endParaRPr lang="en-US" dirty="0"/>
           </a:p>
@@ -3270,7 +3270,7 @@
             <a:fld id="{B61BEF0D-F0BB-DE4B-95CE-6DB70DBA9567}" type="datetimeFigureOut">
               <a:rPr lang="en-US" smtClean="0"/>
               <a:pPr/>
-              <a:t>11/17/2021</a:t>
+              <a:t>1/12/2022</a:t>
             </a:fld>
             <a:endParaRPr lang="en-US" dirty="0"/>
           </a:p>
@@ -3503,7 +3503,7 @@
           <a:p>
             <a:fld id="{EB712588-04B1-427B-82EE-E8DB90309F08}" type="datetimeFigureOut">
               <a:rPr lang="en-US" smtClean="0"/>
-              <a:t>11/17/2021</a:t>
+              <a:t>1/12/2022</a:t>
             </a:fld>
             <a:endParaRPr lang="en-US" dirty="0"/>
           </a:p>
@@ -3878,7 +3878,7 @@
             <a:fld id="{B61BEF0D-F0BB-DE4B-95CE-6DB70DBA9567}" type="datetimeFigureOut">
               <a:rPr lang="en-US" smtClean="0"/>
               <a:pPr/>
-              <a:t>11/17/2021</a:t>
+              <a:t>1/12/2022</a:t>
             </a:fld>
             <a:endParaRPr lang="en-US" dirty="0"/>
           </a:p>
@@ -4003,7 +4003,7 @@
             <a:fld id="{B61BEF0D-F0BB-DE4B-95CE-6DB70DBA9567}" type="datetimeFigureOut">
               <a:rPr lang="en-US" smtClean="0"/>
               <a:pPr/>
-              <a:t>11/17/2021</a:t>
+              <a:t>1/12/2022</a:t>
             </a:fld>
             <a:endParaRPr lang="en-US" dirty="0"/>
           </a:p>
@@ -4100,7 +4100,7 @@
             <a:fld id="{B61BEF0D-F0BB-DE4B-95CE-6DB70DBA9567}" type="datetimeFigureOut">
               <a:rPr lang="en-US" smtClean="0"/>
               <a:pPr/>
-              <a:t>11/17/2021</a:t>
+              <a:t>1/12/2022</a:t>
             </a:fld>
             <a:endParaRPr lang="en-US" dirty="0"/>
           </a:p>
@@ -4356,7 +4356,7 @@
           <a:p>
             <a:fld id="{42A54C80-263E-416B-A8E0-580EDEADCBDC}" type="datetimeFigureOut">
               <a:rPr lang="en-US" smtClean="0"/>
-              <a:t>11/17/2021</a:t>
+              <a:t>1/12/2022</a:t>
             </a:fld>
             <a:endParaRPr lang="en-US" dirty="0"/>
           </a:p>
@@ -4663,7 +4663,7 @@
             <a:fld id="{B61BEF0D-F0BB-DE4B-95CE-6DB70DBA9567}" type="datetimeFigureOut">
               <a:rPr lang="en-US" smtClean="0"/>
               <a:pPr/>
-              <a:t>11/17/2021</a:t>
+              <a:t>1/12/2022</a:t>
             </a:fld>
             <a:endParaRPr lang="en-US" dirty="0"/>
           </a:p>
@@ -5366,7 +5366,7 @@
             <a:fld id="{B61BEF0D-F0BB-DE4B-95CE-6DB70DBA9567}" type="datetimeFigureOut">
               <a:rPr lang="en-US" smtClean="0"/>
               <a:pPr/>
-              <a:t>11/17/2021</a:t>
+              <a:t>1/12/2022</a:t>
             </a:fld>
             <a:endParaRPr lang="en-US" dirty="0"/>
           </a:p>
@@ -5492,37 +5492,28 @@
       </p:pic>
       <p:sp>
         <p:nvSpPr>
-          <p:cNvPr id="29" name="文字方塊 28"/>
-          <p:cNvSpPr txBox="1"/>
+          <p:cNvPr id="7" name="矩形 6"/>
+          <p:cNvSpPr/>
           <p:nvPr userDrawn="1"/>
         </p:nvSpPr>
         <p:spPr>
           <a:xfrm>
-            <a:off x="442279" y="6488668"/>
-            <a:ext cx="4487126" cy="369332"/>
+            <a:off x="448733" y="6474723"/>
+            <a:ext cx="2789546" cy="369332"/>
           </a:xfrm>
           <a:prstGeom prst="rect">
             <a:avLst/>
           </a:prstGeom>
-          <a:noFill/>
         </p:spPr>
         <p:txBody>
-          <a:bodyPr wrap="none" rtlCol="0">
+          <a:bodyPr wrap="none">
             <a:spAutoFit/>
           </a:bodyPr>
           <a:lstStyle/>
           <a:p>
             <a:r>
               <a:rPr lang="zh-TW" altLang="en-US" dirty="0" smtClean="0"/>
-              <a:t>投影片下載網址：</a:t>
-            </a:r>
-            <a:r>
-              <a:rPr lang="en-US" altLang="zh-TW" dirty="0"/>
-              <a:t>https://</a:t>
-            </a:r>
-            <a:r>
-              <a:rPr lang="en-US" altLang="zh-TW" dirty="0" smtClean="0"/>
-              <a:t>reurl.cc/l5ADbl</a:t>
+              <a:t>https://reurl.cc/MbkNaK</a:t>
             </a:r>
             <a:endParaRPr lang="zh-TW" altLang="en-US" dirty="0"/>
           </a:p>
@@ -6080,14 +6071,14 @@
       </p:pic>
       <p:sp>
         <p:nvSpPr>
-          <p:cNvPr id="8" name="文字方塊 7"/>
+          <p:cNvPr id="6" name="文字方塊 5"/>
           <p:cNvSpPr txBox="1"/>
           <p:nvPr/>
         </p:nvSpPr>
         <p:spPr>
           <a:xfrm>
-            <a:off x="656967" y="321706"/>
-            <a:ext cx="4487126" cy="369332"/>
+            <a:off x="528866" y="341708"/>
+            <a:ext cx="4636206" cy="369332"/>
           </a:xfrm>
           <a:prstGeom prst="rect">
             <a:avLst/>
@@ -6106,11 +6097,7 @@
             </a:r>
             <a:r>
               <a:rPr lang="en-US" altLang="zh-TW" dirty="0"/>
-              <a:t>https://</a:t>
-            </a:r>
-            <a:r>
-              <a:rPr lang="en-US" altLang="zh-TW" dirty="0" smtClean="0"/>
-              <a:t>reurl.cc/l5ADbl</a:t>
+              <a:t>https://reurl.cc/MbkNaK</a:t>
             </a:r>
             <a:endParaRPr lang="zh-TW" altLang="en-US" dirty="0"/>
           </a:p>
@@ -6118,22 +6105,28 @@
       </p:sp>
       <p:pic>
         <p:nvPicPr>
-          <p:cNvPr id="9" name="圖片 8"/>
+          <p:cNvPr id="7" name="圖片 6"/>
           <p:cNvPicPr>
             <a:picLocks noChangeAspect="1"/>
           </p:cNvPicPr>
           <p:nvPr/>
         </p:nvPicPr>
         <p:blipFill>
-          <a:blip r:embed="rId3"/>
+          <a:blip r:embed="rId3">
+            <a:extLst>
+              <a:ext uri="{28A0092B-C50C-407E-A947-70E740481C1C}">
+                <a14:useLocalDpi xmlns:a14="http://schemas.microsoft.com/office/drawing/2010/main" val="0"/>
+              </a:ext>
+            </a:extLst>
+          </a:blip>
           <a:stretch>
             <a:fillRect/>
           </a:stretch>
         </p:blipFill>
         <p:spPr>
           <a:xfrm>
-            <a:off x="848991" y="691038"/>
-            <a:ext cx="1882925" cy="1882925"/>
+            <a:off x="792692" y="711040"/>
+            <a:ext cx="1428750" cy="1428750"/>
           </a:xfrm>
           <a:prstGeom prst="rect">
             <a:avLst/>
